--- a/UnitTestingInPython.pptx
+++ b/UnitTestingInPython.pptx
@@ -10,9 +10,10 @@
     <p:sldId id="268" r:id="rId4"/>
     <p:sldId id="264" r:id="rId5"/>
     <p:sldId id="263" r:id="rId6"/>
-    <p:sldId id="265" r:id="rId7"/>
-    <p:sldId id="269" r:id="rId8"/>
-    <p:sldId id="258" r:id="rId9"/>
+    <p:sldId id="270" r:id="rId7"/>
+    <p:sldId id="265" r:id="rId8"/>
+    <p:sldId id="269" r:id="rId9"/>
+    <p:sldId id="258" r:id="rId10"/>
   </p:sldIdLst>
   <p:sldSz cx="12192000" cy="6858000"/>
   <p:notesSz cx="6858000" cy="9144000"/>
@@ -17452,7 +17453,7 @@
           <a:p>
             <a:fld id="{2395C5C9-164C-46B3-A87E-7660D39D3106}" type="datetime2">
               <a:rPr lang="en-US" smtClean="0"/>
-              <a:t>Monday, December 4, 2023</a:t>
+              <a:t>Monday, December 18, 2023</a:t>
             </a:fld>
             <a:endParaRPr lang="en-US" dirty="0"/>
           </a:p>
@@ -17655,7 +17656,7 @@
           <a:p>
             <a:fld id="{5B75179A-1E2B-41AB-B400-4F1B4022FAEE}" type="datetime2">
               <a:rPr lang="en-US" smtClean="0"/>
-              <a:t>Monday, December 4, 2023</a:t>
+              <a:t>Monday, December 18, 2023</a:t>
             </a:fld>
             <a:endParaRPr lang="en-US"/>
           </a:p>
@@ -17868,7 +17869,7 @@
           <a:p>
             <a:fld id="{05681D0F-6595-4F14-8EF3-954CD87C797B}" type="datetime2">
               <a:rPr lang="en-US" smtClean="0"/>
-              <a:t>Monday, December 4, 2023</a:t>
+              <a:t>Monday, December 18, 2023</a:t>
             </a:fld>
             <a:endParaRPr lang="en-US"/>
           </a:p>
@@ -18070,7 +18071,7 @@
           <a:p>
             <a:fld id="{4DDCFF8A-AAF8-4A12-8A91-9CA0EAF6CBB9}" type="datetime2">
               <a:rPr lang="en-US" smtClean="0"/>
-              <a:t>Monday, December 4, 2023</a:t>
+              <a:t>Monday, December 18, 2023</a:t>
             </a:fld>
             <a:endParaRPr lang="en-US" dirty="0"/>
           </a:p>
@@ -18349,7 +18350,7 @@
           <a:p>
             <a:fld id="{ABCC25C3-021A-4B0B-8F70-0C181FE1CF45}" type="datetime2">
               <a:rPr lang="en-US" smtClean="0"/>
-              <a:t>Monday, December 4, 2023</a:t>
+              <a:t>Monday, December 18, 2023</a:t>
             </a:fld>
             <a:endParaRPr lang="en-US"/>
           </a:p>
@@ -18609,7 +18610,7 @@
           <a:p>
             <a:fld id="{0C23D88D-8CEC-4ED9-A53B-5596187D9A16}" type="datetime2">
               <a:rPr lang="en-US" smtClean="0"/>
-              <a:t>Monday, December 4, 2023</a:t>
+              <a:t>Monday, December 18, 2023</a:t>
             </a:fld>
             <a:endParaRPr lang="en-US"/>
           </a:p>
@@ -19025,7 +19026,7 @@
           <a:p>
             <a:fld id="{D2CCD382-DFDA-4722-A27A-59C21AD112F2}" type="datetime2">
               <a:rPr lang="en-US" smtClean="0"/>
-              <a:t>Monday, December 4, 2023</a:t>
+              <a:t>Monday, December 18, 2023</a:t>
             </a:fld>
             <a:endParaRPr lang="en-US"/>
           </a:p>
@@ -19170,7 +19171,7 @@
           <a:p>
             <a:fld id="{22F2A30D-1C09-413F-AAB1-38F366000715}" type="datetime2">
               <a:rPr lang="en-US" smtClean="0"/>
-              <a:t>Monday, December 4, 2023</a:t>
+              <a:t>Monday, December 18, 2023</a:t>
             </a:fld>
             <a:endParaRPr lang="en-US"/>
           </a:p>
@@ -19292,7 +19293,7 @@
           <a:p>
             <a:fld id="{6DB82B9C-D65E-4F64-95C3-B10F3B00F0D9}" type="datetime2">
               <a:rPr lang="en-US" smtClean="0"/>
-              <a:t>Monday, December 4, 2023</a:t>
+              <a:t>Monday, December 18, 2023</a:t>
             </a:fld>
             <a:endParaRPr lang="en-US"/>
           </a:p>
@@ -19615,7 +19616,7 @@
           <a:p>
             <a:fld id="{B7F5FDCC-6AAC-4A08-B9E0-3793AB5E64C3}" type="datetime2">
               <a:rPr lang="en-US" smtClean="0"/>
-              <a:t>Monday, December 4, 2023</a:t>
+              <a:t>Monday, December 18, 2023</a:t>
             </a:fld>
             <a:endParaRPr lang="en-US"/>
           </a:p>
@@ -19903,7 +19904,7 @@
           <a:p>
             <a:fld id="{349FE94D-439C-40F1-900E-BC07940E3988}" type="datetime2">
               <a:rPr lang="en-US" smtClean="0"/>
-              <a:t>Monday, December 4, 2023</a:t>
+              <a:t>Monday, December 18, 2023</a:t>
             </a:fld>
             <a:endParaRPr lang="en-US"/>
           </a:p>
@@ -20191,7 +20192,7 @@
           <a:p>
             <a:fld id="{8DEA2CF1-0EB2-4673-802D-3371233E4A77}" type="datetime2">
               <a:rPr lang="en-US" smtClean="0"/>
-              <a:t>Monday, December 4, 2023</a:t>
+              <a:t>Monday, December 18, 2023</a:t>
             </a:fld>
             <a:endParaRPr lang="en-US" dirty="0"/>
           </a:p>
@@ -22579,6 +22580,110 @@
 <file path=ppt/slides/slide6.xml><?xml version="1.0" encoding="utf-8"?>
 <p:sld xmlns:a="http://schemas.openxmlformats.org/drawingml/2006/main" xmlns:r="http://schemas.openxmlformats.org/officeDocument/2006/relationships" xmlns:p="http://schemas.openxmlformats.org/presentationml/2006/main">
   <p:cSld>
+    <p:spTree>
+      <p:nvGrpSpPr>
+        <p:cNvPr id="1" name=""/>
+        <p:cNvGrpSpPr/>
+        <p:nvPr/>
+      </p:nvGrpSpPr>
+      <p:grpSpPr>
+        <a:xfrm>
+          <a:off x="0" y="0"/>
+          <a:ext cx="0" cy="0"/>
+          <a:chOff x="0" y="0"/>
+          <a:chExt cx="0" cy="0"/>
+        </a:xfrm>
+      </p:grpSpPr>
+      <p:sp>
+        <p:nvSpPr>
+          <p:cNvPr id="2" name="Title 1">
+            <a:extLst>
+              <a:ext uri="{FF2B5EF4-FFF2-40B4-BE49-F238E27FC236}">
+                <a16:creationId xmlns:a16="http://schemas.microsoft.com/office/drawing/2014/main" id="{8625A65F-4F88-B037-74F7-7C55CEEEC050}"/>
+              </a:ext>
+            </a:extLst>
+          </p:cNvPr>
+          <p:cNvSpPr>
+            <a:spLocks noGrp="1"/>
+          </p:cNvSpPr>
+          <p:nvPr>
+            <p:ph type="title"/>
+          </p:nvPr>
+        </p:nvSpPr>
+        <p:spPr/>
+        <p:txBody>
+          <a:bodyPr/>
+          <a:lstStyle/>
+          <a:p>
+            <a:r>
+              <a:rPr lang="en-CA" dirty="0"/>
+              <a:t>Examples</a:t>
+            </a:r>
+          </a:p>
+        </p:txBody>
+      </p:sp>
+      <p:sp>
+        <p:nvSpPr>
+          <p:cNvPr id="3" name="Content Placeholder 2">
+            <a:extLst>
+              <a:ext uri="{FF2B5EF4-FFF2-40B4-BE49-F238E27FC236}">
+                <a16:creationId xmlns:a16="http://schemas.microsoft.com/office/drawing/2014/main" id="{A81987E6-74F5-405A-0CAF-2A3AEA8B57E2}"/>
+              </a:ext>
+            </a:extLst>
+          </p:cNvPr>
+          <p:cNvSpPr>
+            <a:spLocks noGrp="1"/>
+          </p:cNvSpPr>
+          <p:nvPr>
+            <p:ph idx="1"/>
+          </p:nvPr>
+        </p:nvSpPr>
+        <p:spPr/>
+        <p:txBody>
+          <a:bodyPr/>
+          <a:lstStyle/>
+          <a:p>
+            <a:r>
+              <a:rPr lang="en-CA" dirty="0"/>
+              <a:t>Code</a:t>
+            </a:r>
+          </a:p>
+          <a:p>
+            <a:r>
+              <a:rPr lang="en-CA" dirty="0"/>
+              <a:t>Code + Test Case</a:t>
+            </a:r>
+          </a:p>
+          <a:p>
+            <a:r>
+              <a:rPr lang="en-CA" dirty="0"/>
+              <a:t>Code + Test Case + Test Fixture</a:t>
+            </a:r>
+          </a:p>
+          <a:p>
+            <a:r>
+              <a:rPr lang="en-CA" dirty="0"/>
+              <a:t>Code + Parameterized Test Fixtures + Test Cases</a:t>
+            </a:r>
+          </a:p>
+        </p:txBody>
+      </p:sp>
+    </p:spTree>
+    <p:extLst>
+      <p:ext uri="{BB962C8B-B14F-4D97-AF65-F5344CB8AC3E}">
+        <p14:creationId xmlns:p14="http://schemas.microsoft.com/office/powerpoint/2010/main" val="3933511610"/>
+      </p:ext>
+    </p:extLst>
+  </p:cSld>
+  <p:clrMapOvr>
+    <a:masterClrMapping/>
+  </p:clrMapOvr>
+</p:sld>
+</file>
+
+<file path=ppt/slides/slide7.xml><?xml version="1.0" encoding="utf-8"?>
+<p:sld xmlns:a="http://schemas.openxmlformats.org/drawingml/2006/main" xmlns:r="http://schemas.openxmlformats.org/officeDocument/2006/relationships" xmlns:p="http://schemas.openxmlformats.org/presentationml/2006/main">
+  <p:cSld>
     <p:bg>
       <p:bgPr>
         <a:solidFill>
@@ -24172,7 +24277,7 @@
 </p:sld>
 </file>
 
-<file path=ppt/slides/slide7.xml><?xml version="1.0" encoding="utf-8"?>
+<file path=ppt/slides/slide8.xml><?xml version="1.0" encoding="utf-8"?>
 <p:sld xmlns:a="http://schemas.openxmlformats.org/drawingml/2006/main" xmlns:r="http://schemas.openxmlformats.org/officeDocument/2006/relationships" xmlns:p="http://schemas.openxmlformats.org/presentationml/2006/main">
   <p:cSld>
     <p:bg>
@@ -25748,7 +25853,7 @@
 </p:sld>
 </file>
 
-<file path=ppt/slides/slide8.xml><?xml version="1.0" encoding="utf-8"?>
+<file path=ppt/slides/slide9.xml><?xml version="1.0" encoding="utf-8"?>
 <p:sld xmlns:a="http://schemas.openxmlformats.org/drawingml/2006/main" xmlns:r="http://schemas.openxmlformats.org/officeDocument/2006/relationships" xmlns:p="http://schemas.openxmlformats.org/presentationml/2006/main">
   <p:cSld>
     <p:bg>

--- a/UnitTestingInPython.pptx
+++ b/UnitTestingInPython.pptx
@@ -10,10 +10,14 @@
     <p:sldId id="268" r:id="rId4"/>
     <p:sldId id="264" r:id="rId5"/>
     <p:sldId id="263" r:id="rId6"/>
-    <p:sldId id="270" r:id="rId7"/>
-    <p:sldId id="265" r:id="rId8"/>
-    <p:sldId id="269" r:id="rId9"/>
-    <p:sldId id="258" r:id="rId10"/>
+    <p:sldId id="258" r:id="rId7"/>
+    <p:sldId id="272" r:id="rId8"/>
+    <p:sldId id="273" r:id="rId9"/>
+    <p:sldId id="274" r:id="rId10"/>
+    <p:sldId id="276" r:id="rId11"/>
+    <p:sldId id="265" r:id="rId12"/>
+    <p:sldId id="269" r:id="rId13"/>
+    <p:sldId id="275" r:id="rId14"/>
   </p:sldIdLst>
   <p:sldSz cx="12192000" cy="6858000"/>
   <p:notesSz cx="6858000" cy="9144000"/>
@@ -17453,7 +17457,7 @@
           <a:p>
             <a:fld id="{2395C5C9-164C-46B3-A87E-7660D39D3106}" type="datetime2">
               <a:rPr lang="en-US" smtClean="0"/>
-              <a:t>Monday, December 18, 2023</a:t>
+              <a:t>Thursday, December 21, 2023</a:t>
             </a:fld>
             <a:endParaRPr lang="en-US" dirty="0"/>
           </a:p>
@@ -17656,7 +17660,7 @@
           <a:p>
             <a:fld id="{5B75179A-1E2B-41AB-B400-4F1B4022FAEE}" type="datetime2">
               <a:rPr lang="en-US" smtClean="0"/>
-              <a:t>Monday, December 18, 2023</a:t>
+              <a:t>Thursday, December 21, 2023</a:t>
             </a:fld>
             <a:endParaRPr lang="en-US"/>
           </a:p>
@@ -17869,7 +17873,7 @@
           <a:p>
             <a:fld id="{05681D0F-6595-4F14-8EF3-954CD87C797B}" type="datetime2">
               <a:rPr lang="en-US" smtClean="0"/>
-              <a:t>Monday, December 18, 2023</a:t>
+              <a:t>Thursday, December 21, 2023</a:t>
             </a:fld>
             <a:endParaRPr lang="en-US"/>
           </a:p>
@@ -18071,7 +18075,7 @@
           <a:p>
             <a:fld id="{4DDCFF8A-AAF8-4A12-8A91-9CA0EAF6CBB9}" type="datetime2">
               <a:rPr lang="en-US" smtClean="0"/>
-              <a:t>Monday, December 18, 2023</a:t>
+              <a:t>Thursday, December 21, 2023</a:t>
             </a:fld>
             <a:endParaRPr lang="en-US" dirty="0"/>
           </a:p>
@@ -18350,7 +18354,7 @@
           <a:p>
             <a:fld id="{ABCC25C3-021A-4B0B-8F70-0C181FE1CF45}" type="datetime2">
               <a:rPr lang="en-US" smtClean="0"/>
-              <a:t>Monday, December 18, 2023</a:t>
+              <a:t>Thursday, December 21, 2023</a:t>
             </a:fld>
             <a:endParaRPr lang="en-US"/>
           </a:p>
@@ -18610,7 +18614,7 @@
           <a:p>
             <a:fld id="{0C23D88D-8CEC-4ED9-A53B-5596187D9A16}" type="datetime2">
               <a:rPr lang="en-US" smtClean="0"/>
-              <a:t>Monday, December 18, 2023</a:t>
+              <a:t>Thursday, December 21, 2023</a:t>
             </a:fld>
             <a:endParaRPr lang="en-US"/>
           </a:p>
@@ -19026,7 +19030,7 @@
           <a:p>
             <a:fld id="{D2CCD382-DFDA-4722-A27A-59C21AD112F2}" type="datetime2">
               <a:rPr lang="en-US" smtClean="0"/>
-              <a:t>Monday, December 18, 2023</a:t>
+              <a:t>Thursday, December 21, 2023</a:t>
             </a:fld>
             <a:endParaRPr lang="en-US"/>
           </a:p>
@@ -19171,7 +19175,7 @@
           <a:p>
             <a:fld id="{22F2A30D-1C09-413F-AAB1-38F366000715}" type="datetime2">
               <a:rPr lang="en-US" smtClean="0"/>
-              <a:t>Monday, December 18, 2023</a:t>
+              <a:t>Thursday, December 21, 2023</a:t>
             </a:fld>
             <a:endParaRPr lang="en-US"/>
           </a:p>
@@ -19293,7 +19297,7 @@
           <a:p>
             <a:fld id="{6DB82B9C-D65E-4F64-95C3-B10F3B00F0D9}" type="datetime2">
               <a:rPr lang="en-US" smtClean="0"/>
-              <a:t>Monday, December 18, 2023</a:t>
+              <a:t>Thursday, December 21, 2023</a:t>
             </a:fld>
             <a:endParaRPr lang="en-US"/>
           </a:p>
@@ -19616,7 +19620,7 @@
           <a:p>
             <a:fld id="{B7F5FDCC-6AAC-4A08-B9E0-3793AB5E64C3}" type="datetime2">
               <a:rPr lang="en-US" smtClean="0"/>
-              <a:t>Monday, December 18, 2023</a:t>
+              <a:t>Thursday, December 21, 2023</a:t>
             </a:fld>
             <a:endParaRPr lang="en-US"/>
           </a:p>
@@ -19904,7 +19908,7 @@
           <a:p>
             <a:fld id="{349FE94D-439C-40F1-900E-BC07940E3988}" type="datetime2">
               <a:rPr lang="en-US" smtClean="0"/>
-              <a:t>Monday, December 18, 2023</a:t>
+              <a:t>Thursday, December 21, 2023</a:t>
             </a:fld>
             <a:endParaRPr lang="en-US"/>
           </a:p>
@@ -20192,7 +20196,7 @@
           <a:p>
             <a:fld id="{8DEA2CF1-0EB2-4673-802D-3371233E4A77}" type="datetime2">
               <a:rPr lang="en-US" smtClean="0"/>
-              <a:t>Monday, December 18, 2023</a:t>
+              <a:t>Thursday, December 21, 2023</a:t>
             </a:fld>
             <a:endParaRPr lang="en-US" dirty="0"/>
           </a:p>
@@ -20943,6 +20947,4681 @@
     <p:extLst>
       <p:ext uri="{BB962C8B-B14F-4D97-AF65-F5344CB8AC3E}">
         <p14:creationId xmlns:p14="http://schemas.microsoft.com/office/powerpoint/2010/main" val="3953918262"/>
+      </p:ext>
+    </p:extLst>
+  </p:cSld>
+  <p:clrMapOvr>
+    <a:masterClrMapping/>
+  </p:clrMapOvr>
+</p:sld>
+</file>
+
+<file path=ppt/slides/slide10.xml><?xml version="1.0" encoding="utf-8"?>
+<p:sld xmlns:a="http://schemas.openxmlformats.org/drawingml/2006/main" xmlns:r="http://schemas.openxmlformats.org/officeDocument/2006/relationships" xmlns:p="http://schemas.openxmlformats.org/presentationml/2006/main">
+  <p:cSld>
+    <p:bg>
+      <p:bgPr>
+        <a:solidFill>
+          <a:schemeClr val="bg2"/>
+        </a:solidFill>
+        <a:effectLst/>
+      </p:bgPr>
+    </p:bg>
+    <p:spTree>
+      <p:nvGrpSpPr>
+        <p:cNvPr id="1" name=""/>
+        <p:cNvGrpSpPr/>
+        <p:nvPr/>
+      </p:nvGrpSpPr>
+      <p:grpSpPr>
+        <a:xfrm>
+          <a:off x="0" y="0"/>
+          <a:ext cx="0" cy="0"/>
+          <a:chOff x="0" y="0"/>
+          <a:chExt cx="0" cy="0"/>
+        </a:xfrm>
+      </p:grpSpPr>
+      <p:sp useBgFill="1">
+        <p:nvSpPr>
+          <p:cNvPr id="19" name="Rectangle 18">
+            <a:extLst>
+              <a:ext uri="{FF2B5EF4-FFF2-40B4-BE49-F238E27FC236}">
+                <a16:creationId xmlns:a16="http://schemas.microsoft.com/office/drawing/2014/main" id="{AA32DEB2-F749-473E-8163-50609FD3F0F7}"/>
+              </a:ext>
+              <a:ext uri="{C183D7F6-B498-43B3-948B-1728B52AA6E4}">
+                <adec:decorative xmlns:adec="http://schemas.microsoft.com/office/drawing/2017/decorative" val="1"/>
+              </a:ext>
+            </a:extLst>
+          </p:cNvPr>
+          <p:cNvSpPr>
+            <a:spLocks noGrp="1" noRot="1" noChangeAspect="1" noMove="1" noResize="1" noEditPoints="1" noAdjustHandles="1" noChangeArrowheads="1" noChangeShapeType="1" noTextEdit="1"/>
+          </p:cNvSpPr>
+          <p:nvPr>
+            <p:extLst>
+              <p:ext uri="{386F3935-93C4-4BCD-93E2-E3B085C9AB24}">
+                <p16:designElem xmlns:p16="http://schemas.microsoft.com/office/powerpoint/2015/main" val="1"/>
+              </p:ext>
+            </p:extLst>
+          </p:nvPr>
+        </p:nvSpPr>
+        <p:spPr>
+          <a:xfrm>
+            <a:off x="0" y="0"/>
+            <a:ext cx="12192000" cy="6858000"/>
+          </a:xfrm>
+          <a:prstGeom prst="rect">
+            <a:avLst/>
+          </a:prstGeom>
+          <a:ln w="12700" cap="flat" cmpd="sng" algn="ctr">
+            <a:noFill/>
+            <a:prstDash val="solid"/>
+            <a:miter lim="800000"/>
+          </a:ln>
+          <a:effectLst/>
+        </p:spPr>
+        <p:style>
+          <a:lnRef idx="2">
+            <a:schemeClr val="accent1">
+              <a:shade val="50000"/>
+            </a:schemeClr>
+          </a:lnRef>
+          <a:fillRef idx="1">
+            <a:schemeClr val="accent1"/>
+          </a:fillRef>
+          <a:effectRef idx="0">
+            <a:schemeClr val="accent1"/>
+          </a:effectRef>
+          <a:fontRef idx="minor">
+            <a:schemeClr val="lt1"/>
+          </a:fontRef>
+        </p:style>
+        <p:txBody>
+          <a:bodyPr rtlCol="0" anchor="ctr"/>
+          <a:lstStyle/>
+          <a:p>
+            <a:pPr algn="ctr"/>
+            <a:endParaRPr lang="en-US"/>
+          </a:p>
+        </p:txBody>
+      </p:sp>
+      <p:sp>
+        <p:nvSpPr>
+          <p:cNvPr id="21" name="Rectangle 20">
+            <a:extLst>
+              <a:ext uri="{FF2B5EF4-FFF2-40B4-BE49-F238E27FC236}">
+                <a16:creationId xmlns:a16="http://schemas.microsoft.com/office/drawing/2014/main" id="{72217C68-2C96-4AA6-8C3B-876ACBAA0429}"/>
+              </a:ext>
+              <a:ext uri="{C183D7F6-B498-43B3-948B-1728B52AA6E4}">
+                <adec:decorative xmlns:adec="http://schemas.microsoft.com/office/drawing/2017/decorative" val="1"/>
+              </a:ext>
+            </a:extLst>
+          </p:cNvPr>
+          <p:cNvSpPr>
+            <a:spLocks noGrp="1" noRot="1" noChangeAspect="1" noMove="1" noResize="1" noEditPoints="1" noAdjustHandles="1" noChangeArrowheads="1" noChangeShapeType="1" noTextEdit="1"/>
+          </p:cNvSpPr>
+          <p:nvPr>
+            <p:extLst>
+              <p:ext uri="{386F3935-93C4-4BCD-93E2-E3B085C9AB24}">
+                <p16:designElem xmlns:p16="http://schemas.microsoft.com/office/powerpoint/2015/main" val="1"/>
+              </p:ext>
+            </p:extLst>
+          </p:nvPr>
+        </p:nvSpPr>
+        <p:spPr>
+          <a:xfrm>
+            <a:off x="0" y="0"/>
+            <a:ext cx="12192000" cy="6858000"/>
+          </a:xfrm>
+          <a:prstGeom prst="rect">
+            <a:avLst/>
+          </a:prstGeom>
+          <a:solidFill>
+            <a:schemeClr val="bg2">
+              <a:lumMod val="90000"/>
+              <a:lumOff val="10000"/>
+            </a:schemeClr>
+          </a:solidFill>
+          <a:ln w="12700" cap="flat" cmpd="sng" algn="ctr">
+            <a:noFill/>
+            <a:prstDash val="solid"/>
+            <a:miter lim="800000"/>
+          </a:ln>
+          <a:effectLst/>
+        </p:spPr>
+        <p:style>
+          <a:lnRef idx="2">
+            <a:schemeClr val="accent1">
+              <a:shade val="50000"/>
+            </a:schemeClr>
+          </a:lnRef>
+          <a:fillRef idx="1">
+            <a:schemeClr val="accent1"/>
+          </a:fillRef>
+          <a:effectRef idx="0">
+            <a:schemeClr val="accent1"/>
+          </a:effectRef>
+          <a:fontRef idx="minor">
+            <a:schemeClr val="lt1"/>
+          </a:fontRef>
+        </p:style>
+        <p:txBody>
+          <a:bodyPr rtlCol="0" anchor="ctr"/>
+          <a:lstStyle/>
+          <a:p>
+            <a:pPr algn="ctr"/>
+            <a:endParaRPr lang="en-US"/>
+          </a:p>
+        </p:txBody>
+      </p:sp>
+      <p:sp>
+        <p:nvSpPr>
+          <p:cNvPr id="2" name="Title 1">
+            <a:extLst>
+              <a:ext uri="{FF2B5EF4-FFF2-40B4-BE49-F238E27FC236}">
+                <a16:creationId xmlns:a16="http://schemas.microsoft.com/office/drawing/2014/main" id="{F8E0C0D6-5E83-D59F-44FA-372CA6166EE7}"/>
+              </a:ext>
+            </a:extLst>
+          </p:cNvPr>
+          <p:cNvSpPr>
+            <a:spLocks noGrp="1"/>
+          </p:cNvSpPr>
+          <p:nvPr>
+            <p:ph type="title"/>
+          </p:nvPr>
+        </p:nvSpPr>
+        <p:spPr>
+          <a:xfrm>
+            <a:off x="720000" y="619200"/>
+            <a:ext cx="3095626" cy="1476000"/>
+          </a:xfrm>
+        </p:spPr>
+        <p:txBody>
+          <a:bodyPr>
+            <a:normAutofit/>
+          </a:bodyPr>
+          <a:lstStyle/>
+          <a:p>
+            <a:r>
+              <a:rPr lang="en-CA" dirty="0"/>
+              <a:t>Example 4: Scale it up</a:t>
+            </a:r>
+          </a:p>
+        </p:txBody>
+      </p:sp>
+      <p:sp>
+        <p:nvSpPr>
+          <p:cNvPr id="3" name="Content Placeholder 2">
+            <a:extLst>
+              <a:ext uri="{FF2B5EF4-FFF2-40B4-BE49-F238E27FC236}">
+                <a16:creationId xmlns:a16="http://schemas.microsoft.com/office/drawing/2014/main" id="{4F1C042C-41F8-88AA-0E27-8967F3CD5EDC}"/>
+              </a:ext>
+            </a:extLst>
+          </p:cNvPr>
+          <p:cNvSpPr>
+            <a:spLocks noGrp="1"/>
+          </p:cNvSpPr>
+          <p:nvPr>
+            <p:ph idx="1"/>
+          </p:nvPr>
+        </p:nvSpPr>
+        <p:spPr>
+          <a:xfrm>
+            <a:off x="4548188" y="633600"/>
+            <a:ext cx="6900137" cy="1282513"/>
+          </a:xfrm>
+        </p:spPr>
+        <p:txBody>
+          <a:bodyPr>
+            <a:normAutofit/>
+          </a:bodyPr>
+          <a:lstStyle/>
+          <a:p>
+            <a:pPr>
+              <a:lnSpc>
+                <a:spcPct val="110000"/>
+              </a:lnSpc>
+            </a:pPr>
+            <a:r>
+              <a:rPr lang="en-CA" dirty="0"/>
+              <a:t>Fixtures can use other fixtures</a:t>
+            </a:r>
+          </a:p>
+          <a:p>
+            <a:pPr>
+              <a:lnSpc>
+                <a:spcPct val="110000"/>
+              </a:lnSpc>
+            </a:pPr>
+            <a:r>
+              <a:rPr lang="en-CA" dirty="0"/>
+              <a:t>Can use many fixtures</a:t>
+            </a:r>
+          </a:p>
+          <a:p>
+            <a:pPr>
+              <a:lnSpc>
+                <a:spcPct val="110000"/>
+              </a:lnSpc>
+            </a:pPr>
+            <a:r>
+              <a:rPr lang="en-CA" dirty="0"/>
+              <a:t>Fixtures can setup and teardown</a:t>
+            </a:r>
+          </a:p>
+        </p:txBody>
+      </p:sp>
+      <p:sp useBgFill="1">
+        <p:nvSpPr>
+          <p:cNvPr id="23" name="Freeform: Shape 22">
+            <a:extLst>
+              <a:ext uri="{FF2B5EF4-FFF2-40B4-BE49-F238E27FC236}">
+                <a16:creationId xmlns:a16="http://schemas.microsoft.com/office/drawing/2014/main" id="{713C28E7-3F64-4B98-9E91-E3E78398A7C2}"/>
+              </a:ext>
+              <a:ext uri="{C183D7F6-B498-43B3-948B-1728B52AA6E4}">
+                <adec:decorative xmlns:adec="http://schemas.microsoft.com/office/drawing/2017/decorative" val="1"/>
+              </a:ext>
+            </a:extLst>
+          </p:cNvPr>
+          <p:cNvSpPr>
+            <a:spLocks noGrp="1" noRot="1" noChangeAspect="1" noMove="1" noResize="1" noEditPoints="1" noAdjustHandles="1" noChangeArrowheads="1" noChangeShapeType="1" noTextEdit="1"/>
+          </p:cNvSpPr>
+          <p:nvPr>
+            <p:extLst>
+              <p:ext uri="{386F3935-93C4-4BCD-93E2-E3B085C9AB24}">
+                <p16:designElem xmlns:p16="http://schemas.microsoft.com/office/powerpoint/2015/main" val="1"/>
+              </p:ext>
+            </p:extLst>
+          </p:nvPr>
+        </p:nvSpPr>
+        <p:spPr>
+          <a:xfrm>
+            <a:off x="0" y="2549712"/>
+            <a:ext cx="12192000" cy="4308287"/>
+          </a:xfrm>
+          <a:custGeom>
+            <a:avLst/>
+            <a:gdLst>
+              <a:gd name="connsiteX0" fmla="*/ 8433532 w 12192000"/>
+              <a:gd name="connsiteY0" fmla="*/ 0 h 4430824"/>
+              <a:gd name="connsiteX1" fmla="*/ 10752995 w 12192000"/>
+              <a:gd name="connsiteY1" fmla="*/ 67992 h 4430824"/>
+              <a:gd name="connsiteX2" fmla="*/ 11679766 w 12192000"/>
+              <a:gd name="connsiteY2" fmla="*/ 57486 h 4430824"/>
+              <a:gd name="connsiteX3" fmla="*/ 12192000 w 12192000"/>
+              <a:gd name="connsiteY3" fmla="*/ 51680 h 4430824"/>
+              <a:gd name="connsiteX4" fmla="*/ 12192000 w 12192000"/>
+              <a:gd name="connsiteY4" fmla="*/ 4430824 h 4430824"/>
+              <a:gd name="connsiteX5" fmla="*/ 0 w 12192000"/>
+              <a:gd name="connsiteY5" fmla="*/ 4430824 h 4430824"/>
+              <a:gd name="connsiteX6" fmla="*/ 0 w 12192000"/>
+              <a:gd name="connsiteY6" fmla="*/ 95596 h 4430824"/>
+              <a:gd name="connsiteX7" fmla="*/ 110687 w 12192000"/>
+              <a:gd name="connsiteY7" fmla="*/ 94341 h 4430824"/>
+              <a:gd name="connsiteX8" fmla="*/ 324281 w 12192000"/>
+              <a:gd name="connsiteY8" fmla="*/ 91920 h 4430824"/>
+              <a:gd name="connsiteX9" fmla="*/ 8433532 w 12192000"/>
+              <a:gd name="connsiteY9" fmla="*/ 0 h 4430824"/>
+            </a:gdLst>
+            <a:ahLst/>
+            <a:cxnLst>
+              <a:cxn ang="0">
+                <a:pos x="connsiteX0" y="connsiteY0"/>
+              </a:cxn>
+              <a:cxn ang="0">
+                <a:pos x="connsiteX1" y="connsiteY1"/>
+              </a:cxn>
+              <a:cxn ang="0">
+                <a:pos x="connsiteX2" y="connsiteY2"/>
+              </a:cxn>
+              <a:cxn ang="0">
+                <a:pos x="connsiteX3" y="connsiteY3"/>
+              </a:cxn>
+              <a:cxn ang="0">
+                <a:pos x="connsiteX4" y="connsiteY4"/>
+              </a:cxn>
+              <a:cxn ang="0">
+                <a:pos x="connsiteX5" y="connsiteY5"/>
+              </a:cxn>
+              <a:cxn ang="0">
+                <a:pos x="connsiteX6" y="connsiteY6"/>
+              </a:cxn>
+              <a:cxn ang="0">
+                <a:pos x="connsiteX7" y="connsiteY7"/>
+              </a:cxn>
+              <a:cxn ang="0">
+                <a:pos x="connsiteX8" y="connsiteY8"/>
+              </a:cxn>
+              <a:cxn ang="0">
+                <a:pos x="connsiteX9" y="connsiteY9"/>
+              </a:cxn>
+            </a:cxnLst>
+            <a:rect l="l" t="t" r="r" b="b"/>
+            <a:pathLst>
+              <a:path w="12192000" h="4430824">
+                <a:moveTo>
+                  <a:pt x="8433532" y="0"/>
+                </a:moveTo>
+                <a:cubicBezTo>
+                  <a:pt x="10752995" y="67992"/>
+                  <a:pt x="10752995" y="67992"/>
+                  <a:pt x="10752995" y="67992"/>
+                </a:cubicBezTo>
+                <a:cubicBezTo>
+                  <a:pt x="11679766" y="57486"/>
+                  <a:pt x="11679766" y="57486"/>
+                  <a:pt x="11679766" y="57486"/>
+                </a:cubicBezTo>
+                <a:lnTo>
+                  <a:pt x="12192000" y="51680"/>
+                </a:lnTo>
+                <a:lnTo>
+                  <a:pt x="12192000" y="4430824"/>
+                </a:lnTo>
+                <a:lnTo>
+                  <a:pt x="0" y="4430824"/>
+                </a:lnTo>
+                <a:lnTo>
+                  <a:pt x="0" y="95596"/>
+                </a:lnTo>
+                <a:lnTo>
+                  <a:pt x="110687" y="94341"/>
+                </a:lnTo>
+                <a:cubicBezTo>
+                  <a:pt x="193952" y="93397"/>
+                  <a:pt x="266357" y="92577"/>
+                  <a:pt x="324281" y="91920"/>
+                </a:cubicBezTo>
+                <a:cubicBezTo>
+                  <a:pt x="8433532" y="0"/>
+                  <a:pt x="8433532" y="0"/>
+                  <a:pt x="8433532" y="0"/>
+                </a:cubicBezTo>
+                <a:close/>
+              </a:path>
+            </a:pathLst>
+          </a:custGeom>
+          <a:ln w="12700" cap="flat" cmpd="sng" algn="ctr">
+            <a:noFill/>
+            <a:prstDash val="solid"/>
+            <a:miter lim="800000"/>
+          </a:ln>
+          <a:effectLst/>
+        </p:spPr>
+        <p:style>
+          <a:lnRef idx="2">
+            <a:schemeClr val="accent1">
+              <a:shade val="50000"/>
+            </a:schemeClr>
+          </a:lnRef>
+          <a:fillRef idx="1">
+            <a:schemeClr val="accent1"/>
+          </a:fillRef>
+          <a:effectRef idx="0">
+            <a:schemeClr val="accent1"/>
+          </a:effectRef>
+          <a:fontRef idx="minor">
+            <a:schemeClr val="lt1"/>
+          </a:fontRef>
+        </p:style>
+        <p:txBody>
+          <a:bodyPr wrap="square" rtlCol="0" anchor="ctr">
+            <a:noAutofit/>
+          </a:bodyPr>
+          <a:lstStyle/>
+          <a:p>
+            <a:pPr algn="ctr"/>
+            <a:endParaRPr lang="en-US">
+              <a:solidFill>
+                <a:schemeClr val="bg2"/>
+              </a:solidFill>
+            </a:endParaRPr>
+          </a:p>
+        </p:txBody>
+      </p:sp>
+      <p:grpSp>
+        <p:nvGrpSpPr>
+          <p:cNvPr id="8" name="Group 7">
+            <a:extLst>
+              <a:ext uri="{FF2B5EF4-FFF2-40B4-BE49-F238E27FC236}">
+                <a16:creationId xmlns:a16="http://schemas.microsoft.com/office/drawing/2014/main" id="{DF6680EC-5698-2813-FCE8-277CD56264DC}"/>
+              </a:ext>
+            </a:extLst>
+          </p:cNvPr>
+          <p:cNvGrpSpPr/>
+          <p:nvPr/>
+        </p:nvGrpSpPr>
+        <p:grpSpPr>
+          <a:xfrm>
+            <a:off x="2296885" y="2728799"/>
+            <a:ext cx="7598229" cy="3994218"/>
+            <a:chOff x="2108487" y="2240949"/>
+            <a:chExt cx="9160404" cy="4462720"/>
+          </a:xfrm>
+        </p:grpSpPr>
+        <p:pic>
+          <p:nvPicPr>
+            <p:cNvPr id="5" name="Picture 4">
+              <a:extLst>
+                <a:ext uri="{FF2B5EF4-FFF2-40B4-BE49-F238E27FC236}">
+                  <a16:creationId xmlns:a16="http://schemas.microsoft.com/office/drawing/2014/main" id="{D67D2BA6-CF02-6270-9D60-AB14123F7158}"/>
+                </a:ext>
+              </a:extLst>
+            </p:cNvPr>
+            <p:cNvPicPr>
+              <a:picLocks noChangeAspect="1"/>
+            </p:cNvPicPr>
+            <p:nvPr/>
+          </p:nvPicPr>
+          <p:blipFill>
+            <a:blip r:embed="rId2"/>
+            <a:stretch>
+              <a:fillRect/>
+            </a:stretch>
+          </p:blipFill>
+          <p:spPr>
+            <a:xfrm>
+              <a:off x="2108487" y="2249530"/>
+              <a:ext cx="3095626" cy="4454139"/>
+            </a:xfrm>
+            <a:custGeom>
+              <a:avLst/>
+              <a:gdLst/>
+              <a:ahLst/>
+              <a:cxnLst/>
+              <a:rect l="l" t="t" r="r" b="b"/>
+              <a:pathLst>
+                <a:path w="5184162" h="3501162">
+                  <a:moveTo>
+                    <a:pt x="0" y="0"/>
+                  </a:moveTo>
+                  <a:lnTo>
+                    <a:pt x="5184162" y="0"/>
+                  </a:lnTo>
+                  <a:lnTo>
+                    <a:pt x="5184162" y="3501162"/>
+                  </a:lnTo>
+                  <a:lnTo>
+                    <a:pt x="0" y="3501162"/>
+                  </a:lnTo>
+                  <a:close/>
+                </a:path>
+              </a:pathLst>
+            </a:custGeom>
+          </p:spPr>
+        </p:pic>
+        <p:pic>
+          <p:nvPicPr>
+            <p:cNvPr id="7" name="Picture 6">
+              <a:extLst>
+                <a:ext uri="{FF2B5EF4-FFF2-40B4-BE49-F238E27FC236}">
+                  <a16:creationId xmlns:a16="http://schemas.microsoft.com/office/drawing/2014/main" id="{4AB161C2-6B35-B55D-82D5-0FDB821F388C}"/>
+                </a:ext>
+              </a:extLst>
+            </p:cNvPr>
+            <p:cNvPicPr>
+              <a:picLocks noChangeAspect="1"/>
+            </p:cNvPicPr>
+            <p:nvPr/>
+          </p:nvPicPr>
+          <p:blipFill>
+            <a:blip r:embed="rId3"/>
+            <a:stretch>
+              <a:fillRect/>
+            </a:stretch>
+          </p:blipFill>
+          <p:spPr>
+            <a:xfrm>
+              <a:off x="5336313" y="2240949"/>
+              <a:ext cx="5932578" cy="4449434"/>
+            </a:xfrm>
+            <a:custGeom>
+              <a:avLst/>
+              <a:gdLst/>
+              <a:ahLst/>
+              <a:cxnLst/>
+              <a:rect l="l" t="t" r="r" b="b"/>
+              <a:pathLst>
+                <a:path w="5184163" h="3501162">
+                  <a:moveTo>
+                    <a:pt x="0" y="0"/>
+                  </a:moveTo>
+                  <a:lnTo>
+                    <a:pt x="5184163" y="0"/>
+                  </a:lnTo>
+                  <a:lnTo>
+                    <a:pt x="5184163" y="3501162"/>
+                  </a:lnTo>
+                  <a:lnTo>
+                    <a:pt x="0" y="3501162"/>
+                  </a:lnTo>
+                  <a:close/>
+                </a:path>
+              </a:pathLst>
+            </a:custGeom>
+          </p:spPr>
+        </p:pic>
+      </p:grpSp>
+    </p:spTree>
+    <p:extLst>
+      <p:ext uri="{BB962C8B-B14F-4D97-AF65-F5344CB8AC3E}">
+        <p14:creationId xmlns:p14="http://schemas.microsoft.com/office/powerpoint/2010/main" val="3840931665"/>
+      </p:ext>
+    </p:extLst>
+  </p:cSld>
+  <p:clrMapOvr>
+    <a:masterClrMapping/>
+  </p:clrMapOvr>
+</p:sld>
+</file>
+
+<file path=ppt/slides/slide11.xml><?xml version="1.0" encoding="utf-8"?>
+<p:sld xmlns:a="http://schemas.openxmlformats.org/drawingml/2006/main" xmlns:r="http://schemas.openxmlformats.org/officeDocument/2006/relationships" xmlns:p="http://schemas.openxmlformats.org/presentationml/2006/main">
+  <p:cSld>
+    <p:bg>
+      <p:bgPr>
+        <a:solidFill>
+          <a:schemeClr val="bg2"/>
+        </a:solidFill>
+        <a:effectLst/>
+      </p:bgPr>
+    </p:bg>
+    <p:spTree>
+      <p:nvGrpSpPr>
+        <p:cNvPr id="1" name=""/>
+        <p:cNvGrpSpPr/>
+        <p:nvPr/>
+      </p:nvGrpSpPr>
+      <p:grpSpPr>
+        <a:xfrm>
+          <a:off x="0" y="0"/>
+          <a:ext cx="0" cy="0"/>
+          <a:chOff x="0" y="0"/>
+          <a:chExt cx="0" cy="0"/>
+        </a:xfrm>
+      </p:grpSpPr>
+      <p:sp>
+        <p:nvSpPr>
+          <p:cNvPr id="26" name="Rectangle 25">
+            <a:extLst>
+              <a:ext uri="{FF2B5EF4-FFF2-40B4-BE49-F238E27FC236}">
+                <a16:creationId xmlns:a16="http://schemas.microsoft.com/office/drawing/2014/main" id="{09646535-AEF6-4883-A4F9-EEC1F8B4319E}"/>
+              </a:ext>
+              <a:ext uri="{C183D7F6-B498-43B3-948B-1728B52AA6E4}">
+                <adec:decorative xmlns:adec="http://schemas.microsoft.com/office/drawing/2017/decorative" val="1"/>
+              </a:ext>
+            </a:extLst>
+          </p:cNvPr>
+          <p:cNvSpPr>
+            <a:spLocks noGrp="1" noRot="1" noChangeAspect="1" noMove="1" noResize="1" noEditPoints="1" noAdjustHandles="1" noChangeArrowheads="1" noChangeShapeType="1" noTextEdit="1"/>
+          </p:cNvSpPr>
+          <p:nvPr>
+            <p:extLst>
+              <p:ext uri="{386F3935-93C4-4BCD-93E2-E3B085C9AB24}">
+                <p16:designElem xmlns:p16="http://schemas.microsoft.com/office/powerpoint/2015/main" val="1"/>
+              </p:ext>
+            </p:extLst>
+          </p:nvPr>
+        </p:nvSpPr>
+        <p:spPr>
+          <a:xfrm>
+            <a:off x="0" y="0"/>
+            <a:ext cx="12192000" cy="6858000"/>
+          </a:xfrm>
+          <a:prstGeom prst="rect">
+            <a:avLst/>
+          </a:prstGeom>
+          <a:solidFill>
+            <a:schemeClr val="bg2">
+              <a:lumMod val="90000"/>
+              <a:lumOff val="10000"/>
+            </a:schemeClr>
+          </a:solidFill>
+          <a:ln w="12700" cap="flat" cmpd="sng" algn="ctr">
+            <a:noFill/>
+            <a:prstDash val="solid"/>
+            <a:miter lim="800000"/>
+          </a:ln>
+          <a:effectLst/>
+        </p:spPr>
+        <p:style>
+          <a:lnRef idx="2">
+            <a:schemeClr val="accent1">
+              <a:shade val="50000"/>
+            </a:schemeClr>
+          </a:lnRef>
+          <a:fillRef idx="1">
+            <a:schemeClr val="accent1"/>
+          </a:fillRef>
+          <a:effectRef idx="0">
+            <a:schemeClr val="accent1"/>
+          </a:effectRef>
+          <a:fontRef idx="minor">
+            <a:schemeClr val="lt1"/>
+          </a:fontRef>
+        </p:style>
+        <p:txBody>
+          <a:bodyPr rtlCol="0" anchor="ctr"/>
+          <a:lstStyle/>
+          <a:p>
+            <a:pPr algn="ctr"/>
+            <a:endParaRPr lang="en-US"/>
+          </a:p>
+        </p:txBody>
+      </p:sp>
+      <p:sp useBgFill="1">
+        <p:nvSpPr>
+          <p:cNvPr id="27" name="Rectangle 26">
+            <a:extLst>
+              <a:ext uri="{FF2B5EF4-FFF2-40B4-BE49-F238E27FC236}">
+                <a16:creationId xmlns:a16="http://schemas.microsoft.com/office/drawing/2014/main" id="{335243F2-87BD-4C47-8358-ACFE608D3DB3}"/>
+              </a:ext>
+              <a:ext uri="{C183D7F6-B498-43B3-948B-1728B52AA6E4}">
+                <adec:decorative xmlns:adec="http://schemas.microsoft.com/office/drawing/2017/decorative" val="1"/>
+              </a:ext>
+            </a:extLst>
+          </p:cNvPr>
+          <p:cNvSpPr>
+            <a:spLocks noGrp="1" noRot="1" noChangeAspect="1" noMove="1" noResize="1" noEditPoints="1" noAdjustHandles="1" noChangeArrowheads="1" noChangeShapeType="1" noTextEdit="1"/>
+          </p:cNvSpPr>
+          <p:nvPr>
+            <p:extLst>
+              <p:ext uri="{386F3935-93C4-4BCD-93E2-E3B085C9AB24}">
+                <p16:designElem xmlns:p16="http://schemas.microsoft.com/office/powerpoint/2015/main" val="1"/>
+              </p:ext>
+            </p:extLst>
+          </p:nvPr>
+        </p:nvSpPr>
+        <p:spPr>
+          <a:xfrm>
+            <a:off x="0" y="0"/>
+            <a:ext cx="12192000" cy="6858000"/>
+          </a:xfrm>
+          <a:prstGeom prst="rect">
+            <a:avLst/>
+          </a:prstGeom>
+          <a:ln w="12700" cap="flat" cmpd="sng" algn="ctr">
+            <a:noFill/>
+            <a:prstDash val="solid"/>
+            <a:miter lim="800000"/>
+          </a:ln>
+          <a:effectLst/>
+        </p:spPr>
+        <p:style>
+          <a:lnRef idx="2">
+            <a:schemeClr val="accent1">
+              <a:shade val="50000"/>
+            </a:schemeClr>
+          </a:lnRef>
+          <a:fillRef idx="1">
+            <a:schemeClr val="accent1"/>
+          </a:fillRef>
+          <a:effectRef idx="0">
+            <a:schemeClr val="accent1"/>
+          </a:effectRef>
+          <a:fontRef idx="minor">
+            <a:schemeClr val="lt1"/>
+          </a:fontRef>
+        </p:style>
+        <p:txBody>
+          <a:bodyPr rtlCol="0" anchor="ctr"/>
+          <a:lstStyle/>
+          <a:p>
+            <a:pPr algn="ctr"/>
+            <a:endParaRPr lang="en-US"/>
+          </a:p>
+        </p:txBody>
+      </p:sp>
+      <p:sp>
+        <p:nvSpPr>
+          <p:cNvPr id="28" name="Rectangle 27">
+            <a:extLst>
+              <a:ext uri="{FF2B5EF4-FFF2-40B4-BE49-F238E27FC236}">
+                <a16:creationId xmlns:a16="http://schemas.microsoft.com/office/drawing/2014/main" id="{65B33439-EC96-4835-9DF2-CFA3336E0E41}"/>
+              </a:ext>
+              <a:ext uri="{C183D7F6-B498-43B3-948B-1728B52AA6E4}">
+                <adec:decorative xmlns:adec="http://schemas.microsoft.com/office/drawing/2017/decorative" val="1"/>
+              </a:ext>
+            </a:extLst>
+          </p:cNvPr>
+          <p:cNvSpPr>
+            <a:spLocks noGrp="1" noRot="1" noChangeAspect="1" noMove="1" noResize="1" noEditPoints="1" noAdjustHandles="1" noChangeArrowheads="1" noChangeShapeType="1" noTextEdit="1"/>
+          </p:cNvSpPr>
+          <p:nvPr>
+            <p:extLst>
+              <p:ext uri="{386F3935-93C4-4BCD-93E2-E3B085C9AB24}">
+                <p16:designElem xmlns:p16="http://schemas.microsoft.com/office/powerpoint/2015/main" val="1"/>
+              </p:ext>
+            </p:extLst>
+          </p:nvPr>
+        </p:nvSpPr>
+        <p:spPr>
+          <a:xfrm>
+            <a:off x="0" y="0"/>
+            <a:ext cx="12192000" cy="6858000"/>
+          </a:xfrm>
+          <a:prstGeom prst="rect">
+            <a:avLst/>
+          </a:prstGeom>
+          <a:solidFill>
+            <a:schemeClr val="bg2">
+              <a:lumMod val="90000"/>
+              <a:lumOff val="10000"/>
+            </a:schemeClr>
+          </a:solidFill>
+          <a:ln w="12700" cap="flat" cmpd="sng" algn="ctr">
+            <a:noFill/>
+            <a:prstDash val="solid"/>
+            <a:miter lim="800000"/>
+          </a:ln>
+          <a:effectLst/>
+        </p:spPr>
+        <p:style>
+          <a:lnRef idx="2">
+            <a:schemeClr val="accent1">
+              <a:shade val="50000"/>
+            </a:schemeClr>
+          </a:lnRef>
+          <a:fillRef idx="1">
+            <a:schemeClr val="accent1"/>
+          </a:fillRef>
+          <a:effectRef idx="0">
+            <a:schemeClr val="accent1"/>
+          </a:effectRef>
+          <a:fontRef idx="minor">
+            <a:schemeClr val="lt1"/>
+          </a:fontRef>
+        </p:style>
+        <p:txBody>
+          <a:bodyPr rtlCol="0" anchor="ctr"/>
+          <a:lstStyle/>
+          <a:p>
+            <a:pPr algn="ctr"/>
+            <a:endParaRPr lang="en-US"/>
+          </a:p>
+        </p:txBody>
+      </p:sp>
+      <p:sp>
+        <p:nvSpPr>
+          <p:cNvPr id="2" name="Title 1">
+            <a:extLst>
+              <a:ext uri="{FF2B5EF4-FFF2-40B4-BE49-F238E27FC236}">
+                <a16:creationId xmlns:a16="http://schemas.microsoft.com/office/drawing/2014/main" id="{FE261C0D-7D9B-F2FB-A364-A7213ABADCBD}"/>
+              </a:ext>
+            </a:extLst>
+          </p:cNvPr>
+          <p:cNvSpPr>
+            <a:spLocks noGrp="1"/>
+          </p:cNvSpPr>
+          <p:nvPr>
+            <p:ph type="title"/>
+          </p:nvPr>
+        </p:nvSpPr>
+        <p:spPr>
+          <a:xfrm>
+            <a:off x="309186" y="1029431"/>
+            <a:ext cx="4857528" cy="4537853"/>
+          </a:xfrm>
+        </p:spPr>
+        <p:txBody>
+          <a:bodyPr vert="horz" wrap="square" lIns="0" tIns="0" rIns="0" bIns="0" rtlCol="0" anchor="ctr" anchorCtr="0">
+            <a:normAutofit/>
+          </a:bodyPr>
+          <a:lstStyle/>
+          <a:p>
+            <a:pPr algn="ctr"/>
+            <a:r>
+              <a:rPr lang="en-US" sz="5600" spc="-100" dirty="0"/>
+              <a:t>Resources</a:t>
+            </a:r>
+          </a:p>
+        </p:txBody>
+      </p:sp>
+      <p:grpSp>
+        <p:nvGrpSpPr>
+          <p:cNvPr id="29" name="Group 28">
+            <a:extLst>
+              <a:ext uri="{FF2B5EF4-FFF2-40B4-BE49-F238E27FC236}">
+                <a16:creationId xmlns:a16="http://schemas.microsoft.com/office/drawing/2014/main" id="{F2FD01A0-E6FF-41CD-AEBD-279232B90D43}"/>
+              </a:ext>
+              <a:ext uri="{C183D7F6-B498-43B3-948B-1728B52AA6E4}">
+                <adec:decorative xmlns:adec="http://schemas.microsoft.com/office/drawing/2017/decorative" val="1"/>
+              </a:ext>
+            </a:extLst>
+          </p:cNvPr>
+          <p:cNvGrpSpPr>
+            <a:grpSpLocks noGrp="1" noUngrp="1" noRot="1" noChangeAspect="1" noMove="1" noResize="1"/>
+          </p:cNvGrpSpPr>
+          <p:nvPr>
+            <p:extLst>
+              <p:ext uri="{386F3935-93C4-4BCD-93E2-E3B085C9AB24}">
+                <p16:designElem xmlns:p16="http://schemas.microsoft.com/office/powerpoint/2015/main" val="1"/>
+              </p:ext>
+            </p:extLst>
+          </p:nvPr>
+        </p:nvGrpSpPr>
+        <p:grpSpPr>
+          <a:xfrm>
+            <a:off x="1965602" y="317452"/>
+            <a:ext cx="2088038" cy="719230"/>
+            <a:chOff x="4532666" y="505937"/>
+            <a:chExt cx="2981730" cy="1027064"/>
+          </a:xfrm>
+        </p:grpSpPr>
+        <p:sp>
+          <p:nvSpPr>
+            <p:cNvPr id="30" name="Freeform 78">
+              <a:extLst>
+                <a:ext uri="{FF2B5EF4-FFF2-40B4-BE49-F238E27FC236}">
+                  <a16:creationId xmlns:a16="http://schemas.microsoft.com/office/drawing/2014/main" id="{811C6308-5554-4129-8881-A95AF512C52C}"/>
+                </a:ext>
+                <a:ext uri="{C183D7F6-B498-43B3-948B-1728B52AA6E4}">
+                  <adec:decorative xmlns:adec="http://schemas.microsoft.com/office/drawing/2017/decorative" val="1"/>
+                </a:ext>
+              </a:extLst>
+            </p:cNvPr>
+            <p:cNvSpPr>
+              <a:spLocks/>
+            </p:cNvSpPr>
+            <p:nvPr>
+              <p:extLst>
+                <p:ext uri="{386F3935-93C4-4BCD-93E2-E3B085C9AB24}">
+                  <p16:designElem xmlns:p16="http://schemas.microsoft.com/office/powerpoint/2015/main" val="1"/>
+                </p:ext>
+              </p:extLst>
+            </p:nvPr>
+          </p:nvSpPr>
+          <p:spPr bwMode="auto">
+            <a:xfrm rot="600114">
+              <a:off x="4532666" y="754398"/>
+              <a:ext cx="694205" cy="713383"/>
+            </a:xfrm>
+            <a:custGeom>
+              <a:avLst/>
+              <a:gdLst>
+                <a:gd name="T0" fmla="*/ 32 w 58"/>
+                <a:gd name="T1" fmla="*/ 56 h 60"/>
+                <a:gd name="T2" fmla="*/ 24 w 58"/>
+                <a:gd name="T3" fmla="*/ 48 h 60"/>
+                <a:gd name="T4" fmla="*/ 14 w 58"/>
+                <a:gd name="T5" fmla="*/ 36 h 60"/>
+                <a:gd name="T6" fmla="*/ 7 w 58"/>
+                <a:gd name="T7" fmla="*/ 29 h 60"/>
+                <a:gd name="T8" fmla="*/ 1 w 58"/>
+                <a:gd name="T9" fmla="*/ 17 h 60"/>
+                <a:gd name="T10" fmla="*/ 7 w 58"/>
+                <a:gd name="T11" fmla="*/ 4 h 60"/>
+                <a:gd name="T12" fmla="*/ 17 w 58"/>
+                <a:gd name="T13" fmla="*/ 1 h 60"/>
+                <a:gd name="T14" fmla="*/ 29 w 58"/>
+                <a:gd name="T15" fmla="*/ 6 h 60"/>
+                <a:gd name="T16" fmla="*/ 31 w 58"/>
+                <a:gd name="T17" fmla="*/ 8 h 60"/>
+                <a:gd name="T18" fmla="*/ 38 w 58"/>
+                <a:gd name="T19" fmla="*/ 15 h 60"/>
+                <a:gd name="T20" fmla="*/ 44 w 58"/>
+                <a:gd name="T21" fmla="*/ 22 h 60"/>
+                <a:gd name="T22" fmla="*/ 54 w 58"/>
+                <a:gd name="T23" fmla="*/ 33 h 60"/>
+                <a:gd name="T24" fmla="*/ 58 w 58"/>
+                <a:gd name="T25" fmla="*/ 44 h 60"/>
+                <a:gd name="T26" fmla="*/ 53 w 58"/>
+                <a:gd name="T27" fmla="*/ 54 h 60"/>
+                <a:gd name="T28" fmla="*/ 42 w 58"/>
+                <a:gd name="T29" fmla="*/ 60 h 60"/>
+                <a:gd name="T30" fmla="*/ 32 w 58"/>
+                <a:gd name="T31" fmla="*/ 56 h 60"/>
+              </a:gdLst>
+              <a:ahLst/>
+              <a:cxnLst>
+                <a:cxn ang="0">
+                  <a:pos x="T0" y="T1"/>
+                </a:cxn>
+                <a:cxn ang="0">
+                  <a:pos x="T2" y="T3"/>
+                </a:cxn>
+                <a:cxn ang="0">
+                  <a:pos x="T4" y="T5"/>
+                </a:cxn>
+                <a:cxn ang="0">
+                  <a:pos x="T6" y="T7"/>
+                </a:cxn>
+                <a:cxn ang="0">
+                  <a:pos x="T8" y="T9"/>
+                </a:cxn>
+                <a:cxn ang="0">
+                  <a:pos x="T10" y="T11"/>
+                </a:cxn>
+                <a:cxn ang="0">
+                  <a:pos x="T12" y="T13"/>
+                </a:cxn>
+                <a:cxn ang="0">
+                  <a:pos x="T14" y="T15"/>
+                </a:cxn>
+                <a:cxn ang="0">
+                  <a:pos x="T16" y="T17"/>
+                </a:cxn>
+                <a:cxn ang="0">
+                  <a:pos x="T18" y="T19"/>
+                </a:cxn>
+                <a:cxn ang="0">
+                  <a:pos x="T20" y="T21"/>
+                </a:cxn>
+                <a:cxn ang="0">
+                  <a:pos x="T22" y="T23"/>
+                </a:cxn>
+                <a:cxn ang="0">
+                  <a:pos x="T24" y="T25"/>
+                </a:cxn>
+                <a:cxn ang="0">
+                  <a:pos x="T26" y="T27"/>
+                </a:cxn>
+                <a:cxn ang="0">
+                  <a:pos x="T28" y="T29"/>
+                </a:cxn>
+                <a:cxn ang="0">
+                  <a:pos x="T30" y="T31"/>
+                </a:cxn>
+              </a:cxnLst>
+              <a:rect l="0" t="0" r="r" b="b"/>
+              <a:pathLst>
+                <a:path w="58" h="60">
+                  <a:moveTo>
+                    <a:pt x="32" y="56"/>
+                  </a:moveTo>
+                  <a:cubicBezTo>
+                    <a:pt x="30" y="54"/>
+                    <a:pt x="31" y="55"/>
+                    <a:pt x="24" y="48"/>
+                  </a:cubicBezTo>
+                  <a:cubicBezTo>
+                    <a:pt x="17" y="40"/>
+                    <a:pt x="14" y="36"/>
+                    <a:pt x="14" y="36"/>
+                  </a:cubicBezTo>
+                  <a:cubicBezTo>
+                    <a:pt x="8" y="30"/>
+                    <a:pt x="14" y="37"/>
+                    <a:pt x="7" y="29"/>
+                  </a:cubicBezTo>
+                  <a:cubicBezTo>
+                    <a:pt x="3" y="24"/>
+                    <a:pt x="1" y="20"/>
+                    <a:pt x="1" y="17"/>
+                  </a:cubicBezTo>
+                  <a:cubicBezTo>
+                    <a:pt x="0" y="13"/>
+                    <a:pt x="3" y="9"/>
+                    <a:pt x="7" y="4"/>
+                  </a:cubicBezTo>
+                  <a:cubicBezTo>
+                    <a:pt x="10" y="2"/>
+                    <a:pt x="13" y="0"/>
+                    <a:pt x="17" y="1"/>
+                  </a:cubicBezTo>
+                  <a:cubicBezTo>
+                    <a:pt x="21" y="1"/>
+                    <a:pt x="25" y="3"/>
+                    <a:pt x="29" y="6"/>
+                  </a:cubicBezTo>
+                  <a:cubicBezTo>
+                    <a:pt x="31" y="8"/>
+                    <a:pt x="31" y="8"/>
+                    <a:pt x="31" y="8"/>
+                  </a:cubicBezTo>
+                  <a:cubicBezTo>
+                    <a:pt x="33" y="11"/>
+                    <a:pt x="37" y="15"/>
+                    <a:pt x="38" y="15"/>
+                  </a:cubicBezTo>
+                  <a:cubicBezTo>
+                    <a:pt x="42" y="20"/>
+                    <a:pt x="40" y="18"/>
+                    <a:pt x="44" y="22"/>
+                  </a:cubicBezTo>
+                  <a:cubicBezTo>
+                    <a:pt x="51" y="29"/>
+                    <a:pt x="50" y="29"/>
+                    <a:pt x="54" y="33"/>
+                  </a:cubicBezTo>
+                  <a:cubicBezTo>
+                    <a:pt x="57" y="37"/>
+                    <a:pt x="58" y="40"/>
+                    <a:pt x="58" y="44"/>
+                  </a:cubicBezTo>
+                  <a:cubicBezTo>
+                    <a:pt x="58" y="47"/>
+                    <a:pt x="56" y="50"/>
+                    <a:pt x="53" y="54"/>
+                  </a:cubicBezTo>
+                  <a:cubicBezTo>
+                    <a:pt x="49" y="58"/>
+                    <a:pt x="45" y="60"/>
+                    <a:pt x="42" y="60"/>
+                  </a:cubicBezTo>
+                  <a:cubicBezTo>
+                    <a:pt x="39" y="60"/>
+                    <a:pt x="36" y="59"/>
+                    <a:pt x="32" y="56"/>
+                  </a:cubicBezTo>
+                  <a:close/>
+                </a:path>
+              </a:pathLst>
+            </a:custGeom>
+            <a:solidFill>
+              <a:schemeClr val="accent2"/>
+            </a:solidFill>
+            <a:ln>
+              <a:noFill/>
+            </a:ln>
+          </p:spPr>
+          <p:txBody>
+            <a:bodyPr vert="horz" wrap="square" lIns="91440" tIns="45720" rIns="91440" bIns="45720" numCol="1" anchor="t" anchorCtr="0" compatLnSpc="1">
+              <a:prstTxWarp prst="textNoShape">
+                <a:avLst/>
+              </a:prstTxWarp>
+            </a:bodyPr>
+            <a:lstStyle/>
+            <a:p>
+              <a:endParaRPr lang="en-US">
+                <a:solidFill>
+                  <a:schemeClr val="accent3"/>
+                </a:solidFill>
+              </a:endParaRPr>
+            </a:p>
+          </p:txBody>
+        </p:sp>
+        <p:sp>
+          <p:nvSpPr>
+            <p:cNvPr id="31" name="Freeform 79">
+              <a:extLst>
+                <a:ext uri="{FF2B5EF4-FFF2-40B4-BE49-F238E27FC236}">
+                  <a16:creationId xmlns:a16="http://schemas.microsoft.com/office/drawing/2014/main" id="{C28F3A03-B53B-433E-8DF7-6B13336D0A53}"/>
+                </a:ext>
+                <a:ext uri="{C183D7F6-B498-43B3-948B-1728B52AA6E4}">
+                  <adec:decorative xmlns:adec="http://schemas.microsoft.com/office/drawing/2017/decorative" val="1"/>
+                </a:ext>
+              </a:extLst>
+            </p:cNvPr>
+            <p:cNvSpPr>
+              <a:spLocks/>
+            </p:cNvSpPr>
+            <p:nvPr>
+              <p:extLst>
+                <p:ext uri="{386F3935-93C4-4BCD-93E2-E3B085C9AB24}">
+                  <p16:designElem xmlns:p16="http://schemas.microsoft.com/office/powerpoint/2015/main" val="1"/>
+                </p:ext>
+              </p:extLst>
+            </p:nvPr>
+          </p:nvSpPr>
+          <p:spPr bwMode="auto">
+            <a:xfrm rot="600114">
+              <a:off x="5791465" y="505937"/>
+              <a:ext cx="587404" cy="943792"/>
+            </a:xfrm>
+            <a:custGeom>
+              <a:avLst/>
+              <a:gdLst>
+                <a:gd name="T0" fmla="*/ 15 w 49"/>
+                <a:gd name="T1" fmla="*/ 65 h 79"/>
+                <a:gd name="T2" fmla="*/ 12 w 49"/>
+                <a:gd name="T3" fmla="*/ 54 h 79"/>
+                <a:gd name="T4" fmla="*/ 8 w 49"/>
+                <a:gd name="T5" fmla="*/ 33 h 79"/>
+                <a:gd name="T6" fmla="*/ 38 w 49"/>
+                <a:gd name="T7" fmla="*/ 24 h 79"/>
+                <a:gd name="T8" fmla="*/ 45 w 49"/>
+                <a:gd name="T9" fmla="*/ 70 h 79"/>
+                <a:gd name="T10" fmla="*/ 15 w 49"/>
+                <a:gd name="T11" fmla="*/ 65 h 79"/>
+              </a:gdLst>
+              <a:ahLst/>
+              <a:cxnLst>
+                <a:cxn ang="0">
+                  <a:pos x="T0" y="T1"/>
+                </a:cxn>
+                <a:cxn ang="0">
+                  <a:pos x="T2" y="T3"/>
+                </a:cxn>
+                <a:cxn ang="0">
+                  <a:pos x="T4" y="T5"/>
+                </a:cxn>
+                <a:cxn ang="0">
+                  <a:pos x="T6" y="T7"/>
+                </a:cxn>
+                <a:cxn ang="0">
+                  <a:pos x="T8" y="T9"/>
+                </a:cxn>
+                <a:cxn ang="0">
+                  <a:pos x="T10" y="T11"/>
+                </a:cxn>
+              </a:cxnLst>
+              <a:rect l="0" t="0" r="r" b="b"/>
+              <a:pathLst>
+                <a:path w="49" h="79">
+                  <a:moveTo>
+                    <a:pt x="15" y="65"/>
+                  </a:moveTo>
+                  <a:cubicBezTo>
+                    <a:pt x="14" y="59"/>
+                    <a:pt x="13" y="58"/>
+                    <a:pt x="12" y="54"/>
+                  </a:cubicBezTo>
+                  <a:cubicBezTo>
+                    <a:pt x="11" y="45"/>
+                    <a:pt x="10" y="40"/>
+                    <a:pt x="8" y="33"/>
+                  </a:cubicBezTo>
+                  <a:cubicBezTo>
+                    <a:pt x="0" y="9"/>
+                    <a:pt x="34" y="0"/>
+                    <a:pt x="38" y="24"/>
+                  </a:cubicBezTo>
+                  <a:cubicBezTo>
+                    <a:pt x="43" y="43"/>
+                    <a:pt x="49" y="60"/>
+                    <a:pt x="45" y="70"/>
+                  </a:cubicBezTo>
+                  <a:cubicBezTo>
+                    <a:pt x="38" y="77"/>
+                    <a:pt x="19" y="79"/>
+                    <a:pt x="15" y="65"/>
+                  </a:cubicBezTo>
+                  <a:close/>
+                </a:path>
+              </a:pathLst>
+            </a:custGeom>
+            <a:solidFill>
+              <a:schemeClr val="accent2"/>
+            </a:solidFill>
+            <a:ln>
+              <a:noFill/>
+            </a:ln>
+          </p:spPr>
+          <p:txBody>
+            <a:bodyPr vert="horz" wrap="square" lIns="91440" tIns="45720" rIns="91440" bIns="45720" numCol="1" anchor="t" anchorCtr="0" compatLnSpc="1">
+              <a:prstTxWarp prst="textNoShape">
+                <a:avLst/>
+              </a:prstTxWarp>
+            </a:bodyPr>
+            <a:lstStyle/>
+            <a:p>
+              <a:endParaRPr lang="en-US">
+                <a:solidFill>
+                  <a:schemeClr val="accent3"/>
+                </a:solidFill>
+              </a:endParaRPr>
+            </a:p>
+          </p:txBody>
+        </p:sp>
+        <p:sp>
+          <p:nvSpPr>
+            <p:cNvPr id="32" name="Freeform 85">
+              <a:extLst>
+                <a:ext uri="{FF2B5EF4-FFF2-40B4-BE49-F238E27FC236}">
+                  <a16:creationId xmlns:a16="http://schemas.microsoft.com/office/drawing/2014/main" id="{E990BBBC-E616-4D0E-9917-A6CA72AAEA42}"/>
+                </a:ext>
+                <a:ext uri="{C183D7F6-B498-43B3-948B-1728B52AA6E4}">
+                  <adec:decorative xmlns:adec="http://schemas.microsoft.com/office/drawing/2017/decorative" val="1"/>
+                </a:ext>
+              </a:extLst>
+            </p:cNvPr>
+            <p:cNvSpPr>
+              <a:spLocks/>
+            </p:cNvSpPr>
+            <p:nvPr>
+              <p:extLst>
+                <p:ext uri="{386F3935-93C4-4BCD-93E2-E3B085C9AB24}">
+                  <p16:designElem xmlns:p16="http://schemas.microsoft.com/office/powerpoint/2015/main" val="1"/>
+                </p:ext>
+              </p:extLst>
+            </p:nvPr>
+          </p:nvSpPr>
+          <p:spPr bwMode="auto">
+            <a:xfrm rot="600114">
+              <a:off x="7087193" y="757585"/>
+              <a:ext cx="427203" cy="775416"/>
+            </a:xfrm>
+            <a:custGeom>
+              <a:avLst/>
+              <a:gdLst>
+                <a:gd name="T0" fmla="*/ 36 w 36"/>
+                <a:gd name="T1" fmla="*/ 15 h 65"/>
+                <a:gd name="T2" fmla="*/ 34 w 36"/>
+                <a:gd name="T3" fmla="*/ 5 h 65"/>
+                <a:gd name="T4" fmla="*/ 28 w 36"/>
+                <a:gd name="T5" fmla="*/ 1 h 65"/>
+                <a:gd name="T6" fmla="*/ 23 w 36"/>
+                <a:gd name="T7" fmla="*/ 0 h 65"/>
+                <a:gd name="T8" fmla="*/ 13 w 36"/>
+                <a:gd name="T9" fmla="*/ 1 h 65"/>
+                <a:gd name="T10" fmla="*/ 7 w 36"/>
+                <a:gd name="T11" fmla="*/ 9 h 65"/>
+                <a:gd name="T12" fmla="*/ 4 w 36"/>
+                <a:gd name="T13" fmla="*/ 19 h 65"/>
+                <a:gd name="T14" fmla="*/ 0 w 36"/>
+                <a:gd name="T15" fmla="*/ 44 h 65"/>
+                <a:gd name="T16" fmla="*/ 1 w 36"/>
+                <a:gd name="T17" fmla="*/ 58 h 65"/>
+                <a:gd name="T18" fmla="*/ 8 w 36"/>
+                <a:gd name="T19" fmla="*/ 64 h 65"/>
+                <a:gd name="T20" fmla="*/ 16 w 36"/>
+                <a:gd name="T21" fmla="*/ 65 h 65"/>
+                <a:gd name="T22" fmla="*/ 25 w 36"/>
+                <a:gd name="T23" fmla="*/ 63 h 65"/>
+                <a:gd name="T24" fmla="*/ 31 w 36"/>
+                <a:gd name="T25" fmla="*/ 55 h 65"/>
+                <a:gd name="T26" fmla="*/ 34 w 36"/>
+                <a:gd name="T27" fmla="*/ 40 h 65"/>
+                <a:gd name="T28" fmla="*/ 36 w 36"/>
+                <a:gd name="T29" fmla="*/ 15 h 65"/>
+              </a:gdLst>
+              <a:ahLst/>
+              <a:cxnLst>
+                <a:cxn ang="0">
+                  <a:pos x="T0" y="T1"/>
+                </a:cxn>
+                <a:cxn ang="0">
+                  <a:pos x="T2" y="T3"/>
+                </a:cxn>
+                <a:cxn ang="0">
+                  <a:pos x="T4" y="T5"/>
+                </a:cxn>
+                <a:cxn ang="0">
+                  <a:pos x="T6" y="T7"/>
+                </a:cxn>
+                <a:cxn ang="0">
+                  <a:pos x="T8" y="T9"/>
+                </a:cxn>
+                <a:cxn ang="0">
+                  <a:pos x="T10" y="T11"/>
+                </a:cxn>
+                <a:cxn ang="0">
+                  <a:pos x="T12" y="T13"/>
+                </a:cxn>
+                <a:cxn ang="0">
+                  <a:pos x="T14" y="T15"/>
+                </a:cxn>
+                <a:cxn ang="0">
+                  <a:pos x="T16" y="T17"/>
+                </a:cxn>
+                <a:cxn ang="0">
+                  <a:pos x="T18" y="T19"/>
+                </a:cxn>
+                <a:cxn ang="0">
+                  <a:pos x="T20" y="T21"/>
+                </a:cxn>
+                <a:cxn ang="0">
+                  <a:pos x="T22" y="T23"/>
+                </a:cxn>
+                <a:cxn ang="0">
+                  <a:pos x="T24" y="T25"/>
+                </a:cxn>
+                <a:cxn ang="0">
+                  <a:pos x="T26" y="T27"/>
+                </a:cxn>
+                <a:cxn ang="0">
+                  <a:pos x="T28" y="T29"/>
+                </a:cxn>
+              </a:cxnLst>
+              <a:rect l="0" t="0" r="r" b="b"/>
+              <a:pathLst>
+                <a:path w="36" h="65">
+                  <a:moveTo>
+                    <a:pt x="36" y="15"/>
+                  </a:moveTo>
+                  <a:cubicBezTo>
+                    <a:pt x="36" y="10"/>
+                    <a:pt x="35" y="7"/>
+                    <a:pt x="34" y="5"/>
+                  </a:cubicBezTo>
+                  <a:cubicBezTo>
+                    <a:pt x="33" y="3"/>
+                    <a:pt x="31" y="2"/>
+                    <a:pt x="28" y="1"/>
+                  </a:cubicBezTo>
+                  <a:cubicBezTo>
+                    <a:pt x="27" y="1"/>
+                    <a:pt x="25" y="1"/>
+                    <a:pt x="23" y="0"/>
+                  </a:cubicBezTo>
+                  <a:cubicBezTo>
+                    <a:pt x="19" y="0"/>
+                    <a:pt x="16" y="0"/>
+                    <a:pt x="13" y="1"/>
+                  </a:cubicBezTo>
+                  <a:cubicBezTo>
+                    <a:pt x="11" y="2"/>
+                    <a:pt x="9" y="4"/>
+                    <a:pt x="7" y="9"/>
+                  </a:cubicBezTo>
+                  <a:cubicBezTo>
+                    <a:pt x="6" y="13"/>
+                    <a:pt x="5" y="17"/>
+                    <a:pt x="4" y="19"/>
+                  </a:cubicBezTo>
+                  <a:cubicBezTo>
+                    <a:pt x="2" y="29"/>
+                    <a:pt x="0" y="44"/>
+                    <a:pt x="0" y="44"/>
+                  </a:cubicBezTo>
+                  <a:cubicBezTo>
+                    <a:pt x="0" y="50"/>
+                    <a:pt x="0" y="55"/>
+                    <a:pt x="1" y="58"/>
+                  </a:cubicBezTo>
+                  <a:cubicBezTo>
+                    <a:pt x="2" y="61"/>
+                    <a:pt x="5" y="63"/>
+                    <a:pt x="8" y="64"/>
+                  </a:cubicBezTo>
+                  <a:cubicBezTo>
+                    <a:pt x="11" y="65"/>
+                    <a:pt x="13" y="65"/>
+                    <a:pt x="16" y="65"/>
+                  </a:cubicBezTo>
+                  <a:cubicBezTo>
+                    <a:pt x="19" y="65"/>
+                    <a:pt x="22" y="64"/>
+                    <a:pt x="25" y="63"/>
+                  </a:cubicBezTo>
+                  <a:cubicBezTo>
+                    <a:pt x="28" y="61"/>
+                    <a:pt x="30" y="59"/>
+                    <a:pt x="31" y="55"/>
+                  </a:cubicBezTo>
+                  <a:cubicBezTo>
+                    <a:pt x="32" y="50"/>
+                    <a:pt x="31" y="54"/>
+                    <a:pt x="34" y="40"/>
+                  </a:cubicBezTo>
+                  <a:lnTo>
+                    <a:pt x="36" y="15"/>
+                  </a:lnTo>
+                  <a:close/>
+                </a:path>
+              </a:pathLst>
+            </a:custGeom>
+            <a:solidFill>
+              <a:schemeClr val="accent2"/>
+            </a:solidFill>
+            <a:ln>
+              <a:noFill/>
+            </a:ln>
+          </p:spPr>
+          <p:txBody>
+            <a:bodyPr vert="horz" wrap="square" lIns="91440" tIns="45720" rIns="91440" bIns="45720" numCol="1" anchor="t" anchorCtr="0" compatLnSpc="1">
+              <a:prstTxWarp prst="textNoShape">
+                <a:avLst/>
+              </a:prstTxWarp>
+            </a:bodyPr>
+            <a:lstStyle/>
+            <a:p>
+              <a:endParaRPr lang="en-US">
+                <a:solidFill>
+                  <a:schemeClr val="accent3"/>
+                </a:solidFill>
+              </a:endParaRPr>
+            </a:p>
+          </p:txBody>
+        </p:sp>
+      </p:grpSp>
+      <p:grpSp>
+        <p:nvGrpSpPr>
+          <p:cNvPr id="33" name="Group 32">
+            <a:extLst>
+              <a:ext uri="{FF2B5EF4-FFF2-40B4-BE49-F238E27FC236}">
+                <a16:creationId xmlns:a16="http://schemas.microsoft.com/office/drawing/2014/main" id="{3C9AA14C-80A4-427C-A911-28CD20C56E5E}"/>
+              </a:ext>
+              <a:ext uri="{C183D7F6-B498-43B3-948B-1728B52AA6E4}">
+                <adec:decorative xmlns:adec="http://schemas.microsoft.com/office/drawing/2017/decorative" val="1"/>
+              </a:ext>
+            </a:extLst>
+          </p:cNvPr>
+          <p:cNvGrpSpPr>
+            <a:grpSpLocks noGrp="1" noUngrp="1" noRot="1" noChangeAspect="1" noMove="1" noResize="1"/>
+          </p:cNvGrpSpPr>
+          <p:nvPr>
+            <p:extLst>
+              <p:ext uri="{386F3935-93C4-4BCD-93E2-E3B085C9AB24}">
+                <p16:designElem xmlns:p16="http://schemas.microsoft.com/office/powerpoint/2015/main" val="1"/>
+              </p:ext>
+            </p:extLst>
+          </p:nvPr>
+        </p:nvGrpSpPr>
+        <p:grpSpPr>
+          <a:xfrm>
+            <a:off x="2017356" y="5503147"/>
+            <a:ext cx="2117174" cy="588806"/>
+            <a:chOff x="4549904" y="5078157"/>
+            <a:chExt cx="3023338" cy="840818"/>
+          </a:xfrm>
+        </p:grpSpPr>
+        <p:sp>
+          <p:nvSpPr>
+            <p:cNvPr id="34" name="Freeform 80">
+              <a:extLst>
+                <a:ext uri="{FF2B5EF4-FFF2-40B4-BE49-F238E27FC236}">
+                  <a16:creationId xmlns:a16="http://schemas.microsoft.com/office/drawing/2014/main" id="{EF32CDAF-4619-4949-9516-1E042181EBF3}"/>
+                </a:ext>
+                <a:ext uri="{C183D7F6-B498-43B3-948B-1728B52AA6E4}">
+                  <adec:decorative xmlns:adec="http://schemas.microsoft.com/office/drawing/2017/decorative" val="1"/>
+                </a:ext>
+              </a:extLst>
+            </p:cNvPr>
+            <p:cNvSpPr>
+              <a:spLocks/>
+            </p:cNvSpPr>
+            <p:nvPr>
+              <p:extLst>
+                <p:ext uri="{386F3935-93C4-4BCD-93E2-E3B085C9AB24}">
+                  <p16:designElem xmlns:p16="http://schemas.microsoft.com/office/powerpoint/2015/main" val="1"/>
+                </p:ext>
+              </p:extLst>
+            </p:nvPr>
+          </p:nvSpPr>
+          <p:spPr bwMode="auto">
+            <a:xfrm rot="5400000">
+              <a:off x="5690691" y="5352589"/>
+              <a:ext cx="749228" cy="383544"/>
+            </a:xfrm>
+            <a:custGeom>
+              <a:avLst/>
+              <a:gdLst>
+                <a:gd name="T0" fmla="*/ 53 w 66"/>
+                <a:gd name="T1" fmla="*/ 33 h 34"/>
+                <a:gd name="T2" fmla="*/ 39 w 66"/>
+                <a:gd name="T3" fmla="*/ 33 h 34"/>
+                <a:gd name="T4" fmla="*/ 21 w 66"/>
+                <a:gd name="T5" fmla="*/ 33 h 34"/>
+                <a:gd name="T6" fmla="*/ 12 w 66"/>
+                <a:gd name="T7" fmla="*/ 32 h 34"/>
+                <a:gd name="T8" fmla="*/ 3 w 66"/>
+                <a:gd name="T9" fmla="*/ 28 h 34"/>
+                <a:gd name="T10" fmla="*/ 0 w 66"/>
+                <a:gd name="T11" fmla="*/ 21 h 34"/>
+                <a:gd name="T12" fmla="*/ 0 w 66"/>
+                <a:gd name="T13" fmla="*/ 16 h 34"/>
+                <a:gd name="T14" fmla="*/ 3 w 66"/>
+                <a:gd name="T15" fmla="*/ 7 h 34"/>
+                <a:gd name="T16" fmla="*/ 11 w 66"/>
+                <a:gd name="T17" fmla="*/ 3 h 34"/>
+                <a:gd name="T18" fmla="*/ 23 w 66"/>
+                <a:gd name="T19" fmla="*/ 2 h 34"/>
+                <a:gd name="T20" fmla="*/ 43 w 66"/>
+                <a:gd name="T21" fmla="*/ 0 h 34"/>
+                <a:gd name="T22" fmla="*/ 48 w 66"/>
+                <a:gd name="T23" fmla="*/ 0 h 34"/>
+                <a:gd name="T24" fmla="*/ 62 w 66"/>
+                <a:gd name="T25" fmla="*/ 4 h 34"/>
+                <a:gd name="T26" fmla="*/ 66 w 66"/>
+                <a:gd name="T27" fmla="*/ 13 h 34"/>
+                <a:gd name="T28" fmla="*/ 66 w 66"/>
+                <a:gd name="T29" fmla="*/ 20 h 34"/>
+                <a:gd name="T30" fmla="*/ 62 w 66"/>
+                <a:gd name="T31" fmla="*/ 29 h 34"/>
+                <a:gd name="T32" fmla="*/ 53 w 66"/>
+                <a:gd name="T33" fmla="*/ 33 h 34"/>
+              </a:gdLst>
+              <a:ahLst/>
+              <a:cxnLst>
+                <a:cxn ang="0">
+                  <a:pos x="T0" y="T1"/>
+                </a:cxn>
+                <a:cxn ang="0">
+                  <a:pos x="T2" y="T3"/>
+                </a:cxn>
+                <a:cxn ang="0">
+                  <a:pos x="T4" y="T5"/>
+                </a:cxn>
+                <a:cxn ang="0">
+                  <a:pos x="T6" y="T7"/>
+                </a:cxn>
+                <a:cxn ang="0">
+                  <a:pos x="T8" y="T9"/>
+                </a:cxn>
+                <a:cxn ang="0">
+                  <a:pos x="T10" y="T11"/>
+                </a:cxn>
+                <a:cxn ang="0">
+                  <a:pos x="T12" y="T13"/>
+                </a:cxn>
+                <a:cxn ang="0">
+                  <a:pos x="T14" y="T15"/>
+                </a:cxn>
+                <a:cxn ang="0">
+                  <a:pos x="T16" y="T17"/>
+                </a:cxn>
+                <a:cxn ang="0">
+                  <a:pos x="T18" y="T19"/>
+                </a:cxn>
+                <a:cxn ang="0">
+                  <a:pos x="T20" y="T21"/>
+                </a:cxn>
+                <a:cxn ang="0">
+                  <a:pos x="T22" y="T23"/>
+                </a:cxn>
+                <a:cxn ang="0">
+                  <a:pos x="T24" y="T25"/>
+                </a:cxn>
+                <a:cxn ang="0">
+                  <a:pos x="T26" y="T27"/>
+                </a:cxn>
+                <a:cxn ang="0">
+                  <a:pos x="T28" y="T29"/>
+                </a:cxn>
+                <a:cxn ang="0">
+                  <a:pos x="T30" y="T31"/>
+                </a:cxn>
+                <a:cxn ang="0">
+                  <a:pos x="T32" y="T33"/>
+                </a:cxn>
+              </a:cxnLst>
+              <a:rect l="0" t="0" r="r" b="b"/>
+              <a:pathLst>
+                <a:path w="66" h="34">
+                  <a:moveTo>
+                    <a:pt x="53" y="33"/>
+                  </a:moveTo>
+                  <a:cubicBezTo>
+                    <a:pt x="47" y="33"/>
+                    <a:pt x="53" y="34"/>
+                    <a:pt x="39" y="33"/>
+                  </a:cubicBezTo>
+                  <a:cubicBezTo>
+                    <a:pt x="24" y="33"/>
+                    <a:pt x="21" y="33"/>
+                    <a:pt x="21" y="33"/>
+                  </a:cubicBezTo>
+                  <a:cubicBezTo>
+                    <a:pt x="12" y="32"/>
+                    <a:pt x="12" y="32"/>
+                    <a:pt x="12" y="32"/>
+                  </a:cubicBezTo>
+                  <a:cubicBezTo>
+                    <a:pt x="7" y="31"/>
+                    <a:pt x="4" y="30"/>
+                    <a:pt x="3" y="28"/>
+                  </a:cubicBezTo>
+                  <a:cubicBezTo>
+                    <a:pt x="1" y="26"/>
+                    <a:pt x="0" y="24"/>
+                    <a:pt x="0" y="21"/>
+                  </a:cubicBezTo>
+                  <a:cubicBezTo>
+                    <a:pt x="0" y="21"/>
+                    <a:pt x="0" y="19"/>
+                    <a:pt x="0" y="16"/>
+                  </a:cubicBezTo>
+                  <a:cubicBezTo>
+                    <a:pt x="0" y="13"/>
+                    <a:pt x="1" y="10"/>
+                    <a:pt x="3" y="7"/>
+                  </a:cubicBezTo>
+                  <a:cubicBezTo>
+                    <a:pt x="4" y="5"/>
+                    <a:pt x="7" y="3"/>
+                    <a:pt x="11" y="3"/>
+                  </a:cubicBezTo>
+                  <a:cubicBezTo>
+                    <a:pt x="16" y="2"/>
+                    <a:pt x="20" y="2"/>
+                    <a:pt x="23" y="2"/>
+                  </a:cubicBezTo>
+                  <a:cubicBezTo>
+                    <a:pt x="32" y="1"/>
+                    <a:pt x="37" y="0"/>
+                    <a:pt x="43" y="0"/>
+                  </a:cubicBezTo>
+                  <a:cubicBezTo>
+                    <a:pt x="48" y="0"/>
+                    <a:pt x="48" y="0"/>
+                    <a:pt x="48" y="0"/>
+                  </a:cubicBezTo>
+                  <a:cubicBezTo>
+                    <a:pt x="54" y="1"/>
+                    <a:pt x="59" y="3"/>
+                    <a:pt x="62" y="4"/>
+                  </a:cubicBezTo>
+                  <a:cubicBezTo>
+                    <a:pt x="65" y="6"/>
+                    <a:pt x="66" y="9"/>
+                    <a:pt x="66" y="13"/>
+                  </a:cubicBezTo>
+                  <a:cubicBezTo>
+                    <a:pt x="66" y="15"/>
+                    <a:pt x="66" y="17"/>
+                    <a:pt x="66" y="20"/>
+                  </a:cubicBezTo>
+                  <a:cubicBezTo>
+                    <a:pt x="65" y="23"/>
+                    <a:pt x="64" y="26"/>
+                    <a:pt x="62" y="29"/>
+                  </a:cubicBezTo>
+                  <a:cubicBezTo>
+                    <a:pt x="60" y="31"/>
+                    <a:pt x="57" y="32"/>
+                    <a:pt x="53" y="33"/>
+                  </a:cubicBezTo>
+                  <a:close/>
+                </a:path>
+              </a:pathLst>
+            </a:custGeom>
+            <a:solidFill>
+              <a:schemeClr val="accent2"/>
+            </a:solidFill>
+            <a:ln>
+              <a:noFill/>
+            </a:ln>
+          </p:spPr>
+          <p:txBody>
+            <a:bodyPr vert="horz" wrap="square" lIns="91440" tIns="45720" rIns="91440" bIns="45720" numCol="1" anchor="t" anchorCtr="0" compatLnSpc="1">
+              <a:prstTxWarp prst="textNoShape">
+                <a:avLst/>
+              </a:prstTxWarp>
+            </a:bodyPr>
+            <a:lstStyle/>
+            <a:p>
+              <a:endParaRPr lang="en-US">
+                <a:solidFill>
+                  <a:schemeClr val="accent3"/>
+                </a:solidFill>
+              </a:endParaRPr>
+            </a:p>
+          </p:txBody>
+        </p:sp>
+        <p:sp>
+          <p:nvSpPr>
+            <p:cNvPr id="35" name="Freeform 84">
+              <a:extLst>
+                <a:ext uri="{FF2B5EF4-FFF2-40B4-BE49-F238E27FC236}">
+                  <a16:creationId xmlns:a16="http://schemas.microsoft.com/office/drawing/2014/main" id="{270C485D-6BA8-4BF7-B72C-2B14A43A6648}"/>
+                </a:ext>
+                <a:ext uri="{C183D7F6-B498-43B3-948B-1728B52AA6E4}">
+                  <adec:decorative xmlns:adec="http://schemas.microsoft.com/office/drawing/2017/decorative" val="1"/>
+                </a:ext>
+              </a:extLst>
+            </p:cNvPr>
+            <p:cNvSpPr>
+              <a:spLocks/>
+            </p:cNvSpPr>
+            <p:nvPr>
+              <p:extLst>
+                <p:ext uri="{386F3935-93C4-4BCD-93E2-E3B085C9AB24}">
+                  <p16:designElem xmlns:p16="http://schemas.microsoft.com/office/powerpoint/2015/main" val="1"/>
+                </p:ext>
+              </p:extLst>
+            </p:nvPr>
+          </p:nvSpPr>
+          <p:spPr bwMode="auto">
+            <a:xfrm rot="6274527">
+              <a:off x="6910134" y="5062687"/>
+              <a:ext cx="647637" cy="678578"/>
+            </a:xfrm>
+            <a:custGeom>
+              <a:avLst/>
+              <a:gdLst>
+                <a:gd name="T0" fmla="*/ 4 w 57"/>
+                <a:gd name="T1" fmla="*/ 34 h 60"/>
+                <a:gd name="T2" fmla="*/ 17 w 57"/>
+                <a:gd name="T3" fmla="*/ 18 h 60"/>
+                <a:gd name="T4" fmla="*/ 26 w 57"/>
+                <a:gd name="T5" fmla="*/ 8 h 60"/>
+                <a:gd name="T6" fmla="*/ 29 w 57"/>
+                <a:gd name="T7" fmla="*/ 5 h 60"/>
+                <a:gd name="T8" fmla="*/ 41 w 57"/>
+                <a:gd name="T9" fmla="*/ 0 h 60"/>
+                <a:gd name="T10" fmla="*/ 51 w 57"/>
+                <a:gd name="T11" fmla="*/ 6 h 60"/>
+                <a:gd name="T12" fmla="*/ 56 w 57"/>
+                <a:gd name="T13" fmla="*/ 16 h 60"/>
+                <a:gd name="T14" fmla="*/ 51 w 57"/>
+                <a:gd name="T15" fmla="*/ 28 h 60"/>
+                <a:gd name="T16" fmla="*/ 29 w 57"/>
+                <a:gd name="T17" fmla="*/ 53 h 60"/>
+                <a:gd name="T18" fmla="*/ 17 w 57"/>
+                <a:gd name="T19" fmla="*/ 59 h 60"/>
+                <a:gd name="T20" fmla="*/ 5 w 57"/>
+                <a:gd name="T21" fmla="*/ 54 h 60"/>
+                <a:gd name="T22" fmla="*/ 0 w 57"/>
+                <a:gd name="T23" fmla="*/ 45 h 60"/>
+                <a:gd name="T24" fmla="*/ 4 w 57"/>
+                <a:gd name="T25" fmla="*/ 34 h 60"/>
+              </a:gdLst>
+              <a:ahLst/>
+              <a:cxnLst>
+                <a:cxn ang="0">
+                  <a:pos x="T0" y="T1"/>
+                </a:cxn>
+                <a:cxn ang="0">
+                  <a:pos x="T2" y="T3"/>
+                </a:cxn>
+                <a:cxn ang="0">
+                  <a:pos x="T4" y="T5"/>
+                </a:cxn>
+                <a:cxn ang="0">
+                  <a:pos x="T6" y="T7"/>
+                </a:cxn>
+                <a:cxn ang="0">
+                  <a:pos x="T8" y="T9"/>
+                </a:cxn>
+                <a:cxn ang="0">
+                  <a:pos x="T10" y="T11"/>
+                </a:cxn>
+                <a:cxn ang="0">
+                  <a:pos x="T12" y="T13"/>
+                </a:cxn>
+                <a:cxn ang="0">
+                  <a:pos x="T14" y="T15"/>
+                </a:cxn>
+                <a:cxn ang="0">
+                  <a:pos x="T16" y="T17"/>
+                </a:cxn>
+                <a:cxn ang="0">
+                  <a:pos x="T18" y="T19"/>
+                </a:cxn>
+                <a:cxn ang="0">
+                  <a:pos x="T20" y="T21"/>
+                </a:cxn>
+                <a:cxn ang="0">
+                  <a:pos x="T22" y="T23"/>
+                </a:cxn>
+                <a:cxn ang="0">
+                  <a:pos x="T24" y="T25"/>
+                </a:cxn>
+              </a:cxnLst>
+              <a:rect l="0" t="0" r="r" b="b"/>
+              <a:pathLst>
+                <a:path w="57" h="60">
+                  <a:moveTo>
+                    <a:pt x="4" y="34"/>
+                  </a:moveTo>
+                  <a:cubicBezTo>
+                    <a:pt x="5" y="33"/>
+                    <a:pt x="17" y="18"/>
+                    <a:pt x="17" y="18"/>
+                  </a:cubicBezTo>
+                  <a:cubicBezTo>
+                    <a:pt x="21" y="14"/>
+                    <a:pt x="24" y="10"/>
+                    <a:pt x="26" y="8"/>
+                  </a:cubicBezTo>
+                  <a:cubicBezTo>
+                    <a:pt x="29" y="5"/>
+                    <a:pt x="29" y="5"/>
+                    <a:pt x="29" y="5"/>
+                  </a:cubicBezTo>
+                  <a:cubicBezTo>
+                    <a:pt x="34" y="2"/>
+                    <a:pt x="38" y="0"/>
+                    <a:pt x="41" y="0"/>
+                  </a:cubicBezTo>
+                  <a:cubicBezTo>
+                    <a:pt x="44" y="1"/>
+                    <a:pt x="47" y="2"/>
+                    <a:pt x="51" y="6"/>
+                  </a:cubicBezTo>
+                  <a:cubicBezTo>
+                    <a:pt x="55" y="10"/>
+                    <a:pt x="57" y="13"/>
+                    <a:pt x="56" y="16"/>
+                  </a:cubicBezTo>
+                  <a:cubicBezTo>
+                    <a:pt x="56" y="19"/>
+                    <a:pt x="54" y="23"/>
+                    <a:pt x="51" y="28"/>
+                  </a:cubicBezTo>
+                  <a:cubicBezTo>
+                    <a:pt x="51" y="28"/>
+                    <a:pt x="33" y="48"/>
+                    <a:pt x="29" y="53"/>
+                  </a:cubicBezTo>
+                  <a:cubicBezTo>
+                    <a:pt x="25" y="57"/>
+                    <a:pt x="21" y="59"/>
+                    <a:pt x="17" y="59"/>
+                  </a:cubicBezTo>
+                  <a:cubicBezTo>
+                    <a:pt x="13" y="60"/>
+                    <a:pt x="9" y="58"/>
+                    <a:pt x="5" y="54"/>
+                  </a:cubicBezTo>
+                  <a:cubicBezTo>
+                    <a:pt x="2" y="51"/>
+                    <a:pt x="0" y="48"/>
+                    <a:pt x="0" y="45"/>
+                  </a:cubicBezTo>
+                  <a:cubicBezTo>
+                    <a:pt x="0" y="42"/>
+                    <a:pt x="2" y="38"/>
+                    <a:pt x="4" y="34"/>
+                  </a:cubicBezTo>
+                  <a:close/>
+                </a:path>
+              </a:pathLst>
+            </a:custGeom>
+            <a:solidFill>
+              <a:schemeClr val="accent2"/>
+            </a:solidFill>
+            <a:ln>
+              <a:noFill/>
+            </a:ln>
+          </p:spPr>
+          <p:txBody>
+            <a:bodyPr vert="horz" wrap="square" lIns="91440" tIns="45720" rIns="91440" bIns="45720" numCol="1" anchor="t" anchorCtr="0" compatLnSpc="1">
+              <a:prstTxWarp prst="textNoShape">
+                <a:avLst/>
+              </a:prstTxWarp>
+            </a:bodyPr>
+            <a:lstStyle/>
+            <a:p>
+              <a:endParaRPr lang="en-US">
+                <a:solidFill>
+                  <a:schemeClr val="accent3"/>
+                </a:solidFill>
+              </a:endParaRPr>
+            </a:p>
+          </p:txBody>
+        </p:sp>
+        <p:sp>
+          <p:nvSpPr>
+            <p:cNvPr id="36" name="Freeform 87">
+              <a:extLst>
+                <a:ext uri="{FF2B5EF4-FFF2-40B4-BE49-F238E27FC236}">
+                  <a16:creationId xmlns:a16="http://schemas.microsoft.com/office/drawing/2014/main" id="{79239B91-4327-43B3-AED5-CB9EC1653B47}"/>
+                </a:ext>
+                <a:ext uri="{C183D7F6-B498-43B3-948B-1728B52AA6E4}">
+                  <adec:decorative xmlns:adec="http://schemas.microsoft.com/office/drawing/2017/decorative" val="1"/>
+                </a:ext>
+              </a:extLst>
+            </p:cNvPr>
+            <p:cNvSpPr>
+              <a:spLocks/>
+            </p:cNvSpPr>
+            <p:nvPr>
+              <p:extLst>
+                <p:ext uri="{386F3935-93C4-4BCD-93E2-E3B085C9AB24}">
+                  <p16:designElem xmlns:p16="http://schemas.microsoft.com/office/powerpoint/2015/main" val="1"/>
+                </p:ext>
+              </p:extLst>
+            </p:nvPr>
+          </p:nvSpPr>
+          <p:spPr bwMode="auto">
+            <a:xfrm rot="4430858">
+              <a:off x="4571743" y="5071596"/>
+              <a:ext cx="626472" cy="670149"/>
+            </a:xfrm>
+            <a:custGeom>
+              <a:avLst/>
+              <a:gdLst>
+                <a:gd name="T0" fmla="*/ 0 w 55"/>
+                <a:gd name="T1" fmla="*/ 17 h 59"/>
+                <a:gd name="T2" fmla="*/ 1 w 55"/>
+                <a:gd name="T3" fmla="*/ 11 h 59"/>
+                <a:gd name="T4" fmla="*/ 4 w 55"/>
+                <a:gd name="T5" fmla="*/ 6 h 59"/>
+                <a:gd name="T6" fmla="*/ 7 w 55"/>
+                <a:gd name="T7" fmla="*/ 4 h 59"/>
+                <a:gd name="T8" fmla="*/ 14 w 55"/>
+                <a:gd name="T9" fmla="*/ 0 h 59"/>
+                <a:gd name="T10" fmla="*/ 23 w 55"/>
+                <a:gd name="T11" fmla="*/ 3 h 59"/>
+                <a:gd name="T12" fmla="*/ 31 w 55"/>
+                <a:gd name="T13" fmla="*/ 11 h 59"/>
+                <a:gd name="T14" fmla="*/ 38 w 55"/>
+                <a:gd name="T15" fmla="*/ 20 h 59"/>
+                <a:gd name="T16" fmla="*/ 48 w 55"/>
+                <a:gd name="T17" fmla="*/ 31 h 59"/>
+                <a:gd name="T18" fmla="*/ 55 w 55"/>
+                <a:gd name="T19" fmla="*/ 43 h 59"/>
+                <a:gd name="T20" fmla="*/ 49 w 55"/>
+                <a:gd name="T21" fmla="*/ 55 h 59"/>
+                <a:gd name="T22" fmla="*/ 38 w 55"/>
+                <a:gd name="T23" fmla="*/ 59 h 59"/>
+                <a:gd name="T24" fmla="*/ 33 w 55"/>
+                <a:gd name="T25" fmla="*/ 58 h 59"/>
+                <a:gd name="T26" fmla="*/ 26 w 55"/>
+                <a:gd name="T27" fmla="*/ 53 h 59"/>
+                <a:gd name="T28" fmla="*/ 5 w 55"/>
+                <a:gd name="T29" fmla="*/ 27 h 59"/>
+                <a:gd name="T30" fmla="*/ 0 w 55"/>
+                <a:gd name="T31" fmla="*/ 17 h 59"/>
+              </a:gdLst>
+              <a:ahLst/>
+              <a:cxnLst>
+                <a:cxn ang="0">
+                  <a:pos x="T0" y="T1"/>
+                </a:cxn>
+                <a:cxn ang="0">
+                  <a:pos x="T2" y="T3"/>
+                </a:cxn>
+                <a:cxn ang="0">
+                  <a:pos x="T4" y="T5"/>
+                </a:cxn>
+                <a:cxn ang="0">
+                  <a:pos x="T6" y="T7"/>
+                </a:cxn>
+                <a:cxn ang="0">
+                  <a:pos x="T8" y="T9"/>
+                </a:cxn>
+                <a:cxn ang="0">
+                  <a:pos x="T10" y="T11"/>
+                </a:cxn>
+                <a:cxn ang="0">
+                  <a:pos x="T12" y="T13"/>
+                </a:cxn>
+                <a:cxn ang="0">
+                  <a:pos x="T14" y="T15"/>
+                </a:cxn>
+                <a:cxn ang="0">
+                  <a:pos x="T16" y="T17"/>
+                </a:cxn>
+                <a:cxn ang="0">
+                  <a:pos x="T18" y="T19"/>
+                </a:cxn>
+                <a:cxn ang="0">
+                  <a:pos x="T20" y="T21"/>
+                </a:cxn>
+                <a:cxn ang="0">
+                  <a:pos x="T22" y="T23"/>
+                </a:cxn>
+                <a:cxn ang="0">
+                  <a:pos x="T24" y="T25"/>
+                </a:cxn>
+                <a:cxn ang="0">
+                  <a:pos x="T26" y="T27"/>
+                </a:cxn>
+                <a:cxn ang="0">
+                  <a:pos x="T28" y="T29"/>
+                </a:cxn>
+                <a:cxn ang="0">
+                  <a:pos x="T30" y="T31"/>
+                </a:cxn>
+              </a:cxnLst>
+              <a:rect l="0" t="0" r="r" b="b"/>
+              <a:pathLst>
+                <a:path w="55" h="59">
+                  <a:moveTo>
+                    <a:pt x="0" y="17"/>
+                  </a:moveTo>
+                  <a:cubicBezTo>
+                    <a:pt x="0" y="14"/>
+                    <a:pt x="0" y="12"/>
+                    <a:pt x="1" y="11"/>
+                  </a:cubicBezTo>
+                  <a:cubicBezTo>
+                    <a:pt x="2" y="9"/>
+                    <a:pt x="3" y="8"/>
+                    <a:pt x="4" y="6"/>
+                  </a:cubicBezTo>
+                  <a:cubicBezTo>
+                    <a:pt x="6" y="5"/>
+                    <a:pt x="7" y="4"/>
+                    <a:pt x="7" y="4"/>
+                  </a:cubicBezTo>
+                  <a:cubicBezTo>
+                    <a:pt x="9" y="2"/>
+                    <a:pt x="12" y="1"/>
+                    <a:pt x="14" y="0"/>
+                  </a:cubicBezTo>
+                  <a:cubicBezTo>
+                    <a:pt x="17" y="0"/>
+                    <a:pt x="20" y="1"/>
+                    <a:pt x="23" y="3"/>
+                  </a:cubicBezTo>
+                  <a:cubicBezTo>
+                    <a:pt x="26" y="4"/>
+                    <a:pt x="29" y="7"/>
+                    <a:pt x="31" y="11"/>
+                  </a:cubicBezTo>
+                  <a:cubicBezTo>
+                    <a:pt x="38" y="20"/>
+                    <a:pt x="38" y="20"/>
+                    <a:pt x="38" y="20"/>
+                  </a:cubicBezTo>
+                  <a:cubicBezTo>
+                    <a:pt x="48" y="31"/>
+                    <a:pt x="48" y="31"/>
+                    <a:pt x="48" y="31"/>
+                  </a:cubicBezTo>
+                  <a:cubicBezTo>
+                    <a:pt x="52" y="36"/>
+                    <a:pt x="54" y="40"/>
+                    <a:pt x="55" y="43"/>
+                  </a:cubicBezTo>
+                  <a:cubicBezTo>
+                    <a:pt x="55" y="47"/>
+                    <a:pt x="54" y="52"/>
+                    <a:pt x="49" y="55"/>
+                  </a:cubicBezTo>
+                  <a:cubicBezTo>
+                    <a:pt x="45" y="58"/>
+                    <a:pt x="41" y="59"/>
+                    <a:pt x="38" y="59"/>
+                  </a:cubicBezTo>
+                  <a:cubicBezTo>
+                    <a:pt x="37" y="59"/>
+                    <a:pt x="35" y="59"/>
+                    <a:pt x="33" y="58"/>
+                  </a:cubicBezTo>
+                  <a:cubicBezTo>
+                    <a:pt x="31" y="57"/>
+                    <a:pt x="29" y="55"/>
+                    <a:pt x="26" y="53"/>
+                  </a:cubicBezTo>
+                  <a:cubicBezTo>
+                    <a:pt x="23" y="50"/>
+                    <a:pt x="5" y="27"/>
+                    <a:pt x="5" y="27"/>
+                  </a:cubicBezTo>
+                  <a:cubicBezTo>
+                    <a:pt x="2" y="23"/>
+                    <a:pt x="0" y="19"/>
+                    <a:pt x="0" y="17"/>
+                  </a:cubicBezTo>
+                  <a:close/>
+                </a:path>
+              </a:pathLst>
+            </a:custGeom>
+            <a:solidFill>
+              <a:schemeClr val="accent2"/>
+            </a:solidFill>
+            <a:ln>
+              <a:noFill/>
+            </a:ln>
+          </p:spPr>
+          <p:txBody>
+            <a:bodyPr vert="horz" wrap="square" lIns="91440" tIns="45720" rIns="91440" bIns="45720" numCol="1" anchor="t" anchorCtr="0" compatLnSpc="1">
+              <a:prstTxWarp prst="textNoShape">
+                <a:avLst/>
+              </a:prstTxWarp>
+            </a:bodyPr>
+            <a:lstStyle/>
+            <a:p>
+              <a:endParaRPr lang="en-US">
+                <a:solidFill>
+                  <a:schemeClr val="accent3"/>
+                </a:solidFill>
+              </a:endParaRPr>
+            </a:p>
+          </p:txBody>
+        </p:sp>
+      </p:grpSp>
+      <p:pic>
+        <p:nvPicPr>
+          <p:cNvPr id="5" name="Picture 4">
+            <a:extLst>
+              <a:ext uri="{FF2B5EF4-FFF2-40B4-BE49-F238E27FC236}">
+                <a16:creationId xmlns:a16="http://schemas.microsoft.com/office/drawing/2014/main" id="{82F98530-1ADA-CDED-883C-F20EA3A099CA}"/>
+              </a:ext>
+            </a:extLst>
+          </p:cNvPr>
+          <p:cNvPicPr>
+            <a:picLocks noChangeAspect="1"/>
+          </p:cNvPicPr>
+          <p:nvPr/>
+        </p:nvPicPr>
+        <p:blipFill>
+          <a:blip r:embed="rId2"/>
+          <a:stretch>
+            <a:fillRect/>
+          </a:stretch>
+        </p:blipFill>
+        <p:spPr>
+          <a:xfrm>
+            <a:off x="5166714" y="526382"/>
+            <a:ext cx="6870104" cy="5805236"/>
+          </a:xfrm>
+          <a:custGeom>
+            <a:avLst/>
+            <a:gdLst/>
+            <a:ahLst/>
+            <a:cxnLst/>
+            <a:rect l="l" t="t" r="r" b="b"/>
+            <a:pathLst>
+              <a:path w="5014800" h="5409338">
+                <a:moveTo>
+                  <a:pt x="0" y="0"/>
+                </a:moveTo>
+                <a:lnTo>
+                  <a:pt x="5014800" y="0"/>
+                </a:lnTo>
+                <a:lnTo>
+                  <a:pt x="5014800" y="5409338"/>
+                </a:lnTo>
+                <a:lnTo>
+                  <a:pt x="0" y="5409338"/>
+                </a:lnTo>
+                <a:close/>
+              </a:path>
+            </a:pathLst>
+          </a:custGeom>
+        </p:spPr>
+      </p:pic>
+    </p:spTree>
+    <p:extLst>
+      <p:ext uri="{BB962C8B-B14F-4D97-AF65-F5344CB8AC3E}">
+        <p14:creationId xmlns:p14="http://schemas.microsoft.com/office/powerpoint/2010/main" val="741004414"/>
+      </p:ext>
+    </p:extLst>
+  </p:cSld>
+  <p:clrMapOvr>
+    <a:masterClrMapping/>
+  </p:clrMapOvr>
+</p:sld>
+</file>
+
+<file path=ppt/slides/slide12.xml><?xml version="1.0" encoding="utf-8"?>
+<p:sld xmlns:a="http://schemas.openxmlformats.org/drawingml/2006/main" xmlns:r="http://schemas.openxmlformats.org/officeDocument/2006/relationships" xmlns:p="http://schemas.openxmlformats.org/presentationml/2006/main">
+  <p:cSld>
+    <p:bg>
+      <p:bgPr>
+        <a:solidFill>
+          <a:schemeClr val="bg2"/>
+        </a:solidFill>
+        <a:effectLst/>
+      </p:bgPr>
+    </p:bg>
+    <p:spTree>
+      <p:nvGrpSpPr>
+        <p:cNvPr id="1" name=""/>
+        <p:cNvGrpSpPr/>
+        <p:nvPr/>
+      </p:nvGrpSpPr>
+      <p:grpSpPr>
+        <a:xfrm>
+          <a:off x="0" y="0"/>
+          <a:ext cx="0" cy="0"/>
+          <a:chOff x="0" y="0"/>
+          <a:chExt cx="0" cy="0"/>
+        </a:xfrm>
+      </p:grpSpPr>
+      <p:sp>
+        <p:nvSpPr>
+          <p:cNvPr id="57" name="Rectangle 56">
+            <a:extLst>
+              <a:ext uri="{FF2B5EF4-FFF2-40B4-BE49-F238E27FC236}">
+                <a16:creationId xmlns:a16="http://schemas.microsoft.com/office/drawing/2014/main" id="{09646535-AEF6-4883-A4F9-EEC1F8B4319E}"/>
+              </a:ext>
+              <a:ext uri="{C183D7F6-B498-43B3-948B-1728B52AA6E4}">
+                <adec:decorative xmlns:adec="http://schemas.microsoft.com/office/drawing/2017/decorative" val="1"/>
+              </a:ext>
+            </a:extLst>
+          </p:cNvPr>
+          <p:cNvSpPr>
+            <a:spLocks noGrp="1" noRot="1" noChangeAspect="1" noMove="1" noResize="1" noEditPoints="1" noAdjustHandles="1" noChangeArrowheads="1" noChangeShapeType="1" noTextEdit="1"/>
+          </p:cNvSpPr>
+          <p:nvPr>
+            <p:extLst>
+              <p:ext uri="{386F3935-93C4-4BCD-93E2-E3B085C9AB24}">
+                <p16:designElem xmlns:p16="http://schemas.microsoft.com/office/powerpoint/2015/main" val="1"/>
+              </p:ext>
+            </p:extLst>
+          </p:nvPr>
+        </p:nvSpPr>
+        <p:spPr>
+          <a:xfrm>
+            <a:off x="0" y="0"/>
+            <a:ext cx="12192000" cy="6858000"/>
+          </a:xfrm>
+          <a:prstGeom prst="rect">
+            <a:avLst/>
+          </a:prstGeom>
+          <a:solidFill>
+            <a:schemeClr val="bg2">
+              <a:lumMod val="90000"/>
+              <a:lumOff val="10000"/>
+            </a:schemeClr>
+          </a:solidFill>
+          <a:ln w="12700" cap="flat" cmpd="sng" algn="ctr">
+            <a:noFill/>
+            <a:prstDash val="solid"/>
+            <a:miter lim="800000"/>
+          </a:ln>
+          <a:effectLst/>
+        </p:spPr>
+        <p:style>
+          <a:lnRef idx="2">
+            <a:schemeClr val="accent1">
+              <a:shade val="50000"/>
+            </a:schemeClr>
+          </a:lnRef>
+          <a:fillRef idx="1">
+            <a:schemeClr val="accent1"/>
+          </a:fillRef>
+          <a:effectRef idx="0">
+            <a:schemeClr val="accent1"/>
+          </a:effectRef>
+          <a:fontRef idx="minor">
+            <a:schemeClr val="lt1"/>
+          </a:fontRef>
+        </p:style>
+        <p:txBody>
+          <a:bodyPr rtlCol="0" anchor="ctr"/>
+          <a:lstStyle/>
+          <a:p>
+            <a:pPr algn="ctr"/>
+            <a:endParaRPr lang="en-US"/>
+          </a:p>
+        </p:txBody>
+      </p:sp>
+      <p:sp useBgFill="1">
+        <p:nvSpPr>
+          <p:cNvPr id="58" name="Rectangle 57">
+            <a:extLst>
+              <a:ext uri="{FF2B5EF4-FFF2-40B4-BE49-F238E27FC236}">
+                <a16:creationId xmlns:a16="http://schemas.microsoft.com/office/drawing/2014/main" id="{74E3E963-7ADC-4469-A079-F78B0BC6F60C}"/>
+              </a:ext>
+              <a:ext uri="{C183D7F6-B498-43B3-948B-1728B52AA6E4}">
+                <adec:decorative xmlns:adec="http://schemas.microsoft.com/office/drawing/2017/decorative" val="1"/>
+              </a:ext>
+            </a:extLst>
+          </p:cNvPr>
+          <p:cNvSpPr>
+            <a:spLocks noGrp="1" noRot="1" noChangeAspect="1" noMove="1" noResize="1" noEditPoints="1" noAdjustHandles="1" noChangeArrowheads="1" noChangeShapeType="1" noTextEdit="1"/>
+          </p:cNvSpPr>
+          <p:nvPr>
+            <p:extLst>
+              <p:ext uri="{386F3935-93C4-4BCD-93E2-E3B085C9AB24}">
+                <p16:designElem xmlns:p16="http://schemas.microsoft.com/office/powerpoint/2015/main" val="1"/>
+              </p:ext>
+            </p:extLst>
+          </p:nvPr>
+        </p:nvSpPr>
+        <p:spPr>
+          <a:xfrm>
+            <a:off x="0" y="0"/>
+            <a:ext cx="12192000" cy="6858000"/>
+          </a:xfrm>
+          <a:prstGeom prst="rect">
+            <a:avLst/>
+          </a:prstGeom>
+          <a:ln w="12700" cap="flat" cmpd="sng" algn="ctr">
+            <a:noFill/>
+            <a:prstDash val="solid"/>
+            <a:miter lim="800000"/>
+          </a:ln>
+          <a:effectLst/>
+        </p:spPr>
+        <p:style>
+          <a:lnRef idx="2">
+            <a:schemeClr val="accent1">
+              <a:shade val="50000"/>
+            </a:schemeClr>
+          </a:lnRef>
+          <a:fillRef idx="1">
+            <a:schemeClr val="accent1"/>
+          </a:fillRef>
+          <a:effectRef idx="0">
+            <a:schemeClr val="accent1"/>
+          </a:effectRef>
+          <a:fontRef idx="minor">
+            <a:schemeClr val="lt1"/>
+          </a:fontRef>
+        </p:style>
+        <p:txBody>
+          <a:bodyPr rtlCol="0" anchor="ctr"/>
+          <a:lstStyle/>
+          <a:p>
+            <a:pPr algn="ctr"/>
+            <a:endParaRPr lang="en-US"/>
+          </a:p>
+        </p:txBody>
+      </p:sp>
+      <p:sp>
+        <p:nvSpPr>
+          <p:cNvPr id="59" name="Rectangle 58">
+            <a:extLst>
+              <a:ext uri="{FF2B5EF4-FFF2-40B4-BE49-F238E27FC236}">
+                <a16:creationId xmlns:a16="http://schemas.microsoft.com/office/drawing/2014/main" id="{C864DEA4-D6B8-4DEF-B1D0-6D5672FA8D22}"/>
+              </a:ext>
+              <a:ext uri="{C183D7F6-B498-43B3-948B-1728B52AA6E4}">
+                <adec:decorative xmlns:adec="http://schemas.microsoft.com/office/drawing/2017/decorative" val="1"/>
+              </a:ext>
+            </a:extLst>
+          </p:cNvPr>
+          <p:cNvSpPr>
+            <a:spLocks noGrp="1" noRot="1" noChangeAspect="1" noMove="1" noResize="1" noEditPoints="1" noAdjustHandles="1" noChangeArrowheads="1" noChangeShapeType="1" noTextEdit="1"/>
+          </p:cNvSpPr>
+          <p:nvPr>
+            <p:extLst>
+              <p:ext uri="{386F3935-93C4-4BCD-93E2-E3B085C9AB24}">
+                <p16:designElem xmlns:p16="http://schemas.microsoft.com/office/powerpoint/2015/main" val="1"/>
+              </p:ext>
+            </p:extLst>
+          </p:nvPr>
+        </p:nvSpPr>
+        <p:spPr>
+          <a:xfrm>
+            <a:off x="0" y="0"/>
+            <a:ext cx="12192000" cy="6858000"/>
+          </a:xfrm>
+          <a:prstGeom prst="rect">
+            <a:avLst/>
+          </a:prstGeom>
+          <a:solidFill>
+            <a:schemeClr val="bg2">
+              <a:lumMod val="90000"/>
+              <a:lumOff val="10000"/>
+            </a:schemeClr>
+          </a:solidFill>
+          <a:ln w="12700" cap="flat" cmpd="sng" algn="ctr">
+            <a:noFill/>
+            <a:prstDash val="solid"/>
+            <a:miter lim="800000"/>
+          </a:ln>
+          <a:effectLst/>
+        </p:spPr>
+        <p:style>
+          <a:lnRef idx="2">
+            <a:schemeClr val="accent1">
+              <a:shade val="50000"/>
+            </a:schemeClr>
+          </a:lnRef>
+          <a:fillRef idx="1">
+            <a:schemeClr val="accent1"/>
+          </a:fillRef>
+          <a:effectRef idx="0">
+            <a:schemeClr val="accent1"/>
+          </a:effectRef>
+          <a:fontRef idx="minor">
+            <a:schemeClr val="lt1"/>
+          </a:fontRef>
+        </p:style>
+        <p:txBody>
+          <a:bodyPr rtlCol="0" anchor="ctr"/>
+          <a:lstStyle/>
+          <a:p>
+            <a:pPr algn="ctr"/>
+            <a:endParaRPr lang="en-US"/>
+          </a:p>
+        </p:txBody>
+      </p:sp>
+      <p:sp>
+        <p:nvSpPr>
+          <p:cNvPr id="2" name="Title 1">
+            <a:extLst>
+              <a:ext uri="{FF2B5EF4-FFF2-40B4-BE49-F238E27FC236}">
+                <a16:creationId xmlns:a16="http://schemas.microsoft.com/office/drawing/2014/main" id="{FE261C0D-7D9B-F2FB-A364-A7213ABADCBD}"/>
+              </a:ext>
+            </a:extLst>
+          </p:cNvPr>
+          <p:cNvSpPr>
+            <a:spLocks noGrp="1"/>
+          </p:cNvSpPr>
+          <p:nvPr>
+            <p:ph type="title"/>
+          </p:nvPr>
+        </p:nvSpPr>
+        <p:spPr>
+          <a:xfrm>
+            <a:off x="6480000" y="1554630"/>
+            <a:ext cx="5015638" cy="1969770"/>
+          </a:xfrm>
+        </p:spPr>
+        <p:txBody>
+          <a:bodyPr vert="horz" wrap="square" lIns="0" tIns="0" rIns="0" bIns="0" rtlCol="0" anchor="b" anchorCtr="0">
+            <a:normAutofit/>
+          </a:bodyPr>
+          <a:lstStyle/>
+          <a:p>
+            <a:pPr algn="ctr"/>
+            <a:r>
+              <a:rPr lang="en-US" sz="5600" spc="-100" dirty="0"/>
+              <a:t>Test Driven Development</a:t>
+            </a:r>
+          </a:p>
+        </p:txBody>
+      </p:sp>
+      <p:grpSp>
+        <p:nvGrpSpPr>
+          <p:cNvPr id="60" name="Group 59">
+            <a:extLst>
+              <a:ext uri="{FF2B5EF4-FFF2-40B4-BE49-F238E27FC236}">
+                <a16:creationId xmlns:a16="http://schemas.microsoft.com/office/drawing/2014/main" id="{3C9AA14C-80A4-427C-A911-28CD20C56E5E}"/>
+              </a:ext>
+              <a:ext uri="{C183D7F6-B498-43B3-948B-1728B52AA6E4}">
+                <adec:decorative xmlns:adec="http://schemas.microsoft.com/office/drawing/2017/decorative" val="1"/>
+              </a:ext>
+            </a:extLst>
+          </p:cNvPr>
+          <p:cNvGrpSpPr>
+            <a:grpSpLocks noGrp="1" noUngrp="1" noRot="1" noChangeAspect="1" noMove="1" noResize="1"/>
+          </p:cNvGrpSpPr>
+          <p:nvPr>
+            <p:extLst>
+              <p:ext uri="{386F3935-93C4-4BCD-93E2-E3B085C9AB24}">
+                <p16:designElem xmlns:p16="http://schemas.microsoft.com/office/powerpoint/2015/main" val="1"/>
+              </p:ext>
+            </p:extLst>
+          </p:nvPr>
+        </p:nvGrpSpPr>
+        <p:grpSpPr>
+          <a:xfrm rot="10800000">
+            <a:off x="7909203" y="317452"/>
+            <a:ext cx="2117174" cy="588806"/>
+            <a:chOff x="4549904" y="5078157"/>
+            <a:chExt cx="3023338" cy="840818"/>
+          </a:xfrm>
+        </p:grpSpPr>
+        <p:sp>
+          <p:nvSpPr>
+            <p:cNvPr id="61" name="Freeform 80">
+              <a:extLst>
+                <a:ext uri="{FF2B5EF4-FFF2-40B4-BE49-F238E27FC236}">
+                  <a16:creationId xmlns:a16="http://schemas.microsoft.com/office/drawing/2014/main" id="{EF32CDAF-4619-4949-9516-1E042181EBF3}"/>
+                </a:ext>
+                <a:ext uri="{C183D7F6-B498-43B3-948B-1728B52AA6E4}">
+                  <adec:decorative xmlns:adec="http://schemas.microsoft.com/office/drawing/2017/decorative" val="1"/>
+                </a:ext>
+              </a:extLst>
+            </p:cNvPr>
+            <p:cNvSpPr>
+              <a:spLocks/>
+            </p:cNvSpPr>
+            <p:nvPr>
+              <p:extLst>
+                <p:ext uri="{386F3935-93C4-4BCD-93E2-E3B085C9AB24}">
+                  <p16:designElem xmlns:p16="http://schemas.microsoft.com/office/powerpoint/2015/main" val="1"/>
+                </p:ext>
+              </p:extLst>
+            </p:nvPr>
+          </p:nvSpPr>
+          <p:spPr bwMode="auto">
+            <a:xfrm rot="5400000">
+              <a:off x="5690691" y="5352589"/>
+              <a:ext cx="749228" cy="383544"/>
+            </a:xfrm>
+            <a:custGeom>
+              <a:avLst/>
+              <a:gdLst>
+                <a:gd name="T0" fmla="*/ 53 w 66"/>
+                <a:gd name="T1" fmla="*/ 33 h 34"/>
+                <a:gd name="T2" fmla="*/ 39 w 66"/>
+                <a:gd name="T3" fmla="*/ 33 h 34"/>
+                <a:gd name="T4" fmla="*/ 21 w 66"/>
+                <a:gd name="T5" fmla="*/ 33 h 34"/>
+                <a:gd name="T6" fmla="*/ 12 w 66"/>
+                <a:gd name="T7" fmla="*/ 32 h 34"/>
+                <a:gd name="T8" fmla="*/ 3 w 66"/>
+                <a:gd name="T9" fmla="*/ 28 h 34"/>
+                <a:gd name="T10" fmla="*/ 0 w 66"/>
+                <a:gd name="T11" fmla="*/ 21 h 34"/>
+                <a:gd name="T12" fmla="*/ 0 w 66"/>
+                <a:gd name="T13" fmla="*/ 16 h 34"/>
+                <a:gd name="T14" fmla="*/ 3 w 66"/>
+                <a:gd name="T15" fmla="*/ 7 h 34"/>
+                <a:gd name="T16" fmla="*/ 11 w 66"/>
+                <a:gd name="T17" fmla="*/ 3 h 34"/>
+                <a:gd name="T18" fmla="*/ 23 w 66"/>
+                <a:gd name="T19" fmla="*/ 2 h 34"/>
+                <a:gd name="T20" fmla="*/ 43 w 66"/>
+                <a:gd name="T21" fmla="*/ 0 h 34"/>
+                <a:gd name="T22" fmla="*/ 48 w 66"/>
+                <a:gd name="T23" fmla="*/ 0 h 34"/>
+                <a:gd name="T24" fmla="*/ 62 w 66"/>
+                <a:gd name="T25" fmla="*/ 4 h 34"/>
+                <a:gd name="T26" fmla="*/ 66 w 66"/>
+                <a:gd name="T27" fmla="*/ 13 h 34"/>
+                <a:gd name="T28" fmla="*/ 66 w 66"/>
+                <a:gd name="T29" fmla="*/ 20 h 34"/>
+                <a:gd name="T30" fmla="*/ 62 w 66"/>
+                <a:gd name="T31" fmla="*/ 29 h 34"/>
+                <a:gd name="T32" fmla="*/ 53 w 66"/>
+                <a:gd name="T33" fmla="*/ 33 h 34"/>
+              </a:gdLst>
+              <a:ahLst/>
+              <a:cxnLst>
+                <a:cxn ang="0">
+                  <a:pos x="T0" y="T1"/>
+                </a:cxn>
+                <a:cxn ang="0">
+                  <a:pos x="T2" y="T3"/>
+                </a:cxn>
+                <a:cxn ang="0">
+                  <a:pos x="T4" y="T5"/>
+                </a:cxn>
+                <a:cxn ang="0">
+                  <a:pos x="T6" y="T7"/>
+                </a:cxn>
+                <a:cxn ang="0">
+                  <a:pos x="T8" y="T9"/>
+                </a:cxn>
+                <a:cxn ang="0">
+                  <a:pos x="T10" y="T11"/>
+                </a:cxn>
+                <a:cxn ang="0">
+                  <a:pos x="T12" y="T13"/>
+                </a:cxn>
+                <a:cxn ang="0">
+                  <a:pos x="T14" y="T15"/>
+                </a:cxn>
+                <a:cxn ang="0">
+                  <a:pos x="T16" y="T17"/>
+                </a:cxn>
+                <a:cxn ang="0">
+                  <a:pos x="T18" y="T19"/>
+                </a:cxn>
+                <a:cxn ang="0">
+                  <a:pos x="T20" y="T21"/>
+                </a:cxn>
+                <a:cxn ang="0">
+                  <a:pos x="T22" y="T23"/>
+                </a:cxn>
+                <a:cxn ang="0">
+                  <a:pos x="T24" y="T25"/>
+                </a:cxn>
+                <a:cxn ang="0">
+                  <a:pos x="T26" y="T27"/>
+                </a:cxn>
+                <a:cxn ang="0">
+                  <a:pos x="T28" y="T29"/>
+                </a:cxn>
+                <a:cxn ang="0">
+                  <a:pos x="T30" y="T31"/>
+                </a:cxn>
+                <a:cxn ang="0">
+                  <a:pos x="T32" y="T33"/>
+                </a:cxn>
+              </a:cxnLst>
+              <a:rect l="0" t="0" r="r" b="b"/>
+              <a:pathLst>
+                <a:path w="66" h="34">
+                  <a:moveTo>
+                    <a:pt x="53" y="33"/>
+                  </a:moveTo>
+                  <a:cubicBezTo>
+                    <a:pt x="47" y="33"/>
+                    <a:pt x="53" y="34"/>
+                    <a:pt x="39" y="33"/>
+                  </a:cubicBezTo>
+                  <a:cubicBezTo>
+                    <a:pt x="24" y="33"/>
+                    <a:pt x="21" y="33"/>
+                    <a:pt x="21" y="33"/>
+                  </a:cubicBezTo>
+                  <a:cubicBezTo>
+                    <a:pt x="12" y="32"/>
+                    <a:pt x="12" y="32"/>
+                    <a:pt x="12" y="32"/>
+                  </a:cubicBezTo>
+                  <a:cubicBezTo>
+                    <a:pt x="7" y="31"/>
+                    <a:pt x="4" y="30"/>
+                    <a:pt x="3" y="28"/>
+                  </a:cubicBezTo>
+                  <a:cubicBezTo>
+                    <a:pt x="1" y="26"/>
+                    <a:pt x="0" y="24"/>
+                    <a:pt x="0" y="21"/>
+                  </a:cubicBezTo>
+                  <a:cubicBezTo>
+                    <a:pt x="0" y="21"/>
+                    <a:pt x="0" y="19"/>
+                    <a:pt x="0" y="16"/>
+                  </a:cubicBezTo>
+                  <a:cubicBezTo>
+                    <a:pt x="0" y="13"/>
+                    <a:pt x="1" y="10"/>
+                    <a:pt x="3" y="7"/>
+                  </a:cubicBezTo>
+                  <a:cubicBezTo>
+                    <a:pt x="4" y="5"/>
+                    <a:pt x="7" y="3"/>
+                    <a:pt x="11" y="3"/>
+                  </a:cubicBezTo>
+                  <a:cubicBezTo>
+                    <a:pt x="16" y="2"/>
+                    <a:pt x="20" y="2"/>
+                    <a:pt x="23" y="2"/>
+                  </a:cubicBezTo>
+                  <a:cubicBezTo>
+                    <a:pt x="32" y="1"/>
+                    <a:pt x="37" y="0"/>
+                    <a:pt x="43" y="0"/>
+                  </a:cubicBezTo>
+                  <a:cubicBezTo>
+                    <a:pt x="48" y="0"/>
+                    <a:pt x="48" y="0"/>
+                    <a:pt x="48" y="0"/>
+                  </a:cubicBezTo>
+                  <a:cubicBezTo>
+                    <a:pt x="54" y="1"/>
+                    <a:pt x="59" y="3"/>
+                    <a:pt x="62" y="4"/>
+                  </a:cubicBezTo>
+                  <a:cubicBezTo>
+                    <a:pt x="65" y="6"/>
+                    <a:pt x="66" y="9"/>
+                    <a:pt x="66" y="13"/>
+                  </a:cubicBezTo>
+                  <a:cubicBezTo>
+                    <a:pt x="66" y="15"/>
+                    <a:pt x="66" y="17"/>
+                    <a:pt x="66" y="20"/>
+                  </a:cubicBezTo>
+                  <a:cubicBezTo>
+                    <a:pt x="65" y="23"/>
+                    <a:pt x="64" y="26"/>
+                    <a:pt x="62" y="29"/>
+                  </a:cubicBezTo>
+                  <a:cubicBezTo>
+                    <a:pt x="60" y="31"/>
+                    <a:pt x="57" y="32"/>
+                    <a:pt x="53" y="33"/>
+                  </a:cubicBezTo>
+                  <a:close/>
+                </a:path>
+              </a:pathLst>
+            </a:custGeom>
+            <a:solidFill>
+              <a:schemeClr val="accent2"/>
+            </a:solidFill>
+            <a:ln>
+              <a:noFill/>
+            </a:ln>
+          </p:spPr>
+          <p:txBody>
+            <a:bodyPr vert="horz" wrap="square" lIns="91440" tIns="45720" rIns="91440" bIns="45720" numCol="1" anchor="t" anchorCtr="0" compatLnSpc="1">
+              <a:prstTxWarp prst="textNoShape">
+                <a:avLst/>
+              </a:prstTxWarp>
+            </a:bodyPr>
+            <a:lstStyle/>
+            <a:p>
+              <a:endParaRPr lang="en-US">
+                <a:solidFill>
+                  <a:schemeClr val="accent3"/>
+                </a:solidFill>
+              </a:endParaRPr>
+            </a:p>
+          </p:txBody>
+        </p:sp>
+        <p:sp>
+          <p:nvSpPr>
+            <p:cNvPr id="62" name="Freeform 84">
+              <a:extLst>
+                <a:ext uri="{FF2B5EF4-FFF2-40B4-BE49-F238E27FC236}">
+                  <a16:creationId xmlns:a16="http://schemas.microsoft.com/office/drawing/2014/main" id="{270C485D-6BA8-4BF7-B72C-2B14A43A6648}"/>
+                </a:ext>
+                <a:ext uri="{C183D7F6-B498-43B3-948B-1728B52AA6E4}">
+                  <adec:decorative xmlns:adec="http://schemas.microsoft.com/office/drawing/2017/decorative" val="1"/>
+                </a:ext>
+              </a:extLst>
+            </p:cNvPr>
+            <p:cNvSpPr>
+              <a:spLocks/>
+            </p:cNvSpPr>
+            <p:nvPr>
+              <p:extLst>
+                <p:ext uri="{386F3935-93C4-4BCD-93E2-E3B085C9AB24}">
+                  <p16:designElem xmlns:p16="http://schemas.microsoft.com/office/powerpoint/2015/main" val="1"/>
+                </p:ext>
+              </p:extLst>
+            </p:nvPr>
+          </p:nvSpPr>
+          <p:spPr bwMode="auto">
+            <a:xfrm rot="6274527">
+              <a:off x="6910134" y="5062687"/>
+              <a:ext cx="647637" cy="678578"/>
+            </a:xfrm>
+            <a:custGeom>
+              <a:avLst/>
+              <a:gdLst>
+                <a:gd name="T0" fmla="*/ 4 w 57"/>
+                <a:gd name="T1" fmla="*/ 34 h 60"/>
+                <a:gd name="T2" fmla="*/ 17 w 57"/>
+                <a:gd name="T3" fmla="*/ 18 h 60"/>
+                <a:gd name="T4" fmla="*/ 26 w 57"/>
+                <a:gd name="T5" fmla="*/ 8 h 60"/>
+                <a:gd name="T6" fmla="*/ 29 w 57"/>
+                <a:gd name="T7" fmla="*/ 5 h 60"/>
+                <a:gd name="T8" fmla="*/ 41 w 57"/>
+                <a:gd name="T9" fmla="*/ 0 h 60"/>
+                <a:gd name="T10" fmla="*/ 51 w 57"/>
+                <a:gd name="T11" fmla="*/ 6 h 60"/>
+                <a:gd name="T12" fmla="*/ 56 w 57"/>
+                <a:gd name="T13" fmla="*/ 16 h 60"/>
+                <a:gd name="T14" fmla="*/ 51 w 57"/>
+                <a:gd name="T15" fmla="*/ 28 h 60"/>
+                <a:gd name="T16" fmla="*/ 29 w 57"/>
+                <a:gd name="T17" fmla="*/ 53 h 60"/>
+                <a:gd name="T18" fmla="*/ 17 w 57"/>
+                <a:gd name="T19" fmla="*/ 59 h 60"/>
+                <a:gd name="T20" fmla="*/ 5 w 57"/>
+                <a:gd name="T21" fmla="*/ 54 h 60"/>
+                <a:gd name="T22" fmla="*/ 0 w 57"/>
+                <a:gd name="T23" fmla="*/ 45 h 60"/>
+                <a:gd name="T24" fmla="*/ 4 w 57"/>
+                <a:gd name="T25" fmla="*/ 34 h 60"/>
+              </a:gdLst>
+              <a:ahLst/>
+              <a:cxnLst>
+                <a:cxn ang="0">
+                  <a:pos x="T0" y="T1"/>
+                </a:cxn>
+                <a:cxn ang="0">
+                  <a:pos x="T2" y="T3"/>
+                </a:cxn>
+                <a:cxn ang="0">
+                  <a:pos x="T4" y="T5"/>
+                </a:cxn>
+                <a:cxn ang="0">
+                  <a:pos x="T6" y="T7"/>
+                </a:cxn>
+                <a:cxn ang="0">
+                  <a:pos x="T8" y="T9"/>
+                </a:cxn>
+                <a:cxn ang="0">
+                  <a:pos x="T10" y="T11"/>
+                </a:cxn>
+                <a:cxn ang="0">
+                  <a:pos x="T12" y="T13"/>
+                </a:cxn>
+                <a:cxn ang="0">
+                  <a:pos x="T14" y="T15"/>
+                </a:cxn>
+                <a:cxn ang="0">
+                  <a:pos x="T16" y="T17"/>
+                </a:cxn>
+                <a:cxn ang="0">
+                  <a:pos x="T18" y="T19"/>
+                </a:cxn>
+                <a:cxn ang="0">
+                  <a:pos x="T20" y="T21"/>
+                </a:cxn>
+                <a:cxn ang="0">
+                  <a:pos x="T22" y="T23"/>
+                </a:cxn>
+                <a:cxn ang="0">
+                  <a:pos x="T24" y="T25"/>
+                </a:cxn>
+              </a:cxnLst>
+              <a:rect l="0" t="0" r="r" b="b"/>
+              <a:pathLst>
+                <a:path w="57" h="60">
+                  <a:moveTo>
+                    <a:pt x="4" y="34"/>
+                  </a:moveTo>
+                  <a:cubicBezTo>
+                    <a:pt x="5" y="33"/>
+                    <a:pt x="17" y="18"/>
+                    <a:pt x="17" y="18"/>
+                  </a:cubicBezTo>
+                  <a:cubicBezTo>
+                    <a:pt x="21" y="14"/>
+                    <a:pt x="24" y="10"/>
+                    <a:pt x="26" y="8"/>
+                  </a:cubicBezTo>
+                  <a:cubicBezTo>
+                    <a:pt x="29" y="5"/>
+                    <a:pt x="29" y="5"/>
+                    <a:pt x="29" y="5"/>
+                  </a:cubicBezTo>
+                  <a:cubicBezTo>
+                    <a:pt x="34" y="2"/>
+                    <a:pt x="38" y="0"/>
+                    <a:pt x="41" y="0"/>
+                  </a:cubicBezTo>
+                  <a:cubicBezTo>
+                    <a:pt x="44" y="1"/>
+                    <a:pt x="47" y="2"/>
+                    <a:pt x="51" y="6"/>
+                  </a:cubicBezTo>
+                  <a:cubicBezTo>
+                    <a:pt x="55" y="10"/>
+                    <a:pt x="57" y="13"/>
+                    <a:pt x="56" y="16"/>
+                  </a:cubicBezTo>
+                  <a:cubicBezTo>
+                    <a:pt x="56" y="19"/>
+                    <a:pt x="54" y="23"/>
+                    <a:pt x="51" y="28"/>
+                  </a:cubicBezTo>
+                  <a:cubicBezTo>
+                    <a:pt x="51" y="28"/>
+                    <a:pt x="33" y="48"/>
+                    <a:pt x="29" y="53"/>
+                  </a:cubicBezTo>
+                  <a:cubicBezTo>
+                    <a:pt x="25" y="57"/>
+                    <a:pt x="21" y="59"/>
+                    <a:pt x="17" y="59"/>
+                  </a:cubicBezTo>
+                  <a:cubicBezTo>
+                    <a:pt x="13" y="60"/>
+                    <a:pt x="9" y="58"/>
+                    <a:pt x="5" y="54"/>
+                  </a:cubicBezTo>
+                  <a:cubicBezTo>
+                    <a:pt x="2" y="51"/>
+                    <a:pt x="0" y="48"/>
+                    <a:pt x="0" y="45"/>
+                  </a:cubicBezTo>
+                  <a:cubicBezTo>
+                    <a:pt x="0" y="42"/>
+                    <a:pt x="2" y="38"/>
+                    <a:pt x="4" y="34"/>
+                  </a:cubicBezTo>
+                  <a:close/>
+                </a:path>
+              </a:pathLst>
+            </a:custGeom>
+            <a:solidFill>
+              <a:schemeClr val="accent2"/>
+            </a:solidFill>
+            <a:ln>
+              <a:noFill/>
+            </a:ln>
+          </p:spPr>
+          <p:txBody>
+            <a:bodyPr vert="horz" wrap="square" lIns="91440" tIns="45720" rIns="91440" bIns="45720" numCol="1" anchor="t" anchorCtr="0" compatLnSpc="1">
+              <a:prstTxWarp prst="textNoShape">
+                <a:avLst/>
+              </a:prstTxWarp>
+            </a:bodyPr>
+            <a:lstStyle/>
+            <a:p>
+              <a:endParaRPr lang="en-US">
+                <a:solidFill>
+                  <a:schemeClr val="accent3"/>
+                </a:solidFill>
+              </a:endParaRPr>
+            </a:p>
+          </p:txBody>
+        </p:sp>
+        <p:sp>
+          <p:nvSpPr>
+            <p:cNvPr id="63" name="Freeform 87">
+              <a:extLst>
+                <a:ext uri="{FF2B5EF4-FFF2-40B4-BE49-F238E27FC236}">
+                  <a16:creationId xmlns:a16="http://schemas.microsoft.com/office/drawing/2014/main" id="{79239B91-4327-43B3-AED5-CB9EC1653B47}"/>
+                </a:ext>
+                <a:ext uri="{C183D7F6-B498-43B3-948B-1728B52AA6E4}">
+                  <adec:decorative xmlns:adec="http://schemas.microsoft.com/office/drawing/2017/decorative" val="1"/>
+                </a:ext>
+              </a:extLst>
+            </p:cNvPr>
+            <p:cNvSpPr>
+              <a:spLocks/>
+            </p:cNvSpPr>
+            <p:nvPr>
+              <p:extLst>
+                <p:ext uri="{386F3935-93C4-4BCD-93E2-E3B085C9AB24}">
+                  <p16:designElem xmlns:p16="http://schemas.microsoft.com/office/powerpoint/2015/main" val="1"/>
+                </p:ext>
+              </p:extLst>
+            </p:nvPr>
+          </p:nvSpPr>
+          <p:spPr bwMode="auto">
+            <a:xfrm rot="4430858">
+              <a:off x="4571743" y="5071596"/>
+              <a:ext cx="626472" cy="670149"/>
+            </a:xfrm>
+            <a:custGeom>
+              <a:avLst/>
+              <a:gdLst>
+                <a:gd name="T0" fmla="*/ 0 w 55"/>
+                <a:gd name="T1" fmla="*/ 17 h 59"/>
+                <a:gd name="T2" fmla="*/ 1 w 55"/>
+                <a:gd name="T3" fmla="*/ 11 h 59"/>
+                <a:gd name="T4" fmla="*/ 4 w 55"/>
+                <a:gd name="T5" fmla="*/ 6 h 59"/>
+                <a:gd name="T6" fmla="*/ 7 w 55"/>
+                <a:gd name="T7" fmla="*/ 4 h 59"/>
+                <a:gd name="T8" fmla="*/ 14 w 55"/>
+                <a:gd name="T9" fmla="*/ 0 h 59"/>
+                <a:gd name="T10" fmla="*/ 23 w 55"/>
+                <a:gd name="T11" fmla="*/ 3 h 59"/>
+                <a:gd name="T12" fmla="*/ 31 w 55"/>
+                <a:gd name="T13" fmla="*/ 11 h 59"/>
+                <a:gd name="T14" fmla="*/ 38 w 55"/>
+                <a:gd name="T15" fmla="*/ 20 h 59"/>
+                <a:gd name="T16" fmla="*/ 48 w 55"/>
+                <a:gd name="T17" fmla="*/ 31 h 59"/>
+                <a:gd name="T18" fmla="*/ 55 w 55"/>
+                <a:gd name="T19" fmla="*/ 43 h 59"/>
+                <a:gd name="T20" fmla="*/ 49 w 55"/>
+                <a:gd name="T21" fmla="*/ 55 h 59"/>
+                <a:gd name="T22" fmla="*/ 38 w 55"/>
+                <a:gd name="T23" fmla="*/ 59 h 59"/>
+                <a:gd name="T24" fmla="*/ 33 w 55"/>
+                <a:gd name="T25" fmla="*/ 58 h 59"/>
+                <a:gd name="T26" fmla="*/ 26 w 55"/>
+                <a:gd name="T27" fmla="*/ 53 h 59"/>
+                <a:gd name="T28" fmla="*/ 5 w 55"/>
+                <a:gd name="T29" fmla="*/ 27 h 59"/>
+                <a:gd name="T30" fmla="*/ 0 w 55"/>
+                <a:gd name="T31" fmla="*/ 17 h 59"/>
+              </a:gdLst>
+              <a:ahLst/>
+              <a:cxnLst>
+                <a:cxn ang="0">
+                  <a:pos x="T0" y="T1"/>
+                </a:cxn>
+                <a:cxn ang="0">
+                  <a:pos x="T2" y="T3"/>
+                </a:cxn>
+                <a:cxn ang="0">
+                  <a:pos x="T4" y="T5"/>
+                </a:cxn>
+                <a:cxn ang="0">
+                  <a:pos x="T6" y="T7"/>
+                </a:cxn>
+                <a:cxn ang="0">
+                  <a:pos x="T8" y="T9"/>
+                </a:cxn>
+                <a:cxn ang="0">
+                  <a:pos x="T10" y="T11"/>
+                </a:cxn>
+                <a:cxn ang="0">
+                  <a:pos x="T12" y="T13"/>
+                </a:cxn>
+                <a:cxn ang="0">
+                  <a:pos x="T14" y="T15"/>
+                </a:cxn>
+                <a:cxn ang="0">
+                  <a:pos x="T16" y="T17"/>
+                </a:cxn>
+                <a:cxn ang="0">
+                  <a:pos x="T18" y="T19"/>
+                </a:cxn>
+                <a:cxn ang="0">
+                  <a:pos x="T20" y="T21"/>
+                </a:cxn>
+                <a:cxn ang="0">
+                  <a:pos x="T22" y="T23"/>
+                </a:cxn>
+                <a:cxn ang="0">
+                  <a:pos x="T24" y="T25"/>
+                </a:cxn>
+                <a:cxn ang="0">
+                  <a:pos x="T26" y="T27"/>
+                </a:cxn>
+                <a:cxn ang="0">
+                  <a:pos x="T28" y="T29"/>
+                </a:cxn>
+                <a:cxn ang="0">
+                  <a:pos x="T30" y="T31"/>
+                </a:cxn>
+              </a:cxnLst>
+              <a:rect l="0" t="0" r="r" b="b"/>
+              <a:pathLst>
+                <a:path w="55" h="59">
+                  <a:moveTo>
+                    <a:pt x="0" y="17"/>
+                  </a:moveTo>
+                  <a:cubicBezTo>
+                    <a:pt x="0" y="14"/>
+                    <a:pt x="0" y="12"/>
+                    <a:pt x="1" y="11"/>
+                  </a:cubicBezTo>
+                  <a:cubicBezTo>
+                    <a:pt x="2" y="9"/>
+                    <a:pt x="3" y="8"/>
+                    <a:pt x="4" y="6"/>
+                  </a:cubicBezTo>
+                  <a:cubicBezTo>
+                    <a:pt x="6" y="5"/>
+                    <a:pt x="7" y="4"/>
+                    <a:pt x="7" y="4"/>
+                  </a:cubicBezTo>
+                  <a:cubicBezTo>
+                    <a:pt x="9" y="2"/>
+                    <a:pt x="12" y="1"/>
+                    <a:pt x="14" y="0"/>
+                  </a:cubicBezTo>
+                  <a:cubicBezTo>
+                    <a:pt x="17" y="0"/>
+                    <a:pt x="20" y="1"/>
+                    <a:pt x="23" y="3"/>
+                  </a:cubicBezTo>
+                  <a:cubicBezTo>
+                    <a:pt x="26" y="4"/>
+                    <a:pt x="29" y="7"/>
+                    <a:pt x="31" y="11"/>
+                  </a:cubicBezTo>
+                  <a:cubicBezTo>
+                    <a:pt x="38" y="20"/>
+                    <a:pt x="38" y="20"/>
+                    <a:pt x="38" y="20"/>
+                  </a:cubicBezTo>
+                  <a:cubicBezTo>
+                    <a:pt x="48" y="31"/>
+                    <a:pt x="48" y="31"/>
+                    <a:pt x="48" y="31"/>
+                  </a:cubicBezTo>
+                  <a:cubicBezTo>
+                    <a:pt x="52" y="36"/>
+                    <a:pt x="54" y="40"/>
+                    <a:pt x="55" y="43"/>
+                  </a:cubicBezTo>
+                  <a:cubicBezTo>
+                    <a:pt x="55" y="47"/>
+                    <a:pt x="54" y="52"/>
+                    <a:pt x="49" y="55"/>
+                  </a:cubicBezTo>
+                  <a:cubicBezTo>
+                    <a:pt x="45" y="58"/>
+                    <a:pt x="41" y="59"/>
+                    <a:pt x="38" y="59"/>
+                  </a:cubicBezTo>
+                  <a:cubicBezTo>
+                    <a:pt x="37" y="59"/>
+                    <a:pt x="35" y="59"/>
+                    <a:pt x="33" y="58"/>
+                  </a:cubicBezTo>
+                  <a:cubicBezTo>
+                    <a:pt x="31" y="57"/>
+                    <a:pt x="29" y="55"/>
+                    <a:pt x="26" y="53"/>
+                  </a:cubicBezTo>
+                  <a:cubicBezTo>
+                    <a:pt x="23" y="50"/>
+                    <a:pt x="5" y="27"/>
+                    <a:pt x="5" y="27"/>
+                  </a:cubicBezTo>
+                  <a:cubicBezTo>
+                    <a:pt x="2" y="23"/>
+                    <a:pt x="0" y="19"/>
+                    <a:pt x="0" y="17"/>
+                  </a:cubicBezTo>
+                  <a:close/>
+                </a:path>
+              </a:pathLst>
+            </a:custGeom>
+            <a:solidFill>
+              <a:schemeClr val="accent2"/>
+            </a:solidFill>
+            <a:ln>
+              <a:noFill/>
+            </a:ln>
+          </p:spPr>
+          <p:txBody>
+            <a:bodyPr vert="horz" wrap="square" lIns="91440" tIns="45720" rIns="91440" bIns="45720" numCol="1" anchor="t" anchorCtr="0" compatLnSpc="1">
+              <a:prstTxWarp prst="textNoShape">
+                <a:avLst/>
+              </a:prstTxWarp>
+            </a:bodyPr>
+            <a:lstStyle/>
+            <a:p>
+              <a:endParaRPr lang="en-US">
+                <a:solidFill>
+                  <a:schemeClr val="accent3"/>
+                </a:solidFill>
+              </a:endParaRPr>
+            </a:p>
+          </p:txBody>
+        </p:sp>
+      </p:grpSp>
+      <p:grpSp>
+        <p:nvGrpSpPr>
+          <p:cNvPr id="64" name="Group 63">
+            <a:extLst>
+              <a:ext uri="{FF2B5EF4-FFF2-40B4-BE49-F238E27FC236}">
+                <a16:creationId xmlns:a16="http://schemas.microsoft.com/office/drawing/2014/main" id="{F2FD01A0-E6FF-41CD-AEBD-279232B90D43}"/>
+              </a:ext>
+              <a:ext uri="{C183D7F6-B498-43B3-948B-1728B52AA6E4}">
+                <adec:decorative xmlns:adec="http://schemas.microsoft.com/office/drawing/2017/decorative" val="1"/>
+              </a:ext>
+            </a:extLst>
+          </p:cNvPr>
+          <p:cNvGrpSpPr>
+            <a:grpSpLocks noGrp="1" noUngrp="1" noRot="1" noChangeAspect="1" noMove="1" noResize="1"/>
+          </p:cNvGrpSpPr>
+          <p:nvPr>
+            <p:extLst>
+              <p:ext uri="{386F3935-93C4-4BCD-93E2-E3B085C9AB24}">
+                <p16:designElem xmlns:p16="http://schemas.microsoft.com/office/powerpoint/2015/main" val="1"/>
+              </p:ext>
+            </p:extLst>
+          </p:nvPr>
+        </p:nvGrpSpPr>
+        <p:grpSpPr>
+          <a:xfrm rot="10800000">
+            <a:off x="7990093" y="5372723"/>
+            <a:ext cx="2088038" cy="719230"/>
+            <a:chOff x="4532666" y="505937"/>
+            <a:chExt cx="2981730" cy="1027064"/>
+          </a:xfrm>
+        </p:grpSpPr>
+        <p:sp>
+          <p:nvSpPr>
+            <p:cNvPr id="65" name="Freeform 78">
+              <a:extLst>
+                <a:ext uri="{FF2B5EF4-FFF2-40B4-BE49-F238E27FC236}">
+                  <a16:creationId xmlns:a16="http://schemas.microsoft.com/office/drawing/2014/main" id="{811C6308-5554-4129-8881-A95AF512C52C}"/>
+                </a:ext>
+                <a:ext uri="{C183D7F6-B498-43B3-948B-1728B52AA6E4}">
+                  <adec:decorative xmlns:adec="http://schemas.microsoft.com/office/drawing/2017/decorative" val="1"/>
+                </a:ext>
+              </a:extLst>
+            </p:cNvPr>
+            <p:cNvSpPr>
+              <a:spLocks/>
+            </p:cNvSpPr>
+            <p:nvPr>
+              <p:extLst>
+                <p:ext uri="{386F3935-93C4-4BCD-93E2-E3B085C9AB24}">
+                  <p16:designElem xmlns:p16="http://schemas.microsoft.com/office/powerpoint/2015/main" val="1"/>
+                </p:ext>
+              </p:extLst>
+            </p:nvPr>
+          </p:nvSpPr>
+          <p:spPr bwMode="auto">
+            <a:xfrm rot="600114">
+              <a:off x="4532666" y="754398"/>
+              <a:ext cx="694205" cy="713383"/>
+            </a:xfrm>
+            <a:custGeom>
+              <a:avLst/>
+              <a:gdLst>
+                <a:gd name="T0" fmla="*/ 32 w 58"/>
+                <a:gd name="T1" fmla="*/ 56 h 60"/>
+                <a:gd name="T2" fmla="*/ 24 w 58"/>
+                <a:gd name="T3" fmla="*/ 48 h 60"/>
+                <a:gd name="T4" fmla="*/ 14 w 58"/>
+                <a:gd name="T5" fmla="*/ 36 h 60"/>
+                <a:gd name="T6" fmla="*/ 7 w 58"/>
+                <a:gd name="T7" fmla="*/ 29 h 60"/>
+                <a:gd name="T8" fmla="*/ 1 w 58"/>
+                <a:gd name="T9" fmla="*/ 17 h 60"/>
+                <a:gd name="T10" fmla="*/ 7 w 58"/>
+                <a:gd name="T11" fmla="*/ 4 h 60"/>
+                <a:gd name="T12" fmla="*/ 17 w 58"/>
+                <a:gd name="T13" fmla="*/ 1 h 60"/>
+                <a:gd name="T14" fmla="*/ 29 w 58"/>
+                <a:gd name="T15" fmla="*/ 6 h 60"/>
+                <a:gd name="T16" fmla="*/ 31 w 58"/>
+                <a:gd name="T17" fmla="*/ 8 h 60"/>
+                <a:gd name="T18" fmla="*/ 38 w 58"/>
+                <a:gd name="T19" fmla="*/ 15 h 60"/>
+                <a:gd name="T20" fmla="*/ 44 w 58"/>
+                <a:gd name="T21" fmla="*/ 22 h 60"/>
+                <a:gd name="T22" fmla="*/ 54 w 58"/>
+                <a:gd name="T23" fmla="*/ 33 h 60"/>
+                <a:gd name="T24" fmla="*/ 58 w 58"/>
+                <a:gd name="T25" fmla="*/ 44 h 60"/>
+                <a:gd name="T26" fmla="*/ 53 w 58"/>
+                <a:gd name="T27" fmla="*/ 54 h 60"/>
+                <a:gd name="T28" fmla="*/ 42 w 58"/>
+                <a:gd name="T29" fmla="*/ 60 h 60"/>
+                <a:gd name="T30" fmla="*/ 32 w 58"/>
+                <a:gd name="T31" fmla="*/ 56 h 60"/>
+              </a:gdLst>
+              <a:ahLst/>
+              <a:cxnLst>
+                <a:cxn ang="0">
+                  <a:pos x="T0" y="T1"/>
+                </a:cxn>
+                <a:cxn ang="0">
+                  <a:pos x="T2" y="T3"/>
+                </a:cxn>
+                <a:cxn ang="0">
+                  <a:pos x="T4" y="T5"/>
+                </a:cxn>
+                <a:cxn ang="0">
+                  <a:pos x="T6" y="T7"/>
+                </a:cxn>
+                <a:cxn ang="0">
+                  <a:pos x="T8" y="T9"/>
+                </a:cxn>
+                <a:cxn ang="0">
+                  <a:pos x="T10" y="T11"/>
+                </a:cxn>
+                <a:cxn ang="0">
+                  <a:pos x="T12" y="T13"/>
+                </a:cxn>
+                <a:cxn ang="0">
+                  <a:pos x="T14" y="T15"/>
+                </a:cxn>
+                <a:cxn ang="0">
+                  <a:pos x="T16" y="T17"/>
+                </a:cxn>
+                <a:cxn ang="0">
+                  <a:pos x="T18" y="T19"/>
+                </a:cxn>
+                <a:cxn ang="0">
+                  <a:pos x="T20" y="T21"/>
+                </a:cxn>
+                <a:cxn ang="0">
+                  <a:pos x="T22" y="T23"/>
+                </a:cxn>
+                <a:cxn ang="0">
+                  <a:pos x="T24" y="T25"/>
+                </a:cxn>
+                <a:cxn ang="0">
+                  <a:pos x="T26" y="T27"/>
+                </a:cxn>
+                <a:cxn ang="0">
+                  <a:pos x="T28" y="T29"/>
+                </a:cxn>
+                <a:cxn ang="0">
+                  <a:pos x="T30" y="T31"/>
+                </a:cxn>
+              </a:cxnLst>
+              <a:rect l="0" t="0" r="r" b="b"/>
+              <a:pathLst>
+                <a:path w="58" h="60">
+                  <a:moveTo>
+                    <a:pt x="32" y="56"/>
+                  </a:moveTo>
+                  <a:cubicBezTo>
+                    <a:pt x="30" y="54"/>
+                    <a:pt x="31" y="55"/>
+                    <a:pt x="24" y="48"/>
+                  </a:cubicBezTo>
+                  <a:cubicBezTo>
+                    <a:pt x="17" y="40"/>
+                    <a:pt x="14" y="36"/>
+                    <a:pt x="14" y="36"/>
+                  </a:cubicBezTo>
+                  <a:cubicBezTo>
+                    <a:pt x="8" y="30"/>
+                    <a:pt x="14" y="37"/>
+                    <a:pt x="7" y="29"/>
+                  </a:cubicBezTo>
+                  <a:cubicBezTo>
+                    <a:pt x="3" y="24"/>
+                    <a:pt x="1" y="20"/>
+                    <a:pt x="1" y="17"/>
+                  </a:cubicBezTo>
+                  <a:cubicBezTo>
+                    <a:pt x="0" y="13"/>
+                    <a:pt x="3" y="9"/>
+                    <a:pt x="7" y="4"/>
+                  </a:cubicBezTo>
+                  <a:cubicBezTo>
+                    <a:pt x="10" y="2"/>
+                    <a:pt x="13" y="0"/>
+                    <a:pt x="17" y="1"/>
+                  </a:cubicBezTo>
+                  <a:cubicBezTo>
+                    <a:pt x="21" y="1"/>
+                    <a:pt x="25" y="3"/>
+                    <a:pt x="29" y="6"/>
+                  </a:cubicBezTo>
+                  <a:cubicBezTo>
+                    <a:pt x="31" y="8"/>
+                    <a:pt x="31" y="8"/>
+                    <a:pt x="31" y="8"/>
+                  </a:cubicBezTo>
+                  <a:cubicBezTo>
+                    <a:pt x="33" y="11"/>
+                    <a:pt x="37" y="15"/>
+                    <a:pt x="38" y="15"/>
+                  </a:cubicBezTo>
+                  <a:cubicBezTo>
+                    <a:pt x="42" y="20"/>
+                    <a:pt x="40" y="18"/>
+                    <a:pt x="44" y="22"/>
+                  </a:cubicBezTo>
+                  <a:cubicBezTo>
+                    <a:pt x="51" y="29"/>
+                    <a:pt x="50" y="29"/>
+                    <a:pt x="54" y="33"/>
+                  </a:cubicBezTo>
+                  <a:cubicBezTo>
+                    <a:pt x="57" y="37"/>
+                    <a:pt x="58" y="40"/>
+                    <a:pt x="58" y="44"/>
+                  </a:cubicBezTo>
+                  <a:cubicBezTo>
+                    <a:pt x="58" y="47"/>
+                    <a:pt x="56" y="50"/>
+                    <a:pt x="53" y="54"/>
+                  </a:cubicBezTo>
+                  <a:cubicBezTo>
+                    <a:pt x="49" y="58"/>
+                    <a:pt x="45" y="60"/>
+                    <a:pt x="42" y="60"/>
+                  </a:cubicBezTo>
+                  <a:cubicBezTo>
+                    <a:pt x="39" y="60"/>
+                    <a:pt x="36" y="59"/>
+                    <a:pt x="32" y="56"/>
+                  </a:cubicBezTo>
+                  <a:close/>
+                </a:path>
+              </a:pathLst>
+            </a:custGeom>
+            <a:solidFill>
+              <a:schemeClr val="accent2"/>
+            </a:solidFill>
+            <a:ln>
+              <a:noFill/>
+            </a:ln>
+          </p:spPr>
+          <p:txBody>
+            <a:bodyPr vert="horz" wrap="square" lIns="91440" tIns="45720" rIns="91440" bIns="45720" numCol="1" anchor="t" anchorCtr="0" compatLnSpc="1">
+              <a:prstTxWarp prst="textNoShape">
+                <a:avLst/>
+              </a:prstTxWarp>
+            </a:bodyPr>
+            <a:lstStyle/>
+            <a:p>
+              <a:endParaRPr lang="en-US">
+                <a:solidFill>
+                  <a:schemeClr val="accent3"/>
+                </a:solidFill>
+              </a:endParaRPr>
+            </a:p>
+          </p:txBody>
+        </p:sp>
+        <p:sp>
+          <p:nvSpPr>
+            <p:cNvPr id="66" name="Freeform 79">
+              <a:extLst>
+                <a:ext uri="{FF2B5EF4-FFF2-40B4-BE49-F238E27FC236}">
+                  <a16:creationId xmlns:a16="http://schemas.microsoft.com/office/drawing/2014/main" id="{C28F3A03-B53B-433E-8DF7-6B13336D0A53}"/>
+                </a:ext>
+                <a:ext uri="{C183D7F6-B498-43B3-948B-1728B52AA6E4}">
+                  <adec:decorative xmlns:adec="http://schemas.microsoft.com/office/drawing/2017/decorative" val="1"/>
+                </a:ext>
+              </a:extLst>
+            </p:cNvPr>
+            <p:cNvSpPr>
+              <a:spLocks/>
+            </p:cNvSpPr>
+            <p:nvPr>
+              <p:extLst>
+                <p:ext uri="{386F3935-93C4-4BCD-93E2-E3B085C9AB24}">
+                  <p16:designElem xmlns:p16="http://schemas.microsoft.com/office/powerpoint/2015/main" val="1"/>
+                </p:ext>
+              </p:extLst>
+            </p:nvPr>
+          </p:nvSpPr>
+          <p:spPr bwMode="auto">
+            <a:xfrm rot="600114">
+              <a:off x="5791465" y="505937"/>
+              <a:ext cx="587404" cy="943792"/>
+            </a:xfrm>
+            <a:custGeom>
+              <a:avLst/>
+              <a:gdLst>
+                <a:gd name="T0" fmla="*/ 15 w 49"/>
+                <a:gd name="T1" fmla="*/ 65 h 79"/>
+                <a:gd name="T2" fmla="*/ 12 w 49"/>
+                <a:gd name="T3" fmla="*/ 54 h 79"/>
+                <a:gd name="T4" fmla="*/ 8 w 49"/>
+                <a:gd name="T5" fmla="*/ 33 h 79"/>
+                <a:gd name="T6" fmla="*/ 38 w 49"/>
+                <a:gd name="T7" fmla="*/ 24 h 79"/>
+                <a:gd name="T8" fmla="*/ 45 w 49"/>
+                <a:gd name="T9" fmla="*/ 70 h 79"/>
+                <a:gd name="T10" fmla="*/ 15 w 49"/>
+                <a:gd name="T11" fmla="*/ 65 h 79"/>
+              </a:gdLst>
+              <a:ahLst/>
+              <a:cxnLst>
+                <a:cxn ang="0">
+                  <a:pos x="T0" y="T1"/>
+                </a:cxn>
+                <a:cxn ang="0">
+                  <a:pos x="T2" y="T3"/>
+                </a:cxn>
+                <a:cxn ang="0">
+                  <a:pos x="T4" y="T5"/>
+                </a:cxn>
+                <a:cxn ang="0">
+                  <a:pos x="T6" y="T7"/>
+                </a:cxn>
+                <a:cxn ang="0">
+                  <a:pos x="T8" y="T9"/>
+                </a:cxn>
+                <a:cxn ang="0">
+                  <a:pos x="T10" y="T11"/>
+                </a:cxn>
+              </a:cxnLst>
+              <a:rect l="0" t="0" r="r" b="b"/>
+              <a:pathLst>
+                <a:path w="49" h="79">
+                  <a:moveTo>
+                    <a:pt x="15" y="65"/>
+                  </a:moveTo>
+                  <a:cubicBezTo>
+                    <a:pt x="14" y="59"/>
+                    <a:pt x="13" y="58"/>
+                    <a:pt x="12" y="54"/>
+                  </a:cubicBezTo>
+                  <a:cubicBezTo>
+                    <a:pt x="11" y="45"/>
+                    <a:pt x="10" y="40"/>
+                    <a:pt x="8" y="33"/>
+                  </a:cubicBezTo>
+                  <a:cubicBezTo>
+                    <a:pt x="0" y="9"/>
+                    <a:pt x="34" y="0"/>
+                    <a:pt x="38" y="24"/>
+                  </a:cubicBezTo>
+                  <a:cubicBezTo>
+                    <a:pt x="43" y="43"/>
+                    <a:pt x="49" y="60"/>
+                    <a:pt x="45" y="70"/>
+                  </a:cubicBezTo>
+                  <a:cubicBezTo>
+                    <a:pt x="38" y="77"/>
+                    <a:pt x="19" y="79"/>
+                    <a:pt x="15" y="65"/>
+                  </a:cubicBezTo>
+                  <a:close/>
+                </a:path>
+              </a:pathLst>
+            </a:custGeom>
+            <a:solidFill>
+              <a:schemeClr val="accent2"/>
+            </a:solidFill>
+            <a:ln>
+              <a:noFill/>
+            </a:ln>
+          </p:spPr>
+          <p:txBody>
+            <a:bodyPr vert="horz" wrap="square" lIns="91440" tIns="45720" rIns="91440" bIns="45720" numCol="1" anchor="t" anchorCtr="0" compatLnSpc="1">
+              <a:prstTxWarp prst="textNoShape">
+                <a:avLst/>
+              </a:prstTxWarp>
+            </a:bodyPr>
+            <a:lstStyle/>
+            <a:p>
+              <a:endParaRPr lang="en-US">
+                <a:solidFill>
+                  <a:schemeClr val="accent3"/>
+                </a:solidFill>
+              </a:endParaRPr>
+            </a:p>
+          </p:txBody>
+        </p:sp>
+        <p:sp>
+          <p:nvSpPr>
+            <p:cNvPr id="67" name="Freeform 85">
+              <a:extLst>
+                <a:ext uri="{FF2B5EF4-FFF2-40B4-BE49-F238E27FC236}">
+                  <a16:creationId xmlns:a16="http://schemas.microsoft.com/office/drawing/2014/main" id="{E990BBBC-E616-4D0E-9917-A6CA72AAEA42}"/>
+                </a:ext>
+                <a:ext uri="{C183D7F6-B498-43B3-948B-1728B52AA6E4}">
+                  <adec:decorative xmlns:adec="http://schemas.microsoft.com/office/drawing/2017/decorative" val="1"/>
+                </a:ext>
+              </a:extLst>
+            </p:cNvPr>
+            <p:cNvSpPr>
+              <a:spLocks/>
+            </p:cNvSpPr>
+            <p:nvPr>
+              <p:extLst>
+                <p:ext uri="{386F3935-93C4-4BCD-93E2-E3B085C9AB24}">
+                  <p16:designElem xmlns:p16="http://schemas.microsoft.com/office/powerpoint/2015/main" val="1"/>
+                </p:ext>
+              </p:extLst>
+            </p:nvPr>
+          </p:nvSpPr>
+          <p:spPr bwMode="auto">
+            <a:xfrm rot="600114">
+              <a:off x="7087193" y="757585"/>
+              <a:ext cx="427203" cy="775416"/>
+            </a:xfrm>
+            <a:custGeom>
+              <a:avLst/>
+              <a:gdLst>
+                <a:gd name="T0" fmla="*/ 36 w 36"/>
+                <a:gd name="T1" fmla="*/ 15 h 65"/>
+                <a:gd name="T2" fmla="*/ 34 w 36"/>
+                <a:gd name="T3" fmla="*/ 5 h 65"/>
+                <a:gd name="T4" fmla="*/ 28 w 36"/>
+                <a:gd name="T5" fmla="*/ 1 h 65"/>
+                <a:gd name="T6" fmla="*/ 23 w 36"/>
+                <a:gd name="T7" fmla="*/ 0 h 65"/>
+                <a:gd name="T8" fmla="*/ 13 w 36"/>
+                <a:gd name="T9" fmla="*/ 1 h 65"/>
+                <a:gd name="T10" fmla="*/ 7 w 36"/>
+                <a:gd name="T11" fmla="*/ 9 h 65"/>
+                <a:gd name="T12" fmla="*/ 4 w 36"/>
+                <a:gd name="T13" fmla="*/ 19 h 65"/>
+                <a:gd name="T14" fmla="*/ 0 w 36"/>
+                <a:gd name="T15" fmla="*/ 44 h 65"/>
+                <a:gd name="T16" fmla="*/ 1 w 36"/>
+                <a:gd name="T17" fmla="*/ 58 h 65"/>
+                <a:gd name="T18" fmla="*/ 8 w 36"/>
+                <a:gd name="T19" fmla="*/ 64 h 65"/>
+                <a:gd name="T20" fmla="*/ 16 w 36"/>
+                <a:gd name="T21" fmla="*/ 65 h 65"/>
+                <a:gd name="T22" fmla="*/ 25 w 36"/>
+                <a:gd name="T23" fmla="*/ 63 h 65"/>
+                <a:gd name="T24" fmla="*/ 31 w 36"/>
+                <a:gd name="T25" fmla="*/ 55 h 65"/>
+                <a:gd name="T26" fmla="*/ 34 w 36"/>
+                <a:gd name="T27" fmla="*/ 40 h 65"/>
+                <a:gd name="T28" fmla="*/ 36 w 36"/>
+                <a:gd name="T29" fmla="*/ 15 h 65"/>
+              </a:gdLst>
+              <a:ahLst/>
+              <a:cxnLst>
+                <a:cxn ang="0">
+                  <a:pos x="T0" y="T1"/>
+                </a:cxn>
+                <a:cxn ang="0">
+                  <a:pos x="T2" y="T3"/>
+                </a:cxn>
+                <a:cxn ang="0">
+                  <a:pos x="T4" y="T5"/>
+                </a:cxn>
+                <a:cxn ang="0">
+                  <a:pos x="T6" y="T7"/>
+                </a:cxn>
+                <a:cxn ang="0">
+                  <a:pos x="T8" y="T9"/>
+                </a:cxn>
+                <a:cxn ang="0">
+                  <a:pos x="T10" y="T11"/>
+                </a:cxn>
+                <a:cxn ang="0">
+                  <a:pos x="T12" y="T13"/>
+                </a:cxn>
+                <a:cxn ang="0">
+                  <a:pos x="T14" y="T15"/>
+                </a:cxn>
+                <a:cxn ang="0">
+                  <a:pos x="T16" y="T17"/>
+                </a:cxn>
+                <a:cxn ang="0">
+                  <a:pos x="T18" y="T19"/>
+                </a:cxn>
+                <a:cxn ang="0">
+                  <a:pos x="T20" y="T21"/>
+                </a:cxn>
+                <a:cxn ang="0">
+                  <a:pos x="T22" y="T23"/>
+                </a:cxn>
+                <a:cxn ang="0">
+                  <a:pos x="T24" y="T25"/>
+                </a:cxn>
+                <a:cxn ang="0">
+                  <a:pos x="T26" y="T27"/>
+                </a:cxn>
+                <a:cxn ang="0">
+                  <a:pos x="T28" y="T29"/>
+                </a:cxn>
+              </a:cxnLst>
+              <a:rect l="0" t="0" r="r" b="b"/>
+              <a:pathLst>
+                <a:path w="36" h="65">
+                  <a:moveTo>
+                    <a:pt x="36" y="15"/>
+                  </a:moveTo>
+                  <a:cubicBezTo>
+                    <a:pt x="36" y="10"/>
+                    <a:pt x="35" y="7"/>
+                    <a:pt x="34" y="5"/>
+                  </a:cubicBezTo>
+                  <a:cubicBezTo>
+                    <a:pt x="33" y="3"/>
+                    <a:pt x="31" y="2"/>
+                    <a:pt x="28" y="1"/>
+                  </a:cubicBezTo>
+                  <a:cubicBezTo>
+                    <a:pt x="27" y="1"/>
+                    <a:pt x="25" y="1"/>
+                    <a:pt x="23" y="0"/>
+                  </a:cubicBezTo>
+                  <a:cubicBezTo>
+                    <a:pt x="19" y="0"/>
+                    <a:pt x="16" y="0"/>
+                    <a:pt x="13" y="1"/>
+                  </a:cubicBezTo>
+                  <a:cubicBezTo>
+                    <a:pt x="11" y="2"/>
+                    <a:pt x="9" y="4"/>
+                    <a:pt x="7" y="9"/>
+                  </a:cubicBezTo>
+                  <a:cubicBezTo>
+                    <a:pt x="6" y="13"/>
+                    <a:pt x="5" y="17"/>
+                    <a:pt x="4" y="19"/>
+                  </a:cubicBezTo>
+                  <a:cubicBezTo>
+                    <a:pt x="2" y="29"/>
+                    <a:pt x="0" y="44"/>
+                    <a:pt x="0" y="44"/>
+                  </a:cubicBezTo>
+                  <a:cubicBezTo>
+                    <a:pt x="0" y="50"/>
+                    <a:pt x="0" y="55"/>
+                    <a:pt x="1" y="58"/>
+                  </a:cubicBezTo>
+                  <a:cubicBezTo>
+                    <a:pt x="2" y="61"/>
+                    <a:pt x="5" y="63"/>
+                    <a:pt x="8" y="64"/>
+                  </a:cubicBezTo>
+                  <a:cubicBezTo>
+                    <a:pt x="11" y="65"/>
+                    <a:pt x="13" y="65"/>
+                    <a:pt x="16" y="65"/>
+                  </a:cubicBezTo>
+                  <a:cubicBezTo>
+                    <a:pt x="19" y="65"/>
+                    <a:pt x="22" y="64"/>
+                    <a:pt x="25" y="63"/>
+                  </a:cubicBezTo>
+                  <a:cubicBezTo>
+                    <a:pt x="28" y="61"/>
+                    <a:pt x="30" y="59"/>
+                    <a:pt x="31" y="55"/>
+                  </a:cubicBezTo>
+                  <a:cubicBezTo>
+                    <a:pt x="32" y="50"/>
+                    <a:pt x="31" y="54"/>
+                    <a:pt x="34" y="40"/>
+                  </a:cubicBezTo>
+                  <a:lnTo>
+                    <a:pt x="36" y="15"/>
+                  </a:lnTo>
+                  <a:close/>
+                </a:path>
+              </a:pathLst>
+            </a:custGeom>
+            <a:solidFill>
+              <a:schemeClr val="accent2"/>
+            </a:solidFill>
+            <a:ln>
+              <a:noFill/>
+            </a:ln>
+          </p:spPr>
+          <p:txBody>
+            <a:bodyPr vert="horz" wrap="square" lIns="91440" tIns="45720" rIns="91440" bIns="45720" numCol="1" anchor="t" anchorCtr="0" compatLnSpc="1">
+              <a:prstTxWarp prst="textNoShape">
+                <a:avLst/>
+              </a:prstTxWarp>
+            </a:bodyPr>
+            <a:lstStyle/>
+            <a:p>
+              <a:endParaRPr lang="en-US">
+                <a:solidFill>
+                  <a:schemeClr val="accent3"/>
+                </a:solidFill>
+              </a:endParaRPr>
+            </a:p>
+          </p:txBody>
+        </p:sp>
+      </p:grpSp>
+      <p:graphicFrame>
+        <p:nvGraphicFramePr>
+          <p:cNvPr id="3" name="Content Placeholder 3">
+            <a:extLst>
+              <a:ext uri="{FF2B5EF4-FFF2-40B4-BE49-F238E27FC236}">
+                <a16:creationId xmlns:a16="http://schemas.microsoft.com/office/drawing/2014/main" id="{13FA250C-B924-49E7-BB33-EA64A90E3A33}"/>
+              </a:ext>
+            </a:extLst>
+          </p:cNvPr>
+          <p:cNvGraphicFramePr>
+            <a:graphicFrameLocks noGrp="1"/>
+          </p:cNvGraphicFramePr>
+          <p:nvPr>
+            <p:ph idx="1"/>
+            <p:extLst>
+              <p:ext uri="{D42A27DB-BD31-4B8C-83A1-F6EECF244321}">
+                <p14:modId xmlns:p14="http://schemas.microsoft.com/office/powerpoint/2010/main" val="2882676461"/>
+              </p:ext>
+            </p:extLst>
+          </p:nvPr>
+        </p:nvGraphicFramePr>
+        <p:xfrm>
+          <a:off x="0" y="676207"/>
+          <a:ext cx="6388903" cy="4805790"/>
+        </p:xfrm>
+        <a:graphic>
+          <a:graphicData uri="http://schemas.openxmlformats.org/drawingml/2006/diagram">
+            <dgm:relIds xmlns:dgm="http://schemas.openxmlformats.org/drawingml/2006/diagram" xmlns:r="http://schemas.openxmlformats.org/officeDocument/2006/relationships" r:dm="rId2" r:lo="rId3" r:qs="rId4" r:cs="rId5"/>
+          </a:graphicData>
+        </a:graphic>
+      </p:graphicFrame>
+    </p:spTree>
+    <p:extLst>
+      <p:ext uri="{BB962C8B-B14F-4D97-AF65-F5344CB8AC3E}">
+        <p14:creationId xmlns:p14="http://schemas.microsoft.com/office/powerpoint/2010/main" val="359995127"/>
+      </p:ext>
+    </p:extLst>
+  </p:cSld>
+  <p:clrMapOvr>
+    <a:masterClrMapping/>
+  </p:clrMapOvr>
+</p:sld>
+</file>
+
+<file path=ppt/slides/slide13.xml><?xml version="1.0" encoding="utf-8"?>
+<p:sld xmlns:a="http://schemas.openxmlformats.org/drawingml/2006/main" xmlns:r="http://schemas.openxmlformats.org/officeDocument/2006/relationships" xmlns:p="http://schemas.openxmlformats.org/presentationml/2006/main">
+  <p:cSld>
+    <p:bg>
+      <p:bgPr>
+        <a:solidFill>
+          <a:schemeClr val="bg2"/>
+        </a:solidFill>
+        <a:effectLst/>
+      </p:bgPr>
+    </p:bg>
+    <p:spTree>
+      <p:nvGrpSpPr>
+        <p:cNvPr id="1" name=""/>
+        <p:cNvGrpSpPr/>
+        <p:nvPr/>
+      </p:nvGrpSpPr>
+      <p:grpSpPr>
+        <a:xfrm>
+          <a:off x="0" y="0"/>
+          <a:ext cx="0" cy="0"/>
+          <a:chOff x="0" y="0"/>
+          <a:chExt cx="0" cy="0"/>
+        </a:xfrm>
+      </p:grpSpPr>
+      <p:sp useBgFill="1">
+        <p:nvSpPr>
+          <p:cNvPr id="7" name="Rectangle 6">
+            <a:extLst>
+              <a:ext uri="{FF2B5EF4-FFF2-40B4-BE49-F238E27FC236}">
+                <a16:creationId xmlns:a16="http://schemas.microsoft.com/office/drawing/2014/main" id="{0B2BD9FB-6C4C-4948-A4F4-8E9FC90CFDD6}"/>
+              </a:ext>
+              <a:ext uri="{C183D7F6-B498-43B3-948B-1728B52AA6E4}">
+                <adec:decorative xmlns:adec="http://schemas.microsoft.com/office/drawing/2017/decorative" val="1"/>
+              </a:ext>
+            </a:extLst>
+          </p:cNvPr>
+          <p:cNvSpPr>
+            <a:spLocks noGrp="1" noRot="1" noChangeAspect="1" noMove="1" noResize="1" noEditPoints="1" noAdjustHandles="1" noChangeArrowheads="1" noChangeShapeType="1" noTextEdit="1"/>
+          </p:cNvSpPr>
+          <p:nvPr>
+            <p:extLst>
+              <p:ext uri="{386F3935-93C4-4BCD-93E2-E3B085C9AB24}">
+                <p16:designElem xmlns:p16="http://schemas.microsoft.com/office/powerpoint/2015/main" val="1"/>
+              </p:ext>
+            </p:extLst>
+          </p:nvPr>
+        </p:nvSpPr>
+        <p:spPr>
+          <a:xfrm>
+            <a:off x="0" y="0"/>
+            <a:ext cx="12192000" cy="6858000"/>
+          </a:xfrm>
+          <a:prstGeom prst="rect">
+            <a:avLst/>
+          </a:prstGeom>
+          <a:ln w="12700" cap="flat" cmpd="sng" algn="ctr">
+            <a:noFill/>
+            <a:prstDash val="solid"/>
+            <a:miter lim="800000"/>
+          </a:ln>
+          <a:effectLst/>
+        </p:spPr>
+        <p:style>
+          <a:lnRef idx="2">
+            <a:schemeClr val="accent1">
+              <a:shade val="50000"/>
+            </a:schemeClr>
+          </a:lnRef>
+          <a:fillRef idx="1">
+            <a:schemeClr val="accent1"/>
+          </a:fillRef>
+          <a:effectRef idx="0">
+            <a:schemeClr val="accent1"/>
+          </a:effectRef>
+          <a:fontRef idx="minor">
+            <a:schemeClr val="lt1"/>
+          </a:fontRef>
+        </p:style>
+        <p:txBody>
+          <a:bodyPr rtlCol="0" anchor="ctr"/>
+          <a:lstStyle/>
+          <a:p>
+            <a:pPr algn="ctr"/>
+            <a:endParaRPr lang="en-US"/>
+          </a:p>
+        </p:txBody>
+      </p:sp>
+      <p:sp>
+        <p:nvSpPr>
+          <p:cNvPr id="9" name="Rectangle 8">
+            <a:extLst>
+              <a:ext uri="{FF2B5EF4-FFF2-40B4-BE49-F238E27FC236}">
+                <a16:creationId xmlns:a16="http://schemas.microsoft.com/office/drawing/2014/main" id="{D79DB51C-B80E-4B27-9779-A1DE3232547D}"/>
+              </a:ext>
+              <a:ext uri="{C183D7F6-B498-43B3-948B-1728B52AA6E4}">
+                <adec:decorative xmlns:adec="http://schemas.microsoft.com/office/drawing/2017/decorative" val="1"/>
+              </a:ext>
+            </a:extLst>
+          </p:cNvPr>
+          <p:cNvSpPr>
+            <a:spLocks noGrp="1" noRot="1" noChangeAspect="1" noMove="1" noResize="1" noEditPoints="1" noAdjustHandles="1" noChangeArrowheads="1" noChangeShapeType="1" noTextEdit="1"/>
+          </p:cNvSpPr>
+          <p:nvPr>
+            <p:extLst>
+              <p:ext uri="{386F3935-93C4-4BCD-93E2-E3B085C9AB24}">
+                <p16:designElem xmlns:p16="http://schemas.microsoft.com/office/powerpoint/2015/main" val="1"/>
+              </p:ext>
+            </p:extLst>
+          </p:nvPr>
+        </p:nvSpPr>
+        <p:spPr>
+          <a:xfrm>
+            <a:off x="0" y="0"/>
+            <a:ext cx="12192000" cy="6858000"/>
+          </a:xfrm>
+          <a:prstGeom prst="rect">
+            <a:avLst/>
+          </a:prstGeom>
+          <a:solidFill>
+            <a:schemeClr val="bg2">
+              <a:lumMod val="90000"/>
+              <a:lumOff val="10000"/>
+            </a:schemeClr>
+          </a:solidFill>
+          <a:ln w="12700" cap="flat" cmpd="sng" algn="ctr">
+            <a:noFill/>
+            <a:prstDash val="solid"/>
+            <a:miter lim="800000"/>
+          </a:ln>
+          <a:effectLst/>
+        </p:spPr>
+        <p:style>
+          <a:lnRef idx="2">
+            <a:schemeClr val="accent1">
+              <a:shade val="50000"/>
+            </a:schemeClr>
+          </a:lnRef>
+          <a:fillRef idx="1">
+            <a:schemeClr val="accent1"/>
+          </a:fillRef>
+          <a:effectRef idx="0">
+            <a:schemeClr val="accent1"/>
+          </a:effectRef>
+          <a:fontRef idx="minor">
+            <a:schemeClr val="lt1"/>
+          </a:fontRef>
+        </p:style>
+        <p:txBody>
+          <a:bodyPr rtlCol="0" anchor="ctr"/>
+          <a:lstStyle/>
+          <a:p>
+            <a:pPr algn="ctr"/>
+            <a:endParaRPr lang="en-US"/>
+          </a:p>
+        </p:txBody>
+      </p:sp>
+      <p:sp useBgFill="1">
+        <p:nvSpPr>
+          <p:cNvPr id="11" name="Freeform: Shape 10">
+            <a:extLst>
+              <a:ext uri="{FF2B5EF4-FFF2-40B4-BE49-F238E27FC236}">
+                <a16:creationId xmlns:a16="http://schemas.microsoft.com/office/drawing/2014/main" id="{657457C6-5104-4D63-9C05-84DA1B1A42BC}"/>
+              </a:ext>
+              <a:ext uri="{C183D7F6-B498-43B3-948B-1728B52AA6E4}">
+                <adec:decorative xmlns:adec="http://schemas.microsoft.com/office/drawing/2017/decorative" val="1"/>
+              </a:ext>
+            </a:extLst>
+          </p:cNvPr>
+          <p:cNvSpPr>
+            <a:spLocks noGrp="1" noRot="1" noChangeAspect="1" noMove="1" noResize="1" noEditPoints="1" noAdjustHandles="1" noChangeArrowheads="1" noChangeShapeType="1" noTextEdit="1"/>
+          </p:cNvSpPr>
+          <p:nvPr>
+            <p:extLst>
+              <p:ext uri="{386F3935-93C4-4BCD-93E2-E3B085C9AB24}">
+                <p16:designElem xmlns:p16="http://schemas.microsoft.com/office/powerpoint/2015/main" val="1"/>
+              </p:ext>
+            </p:extLst>
+          </p:nvPr>
+        </p:nvSpPr>
+        <p:spPr bwMode="auto">
+          <a:xfrm>
+            <a:off x="0" y="0"/>
+            <a:ext cx="7781925" cy="6858000"/>
+          </a:xfrm>
+          <a:custGeom>
+            <a:avLst/>
+            <a:gdLst>
+              <a:gd name="connsiteX0" fmla="*/ 486147 w 7781925"/>
+              <a:gd name="connsiteY0" fmla="*/ 0 h 6858000"/>
+              <a:gd name="connsiteX1" fmla="*/ 6657920 w 7781925"/>
+              <a:gd name="connsiteY1" fmla="*/ 0 h 6858000"/>
+              <a:gd name="connsiteX2" fmla="*/ 6863617 w 7781925"/>
+              <a:gd name="connsiteY2" fmla="*/ 207074 h 6858000"/>
+              <a:gd name="connsiteX3" fmla="*/ 7060266 w 7781925"/>
+              <a:gd name="connsiteY3" fmla="*/ 457558 h 6858000"/>
+              <a:gd name="connsiteX4" fmla="*/ 7781925 w 7781925"/>
+              <a:gd name="connsiteY4" fmla="*/ 3182818 h 6858000"/>
+              <a:gd name="connsiteX5" fmla="*/ 7621556 w 7781925"/>
+              <a:gd name="connsiteY5" fmla="*/ 4465293 h 6858000"/>
+              <a:gd name="connsiteX6" fmla="*/ 7140451 w 7781925"/>
+              <a:gd name="connsiteY6" fmla="*/ 5747768 h 6858000"/>
+              <a:gd name="connsiteX7" fmla="*/ 6226371 w 7781925"/>
+              <a:gd name="connsiteY7" fmla="*/ 6831631 h 6858000"/>
+              <a:gd name="connsiteX8" fmla="*/ 6191557 w 7781925"/>
+              <a:gd name="connsiteY8" fmla="*/ 6858000 h 6858000"/>
+              <a:gd name="connsiteX9" fmla="*/ 940388 w 7781925"/>
+              <a:gd name="connsiteY9" fmla="*/ 6858000 h 6858000"/>
+              <a:gd name="connsiteX10" fmla="*/ 844312 w 7781925"/>
+              <a:gd name="connsiteY10" fmla="*/ 6790615 h 6858000"/>
+              <a:gd name="connsiteX11" fmla="*/ 2377 w 7781925"/>
+              <a:gd name="connsiteY11" fmla="*/ 5930621 h 6858000"/>
+              <a:gd name="connsiteX12" fmla="*/ 0 w 7781925"/>
+              <a:gd name="connsiteY12" fmla="*/ 5927208 h 6858000"/>
+              <a:gd name="connsiteX13" fmla="*/ 0 w 7781925"/>
+              <a:gd name="connsiteY13" fmla="*/ 542232 h 6858000"/>
+              <a:gd name="connsiteX14" fmla="*/ 17725 w 7781925"/>
+              <a:gd name="connsiteY14" fmla="*/ 518509 h 6858000"/>
+              <a:gd name="connsiteX15" fmla="*/ 385863 w 7781925"/>
+              <a:gd name="connsiteY15" fmla="*/ 97696 h 6858000"/>
+            </a:gdLst>
+            <a:ahLst/>
+            <a:cxnLst>
+              <a:cxn ang="0">
+                <a:pos x="connsiteX0" y="connsiteY0"/>
+              </a:cxn>
+              <a:cxn ang="0">
+                <a:pos x="connsiteX1" y="connsiteY1"/>
+              </a:cxn>
+              <a:cxn ang="0">
+                <a:pos x="connsiteX2" y="connsiteY2"/>
+              </a:cxn>
+              <a:cxn ang="0">
+                <a:pos x="connsiteX3" y="connsiteY3"/>
+              </a:cxn>
+              <a:cxn ang="0">
+                <a:pos x="connsiteX4" y="connsiteY4"/>
+              </a:cxn>
+              <a:cxn ang="0">
+                <a:pos x="connsiteX5" y="connsiteY5"/>
+              </a:cxn>
+              <a:cxn ang="0">
+                <a:pos x="connsiteX6" y="connsiteY6"/>
+              </a:cxn>
+              <a:cxn ang="0">
+                <a:pos x="connsiteX7" y="connsiteY7"/>
+              </a:cxn>
+              <a:cxn ang="0">
+                <a:pos x="connsiteX8" y="connsiteY8"/>
+              </a:cxn>
+              <a:cxn ang="0">
+                <a:pos x="connsiteX9" y="connsiteY9"/>
+              </a:cxn>
+              <a:cxn ang="0">
+                <a:pos x="connsiteX10" y="connsiteY10"/>
+              </a:cxn>
+              <a:cxn ang="0">
+                <a:pos x="connsiteX11" y="connsiteY11"/>
+              </a:cxn>
+              <a:cxn ang="0">
+                <a:pos x="connsiteX12" y="connsiteY12"/>
+              </a:cxn>
+              <a:cxn ang="0">
+                <a:pos x="connsiteX13" y="connsiteY13"/>
+              </a:cxn>
+              <a:cxn ang="0">
+                <a:pos x="connsiteX14" y="connsiteY14"/>
+              </a:cxn>
+              <a:cxn ang="0">
+                <a:pos x="connsiteX15" y="connsiteY15"/>
+              </a:cxn>
+            </a:cxnLst>
+            <a:rect l="l" t="t" r="r" b="b"/>
+            <a:pathLst>
+              <a:path w="7781925" h="6858000">
+                <a:moveTo>
+                  <a:pt x="486147" y="0"/>
+                </a:moveTo>
+                <a:lnTo>
+                  <a:pt x="6657920" y="0"/>
+                </a:lnTo>
+                <a:lnTo>
+                  <a:pt x="6863617" y="207074"/>
+                </a:lnTo>
+                <a:cubicBezTo>
+                  <a:pt x="6934561" y="287229"/>
+                  <a:pt x="7000128" y="370723"/>
+                  <a:pt x="7060266" y="457558"/>
+                </a:cubicBezTo>
+                <a:cubicBezTo>
+                  <a:pt x="7541372" y="1152232"/>
+                  <a:pt x="7781925" y="2060652"/>
+                  <a:pt x="7781925" y="3182818"/>
+                </a:cubicBezTo>
+                <a:cubicBezTo>
+                  <a:pt x="7781925" y="3583591"/>
+                  <a:pt x="7728469" y="3984365"/>
+                  <a:pt x="7621556" y="4465293"/>
+                </a:cubicBezTo>
+                <a:cubicBezTo>
+                  <a:pt x="7487916" y="4919503"/>
+                  <a:pt x="7354276" y="5346995"/>
+                  <a:pt x="7140451" y="5747768"/>
+                </a:cubicBezTo>
+                <a:cubicBezTo>
+                  <a:pt x="6873170" y="6198639"/>
+                  <a:pt x="6564126" y="6555577"/>
+                  <a:pt x="6226371" y="6831631"/>
+                </a:cubicBezTo>
+                <a:lnTo>
+                  <a:pt x="6191557" y="6858000"/>
+                </a:lnTo>
+                <a:lnTo>
+                  <a:pt x="940388" y="6858000"/>
+                </a:lnTo>
+                <a:lnTo>
+                  <a:pt x="844312" y="6790615"/>
+                </a:lnTo>
+                <a:cubicBezTo>
+                  <a:pt x="530257" y="6551820"/>
+                  <a:pt x="249612" y="6262929"/>
+                  <a:pt x="2377" y="5930621"/>
+                </a:cubicBezTo>
+                <a:lnTo>
+                  <a:pt x="0" y="5927208"/>
+                </a:lnTo>
+                <a:lnTo>
+                  <a:pt x="0" y="542232"/>
+                </a:lnTo>
+                <a:lnTo>
+                  <a:pt x="17725" y="518509"/>
+                </a:lnTo>
+                <a:cubicBezTo>
+                  <a:pt x="136122" y="368218"/>
+                  <a:pt x="259113" y="227948"/>
+                  <a:pt x="385863" y="97696"/>
+                </a:cubicBezTo>
+                <a:close/>
+              </a:path>
+            </a:pathLst>
+          </a:custGeom>
+          <a:ln>
+            <a:noFill/>
+          </a:ln>
+        </p:spPr>
+        <p:txBody>
+          <a:bodyPr vert="horz" wrap="square" lIns="91440" tIns="45720" rIns="91440" bIns="45720" numCol="1" anchor="t" anchorCtr="0" compatLnSpc="1">
+            <a:prstTxWarp prst="textNoShape">
+              <a:avLst/>
+            </a:prstTxWarp>
+            <a:noAutofit/>
+          </a:bodyPr>
+          <a:lstStyle/>
+          <a:p>
+            <a:endParaRPr lang="en-US"/>
+          </a:p>
+        </p:txBody>
+      </p:sp>
+      <p:sp>
+        <p:nvSpPr>
+          <p:cNvPr id="2" name="Title 1">
+            <a:extLst>
+              <a:ext uri="{FF2B5EF4-FFF2-40B4-BE49-F238E27FC236}">
+                <a16:creationId xmlns:a16="http://schemas.microsoft.com/office/drawing/2014/main" id="{BBD51B39-1E66-AA95-9132-F9F87FF3469A}"/>
+              </a:ext>
+            </a:extLst>
+          </p:cNvPr>
+          <p:cNvSpPr>
+            <a:spLocks noGrp="1"/>
+          </p:cNvSpPr>
+          <p:nvPr>
+            <p:ph type="ctrTitle"/>
+          </p:nvPr>
+        </p:nvSpPr>
+        <p:spPr>
+          <a:xfrm>
+            <a:off x="720000" y="720000"/>
+            <a:ext cx="5015638" cy="2803071"/>
+          </a:xfrm>
+        </p:spPr>
+        <p:txBody>
+          <a:bodyPr>
+            <a:normAutofit/>
+          </a:bodyPr>
+          <a:lstStyle/>
+          <a:p>
+            <a:r>
+              <a:rPr lang="en-CA" dirty="0"/>
+              <a:t>Questions?</a:t>
+            </a:r>
+          </a:p>
+        </p:txBody>
+      </p:sp>
+      <p:sp>
+        <p:nvSpPr>
+          <p:cNvPr id="13" name="Freeform 10">
+            <a:extLst>
+              <a:ext uri="{FF2B5EF4-FFF2-40B4-BE49-F238E27FC236}">
+                <a16:creationId xmlns:a16="http://schemas.microsoft.com/office/drawing/2014/main" id="{61516266-4AD2-4299-BC89-A3D3D18F8AF3}"/>
+              </a:ext>
+              <a:ext uri="{C183D7F6-B498-43B3-948B-1728B52AA6E4}">
+                <adec:decorative xmlns:adec="http://schemas.microsoft.com/office/drawing/2017/decorative" val="1"/>
+              </a:ext>
+            </a:extLst>
+          </p:cNvPr>
+          <p:cNvSpPr>
+            <a:spLocks noGrp="1" noRot="1" noChangeAspect="1" noMove="1" noResize="1" noEditPoints="1" noAdjustHandles="1" noChangeArrowheads="1" noChangeShapeType="1" noTextEdit="1"/>
+          </p:cNvSpPr>
+          <p:nvPr>
+            <p:extLst>
+              <p:ext uri="{386F3935-93C4-4BCD-93E2-E3B085C9AB24}">
+                <p16:designElem xmlns:p16="http://schemas.microsoft.com/office/powerpoint/2015/main" val="1"/>
+              </p:ext>
+            </p:extLst>
+          </p:nvPr>
+        </p:nvSpPr>
+        <p:spPr bwMode="auto">
+          <a:xfrm rot="6300000">
+            <a:off x="6273683" y="3123655"/>
+            <a:ext cx="3362287" cy="3147142"/>
+          </a:xfrm>
+          <a:custGeom>
+            <a:avLst/>
+            <a:gdLst>
+              <a:gd name="T0" fmla="*/ 43 w 250"/>
+              <a:gd name="T1" fmla="*/ 167 h 234"/>
+              <a:gd name="T2" fmla="*/ 70 w 250"/>
+              <a:gd name="T3" fmla="*/ 133 h 234"/>
+              <a:gd name="T4" fmla="*/ 48 w 250"/>
+              <a:gd name="T5" fmla="*/ 134 h 234"/>
+              <a:gd name="T6" fmla="*/ 19 w 250"/>
+              <a:gd name="T7" fmla="*/ 130 h 234"/>
+              <a:gd name="T8" fmla="*/ 6 w 250"/>
+              <a:gd name="T9" fmla="*/ 123 h 234"/>
+              <a:gd name="T10" fmla="*/ 1 w 250"/>
+              <a:gd name="T11" fmla="*/ 103 h 234"/>
+              <a:gd name="T12" fmla="*/ 11 w 250"/>
+              <a:gd name="T13" fmla="*/ 81 h 234"/>
+              <a:gd name="T14" fmla="*/ 23 w 250"/>
+              <a:gd name="T15" fmla="*/ 76 h 234"/>
+              <a:gd name="T16" fmla="*/ 81 w 250"/>
+              <a:gd name="T17" fmla="*/ 78 h 234"/>
+              <a:gd name="T18" fmla="*/ 65 w 250"/>
+              <a:gd name="T19" fmla="*/ 49 h 234"/>
+              <a:gd name="T20" fmla="*/ 57 w 250"/>
+              <a:gd name="T21" fmla="*/ 27 h 234"/>
+              <a:gd name="T22" fmla="*/ 67 w 250"/>
+              <a:gd name="T23" fmla="*/ 12 h 234"/>
+              <a:gd name="T24" fmla="*/ 85 w 250"/>
+              <a:gd name="T25" fmla="*/ 1 h 234"/>
+              <a:gd name="T26" fmla="*/ 101 w 250"/>
+              <a:gd name="T27" fmla="*/ 8 h 234"/>
+              <a:gd name="T28" fmla="*/ 107 w 250"/>
+              <a:gd name="T29" fmla="*/ 15 h 234"/>
+              <a:gd name="T30" fmla="*/ 120 w 250"/>
+              <a:gd name="T31" fmla="*/ 37 h 234"/>
+              <a:gd name="T32" fmla="*/ 131 w 250"/>
+              <a:gd name="T33" fmla="*/ 60 h 234"/>
+              <a:gd name="T34" fmla="*/ 164 w 250"/>
+              <a:gd name="T35" fmla="*/ 25 h 234"/>
+              <a:gd name="T36" fmla="*/ 187 w 250"/>
+              <a:gd name="T37" fmla="*/ 11 h 234"/>
+              <a:gd name="T38" fmla="*/ 205 w 250"/>
+              <a:gd name="T39" fmla="*/ 19 h 234"/>
+              <a:gd name="T40" fmla="*/ 214 w 250"/>
+              <a:gd name="T41" fmla="*/ 34 h 234"/>
+              <a:gd name="T42" fmla="*/ 203 w 250"/>
+              <a:gd name="T43" fmla="*/ 57 h 234"/>
+              <a:gd name="T44" fmla="*/ 166 w 250"/>
+              <a:gd name="T45" fmla="*/ 100 h 234"/>
+              <a:gd name="T46" fmla="*/ 217 w 250"/>
+              <a:gd name="T47" fmla="*/ 98 h 234"/>
+              <a:gd name="T48" fmla="*/ 244 w 250"/>
+              <a:gd name="T49" fmla="*/ 104 h 234"/>
+              <a:gd name="T50" fmla="*/ 249 w 250"/>
+              <a:gd name="T51" fmla="*/ 115 h 234"/>
+              <a:gd name="T52" fmla="*/ 247 w 250"/>
+              <a:gd name="T53" fmla="*/ 129 h 234"/>
+              <a:gd name="T54" fmla="*/ 245 w 250"/>
+              <a:gd name="T55" fmla="*/ 134 h 234"/>
+              <a:gd name="T56" fmla="*/ 241 w 250"/>
+              <a:gd name="T57" fmla="*/ 141 h 234"/>
+              <a:gd name="T58" fmla="*/ 227 w 250"/>
+              <a:gd name="T59" fmla="*/ 147 h 234"/>
+              <a:gd name="T60" fmla="*/ 187 w 250"/>
+              <a:gd name="T61" fmla="*/ 151 h 234"/>
+              <a:gd name="T62" fmla="*/ 160 w 250"/>
+              <a:gd name="T63" fmla="*/ 148 h 234"/>
+              <a:gd name="T64" fmla="*/ 168 w 250"/>
+              <a:gd name="T65" fmla="*/ 168 h 234"/>
+              <a:gd name="T66" fmla="*/ 176 w 250"/>
+              <a:gd name="T67" fmla="*/ 194 h 234"/>
+              <a:gd name="T68" fmla="*/ 176 w 250"/>
+              <a:gd name="T69" fmla="*/ 211 h 234"/>
+              <a:gd name="T70" fmla="*/ 170 w 250"/>
+              <a:gd name="T71" fmla="*/ 221 h 234"/>
+              <a:gd name="T72" fmla="*/ 156 w 250"/>
+              <a:gd name="T73" fmla="*/ 230 h 234"/>
+              <a:gd name="T74" fmla="*/ 130 w 250"/>
+              <a:gd name="T75" fmla="*/ 226 h 234"/>
+              <a:gd name="T76" fmla="*/ 122 w 250"/>
+              <a:gd name="T77" fmla="*/ 213 h 234"/>
+              <a:gd name="T78" fmla="*/ 110 w 250"/>
+              <a:gd name="T79" fmla="*/ 169 h 234"/>
+              <a:gd name="T80" fmla="*/ 92 w 250"/>
+              <a:gd name="T81" fmla="*/ 192 h 234"/>
+              <a:gd name="T82" fmla="*/ 87 w 250"/>
+              <a:gd name="T83" fmla="*/ 197 h 234"/>
+              <a:gd name="T84" fmla="*/ 84 w 250"/>
+              <a:gd name="T85" fmla="*/ 201 h 234"/>
+              <a:gd name="T86" fmla="*/ 65 w 250"/>
+              <a:gd name="T87" fmla="*/ 212 h 234"/>
+              <a:gd name="T88" fmla="*/ 50 w 250"/>
+              <a:gd name="T89" fmla="*/ 204 h 234"/>
+              <a:gd name="T90" fmla="*/ 44 w 250"/>
+              <a:gd name="T91" fmla="*/ 198 h 234"/>
+              <a:gd name="T92" fmla="*/ 38 w 250"/>
+              <a:gd name="T93" fmla="*/ 185 h 234"/>
+              <a:gd name="T94" fmla="*/ 43 w 250"/>
+              <a:gd name="T95" fmla="*/ 167 h 234"/>
+            </a:gdLst>
+            <a:ahLst/>
+            <a:cxnLst>
+              <a:cxn ang="0">
+                <a:pos x="T0" y="T1"/>
+              </a:cxn>
+              <a:cxn ang="0">
+                <a:pos x="T2" y="T3"/>
+              </a:cxn>
+              <a:cxn ang="0">
+                <a:pos x="T4" y="T5"/>
+              </a:cxn>
+              <a:cxn ang="0">
+                <a:pos x="T6" y="T7"/>
+              </a:cxn>
+              <a:cxn ang="0">
+                <a:pos x="T8" y="T9"/>
+              </a:cxn>
+              <a:cxn ang="0">
+                <a:pos x="T10" y="T11"/>
+              </a:cxn>
+              <a:cxn ang="0">
+                <a:pos x="T12" y="T13"/>
+              </a:cxn>
+              <a:cxn ang="0">
+                <a:pos x="T14" y="T15"/>
+              </a:cxn>
+              <a:cxn ang="0">
+                <a:pos x="T16" y="T17"/>
+              </a:cxn>
+              <a:cxn ang="0">
+                <a:pos x="T18" y="T19"/>
+              </a:cxn>
+              <a:cxn ang="0">
+                <a:pos x="T20" y="T21"/>
+              </a:cxn>
+              <a:cxn ang="0">
+                <a:pos x="T22" y="T23"/>
+              </a:cxn>
+              <a:cxn ang="0">
+                <a:pos x="T24" y="T25"/>
+              </a:cxn>
+              <a:cxn ang="0">
+                <a:pos x="T26" y="T27"/>
+              </a:cxn>
+              <a:cxn ang="0">
+                <a:pos x="T28" y="T29"/>
+              </a:cxn>
+              <a:cxn ang="0">
+                <a:pos x="T30" y="T31"/>
+              </a:cxn>
+              <a:cxn ang="0">
+                <a:pos x="T32" y="T33"/>
+              </a:cxn>
+              <a:cxn ang="0">
+                <a:pos x="T34" y="T35"/>
+              </a:cxn>
+              <a:cxn ang="0">
+                <a:pos x="T36" y="T37"/>
+              </a:cxn>
+              <a:cxn ang="0">
+                <a:pos x="T38" y="T39"/>
+              </a:cxn>
+              <a:cxn ang="0">
+                <a:pos x="T40" y="T41"/>
+              </a:cxn>
+              <a:cxn ang="0">
+                <a:pos x="T42" y="T43"/>
+              </a:cxn>
+              <a:cxn ang="0">
+                <a:pos x="T44" y="T45"/>
+              </a:cxn>
+              <a:cxn ang="0">
+                <a:pos x="T46" y="T47"/>
+              </a:cxn>
+              <a:cxn ang="0">
+                <a:pos x="T48" y="T49"/>
+              </a:cxn>
+              <a:cxn ang="0">
+                <a:pos x="T50" y="T51"/>
+              </a:cxn>
+              <a:cxn ang="0">
+                <a:pos x="T52" y="T53"/>
+              </a:cxn>
+              <a:cxn ang="0">
+                <a:pos x="T54" y="T55"/>
+              </a:cxn>
+              <a:cxn ang="0">
+                <a:pos x="T56" y="T57"/>
+              </a:cxn>
+              <a:cxn ang="0">
+                <a:pos x="T58" y="T59"/>
+              </a:cxn>
+              <a:cxn ang="0">
+                <a:pos x="T60" y="T61"/>
+              </a:cxn>
+              <a:cxn ang="0">
+                <a:pos x="T62" y="T63"/>
+              </a:cxn>
+              <a:cxn ang="0">
+                <a:pos x="T64" y="T65"/>
+              </a:cxn>
+              <a:cxn ang="0">
+                <a:pos x="T66" y="T67"/>
+              </a:cxn>
+              <a:cxn ang="0">
+                <a:pos x="T68" y="T69"/>
+              </a:cxn>
+              <a:cxn ang="0">
+                <a:pos x="T70" y="T71"/>
+              </a:cxn>
+              <a:cxn ang="0">
+                <a:pos x="T72" y="T73"/>
+              </a:cxn>
+              <a:cxn ang="0">
+                <a:pos x="T74" y="T75"/>
+              </a:cxn>
+              <a:cxn ang="0">
+                <a:pos x="T76" y="T77"/>
+              </a:cxn>
+              <a:cxn ang="0">
+                <a:pos x="T78" y="T79"/>
+              </a:cxn>
+              <a:cxn ang="0">
+                <a:pos x="T80" y="T81"/>
+              </a:cxn>
+              <a:cxn ang="0">
+                <a:pos x="T82" y="T83"/>
+              </a:cxn>
+              <a:cxn ang="0">
+                <a:pos x="T84" y="T85"/>
+              </a:cxn>
+              <a:cxn ang="0">
+                <a:pos x="T86" y="T87"/>
+              </a:cxn>
+              <a:cxn ang="0">
+                <a:pos x="T88" y="T89"/>
+              </a:cxn>
+              <a:cxn ang="0">
+                <a:pos x="T90" y="T91"/>
+              </a:cxn>
+              <a:cxn ang="0">
+                <a:pos x="T92" y="T93"/>
+              </a:cxn>
+              <a:cxn ang="0">
+                <a:pos x="T94" y="T95"/>
+              </a:cxn>
+            </a:cxnLst>
+            <a:rect l="0" t="0" r="r" b="b"/>
+            <a:pathLst>
+              <a:path w="250" h="234">
+                <a:moveTo>
+                  <a:pt x="43" y="167"/>
+                </a:moveTo>
+                <a:cubicBezTo>
+                  <a:pt x="70" y="133"/>
+                  <a:pt x="70" y="133"/>
+                  <a:pt x="70" y="133"/>
+                </a:cubicBezTo>
+                <a:cubicBezTo>
+                  <a:pt x="60" y="134"/>
+                  <a:pt x="61" y="134"/>
+                  <a:pt x="48" y="134"/>
+                </a:cubicBezTo>
+                <a:cubicBezTo>
+                  <a:pt x="34" y="133"/>
+                  <a:pt x="24" y="132"/>
+                  <a:pt x="19" y="130"/>
+                </a:cubicBezTo>
+                <a:cubicBezTo>
+                  <a:pt x="13" y="128"/>
+                  <a:pt x="9" y="126"/>
+                  <a:pt x="6" y="123"/>
+                </a:cubicBezTo>
+                <a:cubicBezTo>
+                  <a:pt x="1" y="119"/>
+                  <a:pt x="0" y="112"/>
+                  <a:pt x="1" y="103"/>
+                </a:cubicBezTo>
+                <a:cubicBezTo>
+                  <a:pt x="2" y="93"/>
+                  <a:pt x="6" y="86"/>
+                  <a:pt x="11" y="81"/>
+                </a:cubicBezTo>
+                <a:cubicBezTo>
+                  <a:pt x="15" y="77"/>
+                  <a:pt x="18" y="76"/>
+                  <a:pt x="23" y="76"/>
+                </a:cubicBezTo>
+                <a:cubicBezTo>
+                  <a:pt x="81" y="78"/>
+                  <a:pt x="81" y="78"/>
+                  <a:pt x="81" y="78"/>
+                </a:cubicBezTo>
+                <a:cubicBezTo>
+                  <a:pt x="65" y="49"/>
+                  <a:pt x="65" y="49"/>
+                  <a:pt x="65" y="49"/>
+                </a:cubicBezTo>
+                <a:cubicBezTo>
+                  <a:pt x="58" y="40"/>
+                  <a:pt x="56" y="33"/>
+                  <a:pt x="57" y="27"/>
+                </a:cubicBezTo>
+                <a:cubicBezTo>
+                  <a:pt x="58" y="21"/>
+                  <a:pt x="62" y="16"/>
+                  <a:pt x="67" y="12"/>
+                </a:cubicBezTo>
+                <a:cubicBezTo>
+                  <a:pt x="74" y="6"/>
+                  <a:pt x="80" y="2"/>
+                  <a:pt x="85" y="1"/>
+                </a:cubicBezTo>
+                <a:cubicBezTo>
+                  <a:pt x="90" y="0"/>
+                  <a:pt x="95" y="2"/>
+                  <a:pt x="101" y="8"/>
+                </a:cubicBezTo>
+                <a:cubicBezTo>
+                  <a:pt x="104" y="11"/>
+                  <a:pt x="106" y="13"/>
+                  <a:pt x="107" y="15"/>
+                </a:cubicBezTo>
+                <a:cubicBezTo>
+                  <a:pt x="110" y="19"/>
+                  <a:pt x="112" y="20"/>
+                  <a:pt x="120" y="37"/>
+                </a:cubicBezTo>
+                <a:cubicBezTo>
+                  <a:pt x="129" y="55"/>
+                  <a:pt x="128" y="51"/>
+                  <a:pt x="131" y="60"/>
+                </a:cubicBezTo>
+                <a:cubicBezTo>
+                  <a:pt x="164" y="25"/>
+                  <a:pt x="164" y="25"/>
+                  <a:pt x="164" y="25"/>
+                </a:cubicBezTo>
+                <a:cubicBezTo>
+                  <a:pt x="173" y="16"/>
+                  <a:pt x="180" y="11"/>
+                  <a:pt x="187" y="11"/>
+                </a:cubicBezTo>
+                <a:cubicBezTo>
+                  <a:pt x="193" y="10"/>
+                  <a:pt x="200" y="13"/>
+                  <a:pt x="205" y="19"/>
+                </a:cubicBezTo>
+                <a:cubicBezTo>
+                  <a:pt x="210" y="24"/>
+                  <a:pt x="213" y="29"/>
+                  <a:pt x="214" y="34"/>
+                </a:cubicBezTo>
+                <a:cubicBezTo>
+                  <a:pt x="214" y="39"/>
+                  <a:pt x="211" y="47"/>
+                  <a:pt x="203" y="57"/>
+                </a:cubicBezTo>
+                <a:cubicBezTo>
+                  <a:pt x="166" y="100"/>
+                  <a:pt x="166" y="100"/>
+                  <a:pt x="166" y="100"/>
+                </a:cubicBezTo>
+                <a:cubicBezTo>
+                  <a:pt x="217" y="98"/>
+                  <a:pt x="217" y="98"/>
+                  <a:pt x="217" y="98"/>
+                </a:cubicBezTo>
+                <a:cubicBezTo>
+                  <a:pt x="229" y="96"/>
+                  <a:pt x="238" y="98"/>
+                  <a:pt x="244" y="104"/>
+                </a:cubicBezTo>
+                <a:cubicBezTo>
+                  <a:pt x="247" y="107"/>
+                  <a:pt x="249" y="111"/>
+                  <a:pt x="249" y="115"/>
+                </a:cubicBezTo>
+                <a:cubicBezTo>
+                  <a:pt x="250" y="120"/>
+                  <a:pt x="249" y="124"/>
+                  <a:pt x="247" y="129"/>
+                </a:cubicBezTo>
+                <a:cubicBezTo>
+                  <a:pt x="247" y="130"/>
+                  <a:pt x="246" y="132"/>
+                  <a:pt x="245" y="134"/>
+                </a:cubicBezTo>
+                <a:cubicBezTo>
+                  <a:pt x="244" y="137"/>
+                  <a:pt x="243" y="140"/>
+                  <a:pt x="241" y="141"/>
+                </a:cubicBezTo>
+                <a:cubicBezTo>
+                  <a:pt x="239" y="144"/>
+                  <a:pt x="234" y="146"/>
+                  <a:pt x="227" y="147"/>
+                </a:cubicBezTo>
+                <a:cubicBezTo>
+                  <a:pt x="221" y="149"/>
+                  <a:pt x="207" y="150"/>
+                  <a:pt x="187" y="151"/>
+                </a:cubicBezTo>
+                <a:cubicBezTo>
+                  <a:pt x="175" y="152"/>
+                  <a:pt x="161" y="148"/>
+                  <a:pt x="160" y="148"/>
+                </a:cubicBezTo>
+                <a:cubicBezTo>
+                  <a:pt x="161" y="151"/>
+                  <a:pt x="165" y="161"/>
+                  <a:pt x="168" y="168"/>
+                </a:cubicBezTo>
+                <a:cubicBezTo>
+                  <a:pt x="168" y="171"/>
+                  <a:pt x="173" y="181"/>
+                  <a:pt x="176" y="194"/>
+                </a:cubicBezTo>
+                <a:cubicBezTo>
+                  <a:pt x="179" y="206"/>
+                  <a:pt x="176" y="203"/>
+                  <a:pt x="176" y="211"/>
+                </a:cubicBezTo>
+                <a:cubicBezTo>
+                  <a:pt x="176" y="214"/>
+                  <a:pt x="174" y="217"/>
+                  <a:pt x="170" y="221"/>
+                </a:cubicBezTo>
+                <a:cubicBezTo>
+                  <a:pt x="166" y="226"/>
+                  <a:pt x="161" y="228"/>
+                  <a:pt x="156" y="230"/>
+                </a:cubicBezTo>
+                <a:cubicBezTo>
+                  <a:pt x="147" y="234"/>
+                  <a:pt x="137" y="233"/>
+                  <a:pt x="130" y="226"/>
+                </a:cubicBezTo>
+                <a:cubicBezTo>
+                  <a:pt x="127" y="223"/>
+                  <a:pt x="125" y="219"/>
+                  <a:pt x="122" y="213"/>
+                </a:cubicBezTo>
+                <a:cubicBezTo>
+                  <a:pt x="118" y="188"/>
+                  <a:pt x="117" y="189"/>
+                  <a:pt x="110" y="169"/>
+                </a:cubicBezTo>
+                <a:cubicBezTo>
+                  <a:pt x="92" y="192"/>
+                  <a:pt x="92" y="192"/>
+                  <a:pt x="92" y="192"/>
+                </a:cubicBezTo>
+                <a:cubicBezTo>
+                  <a:pt x="90" y="193"/>
+                  <a:pt x="88" y="195"/>
+                  <a:pt x="87" y="197"/>
+                </a:cubicBezTo>
+                <a:cubicBezTo>
+                  <a:pt x="86" y="198"/>
+                  <a:pt x="85" y="200"/>
+                  <a:pt x="84" y="201"/>
+                </a:cubicBezTo>
+                <a:cubicBezTo>
+                  <a:pt x="76" y="209"/>
+                  <a:pt x="70" y="212"/>
+                  <a:pt x="65" y="212"/>
+                </a:cubicBezTo>
+                <a:cubicBezTo>
+                  <a:pt x="60" y="211"/>
+                  <a:pt x="55" y="209"/>
+                  <a:pt x="50" y="204"/>
+                </a:cubicBezTo>
+                <a:cubicBezTo>
+                  <a:pt x="50" y="203"/>
+                  <a:pt x="48" y="202"/>
+                  <a:pt x="44" y="198"/>
+                </a:cubicBezTo>
+                <a:cubicBezTo>
+                  <a:pt x="41" y="195"/>
+                  <a:pt x="39" y="191"/>
+                  <a:pt x="38" y="185"/>
+                </a:cubicBezTo>
+                <a:cubicBezTo>
+                  <a:pt x="37" y="179"/>
+                  <a:pt x="39" y="173"/>
+                  <a:pt x="43" y="167"/>
+                </a:cubicBezTo>
+                <a:close/>
+              </a:path>
+            </a:pathLst>
+          </a:custGeom>
+          <a:solidFill>
+            <a:schemeClr val="accent1"/>
+          </a:solidFill>
+          <a:ln>
+            <a:noFill/>
+          </a:ln>
+        </p:spPr>
+        <p:txBody>
+          <a:bodyPr vert="horz" wrap="square" lIns="91440" tIns="45720" rIns="91440" bIns="45720" numCol="1" anchor="t" anchorCtr="0" compatLnSpc="1">
+            <a:prstTxWarp prst="textNoShape">
+              <a:avLst/>
+            </a:prstTxWarp>
+          </a:bodyPr>
+          <a:lstStyle/>
+          <a:p>
+            <a:endParaRPr lang="en-US"/>
+          </a:p>
+        </p:txBody>
+      </p:sp>
+    </p:spTree>
+    <p:extLst>
+      <p:ext uri="{BB962C8B-B14F-4D97-AF65-F5344CB8AC3E}">
+        <p14:creationId xmlns:p14="http://schemas.microsoft.com/office/powerpoint/2010/main" val="235974401"/>
       </p:ext>
     </p:extLst>
   </p:cSld>
@@ -22580,3282 +27259,6 @@
 <file path=ppt/slides/slide6.xml><?xml version="1.0" encoding="utf-8"?>
 <p:sld xmlns:a="http://schemas.openxmlformats.org/drawingml/2006/main" xmlns:r="http://schemas.openxmlformats.org/officeDocument/2006/relationships" xmlns:p="http://schemas.openxmlformats.org/presentationml/2006/main">
   <p:cSld>
-    <p:spTree>
-      <p:nvGrpSpPr>
-        <p:cNvPr id="1" name=""/>
-        <p:cNvGrpSpPr/>
-        <p:nvPr/>
-      </p:nvGrpSpPr>
-      <p:grpSpPr>
-        <a:xfrm>
-          <a:off x="0" y="0"/>
-          <a:ext cx="0" cy="0"/>
-          <a:chOff x="0" y="0"/>
-          <a:chExt cx="0" cy="0"/>
-        </a:xfrm>
-      </p:grpSpPr>
-      <p:sp>
-        <p:nvSpPr>
-          <p:cNvPr id="2" name="Title 1">
-            <a:extLst>
-              <a:ext uri="{FF2B5EF4-FFF2-40B4-BE49-F238E27FC236}">
-                <a16:creationId xmlns:a16="http://schemas.microsoft.com/office/drawing/2014/main" id="{8625A65F-4F88-B037-74F7-7C55CEEEC050}"/>
-              </a:ext>
-            </a:extLst>
-          </p:cNvPr>
-          <p:cNvSpPr>
-            <a:spLocks noGrp="1"/>
-          </p:cNvSpPr>
-          <p:nvPr>
-            <p:ph type="title"/>
-          </p:nvPr>
-        </p:nvSpPr>
-        <p:spPr/>
-        <p:txBody>
-          <a:bodyPr/>
-          <a:lstStyle/>
-          <a:p>
-            <a:r>
-              <a:rPr lang="en-CA" dirty="0"/>
-              <a:t>Examples</a:t>
-            </a:r>
-          </a:p>
-        </p:txBody>
-      </p:sp>
-      <p:sp>
-        <p:nvSpPr>
-          <p:cNvPr id="3" name="Content Placeholder 2">
-            <a:extLst>
-              <a:ext uri="{FF2B5EF4-FFF2-40B4-BE49-F238E27FC236}">
-                <a16:creationId xmlns:a16="http://schemas.microsoft.com/office/drawing/2014/main" id="{A81987E6-74F5-405A-0CAF-2A3AEA8B57E2}"/>
-              </a:ext>
-            </a:extLst>
-          </p:cNvPr>
-          <p:cNvSpPr>
-            <a:spLocks noGrp="1"/>
-          </p:cNvSpPr>
-          <p:nvPr>
-            <p:ph idx="1"/>
-          </p:nvPr>
-        </p:nvSpPr>
-        <p:spPr/>
-        <p:txBody>
-          <a:bodyPr/>
-          <a:lstStyle/>
-          <a:p>
-            <a:r>
-              <a:rPr lang="en-CA" dirty="0"/>
-              <a:t>Code</a:t>
-            </a:r>
-          </a:p>
-          <a:p>
-            <a:r>
-              <a:rPr lang="en-CA" dirty="0"/>
-              <a:t>Code + Test Case</a:t>
-            </a:r>
-          </a:p>
-          <a:p>
-            <a:r>
-              <a:rPr lang="en-CA" dirty="0"/>
-              <a:t>Code + Test Case + Test Fixture</a:t>
-            </a:r>
-          </a:p>
-          <a:p>
-            <a:r>
-              <a:rPr lang="en-CA" dirty="0"/>
-              <a:t>Code + Parameterized Test Fixtures + Test Cases</a:t>
-            </a:r>
-          </a:p>
-        </p:txBody>
-      </p:sp>
-    </p:spTree>
-    <p:extLst>
-      <p:ext uri="{BB962C8B-B14F-4D97-AF65-F5344CB8AC3E}">
-        <p14:creationId xmlns:p14="http://schemas.microsoft.com/office/powerpoint/2010/main" val="3933511610"/>
-      </p:ext>
-    </p:extLst>
-  </p:cSld>
-  <p:clrMapOvr>
-    <a:masterClrMapping/>
-  </p:clrMapOvr>
-</p:sld>
-</file>
-
-<file path=ppt/slides/slide7.xml><?xml version="1.0" encoding="utf-8"?>
-<p:sld xmlns:a="http://schemas.openxmlformats.org/drawingml/2006/main" xmlns:r="http://schemas.openxmlformats.org/officeDocument/2006/relationships" xmlns:p="http://schemas.openxmlformats.org/presentationml/2006/main">
-  <p:cSld>
-    <p:bg>
-      <p:bgPr>
-        <a:solidFill>
-          <a:schemeClr val="bg2"/>
-        </a:solidFill>
-        <a:effectLst/>
-      </p:bgPr>
-    </p:bg>
-    <p:spTree>
-      <p:nvGrpSpPr>
-        <p:cNvPr id="1" name=""/>
-        <p:cNvGrpSpPr/>
-        <p:nvPr/>
-      </p:nvGrpSpPr>
-      <p:grpSpPr>
-        <a:xfrm>
-          <a:off x="0" y="0"/>
-          <a:ext cx="0" cy="0"/>
-          <a:chOff x="0" y="0"/>
-          <a:chExt cx="0" cy="0"/>
-        </a:xfrm>
-      </p:grpSpPr>
-      <p:sp>
-        <p:nvSpPr>
-          <p:cNvPr id="26" name="Rectangle 25">
-            <a:extLst>
-              <a:ext uri="{FF2B5EF4-FFF2-40B4-BE49-F238E27FC236}">
-                <a16:creationId xmlns:a16="http://schemas.microsoft.com/office/drawing/2014/main" id="{09646535-AEF6-4883-A4F9-EEC1F8B4319E}"/>
-              </a:ext>
-              <a:ext uri="{C183D7F6-B498-43B3-948B-1728B52AA6E4}">
-                <adec:decorative xmlns:adec="http://schemas.microsoft.com/office/drawing/2017/decorative" val="1"/>
-              </a:ext>
-            </a:extLst>
-          </p:cNvPr>
-          <p:cNvSpPr>
-            <a:spLocks noGrp="1" noRot="1" noChangeAspect="1" noMove="1" noResize="1" noEditPoints="1" noAdjustHandles="1" noChangeArrowheads="1" noChangeShapeType="1" noTextEdit="1"/>
-          </p:cNvSpPr>
-          <p:nvPr>
-            <p:extLst>
-              <p:ext uri="{386F3935-93C4-4BCD-93E2-E3B085C9AB24}">
-                <p16:designElem xmlns:p16="http://schemas.microsoft.com/office/powerpoint/2015/main" val="1"/>
-              </p:ext>
-            </p:extLst>
-          </p:nvPr>
-        </p:nvSpPr>
-        <p:spPr>
-          <a:xfrm>
-            <a:off x="0" y="0"/>
-            <a:ext cx="12192000" cy="6858000"/>
-          </a:xfrm>
-          <a:prstGeom prst="rect">
-            <a:avLst/>
-          </a:prstGeom>
-          <a:solidFill>
-            <a:schemeClr val="bg2">
-              <a:lumMod val="90000"/>
-              <a:lumOff val="10000"/>
-            </a:schemeClr>
-          </a:solidFill>
-          <a:ln w="12700" cap="flat" cmpd="sng" algn="ctr">
-            <a:noFill/>
-            <a:prstDash val="solid"/>
-            <a:miter lim="800000"/>
-          </a:ln>
-          <a:effectLst/>
-        </p:spPr>
-        <p:style>
-          <a:lnRef idx="2">
-            <a:schemeClr val="accent1">
-              <a:shade val="50000"/>
-            </a:schemeClr>
-          </a:lnRef>
-          <a:fillRef idx="1">
-            <a:schemeClr val="accent1"/>
-          </a:fillRef>
-          <a:effectRef idx="0">
-            <a:schemeClr val="accent1"/>
-          </a:effectRef>
-          <a:fontRef idx="minor">
-            <a:schemeClr val="lt1"/>
-          </a:fontRef>
-        </p:style>
-        <p:txBody>
-          <a:bodyPr rtlCol="0" anchor="ctr"/>
-          <a:lstStyle/>
-          <a:p>
-            <a:pPr algn="ctr"/>
-            <a:endParaRPr lang="en-US"/>
-          </a:p>
-        </p:txBody>
-      </p:sp>
-      <p:sp useBgFill="1">
-        <p:nvSpPr>
-          <p:cNvPr id="27" name="Rectangle 26">
-            <a:extLst>
-              <a:ext uri="{FF2B5EF4-FFF2-40B4-BE49-F238E27FC236}">
-                <a16:creationId xmlns:a16="http://schemas.microsoft.com/office/drawing/2014/main" id="{335243F2-87BD-4C47-8358-ACFE608D3DB3}"/>
-              </a:ext>
-              <a:ext uri="{C183D7F6-B498-43B3-948B-1728B52AA6E4}">
-                <adec:decorative xmlns:adec="http://schemas.microsoft.com/office/drawing/2017/decorative" val="1"/>
-              </a:ext>
-            </a:extLst>
-          </p:cNvPr>
-          <p:cNvSpPr>
-            <a:spLocks noGrp="1" noRot="1" noChangeAspect="1" noMove="1" noResize="1" noEditPoints="1" noAdjustHandles="1" noChangeArrowheads="1" noChangeShapeType="1" noTextEdit="1"/>
-          </p:cNvSpPr>
-          <p:nvPr>
-            <p:extLst>
-              <p:ext uri="{386F3935-93C4-4BCD-93E2-E3B085C9AB24}">
-                <p16:designElem xmlns:p16="http://schemas.microsoft.com/office/powerpoint/2015/main" val="1"/>
-              </p:ext>
-            </p:extLst>
-          </p:nvPr>
-        </p:nvSpPr>
-        <p:spPr>
-          <a:xfrm>
-            <a:off x="0" y="0"/>
-            <a:ext cx="12192000" cy="6858000"/>
-          </a:xfrm>
-          <a:prstGeom prst="rect">
-            <a:avLst/>
-          </a:prstGeom>
-          <a:ln w="12700" cap="flat" cmpd="sng" algn="ctr">
-            <a:noFill/>
-            <a:prstDash val="solid"/>
-            <a:miter lim="800000"/>
-          </a:ln>
-          <a:effectLst/>
-        </p:spPr>
-        <p:style>
-          <a:lnRef idx="2">
-            <a:schemeClr val="accent1">
-              <a:shade val="50000"/>
-            </a:schemeClr>
-          </a:lnRef>
-          <a:fillRef idx="1">
-            <a:schemeClr val="accent1"/>
-          </a:fillRef>
-          <a:effectRef idx="0">
-            <a:schemeClr val="accent1"/>
-          </a:effectRef>
-          <a:fontRef idx="minor">
-            <a:schemeClr val="lt1"/>
-          </a:fontRef>
-        </p:style>
-        <p:txBody>
-          <a:bodyPr rtlCol="0" anchor="ctr"/>
-          <a:lstStyle/>
-          <a:p>
-            <a:pPr algn="ctr"/>
-            <a:endParaRPr lang="en-US"/>
-          </a:p>
-        </p:txBody>
-      </p:sp>
-      <p:sp>
-        <p:nvSpPr>
-          <p:cNvPr id="28" name="Rectangle 27">
-            <a:extLst>
-              <a:ext uri="{FF2B5EF4-FFF2-40B4-BE49-F238E27FC236}">
-                <a16:creationId xmlns:a16="http://schemas.microsoft.com/office/drawing/2014/main" id="{65B33439-EC96-4835-9DF2-CFA3336E0E41}"/>
-              </a:ext>
-              <a:ext uri="{C183D7F6-B498-43B3-948B-1728B52AA6E4}">
-                <adec:decorative xmlns:adec="http://schemas.microsoft.com/office/drawing/2017/decorative" val="1"/>
-              </a:ext>
-            </a:extLst>
-          </p:cNvPr>
-          <p:cNvSpPr>
-            <a:spLocks noGrp="1" noRot="1" noChangeAspect="1" noMove="1" noResize="1" noEditPoints="1" noAdjustHandles="1" noChangeArrowheads="1" noChangeShapeType="1" noTextEdit="1"/>
-          </p:cNvSpPr>
-          <p:nvPr>
-            <p:extLst>
-              <p:ext uri="{386F3935-93C4-4BCD-93E2-E3B085C9AB24}">
-                <p16:designElem xmlns:p16="http://schemas.microsoft.com/office/powerpoint/2015/main" val="1"/>
-              </p:ext>
-            </p:extLst>
-          </p:nvPr>
-        </p:nvSpPr>
-        <p:spPr>
-          <a:xfrm>
-            <a:off x="0" y="0"/>
-            <a:ext cx="12192000" cy="6858000"/>
-          </a:xfrm>
-          <a:prstGeom prst="rect">
-            <a:avLst/>
-          </a:prstGeom>
-          <a:solidFill>
-            <a:schemeClr val="bg2">
-              <a:lumMod val="90000"/>
-              <a:lumOff val="10000"/>
-            </a:schemeClr>
-          </a:solidFill>
-          <a:ln w="12700" cap="flat" cmpd="sng" algn="ctr">
-            <a:noFill/>
-            <a:prstDash val="solid"/>
-            <a:miter lim="800000"/>
-          </a:ln>
-          <a:effectLst/>
-        </p:spPr>
-        <p:style>
-          <a:lnRef idx="2">
-            <a:schemeClr val="accent1">
-              <a:shade val="50000"/>
-            </a:schemeClr>
-          </a:lnRef>
-          <a:fillRef idx="1">
-            <a:schemeClr val="accent1"/>
-          </a:fillRef>
-          <a:effectRef idx="0">
-            <a:schemeClr val="accent1"/>
-          </a:effectRef>
-          <a:fontRef idx="minor">
-            <a:schemeClr val="lt1"/>
-          </a:fontRef>
-        </p:style>
-        <p:txBody>
-          <a:bodyPr rtlCol="0" anchor="ctr"/>
-          <a:lstStyle/>
-          <a:p>
-            <a:pPr algn="ctr"/>
-            <a:endParaRPr lang="en-US"/>
-          </a:p>
-        </p:txBody>
-      </p:sp>
-      <p:sp>
-        <p:nvSpPr>
-          <p:cNvPr id="2" name="Title 1">
-            <a:extLst>
-              <a:ext uri="{FF2B5EF4-FFF2-40B4-BE49-F238E27FC236}">
-                <a16:creationId xmlns:a16="http://schemas.microsoft.com/office/drawing/2014/main" id="{FE261C0D-7D9B-F2FB-A364-A7213ABADCBD}"/>
-              </a:ext>
-            </a:extLst>
-          </p:cNvPr>
-          <p:cNvSpPr>
-            <a:spLocks noGrp="1"/>
-          </p:cNvSpPr>
-          <p:nvPr>
-            <p:ph type="title"/>
-          </p:nvPr>
-        </p:nvSpPr>
-        <p:spPr>
-          <a:xfrm>
-            <a:off x="309186" y="1029431"/>
-            <a:ext cx="4857528" cy="4537853"/>
-          </a:xfrm>
-        </p:spPr>
-        <p:txBody>
-          <a:bodyPr vert="horz" wrap="square" lIns="0" tIns="0" rIns="0" bIns="0" rtlCol="0" anchor="ctr" anchorCtr="0">
-            <a:normAutofit/>
-          </a:bodyPr>
-          <a:lstStyle/>
-          <a:p>
-            <a:pPr algn="ctr"/>
-            <a:r>
-              <a:rPr lang="en-US" sz="5600" spc="-100" dirty="0"/>
-              <a:t>Resources</a:t>
-            </a:r>
-          </a:p>
-        </p:txBody>
-      </p:sp>
-      <p:grpSp>
-        <p:nvGrpSpPr>
-          <p:cNvPr id="29" name="Group 28">
-            <a:extLst>
-              <a:ext uri="{FF2B5EF4-FFF2-40B4-BE49-F238E27FC236}">
-                <a16:creationId xmlns:a16="http://schemas.microsoft.com/office/drawing/2014/main" id="{F2FD01A0-E6FF-41CD-AEBD-279232B90D43}"/>
-              </a:ext>
-              <a:ext uri="{C183D7F6-B498-43B3-948B-1728B52AA6E4}">
-                <adec:decorative xmlns:adec="http://schemas.microsoft.com/office/drawing/2017/decorative" val="1"/>
-              </a:ext>
-            </a:extLst>
-          </p:cNvPr>
-          <p:cNvGrpSpPr>
-            <a:grpSpLocks noGrp="1" noUngrp="1" noRot="1" noChangeAspect="1" noMove="1" noResize="1"/>
-          </p:cNvGrpSpPr>
-          <p:nvPr>
-            <p:extLst>
-              <p:ext uri="{386F3935-93C4-4BCD-93E2-E3B085C9AB24}">
-                <p16:designElem xmlns:p16="http://schemas.microsoft.com/office/powerpoint/2015/main" val="1"/>
-              </p:ext>
-            </p:extLst>
-          </p:nvPr>
-        </p:nvGrpSpPr>
-        <p:grpSpPr>
-          <a:xfrm>
-            <a:off x="1965602" y="317452"/>
-            <a:ext cx="2088038" cy="719230"/>
-            <a:chOff x="4532666" y="505937"/>
-            <a:chExt cx="2981730" cy="1027064"/>
-          </a:xfrm>
-        </p:grpSpPr>
-        <p:sp>
-          <p:nvSpPr>
-            <p:cNvPr id="30" name="Freeform 78">
-              <a:extLst>
-                <a:ext uri="{FF2B5EF4-FFF2-40B4-BE49-F238E27FC236}">
-                  <a16:creationId xmlns:a16="http://schemas.microsoft.com/office/drawing/2014/main" id="{811C6308-5554-4129-8881-A95AF512C52C}"/>
-                </a:ext>
-                <a:ext uri="{C183D7F6-B498-43B3-948B-1728B52AA6E4}">
-                  <adec:decorative xmlns:adec="http://schemas.microsoft.com/office/drawing/2017/decorative" val="1"/>
-                </a:ext>
-              </a:extLst>
-            </p:cNvPr>
-            <p:cNvSpPr>
-              <a:spLocks/>
-            </p:cNvSpPr>
-            <p:nvPr>
-              <p:extLst>
-                <p:ext uri="{386F3935-93C4-4BCD-93E2-E3B085C9AB24}">
-                  <p16:designElem xmlns:p16="http://schemas.microsoft.com/office/powerpoint/2015/main" val="1"/>
-                </p:ext>
-              </p:extLst>
-            </p:nvPr>
-          </p:nvSpPr>
-          <p:spPr bwMode="auto">
-            <a:xfrm rot="600114">
-              <a:off x="4532666" y="754398"/>
-              <a:ext cx="694205" cy="713383"/>
-            </a:xfrm>
-            <a:custGeom>
-              <a:avLst/>
-              <a:gdLst>
-                <a:gd name="T0" fmla="*/ 32 w 58"/>
-                <a:gd name="T1" fmla="*/ 56 h 60"/>
-                <a:gd name="T2" fmla="*/ 24 w 58"/>
-                <a:gd name="T3" fmla="*/ 48 h 60"/>
-                <a:gd name="T4" fmla="*/ 14 w 58"/>
-                <a:gd name="T5" fmla="*/ 36 h 60"/>
-                <a:gd name="T6" fmla="*/ 7 w 58"/>
-                <a:gd name="T7" fmla="*/ 29 h 60"/>
-                <a:gd name="T8" fmla="*/ 1 w 58"/>
-                <a:gd name="T9" fmla="*/ 17 h 60"/>
-                <a:gd name="T10" fmla="*/ 7 w 58"/>
-                <a:gd name="T11" fmla="*/ 4 h 60"/>
-                <a:gd name="T12" fmla="*/ 17 w 58"/>
-                <a:gd name="T13" fmla="*/ 1 h 60"/>
-                <a:gd name="T14" fmla="*/ 29 w 58"/>
-                <a:gd name="T15" fmla="*/ 6 h 60"/>
-                <a:gd name="T16" fmla="*/ 31 w 58"/>
-                <a:gd name="T17" fmla="*/ 8 h 60"/>
-                <a:gd name="T18" fmla="*/ 38 w 58"/>
-                <a:gd name="T19" fmla="*/ 15 h 60"/>
-                <a:gd name="T20" fmla="*/ 44 w 58"/>
-                <a:gd name="T21" fmla="*/ 22 h 60"/>
-                <a:gd name="T22" fmla="*/ 54 w 58"/>
-                <a:gd name="T23" fmla="*/ 33 h 60"/>
-                <a:gd name="T24" fmla="*/ 58 w 58"/>
-                <a:gd name="T25" fmla="*/ 44 h 60"/>
-                <a:gd name="T26" fmla="*/ 53 w 58"/>
-                <a:gd name="T27" fmla="*/ 54 h 60"/>
-                <a:gd name="T28" fmla="*/ 42 w 58"/>
-                <a:gd name="T29" fmla="*/ 60 h 60"/>
-                <a:gd name="T30" fmla="*/ 32 w 58"/>
-                <a:gd name="T31" fmla="*/ 56 h 60"/>
-              </a:gdLst>
-              <a:ahLst/>
-              <a:cxnLst>
-                <a:cxn ang="0">
-                  <a:pos x="T0" y="T1"/>
-                </a:cxn>
-                <a:cxn ang="0">
-                  <a:pos x="T2" y="T3"/>
-                </a:cxn>
-                <a:cxn ang="0">
-                  <a:pos x="T4" y="T5"/>
-                </a:cxn>
-                <a:cxn ang="0">
-                  <a:pos x="T6" y="T7"/>
-                </a:cxn>
-                <a:cxn ang="0">
-                  <a:pos x="T8" y="T9"/>
-                </a:cxn>
-                <a:cxn ang="0">
-                  <a:pos x="T10" y="T11"/>
-                </a:cxn>
-                <a:cxn ang="0">
-                  <a:pos x="T12" y="T13"/>
-                </a:cxn>
-                <a:cxn ang="0">
-                  <a:pos x="T14" y="T15"/>
-                </a:cxn>
-                <a:cxn ang="0">
-                  <a:pos x="T16" y="T17"/>
-                </a:cxn>
-                <a:cxn ang="0">
-                  <a:pos x="T18" y="T19"/>
-                </a:cxn>
-                <a:cxn ang="0">
-                  <a:pos x="T20" y="T21"/>
-                </a:cxn>
-                <a:cxn ang="0">
-                  <a:pos x="T22" y="T23"/>
-                </a:cxn>
-                <a:cxn ang="0">
-                  <a:pos x="T24" y="T25"/>
-                </a:cxn>
-                <a:cxn ang="0">
-                  <a:pos x="T26" y="T27"/>
-                </a:cxn>
-                <a:cxn ang="0">
-                  <a:pos x="T28" y="T29"/>
-                </a:cxn>
-                <a:cxn ang="0">
-                  <a:pos x="T30" y="T31"/>
-                </a:cxn>
-              </a:cxnLst>
-              <a:rect l="0" t="0" r="r" b="b"/>
-              <a:pathLst>
-                <a:path w="58" h="60">
-                  <a:moveTo>
-                    <a:pt x="32" y="56"/>
-                  </a:moveTo>
-                  <a:cubicBezTo>
-                    <a:pt x="30" y="54"/>
-                    <a:pt x="31" y="55"/>
-                    <a:pt x="24" y="48"/>
-                  </a:cubicBezTo>
-                  <a:cubicBezTo>
-                    <a:pt x="17" y="40"/>
-                    <a:pt x="14" y="36"/>
-                    <a:pt x="14" y="36"/>
-                  </a:cubicBezTo>
-                  <a:cubicBezTo>
-                    <a:pt x="8" y="30"/>
-                    <a:pt x="14" y="37"/>
-                    <a:pt x="7" y="29"/>
-                  </a:cubicBezTo>
-                  <a:cubicBezTo>
-                    <a:pt x="3" y="24"/>
-                    <a:pt x="1" y="20"/>
-                    <a:pt x="1" y="17"/>
-                  </a:cubicBezTo>
-                  <a:cubicBezTo>
-                    <a:pt x="0" y="13"/>
-                    <a:pt x="3" y="9"/>
-                    <a:pt x="7" y="4"/>
-                  </a:cubicBezTo>
-                  <a:cubicBezTo>
-                    <a:pt x="10" y="2"/>
-                    <a:pt x="13" y="0"/>
-                    <a:pt x="17" y="1"/>
-                  </a:cubicBezTo>
-                  <a:cubicBezTo>
-                    <a:pt x="21" y="1"/>
-                    <a:pt x="25" y="3"/>
-                    <a:pt x="29" y="6"/>
-                  </a:cubicBezTo>
-                  <a:cubicBezTo>
-                    <a:pt x="31" y="8"/>
-                    <a:pt x="31" y="8"/>
-                    <a:pt x="31" y="8"/>
-                  </a:cubicBezTo>
-                  <a:cubicBezTo>
-                    <a:pt x="33" y="11"/>
-                    <a:pt x="37" y="15"/>
-                    <a:pt x="38" y="15"/>
-                  </a:cubicBezTo>
-                  <a:cubicBezTo>
-                    <a:pt x="42" y="20"/>
-                    <a:pt x="40" y="18"/>
-                    <a:pt x="44" y="22"/>
-                  </a:cubicBezTo>
-                  <a:cubicBezTo>
-                    <a:pt x="51" y="29"/>
-                    <a:pt x="50" y="29"/>
-                    <a:pt x="54" y="33"/>
-                  </a:cubicBezTo>
-                  <a:cubicBezTo>
-                    <a:pt x="57" y="37"/>
-                    <a:pt x="58" y="40"/>
-                    <a:pt x="58" y="44"/>
-                  </a:cubicBezTo>
-                  <a:cubicBezTo>
-                    <a:pt x="58" y="47"/>
-                    <a:pt x="56" y="50"/>
-                    <a:pt x="53" y="54"/>
-                  </a:cubicBezTo>
-                  <a:cubicBezTo>
-                    <a:pt x="49" y="58"/>
-                    <a:pt x="45" y="60"/>
-                    <a:pt x="42" y="60"/>
-                  </a:cubicBezTo>
-                  <a:cubicBezTo>
-                    <a:pt x="39" y="60"/>
-                    <a:pt x="36" y="59"/>
-                    <a:pt x="32" y="56"/>
-                  </a:cubicBezTo>
-                  <a:close/>
-                </a:path>
-              </a:pathLst>
-            </a:custGeom>
-            <a:solidFill>
-              <a:schemeClr val="accent2"/>
-            </a:solidFill>
-            <a:ln>
-              <a:noFill/>
-            </a:ln>
-          </p:spPr>
-          <p:txBody>
-            <a:bodyPr vert="horz" wrap="square" lIns="91440" tIns="45720" rIns="91440" bIns="45720" numCol="1" anchor="t" anchorCtr="0" compatLnSpc="1">
-              <a:prstTxWarp prst="textNoShape">
-                <a:avLst/>
-              </a:prstTxWarp>
-            </a:bodyPr>
-            <a:lstStyle/>
-            <a:p>
-              <a:endParaRPr lang="en-US">
-                <a:solidFill>
-                  <a:schemeClr val="accent3"/>
-                </a:solidFill>
-              </a:endParaRPr>
-            </a:p>
-          </p:txBody>
-        </p:sp>
-        <p:sp>
-          <p:nvSpPr>
-            <p:cNvPr id="31" name="Freeform 79">
-              <a:extLst>
-                <a:ext uri="{FF2B5EF4-FFF2-40B4-BE49-F238E27FC236}">
-                  <a16:creationId xmlns:a16="http://schemas.microsoft.com/office/drawing/2014/main" id="{C28F3A03-B53B-433E-8DF7-6B13336D0A53}"/>
-                </a:ext>
-                <a:ext uri="{C183D7F6-B498-43B3-948B-1728B52AA6E4}">
-                  <adec:decorative xmlns:adec="http://schemas.microsoft.com/office/drawing/2017/decorative" val="1"/>
-                </a:ext>
-              </a:extLst>
-            </p:cNvPr>
-            <p:cNvSpPr>
-              <a:spLocks/>
-            </p:cNvSpPr>
-            <p:nvPr>
-              <p:extLst>
-                <p:ext uri="{386F3935-93C4-4BCD-93E2-E3B085C9AB24}">
-                  <p16:designElem xmlns:p16="http://schemas.microsoft.com/office/powerpoint/2015/main" val="1"/>
-                </p:ext>
-              </p:extLst>
-            </p:nvPr>
-          </p:nvSpPr>
-          <p:spPr bwMode="auto">
-            <a:xfrm rot="600114">
-              <a:off x="5791465" y="505937"/>
-              <a:ext cx="587404" cy="943792"/>
-            </a:xfrm>
-            <a:custGeom>
-              <a:avLst/>
-              <a:gdLst>
-                <a:gd name="T0" fmla="*/ 15 w 49"/>
-                <a:gd name="T1" fmla="*/ 65 h 79"/>
-                <a:gd name="T2" fmla="*/ 12 w 49"/>
-                <a:gd name="T3" fmla="*/ 54 h 79"/>
-                <a:gd name="T4" fmla="*/ 8 w 49"/>
-                <a:gd name="T5" fmla="*/ 33 h 79"/>
-                <a:gd name="T6" fmla="*/ 38 w 49"/>
-                <a:gd name="T7" fmla="*/ 24 h 79"/>
-                <a:gd name="T8" fmla="*/ 45 w 49"/>
-                <a:gd name="T9" fmla="*/ 70 h 79"/>
-                <a:gd name="T10" fmla="*/ 15 w 49"/>
-                <a:gd name="T11" fmla="*/ 65 h 79"/>
-              </a:gdLst>
-              <a:ahLst/>
-              <a:cxnLst>
-                <a:cxn ang="0">
-                  <a:pos x="T0" y="T1"/>
-                </a:cxn>
-                <a:cxn ang="0">
-                  <a:pos x="T2" y="T3"/>
-                </a:cxn>
-                <a:cxn ang="0">
-                  <a:pos x="T4" y="T5"/>
-                </a:cxn>
-                <a:cxn ang="0">
-                  <a:pos x="T6" y="T7"/>
-                </a:cxn>
-                <a:cxn ang="0">
-                  <a:pos x="T8" y="T9"/>
-                </a:cxn>
-                <a:cxn ang="0">
-                  <a:pos x="T10" y="T11"/>
-                </a:cxn>
-              </a:cxnLst>
-              <a:rect l="0" t="0" r="r" b="b"/>
-              <a:pathLst>
-                <a:path w="49" h="79">
-                  <a:moveTo>
-                    <a:pt x="15" y="65"/>
-                  </a:moveTo>
-                  <a:cubicBezTo>
-                    <a:pt x="14" y="59"/>
-                    <a:pt x="13" y="58"/>
-                    <a:pt x="12" y="54"/>
-                  </a:cubicBezTo>
-                  <a:cubicBezTo>
-                    <a:pt x="11" y="45"/>
-                    <a:pt x="10" y="40"/>
-                    <a:pt x="8" y="33"/>
-                  </a:cubicBezTo>
-                  <a:cubicBezTo>
-                    <a:pt x="0" y="9"/>
-                    <a:pt x="34" y="0"/>
-                    <a:pt x="38" y="24"/>
-                  </a:cubicBezTo>
-                  <a:cubicBezTo>
-                    <a:pt x="43" y="43"/>
-                    <a:pt x="49" y="60"/>
-                    <a:pt x="45" y="70"/>
-                  </a:cubicBezTo>
-                  <a:cubicBezTo>
-                    <a:pt x="38" y="77"/>
-                    <a:pt x="19" y="79"/>
-                    <a:pt x="15" y="65"/>
-                  </a:cubicBezTo>
-                  <a:close/>
-                </a:path>
-              </a:pathLst>
-            </a:custGeom>
-            <a:solidFill>
-              <a:schemeClr val="accent2"/>
-            </a:solidFill>
-            <a:ln>
-              <a:noFill/>
-            </a:ln>
-          </p:spPr>
-          <p:txBody>
-            <a:bodyPr vert="horz" wrap="square" lIns="91440" tIns="45720" rIns="91440" bIns="45720" numCol="1" anchor="t" anchorCtr="0" compatLnSpc="1">
-              <a:prstTxWarp prst="textNoShape">
-                <a:avLst/>
-              </a:prstTxWarp>
-            </a:bodyPr>
-            <a:lstStyle/>
-            <a:p>
-              <a:endParaRPr lang="en-US">
-                <a:solidFill>
-                  <a:schemeClr val="accent3"/>
-                </a:solidFill>
-              </a:endParaRPr>
-            </a:p>
-          </p:txBody>
-        </p:sp>
-        <p:sp>
-          <p:nvSpPr>
-            <p:cNvPr id="32" name="Freeform 85">
-              <a:extLst>
-                <a:ext uri="{FF2B5EF4-FFF2-40B4-BE49-F238E27FC236}">
-                  <a16:creationId xmlns:a16="http://schemas.microsoft.com/office/drawing/2014/main" id="{E990BBBC-E616-4D0E-9917-A6CA72AAEA42}"/>
-                </a:ext>
-                <a:ext uri="{C183D7F6-B498-43B3-948B-1728B52AA6E4}">
-                  <adec:decorative xmlns:adec="http://schemas.microsoft.com/office/drawing/2017/decorative" val="1"/>
-                </a:ext>
-              </a:extLst>
-            </p:cNvPr>
-            <p:cNvSpPr>
-              <a:spLocks/>
-            </p:cNvSpPr>
-            <p:nvPr>
-              <p:extLst>
-                <p:ext uri="{386F3935-93C4-4BCD-93E2-E3B085C9AB24}">
-                  <p16:designElem xmlns:p16="http://schemas.microsoft.com/office/powerpoint/2015/main" val="1"/>
-                </p:ext>
-              </p:extLst>
-            </p:nvPr>
-          </p:nvSpPr>
-          <p:spPr bwMode="auto">
-            <a:xfrm rot="600114">
-              <a:off x="7087193" y="757585"/>
-              <a:ext cx="427203" cy="775416"/>
-            </a:xfrm>
-            <a:custGeom>
-              <a:avLst/>
-              <a:gdLst>
-                <a:gd name="T0" fmla="*/ 36 w 36"/>
-                <a:gd name="T1" fmla="*/ 15 h 65"/>
-                <a:gd name="T2" fmla="*/ 34 w 36"/>
-                <a:gd name="T3" fmla="*/ 5 h 65"/>
-                <a:gd name="T4" fmla="*/ 28 w 36"/>
-                <a:gd name="T5" fmla="*/ 1 h 65"/>
-                <a:gd name="T6" fmla="*/ 23 w 36"/>
-                <a:gd name="T7" fmla="*/ 0 h 65"/>
-                <a:gd name="T8" fmla="*/ 13 w 36"/>
-                <a:gd name="T9" fmla="*/ 1 h 65"/>
-                <a:gd name="T10" fmla="*/ 7 w 36"/>
-                <a:gd name="T11" fmla="*/ 9 h 65"/>
-                <a:gd name="T12" fmla="*/ 4 w 36"/>
-                <a:gd name="T13" fmla="*/ 19 h 65"/>
-                <a:gd name="T14" fmla="*/ 0 w 36"/>
-                <a:gd name="T15" fmla="*/ 44 h 65"/>
-                <a:gd name="T16" fmla="*/ 1 w 36"/>
-                <a:gd name="T17" fmla="*/ 58 h 65"/>
-                <a:gd name="T18" fmla="*/ 8 w 36"/>
-                <a:gd name="T19" fmla="*/ 64 h 65"/>
-                <a:gd name="T20" fmla="*/ 16 w 36"/>
-                <a:gd name="T21" fmla="*/ 65 h 65"/>
-                <a:gd name="T22" fmla="*/ 25 w 36"/>
-                <a:gd name="T23" fmla="*/ 63 h 65"/>
-                <a:gd name="T24" fmla="*/ 31 w 36"/>
-                <a:gd name="T25" fmla="*/ 55 h 65"/>
-                <a:gd name="T26" fmla="*/ 34 w 36"/>
-                <a:gd name="T27" fmla="*/ 40 h 65"/>
-                <a:gd name="T28" fmla="*/ 36 w 36"/>
-                <a:gd name="T29" fmla="*/ 15 h 65"/>
-              </a:gdLst>
-              <a:ahLst/>
-              <a:cxnLst>
-                <a:cxn ang="0">
-                  <a:pos x="T0" y="T1"/>
-                </a:cxn>
-                <a:cxn ang="0">
-                  <a:pos x="T2" y="T3"/>
-                </a:cxn>
-                <a:cxn ang="0">
-                  <a:pos x="T4" y="T5"/>
-                </a:cxn>
-                <a:cxn ang="0">
-                  <a:pos x="T6" y="T7"/>
-                </a:cxn>
-                <a:cxn ang="0">
-                  <a:pos x="T8" y="T9"/>
-                </a:cxn>
-                <a:cxn ang="0">
-                  <a:pos x="T10" y="T11"/>
-                </a:cxn>
-                <a:cxn ang="0">
-                  <a:pos x="T12" y="T13"/>
-                </a:cxn>
-                <a:cxn ang="0">
-                  <a:pos x="T14" y="T15"/>
-                </a:cxn>
-                <a:cxn ang="0">
-                  <a:pos x="T16" y="T17"/>
-                </a:cxn>
-                <a:cxn ang="0">
-                  <a:pos x="T18" y="T19"/>
-                </a:cxn>
-                <a:cxn ang="0">
-                  <a:pos x="T20" y="T21"/>
-                </a:cxn>
-                <a:cxn ang="0">
-                  <a:pos x="T22" y="T23"/>
-                </a:cxn>
-                <a:cxn ang="0">
-                  <a:pos x="T24" y="T25"/>
-                </a:cxn>
-                <a:cxn ang="0">
-                  <a:pos x="T26" y="T27"/>
-                </a:cxn>
-                <a:cxn ang="0">
-                  <a:pos x="T28" y="T29"/>
-                </a:cxn>
-              </a:cxnLst>
-              <a:rect l="0" t="0" r="r" b="b"/>
-              <a:pathLst>
-                <a:path w="36" h="65">
-                  <a:moveTo>
-                    <a:pt x="36" y="15"/>
-                  </a:moveTo>
-                  <a:cubicBezTo>
-                    <a:pt x="36" y="10"/>
-                    <a:pt x="35" y="7"/>
-                    <a:pt x="34" y="5"/>
-                  </a:cubicBezTo>
-                  <a:cubicBezTo>
-                    <a:pt x="33" y="3"/>
-                    <a:pt x="31" y="2"/>
-                    <a:pt x="28" y="1"/>
-                  </a:cubicBezTo>
-                  <a:cubicBezTo>
-                    <a:pt x="27" y="1"/>
-                    <a:pt x="25" y="1"/>
-                    <a:pt x="23" y="0"/>
-                  </a:cubicBezTo>
-                  <a:cubicBezTo>
-                    <a:pt x="19" y="0"/>
-                    <a:pt x="16" y="0"/>
-                    <a:pt x="13" y="1"/>
-                  </a:cubicBezTo>
-                  <a:cubicBezTo>
-                    <a:pt x="11" y="2"/>
-                    <a:pt x="9" y="4"/>
-                    <a:pt x="7" y="9"/>
-                  </a:cubicBezTo>
-                  <a:cubicBezTo>
-                    <a:pt x="6" y="13"/>
-                    <a:pt x="5" y="17"/>
-                    <a:pt x="4" y="19"/>
-                  </a:cubicBezTo>
-                  <a:cubicBezTo>
-                    <a:pt x="2" y="29"/>
-                    <a:pt x="0" y="44"/>
-                    <a:pt x="0" y="44"/>
-                  </a:cubicBezTo>
-                  <a:cubicBezTo>
-                    <a:pt x="0" y="50"/>
-                    <a:pt x="0" y="55"/>
-                    <a:pt x="1" y="58"/>
-                  </a:cubicBezTo>
-                  <a:cubicBezTo>
-                    <a:pt x="2" y="61"/>
-                    <a:pt x="5" y="63"/>
-                    <a:pt x="8" y="64"/>
-                  </a:cubicBezTo>
-                  <a:cubicBezTo>
-                    <a:pt x="11" y="65"/>
-                    <a:pt x="13" y="65"/>
-                    <a:pt x="16" y="65"/>
-                  </a:cubicBezTo>
-                  <a:cubicBezTo>
-                    <a:pt x="19" y="65"/>
-                    <a:pt x="22" y="64"/>
-                    <a:pt x="25" y="63"/>
-                  </a:cubicBezTo>
-                  <a:cubicBezTo>
-                    <a:pt x="28" y="61"/>
-                    <a:pt x="30" y="59"/>
-                    <a:pt x="31" y="55"/>
-                  </a:cubicBezTo>
-                  <a:cubicBezTo>
-                    <a:pt x="32" y="50"/>
-                    <a:pt x="31" y="54"/>
-                    <a:pt x="34" y="40"/>
-                  </a:cubicBezTo>
-                  <a:lnTo>
-                    <a:pt x="36" y="15"/>
-                  </a:lnTo>
-                  <a:close/>
-                </a:path>
-              </a:pathLst>
-            </a:custGeom>
-            <a:solidFill>
-              <a:schemeClr val="accent2"/>
-            </a:solidFill>
-            <a:ln>
-              <a:noFill/>
-            </a:ln>
-          </p:spPr>
-          <p:txBody>
-            <a:bodyPr vert="horz" wrap="square" lIns="91440" tIns="45720" rIns="91440" bIns="45720" numCol="1" anchor="t" anchorCtr="0" compatLnSpc="1">
-              <a:prstTxWarp prst="textNoShape">
-                <a:avLst/>
-              </a:prstTxWarp>
-            </a:bodyPr>
-            <a:lstStyle/>
-            <a:p>
-              <a:endParaRPr lang="en-US">
-                <a:solidFill>
-                  <a:schemeClr val="accent3"/>
-                </a:solidFill>
-              </a:endParaRPr>
-            </a:p>
-          </p:txBody>
-        </p:sp>
-      </p:grpSp>
-      <p:grpSp>
-        <p:nvGrpSpPr>
-          <p:cNvPr id="33" name="Group 32">
-            <a:extLst>
-              <a:ext uri="{FF2B5EF4-FFF2-40B4-BE49-F238E27FC236}">
-                <a16:creationId xmlns:a16="http://schemas.microsoft.com/office/drawing/2014/main" id="{3C9AA14C-80A4-427C-A911-28CD20C56E5E}"/>
-              </a:ext>
-              <a:ext uri="{C183D7F6-B498-43B3-948B-1728B52AA6E4}">
-                <adec:decorative xmlns:adec="http://schemas.microsoft.com/office/drawing/2017/decorative" val="1"/>
-              </a:ext>
-            </a:extLst>
-          </p:cNvPr>
-          <p:cNvGrpSpPr>
-            <a:grpSpLocks noGrp="1" noUngrp="1" noRot="1" noChangeAspect="1" noMove="1" noResize="1"/>
-          </p:cNvGrpSpPr>
-          <p:nvPr>
-            <p:extLst>
-              <p:ext uri="{386F3935-93C4-4BCD-93E2-E3B085C9AB24}">
-                <p16:designElem xmlns:p16="http://schemas.microsoft.com/office/powerpoint/2015/main" val="1"/>
-              </p:ext>
-            </p:extLst>
-          </p:nvPr>
-        </p:nvGrpSpPr>
-        <p:grpSpPr>
-          <a:xfrm>
-            <a:off x="2017356" y="5503147"/>
-            <a:ext cx="2117174" cy="588806"/>
-            <a:chOff x="4549904" y="5078157"/>
-            <a:chExt cx="3023338" cy="840818"/>
-          </a:xfrm>
-        </p:grpSpPr>
-        <p:sp>
-          <p:nvSpPr>
-            <p:cNvPr id="34" name="Freeform 80">
-              <a:extLst>
-                <a:ext uri="{FF2B5EF4-FFF2-40B4-BE49-F238E27FC236}">
-                  <a16:creationId xmlns:a16="http://schemas.microsoft.com/office/drawing/2014/main" id="{EF32CDAF-4619-4949-9516-1E042181EBF3}"/>
-                </a:ext>
-                <a:ext uri="{C183D7F6-B498-43B3-948B-1728B52AA6E4}">
-                  <adec:decorative xmlns:adec="http://schemas.microsoft.com/office/drawing/2017/decorative" val="1"/>
-                </a:ext>
-              </a:extLst>
-            </p:cNvPr>
-            <p:cNvSpPr>
-              <a:spLocks/>
-            </p:cNvSpPr>
-            <p:nvPr>
-              <p:extLst>
-                <p:ext uri="{386F3935-93C4-4BCD-93E2-E3B085C9AB24}">
-                  <p16:designElem xmlns:p16="http://schemas.microsoft.com/office/powerpoint/2015/main" val="1"/>
-                </p:ext>
-              </p:extLst>
-            </p:nvPr>
-          </p:nvSpPr>
-          <p:spPr bwMode="auto">
-            <a:xfrm rot="5400000">
-              <a:off x="5690691" y="5352589"/>
-              <a:ext cx="749228" cy="383544"/>
-            </a:xfrm>
-            <a:custGeom>
-              <a:avLst/>
-              <a:gdLst>
-                <a:gd name="T0" fmla="*/ 53 w 66"/>
-                <a:gd name="T1" fmla="*/ 33 h 34"/>
-                <a:gd name="T2" fmla="*/ 39 w 66"/>
-                <a:gd name="T3" fmla="*/ 33 h 34"/>
-                <a:gd name="T4" fmla="*/ 21 w 66"/>
-                <a:gd name="T5" fmla="*/ 33 h 34"/>
-                <a:gd name="T6" fmla="*/ 12 w 66"/>
-                <a:gd name="T7" fmla="*/ 32 h 34"/>
-                <a:gd name="T8" fmla="*/ 3 w 66"/>
-                <a:gd name="T9" fmla="*/ 28 h 34"/>
-                <a:gd name="T10" fmla="*/ 0 w 66"/>
-                <a:gd name="T11" fmla="*/ 21 h 34"/>
-                <a:gd name="T12" fmla="*/ 0 w 66"/>
-                <a:gd name="T13" fmla="*/ 16 h 34"/>
-                <a:gd name="T14" fmla="*/ 3 w 66"/>
-                <a:gd name="T15" fmla="*/ 7 h 34"/>
-                <a:gd name="T16" fmla="*/ 11 w 66"/>
-                <a:gd name="T17" fmla="*/ 3 h 34"/>
-                <a:gd name="T18" fmla="*/ 23 w 66"/>
-                <a:gd name="T19" fmla="*/ 2 h 34"/>
-                <a:gd name="T20" fmla="*/ 43 w 66"/>
-                <a:gd name="T21" fmla="*/ 0 h 34"/>
-                <a:gd name="T22" fmla="*/ 48 w 66"/>
-                <a:gd name="T23" fmla="*/ 0 h 34"/>
-                <a:gd name="T24" fmla="*/ 62 w 66"/>
-                <a:gd name="T25" fmla="*/ 4 h 34"/>
-                <a:gd name="T26" fmla="*/ 66 w 66"/>
-                <a:gd name="T27" fmla="*/ 13 h 34"/>
-                <a:gd name="T28" fmla="*/ 66 w 66"/>
-                <a:gd name="T29" fmla="*/ 20 h 34"/>
-                <a:gd name="T30" fmla="*/ 62 w 66"/>
-                <a:gd name="T31" fmla="*/ 29 h 34"/>
-                <a:gd name="T32" fmla="*/ 53 w 66"/>
-                <a:gd name="T33" fmla="*/ 33 h 34"/>
-              </a:gdLst>
-              <a:ahLst/>
-              <a:cxnLst>
-                <a:cxn ang="0">
-                  <a:pos x="T0" y="T1"/>
-                </a:cxn>
-                <a:cxn ang="0">
-                  <a:pos x="T2" y="T3"/>
-                </a:cxn>
-                <a:cxn ang="0">
-                  <a:pos x="T4" y="T5"/>
-                </a:cxn>
-                <a:cxn ang="0">
-                  <a:pos x="T6" y="T7"/>
-                </a:cxn>
-                <a:cxn ang="0">
-                  <a:pos x="T8" y="T9"/>
-                </a:cxn>
-                <a:cxn ang="0">
-                  <a:pos x="T10" y="T11"/>
-                </a:cxn>
-                <a:cxn ang="0">
-                  <a:pos x="T12" y="T13"/>
-                </a:cxn>
-                <a:cxn ang="0">
-                  <a:pos x="T14" y="T15"/>
-                </a:cxn>
-                <a:cxn ang="0">
-                  <a:pos x="T16" y="T17"/>
-                </a:cxn>
-                <a:cxn ang="0">
-                  <a:pos x="T18" y="T19"/>
-                </a:cxn>
-                <a:cxn ang="0">
-                  <a:pos x="T20" y="T21"/>
-                </a:cxn>
-                <a:cxn ang="0">
-                  <a:pos x="T22" y="T23"/>
-                </a:cxn>
-                <a:cxn ang="0">
-                  <a:pos x="T24" y="T25"/>
-                </a:cxn>
-                <a:cxn ang="0">
-                  <a:pos x="T26" y="T27"/>
-                </a:cxn>
-                <a:cxn ang="0">
-                  <a:pos x="T28" y="T29"/>
-                </a:cxn>
-                <a:cxn ang="0">
-                  <a:pos x="T30" y="T31"/>
-                </a:cxn>
-                <a:cxn ang="0">
-                  <a:pos x="T32" y="T33"/>
-                </a:cxn>
-              </a:cxnLst>
-              <a:rect l="0" t="0" r="r" b="b"/>
-              <a:pathLst>
-                <a:path w="66" h="34">
-                  <a:moveTo>
-                    <a:pt x="53" y="33"/>
-                  </a:moveTo>
-                  <a:cubicBezTo>
-                    <a:pt x="47" y="33"/>
-                    <a:pt x="53" y="34"/>
-                    <a:pt x="39" y="33"/>
-                  </a:cubicBezTo>
-                  <a:cubicBezTo>
-                    <a:pt x="24" y="33"/>
-                    <a:pt x="21" y="33"/>
-                    <a:pt x="21" y="33"/>
-                  </a:cubicBezTo>
-                  <a:cubicBezTo>
-                    <a:pt x="12" y="32"/>
-                    <a:pt x="12" y="32"/>
-                    <a:pt x="12" y="32"/>
-                  </a:cubicBezTo>
-                  <a:cubicBezTo>
-                    <a:pt x="7" y="31"/>
-                    <a:pt x="4" y="30"/>
-                    <a:pt x="3" y="28"/>
-                  </a:cubicBezTo>
-                  <a:cubicBezTo>
-                    <a:pt x="1" y="26"/>
-                    <a:pt x="0" y="24"/>
-                    <a:pt x="0" y="21"/>
-                  </a:cubicBezTo>
-                  <a:cubicBezTo>
-                    <a:pt x="0" y="21"/>
-                    <a:pt x="0" y="19"/>
-                    <a:pt x="0" y="16"/>
-                  </a:cubicBezTo>
-                  <a:cubicBezTo>
-                    <a:pt x="0" y="13"/>
-                    <a:pt x="1" y="10"/>
-                    <a:pt x="3" y="7"/>
-                  </a:cubicBezTo>
-                  <a:cubicBezTo>
-                    <a:pt x="4" y="5"/>
-                    <a:pt x="7" y="3"/>
-                    <a:pt x="11" y="3"/>
-                  </a:cubicBezTo>
-                  <a:cubicBezTo>
-                    <a:pt x="16" y="2"/>
-                    <a:pt x="20" y="2"/>
-                    <a:pt x="23" y="2"/>
-                  </a:cubicBezTo>
-                  <a:cubicBezTo>
-                    <a:pt x="32" y="1"/>
-                    <a:pt x="37" y="0"/>
-                    <a:pt x="43" y="0"/>
-                  </a:cubicBezTo>
-                  <a:cubicBezTo>
-                    <a:pt x="48" y="0"/>
-                    <a:pt x="48" y="0"/>
-                    <a:pt x="48" y="0"/>
-                  </a:cubicBezTo>
-                  <a:cubicBezTo>
-                    <a:pt x="54" y="1"/>
-                    <a:pt x="59" y="3"/>
-                    <a:pt x="62" y="4"/>
-                  </a:cubicBezTo>
-                  <a:cubicBezTo>
-                    <a:pt x="65" y="6"/>
-                    <a:pt x="66" y="9"/>
-                    <a:pt x="66" y="13"/>
-                  </a:cubicBezTo>
-                  <a:cubicBezTo>
-                    <a:pt x="66" y="15"/>
-                    <a:pt x="66" y="17"/>
-                    <a:pt x="66" y="20"/>
-                  </a:cubicBezTo>
-                  <a:cubicBezTo>
-                    <a:pt x="65" y="23"/>
-                    <a:pt x="64" y="26"/>
-                    <a:pt x="62" y="29"/>
-                  </a:cubicBezTo>
-                  <a:cubicBezTo>
-                    <a:pt x="60" y="31"/>
-                    <a:pt x="57" y="32"/>
-                    <a:pt x="53" y="33"/>
-                  </a:cubicBezTo>
-                  <a:close/>
-                </a:path>
-              </a:pathLst>
-            </a:custGeom>
-            <a:solidFill>
-              <a:schemeClr val="accent2"/>
-            </a:solidFill>
-            <a:ln>
-              <a:noFill/>
-            </a:ln>
-          </p:spPr>
-          <p:txBody>
-            <a:bodyPr vert="horz" wrap="square" lIns="91440" tIns="45720" rIns="91440" bIns="45720" numCol="1" anchor="t" anchorCtr="0" compatLnSpc="1">
-              <a:prstTxWarp prst="textNoShape">
-                <a:avLst/>
-              </a:prstTxWarp>
-            </a:bodyPr>
-            <a:lstStyle/>
-            <a:p>
-              <a:endParaRPr lang="en-US">
-                <a:solidFill>
-                  <a:schemeClr val="accent3"/>
-                </a:solidFill>
-              </a:endParaRPr>
-            </a:p>
-          </p:txBody>
-        </p:sp>
-        <p:sp>
-          <p:nvSpPr>
-            <p:cNvPr id="35" name="Freeform 84">
-              <a:extLst>
-                <a:ext uri="{FF2B5EF4-FFF2-40B4-BE49-F238E27FC236}">
-                  <a16:creationId xmlns:a16="http://schemas.microsoft.com/office/drawing/2014/main" id="{270C485D-6BA8-4BF7-B72C-2B14A43A6648}"/>
-                </a:ext>
-                <a:ext uri="{C183D7F6-B498-43B3-948B-1728B52AA6E4}">
-                  <adec:decorative xmlns:adec="http://schemas.microsoft.com/office/drawing/2017/decorative" val="1"/>
-                </a:ext>
-              </a:extLst>
-            </p:cNvPr>
-            <p:cNvSpPr>
-              <a:spLocks/>
-            </p:cNvSpPr>
-            <p:nvPr>
-              <p:extLst>
-                <p:ext uri="{386F3935-93C4-4BCD-93E2-E3B085C9AB24}">
-                  <p16:designElem xmlns:p16="http://schemas.microsoft.com/office/powerpoint/2015/main" val="1"/>
-                </p:ext>
-              </p:extLst>
-            </p:nvPr>
-          </p:nvSpPr>
-          <p:spPr bwMode="auto">
-            <a:xfrm rot="6274527">
-              <a:off x="6910134" y="5062687"/>
-              <a:ext cx="647637" cy="678578"/>
-            </a:xfrm>
-            <a:custGeom>
-              <a:avLst/>
-              <a:gdLst>
-                <a:gd name="T0" fmla="*/ 4 w 57"/>
-                <a:gd name="T1" fmla="*/ 34 h 60"/>
-                <a:gd name="T2" fmla="*/ 17 w 57"/>
-                <a:gd name="T3" fmla="*/ 18 h 60"/>
-                <a:gd name="T4" fmla="*/ 26 w 57"/>
-                <a:gd name="T5" fmla="*/ 8 h 60"/>
-                <a:gd name="T6" fmla="*/ 29 w 57"/>
-                <a:gd name="T7" fmla="*/ 5 h 60"/>
-                <a:gd name="T8" fmla="*/ 41 w 57"/>
-                <a:gd name="T9" fmla="*/ 0 h 60"/>
-                <a:gd name="T10" fmla="*/ 51 w 57"/>
-                <a:gd name="T11" fmla="*/ 6 h 60"/>
-                <a:gd name="T12" fmla="*/ 56 w 57"/>
-                <a:gd name="T13" fmla="*/ 16 h 60"/>
-                <a:gd name="T14" fmla="*/ 51 w 57"/>
-                <a:gd name="T15" fmla="*/ 28 h 60"/>
-                <a:gd name="T16" fmla="*/ 29 w 57"/>
-                <a:gd name="T17" fmla="*/ 53 h 60"/>
-                <a:gd name="T18" fmla="*/ 17 w 57"/>
-                <a:gd name="T19" fmla="*/ 59 h 60"/>
-                <a:gd name="T20" fmla="*/ 5 w 57"/>
-                <a:gd name="T21" fmla="*/ 54 h 60"/>
-                <a:gd name="T22" fmla="*/ 0 w 57"/>
-                <a:gd name="T23" fmla="*/ 45 h 60"/>
-                <a:gd name="T24" fmla="*/ 4 w 57"/>
-                <a:gd name="T25" fmla="*/ 34 h 60"/>
-              </a:gdLst>
-              <a:ahLst/>
-              <a:cxnLst>
-                <a:cxn ang="0">
-                  <a:pos x="T0" y="T1"/>
-                </a:cxn>
-                <a:cxn ang="0">
-                  <a:pos x="T2" y="T3"/>
-                </a:cxn>
-                <a:cxn ang="0">
-                  <a:pos x="T4" y="T5"/>
-                </a:cxn>
-                <a:cxn ang="0">
-                  <a:pos x="T6" y="T7"/>
-                </a:cxn>
-                <a:cxn ang="0">
-                  <a:pos x="T8" y="T9"/>
-                </a:cxn>
-                <a:cxn ang="0">
-                  <a:pos x="T10" y="T11"/>
-                </a:cxn>
-                <a:cxn ang="0">
-                  <a:pos x="T12" y="T13"/>
-                </a:cxn>
-                <a:cxn ang="0">
-                  <a:pos x="T14" y="T15"/>
-                </a:cxn>
-                <a:cxn ang="0">
-                  <a:pos x="T16" y="T17"/>
-                </a:cxn>
-                <a:cxn ang="0">
-                  <a:pos x="T18" y="T19"/>
-                </a:cxn>
-                <a:cxn ang="0">
-                  <a:pos x="T20" y="T21"/>
-                </a:cxn>
-                <a:cxn ang="0">
-                  <a:pos x="T22" y="T23"/>
-                </a:cxn>
-                <a:cxn ang="0">
-                  <a:pos x="T24" y="T25"/>
-                </a:cxn>
-              </a:cxnLst>
-              <a:rect l="0" t="0" r="r" b="b"/>
-              <a:pathLst>
-                <a:path w="57" h="60">
-                  <a:moveTo>
-                    <a:pt x="4" y="34"/>
-                  </a:moveTo>
-                  <a:cubicBezTo>
-                    <a:pt x="5" y="33"/>
-                    <a:pt x="17" y="18"/>
-                    <a:pt x="17" y="18"/>
-                  </a:cubicBezTo>
-                  <a:cubicBezTo>
-                    <a:pt x="21" y="14"/>
-                    <a:pt x="24" y="10"/>
-                    <a:pt x="26" y="8"/>
-                  </a:cubicBezTo>
-                  <a:cubicBezTo>
-                    <a:pt x="29" y="5"/>
-                    <a:pt x="29" y="5"/>
-                    <a:pt x="29" y="5"/>
-                  </a:cubicBezTo>
-                  <a:cubicBezTo>
-                    <a:pt x="34" y="2"/>
-                    <a:pt x="38" y="0"/>
-                    <a:pt x="41" y="0"/>
-                  </a:cubicBezTo>
-                  <a:cubicBezTo>
-                    <a:pt x="44" y="1"/>
-                    <a:pt x="47" y="2"/>
-                    <a:pt x="51" y="6"/>
-                  </a:cubicBezTo>
-                  <a:cubicBezTo>
-                    <a:pt x="55" y="10"/>
-                    <a:pt x="57" y="13"/>
-                    <a:pt x="56" y="16"/>
-                  </a:cubicBezTo>
-                  <a:cubicBezTo>
-                    <a:pt x="56" y="19"/>
-                    <a:pt x="54" y="23"/>
-                    <a:pt x="51" y="28"/>
-                  </a:cubicBezTo>
-                  <a:cubicBezTo>
-                    <a:pt x="51" y="28"/>
-                    <a:pt x="33" y="48"/>
-                    <a:pt x="29" y="53"/>
-                  </a:cubicBezTo>
-                  <a:cubicBezTo>
-                    <a:pt x="25" y="57"/>
-                    <a:pt x="21" y="59"/>
-                    <a:pt x="17" y="59"/>
-                  </a:cubicBezTo>
-                  <a:cubicBezTo>
-                    <a:pt x="13" y="60"/>
-                    <a:pt x="9" y="58"/>
-                    <a:pt x="5" y="54"/>
-                  </a:cubicBezTo>
-                  <a:cubicBezTo>
-                    <a:pt x="2" y="51"/>
-                    <a:pt x="0" y="48"/>
-                    <a:pt x="0" y="45"/>
-                  </a:cubicBezTo>
-                  <a:cubicBezTo>
-                    <a:pt x="0" y="42"/>
-                    <a:pt x="2" y="38"/>
-                    <a:pt x="4" y="34"/>
-                  </a:cubicBezTo>
-                  <a:close/>
-                </a:path>
-              </a:pathLst>
-            </a:custGeom>
-            <a:solidFill>
-              <a:schemeClr val="accent2"/>
-            </a:solidFill>
-            <a:ln>
-              <a:noFill/>
-            </a:ln>
-          </p:spPr>
-          <p:txBody>
-            <a:bodyPr vert="horz" wrap="square" lIns="91440" tIns="45720" rIns="91440" bIns="45720" numCol="1" anchor="t" anchorCtr="0" compatLnSpc="1">
-              <a:prstTxWarp prst="textNoShape">
-                <a:avLst/>
-              </a:prstTxWarp>
-            </a:bodyPr>
-            <a:lstStyle/>
-            <a:p>
-              <a:endParaRPr lang="en-US">
-                <a:solidFill>
-                  <a:schemeClr val="accent3"/>
-                </a:solidFill>
-              </a:endParaRPr>
-            </a:p>
-          </p:txBody>
-        </p:sp>
-        <p:sp>
-          <p:nvSpPr>
-            <p:cNvPr id="36" name="Freeform 87">
-              <a:extLst>
-                <a:ext uri="{FF2B5EF4-FFF2-40B4-BE49-F238E27FC236}">
-                  <a16:creationId xmlns:a16="http://schemas.microsoft.com/office/drawing/2014/main" id="{79239B91-4327-43B3-AED5-CB9EC1653B47}"/>
-                </a:ext>
-                <a:ext uri="{C183D7F6-B498-43B3-948B-1728B52AA6E4}">
-                  <adec:decorative xmlns:adec="http://schemas.microsoft.com/office/drawing/2017/decorative" val="1"/>
-                </a:ext>
-              </a:extLst>
-            </p:cNvPr>
-            <p:cNvSpPr>
-              <a:spLocks/>
-            </p:cNvSpPr>
-            <p:nvPr>
-              <p:extLst>
-                <p:ext uri="{386F3935-93C4-4BCD-93E2-E3B085C9AB24}">
-                  <p16:designElem xmlns:p16="http://schemas.microsoft.com/office/powerpoint/2015/main" val="1"/>
-                </p:ext>
-              </p:extLst>
-            </p:nvPr>
-          </p:nvSpPr>
-          <p:spPr bwMode="auto">
-            <a:xfrm rot="4430858">
-              <a:off x="4571743" y="5071596"/>
-              <a:ext cx="626472" cy="670149"/>
-            </a:xfrm>
-            <a:custGeom>
-              <a:avLst/>
-              <a:gdLst>
-                <a:gd name="T0" fmla="*/ 0 w 55"/>
-                <a:gd name="T1" fmla="*/ 17 h 59"/>
-                <a:gd name="T2" fmla="*/ 1 w 55"/>
-                <a:gd name="T3" fmla="*/ 11 h 59"/>
-                <a:gd name="T4" fmla="*/ 4 w 55"/>
-                <a:gd name="T5" fmla="*/ 6 h 59"/>
-                <a:gd name="T6" fmla="*/ 7 w 55"/>
-                <a:gd name="T7" fmla="*/ 4 h 59"/>
-                <a:gd name="T8" fmla="*/ 14 w 55"/>
-                <a:gd name="T9" fmla="*/ 0 h 59"/>
-                <a:gd name="T10" fmla="*/ 23 w 55"/>
-                <a:gd name="T11" fmla="*/ 3 h 59"/>
-                <a:gd name="T12" fmla="*/ 31 w 55"/>
-                <a:gd name="T13" fmla="*/ 11 h 59"/>
-                <a:gd name="T14" fmla="*/ 38 w 55"/>
-                <a:gd name="T15" fmla="*/ 20 h 59"/>
-                <a:gd name="T16" fmla="*/ 48 w 55"/>
-                <a:gd name="T17" fmla="*/ 31 h 59"/>
-                <a:gd name="T18" fmla="*/ 55 w 55"/>
-                <a:gd name="T19" fmla="*/ 43 h 59"/>
-                <a:gd name="T20" fmla="*/ 49 w 55"/>
-                <a:gd name="T21" fmla="*/ 55 h 59"/>
-                <a:gd name="T22" fmla="*/ 38 w 55"/>
-                <a:gd name="T23" fmla="*/ 59 h 59"/>
-                <a:gd name="T24" fmla="*/ 33 w 55"/>
-                <a:gd name="T25" fmla="*/ 58 h 59"/>
-                <a:gd name="T26" fmla="*/ 26 w 55"/>
-                <a:gd name="T27" fmla="*/ 53 h 59"/>
-                <a:gd name="T28" fmla="*/ 5 w 55"/>
-                <a:gd name="T29" fmla="*/ 27 h 59"/>
-                <a:gd name="T30" fmla="*/ 0 w 55"/>
-                <a:gd name="T31" fmla="*/ 17 h 59"/>
-              </a:gdLst>
-              <a:ahLst/>
-              <a:cxnLst>
-                <a:cxn ang="0">
-                  <a:pos x="T0" y="T1"/>
-                </a:cxn>
-                <a:cxn ang="0">
-                  <a:pos x="T2" y="T3"/>
-                </a:cxn>
-                <a:cxn ang="0">
-                  <a:pos x="T4" y="T5"/>
-                </a:cxn>
-                <a:cxn ang="0">
-                  <a:pos x="T6" y="T7"/>
-                </a:cxn>
-                <a:cxn ang="0">
-                  <a:pos x="T8" y="T9"/>
-                </a:cxn>
-                <a:cxn ang="0">
-                  <a:pos x="T10" y="T11"/>
-                </a:cxn>
-                <a:cxn ang="0">
-                  <a:pos x="T12" y="T13"/>
-                </a:cxn>
-                <a:cxn ang="0">
-                  <a:pos x="T14" y="T15"/>
-                </a:cxn>
-                <a:cxn ang="0">
-                  <a:pos x="T16" y="T17"/>
-                </a:cxn>
-                <a:cxn ang="0">
-                  <a:pos x="T18" y="T19"/>
-                </a:cxn>
-                <a:cxn ang="0">
-                  <a:pos x="T20" y="T21"/>
-                </a:cxn>
-                <a:cxn ang="0">
-                  <a:pos x="T22" y="T23"/>
-                </a:cxn>
-                <a:cxn ang="0">
-                  <a:pos x="T24" y="T25"/>
-                </a:cxn>
-                <a:cxn ang="0">
-                  <a:pos x="T26" y="T27"/>
-                </a:cxn>
-                <a:cxn ang="0">
-                  <a:pos x="T28" y="T29"/>
-                </a:cxn>
-                <a:cxn ang="0">
-                  <a:pos x="T30" y="T31"/>
-                </a:cxn>
-              </a:cxnLst>
-              <a:rect l="0" t="0" r="r" b="b"/>
-              <a:pathLst>
-                <a:path w="55" h="59">
-                  <a:moveTo>
-                    <a:pt x="0" y="17"/>
-                  </a:moveTo>
-                  <a:cubicBezTo>
-                    <a:pt x="0" y="14"/>
-                    <a:pt x="0" y="12"/>
-                    <a:pt x="1" y="11"/>
-                  </a:cubicBezTo>
-                  <a:cubicBezTo>
-                    <a:pt x="2" y="9"/>
-                    <a:pt x="3" y="8"/>
-                    <a:pt x="4" y="6"/>
-                  </a:cubicBezTo>
-                  <a:cubicBezTo>
-                    <a:pt x="6" y="5"/>
-                    <a:pt x="7" y="4"/>
-                    <a:pt x="7" y="4"/>
-                  </a:cubicBezTo>
-                  <a:cubicBezTo>
-                    <a:pt x="9" y="2"/>
-                    <a:pt x="12" y="1"/>
-                    <a:pt x="14" y="0"/>
-                  </a:cubicBezTo>
-                  <a:cubicBezTo>
-                    <a:pt x="17" y="0"/>
-                    <a:pt x="20" y="1"/>
-                    <a:pt x="23" y="3"/>
-                  </a:cubicBezTo>
-                  <a:cubicBezTo>
-                    <a:pt x="26" y="4"/>
-                    <a:pt x="29" y="7"/>
-                    <a:pt x="31" y="11"/>
-                  </a:cubicBezTo>
-                  <a:cubicBezTo>
-                    <a:pt x="38" y="20"/>
-                    <a:pt x="38" y="20"/>
-                    <a:pt x="38" y="20"/>
-                  </a:cubicBezTo>
-                  <a:cubicBezTo>
-                    <a:pt x="48" y="31"/>
-                    <a:pt x="48" y="31"/>
-                    <a:pt x="48" y="31"/>
-                  </a:cubicBezTo>
-                  <a:cubicBezTo>
-                    <a:pt x="52" y="36"/>
-                    <a:pt x="54" y="40"/>
-                    <a:pt x="55" y="43"/>
-                  </a:cubicBezTo>
-                  <a:cubicBezTo>
-                    <a:pt x="55" y="47"/>
-                    <a:pt x="54" y="52"/>
-                    <a:pt x="49" y="55"/>
-                  </a:cubicBezTo>
-                  <a:cubicBezTo>
-                    <a:pt x="45" y="58"/>
-                    <a:pt x="41" y="59"/>
-                    <a:pt x="38" y="59"/>
-                  </a:cubicBezTo>
-                  <a:cubicBezTo>
-                    <a:pt x="37" y="59"/>
-                    <a:pt x="35" y="59"/>
-                    <a:pt x="33" y="58"/>
-                  </a:cubicBezTo>
-                  <a:cubicBezTo>
-                    <a:pt x="31" y="57"/>
-                    <a:pt x="29" y="55"/>
-                    <a:pt x="26" y="53"/>
-                  </a:cubicBezTo>
-                  <a:cubicBezTo>
-                    <a:pt x="23" y="50"/>
-                    <a:pt x="5" y="27"/>
-                    <a:pt x="5" y="27"/>
-                  </a:cubicBezTo>
-                  <a:cubicBezTo>
-                    <a:pt x="2" y="23"/>
-                    <a:pt x="0" y="19"/>
-                    <a:pt x="0" y="17"/>
-                  </a:cubicBezTo>
-                  <a:close/>
-                </a:path>
-              </a:pathLst>
-            </a:custGeom>
-            <a:solidFill>
-              <a:schemeClr val="accent2"/>
-            </a:solidFill>
-            <a:ln>
-              <a:noFill/>
-            </a:ln>
-          </p:spPr>
-          <p:txBody>
-            <a:bodyPr vert="horz" wrap="square" lIns="91440" tIns="45720" rIns="91440" bIns="45720" numCol="1" anchor="t" anchorCtr="0" compatLnSpc="1">
-              <a:prstTxWarp prst="textNoShape">
-                <a:avLst/>
-              </a:prstTxWarp>
-            </a:bodyPr>
-            <a:lstStyle/>
-            <a:p>
-              <a:endParaRPr lang="en-US">
-                <a:solidFill>
-                  <a:schemeClr val="accent3"/>
-                </a:solidFill>
-              </a:endParaRPr>
-            </a:p>
-          </p:txBody>
-        </p:sp>
-      </p:grpSp>
-      <p:pic>
-        <p:nvPicPr>
-          <p:cNvPr id="5" name="Picture 4">
-            <a:extLst>
-              <a:ext uri="{FF2B5EF4-FFF2-40B4-BE49-F238E27FC236}">
-                <a16:creationId xmlns:a16="http://schemas.microsoft.com/office/drawing/2014/main" id="{82F98530-1ADA-CDED-883C-F20EA3A099CA}"/>
-              </a:ext>
-            </a:extLst>
-          </p:cNvPr>
-          <p:cNvPicPr>
-            <a:picLocks noChangeAspect="1"/>
-          </p:cNvPicPr>
-          <p:nvPr/>
-        </p:nvPicPr>
-        <p:blipFill>
-          <a:blip r:embed="rId2"/>
-          <a:stretch>
-            <a:fillRect/>
-          </a:stretch>
-        </p:blipFill>
-        <p:spPr>
-          <a:xfrm>
-            <a:off x="5166714" y="526382"/>
-            <a:ext cx="6870104" cy="5805236"/>
-          </a:xfrm>
-          <a:custGeom>
-            <a:avLst/>
-            <a:gdLst/>
-            <a:ahLst/>
-            <a:cxnLst/>
-            <a:rect l="l" t="t" r="r" b="b"/>
-            <a:pathLst>
-              <a:path w="5014800" h="5409338">
-                <a:moveTo>
-                  <a:pt x="0" y="0"/>
-                </a:moveTo>
-                <a:lnTo>
-                  <a:pt x="5014800" y="0"/>
-                </a:lnTo>
-                <a:lnTo>
-                  <a:pt x="5014800" y="5409338"/>
-                </a:lnTo>
-                <a:lnTo>
-                  <a:pt x="0" y="5409338"/>
-                </a:lnTo>
-                <a:close/>
-              </a:path>
-            </a:pathLst>
-          </a:custGeom>
-        </p:spPr>
-      </p:pic>
-    </p:spTree>
-    <p:extLst>
-      <p:ext uri="{BB962C8B-B14F-4D97-AF65-F5344CB8AC3E}">
-        <p14:creationId xmlns:p14="http://schemas.microsoft.com/office/powerpoint/2010/main" val="741004414"/>
-      </p:ext>
-    </p:extLst>
-  </p:cSld>
-  <p:clrMapOvr>
-    <a:masterClrMapping/>
-  </p:clrMapOvr>
-</p:sld>
-</file>
-
-<file path=ppt/slides/slide8.xml><?xml version="1.0" encoding="utf-8"?>
-<p:sld xmlns:a="http://schemas.openxmlformats.org/drawingml/2006/main" xmlns:r="http://schemas.openxmlformats.org/officeDocument/2006/relationships" xmlns:p="http://schemas.openxmlformats.org/presentationml/2006/main">
-  <p:cSld>
-    <p:bg>
-      <p:bgPr>
-        <a:solidFill>
-          <a:schemeClr val="bg2"/>
-        </a:solidFill>
-        <a:effectLst/>
-      </p:bgPr>
-    </p:bg>
-    <p:spTree>
-      <p:nvGrpSpPr>
-        <p:cNvPr id="1" name=""/>
-        <p:cNvGrpSpPr/>
-        <p:nvPr/>
-      </p:nvGrpSpPr>
-      <p:grpSpPr>
-        <a:xfrm>
-          <a:off x="0" y="0"/>
-          <a:ext cx="0" cy="0"/>
-          <a:chOff x="0" y="0"/>
-          <a:chExt cx="0" cy="0"/>
-        </a:xfrm>
-      </p:grpSpPr>
-      <p:sp>
-        <p:nvSpPr>
-          <p:cNvPr id="57" name="Rectangle 56">
-            <a:extLst>
-              <a:ext uri="{FF2B5EF4-FFF2-40B4-BE49-F238E27FC236}">
-                <a16:creationId xmlns:a16="http://schemas.microsoft.com/office/drawing/2014/main" id="{09646535-AEF6-4883-A4F9-EEC1F8B4319E}"/>
-              </a:ext>
-              <a:ext uri="{C183D7F6-B498-43B3-948B-1728B52AA6E4}">
-                <adec:decorative xmlns:adec="http://schemas.microsoft.com/office/drawing/2017/decorative" val="1"/>
-              </a:ext>
-            </a:extLst>
-          </p:cNvPr>
-          <p:cNvSpPr>
-            <a:spLocks noGrp="1" noRot="1" noChangeAspect="1" noMove="1" noResize="1" noEditPoints="1" noAdjustHandles="1" noChangeArrowheads="1" noChangeShapeType="1" noTextEdit="1"/>
-          </p:cNvSpPr>
-          <p:nvPr>
-            <p:extLst>
-              <p:ext uri="{386F3935-93C4-4BCD-93E2-E3B085C9AB24}">
-                <p16:designElem xmlns:p16="http://schemas.microsoft.com/office/powerpoint/2015/main" val="1"/>
-              </p:ext>
-            </p:extLst>
-          </p:nvPr>
-        </p:nvSpPr>
-        <p:spPr>
-          <a:xfrm>
-            <a:off x="0" y="0"/>
-            <a:ext cx="12192000" cy="6858000"/>
-          </a:xfrm>
-          <a:prstGeom prst="rect">
-            <a:avLst/>
-          </a:prstGeom>
-          <a:solidFill>
-            <a:schemeClr val="bg2">
-              <a:lumMod val="90000"/>
-              <a:lumOff val="10000"/>
-            </a:schemeClr>
-          </a:solidFill>
-          <a:ln w="12700" cap="flat" cmpd="sng" algn="ctr">
-            <a:noFill/>
-            <a:prstDash val="solid"/>
-            <a:miter lim="800000"/>
-          </a:ln>
-          <a:effectLst/>
-        </p:spPr>
-        <p:style>
-          <a:lnRef idx="2">
-            <a:schemeClr val="accent1">
-              <a:shade val="50000"/>
-            </a:schemeClr>
-          </a:lnRef>
-          <a:fillRef idx="1">
-            <a:schemeClr val="accent1"/>
-          </a:fillRef>
-          <a:effectRef idx="0">
-            <a:schemeClr val="accent1"/>
-          </a:effectRef>
-          <a:fontRef idx="minor">
-            <a:schemeClr val="lt1"/>
-          </a:fontRef>
-        </p:style>
-        <p:txBody>
-          <a:bodyPr rtlCol="0" anchor="ctr"/>
-          <a:lstStyle/>
-          <a:p>
-            <a:pPr algn="ctr"/>
-            <a:endParaRPr lang="en-US"/>
-          </a:p>
-        </p:txBody>
-      </p:sp>
-      <p:sp useBgFill="1">
-        <p:nvSpPr>
-          <p:cNvPr id="58" name="Rectangle 57">
-            <a:extLst>
-              <a:ext uri="{FF2B5EF4-FFF2-40B4-BE49-F238E27FC236}">
-                <a16:creationId xmlns:a16="http://schemas.microsoft.com/office/drawing/2014/main" id="{74E3E963-7ADC-4469-A079-F78B0BC6F60C}"/>
-              </a:ext>
-              <a:ext uri="{C183D7F6-B498-43B3-948B-1728B52AA6E4}">
-                <adec:decorative xmlns:adec="http://schemas.microsoft.com/office/drawing/2017/decorative" val="1"/>
-              </a:ext>
-            </a:extLst>
-          </p:cNvPr>
-          <p:cNvSpPr>
-            <a:spLocks noGrp="1" noRot="1" noChangeAspect="1" noMove="1" noResize="1" noEditPoints="1" noAdjustHandles="1" noChangeArrowheads="1" noChangeShapeType="1" noTextEdit="1"/>
-          </p:cNvSpPr>
-          <p:nvPr>
-            <p:extLst>
-              <p:ext uri="{386F3935-93C4-4BCD-93E2-E3B085C9AB24}">
-                <p16:designElem xmlns:p16="http://schemas.microsoft.com/office/powerpoint/2015/main" val="1"/>
-              </p:ext>
-            </p:extLst>
-          </p:nvPr>
-        </p:nvSpPr>
-        <p:spPr>
-          <a:xfrm>
-            <a:off x="0" y="0"/>
-            <a:ext cx="12192000" cy="6858000"/>
-          </a:xfrm>
-          <a:prstGeom prst="rect">
-            <a:avLst/>
-          </a:prstGeom>
-          <a:ln w="12700" cap="flat" cmpd="sng" algn="ctr">
-            <a:noFill/>
-            <a:prstDash val="solid"/>
-            <a:miter lim="800000"/>
-          </a:ln>
-          <a:effectLst/>
-        </p:spPr>
-        <p:style>
-          <a:lnRef idx="2">
-            <a:schemeClr val="accent1">
-              <a:shade val="50000"/>
-            </a:schemeClr>
-          </a:lnRef>
-          <a:fillRef idx="1">
-            <a:schemeClr val="accent1"/>
-          </a:fillRef>
-          <a:effectRef idx="0">
-            <a:schemeClr val="accent1"/>
-          </a:effectRef>
-          <a:fontRef idx="minor">
-            <a:schemeClr val="lt1"/>
-          </a:fontRef>
-        </p:style>
-        <p:txBody>
-          <a:bodyPr rtlCol="0" anchor="ctr"/>
-          <a:lstStyle/>
-          <a:p>
-            <a:pPr algn="ctr"/>
-            <a:endParaRPr lang="en-US"/>
-          </a:p>
-        </p:txBody>
-      </p:sp>
-      <p:sp>
-        <p:nvSpPr>
-          <p:cNvPr id="59" name="Rectangle 58">
-            <a:extLst>
-              <a:ext uri="{FF2B5EF4-FFF2-40B4-BE49-F238E27FC236}">
-                <a16:creationId xmlns:a16="http://schemas.microsoft.com/office/drawing/2014/main" id="{C864DEA4-D6B8-4DEF-B1D0-6D5672FA8D22}"/>
-              </a:ext>
-              <a:ext uri="{C183D7F6-B498-43B3-948B-1728B52AA6E4}">
-                <adec:decorative xmlns:adec="http://schemas.microsoft.com/office/drawing/2017/decorative" val="1"/>
-              </a:ext>
-            </a:extLst>
-          </p:cNvPr>
-          <p:cNvSpPr>
-            <a:spLocks noGrp="1" noRot="1" noChangeAspect="1" noMove="1" noResize="1" noEditPoints="1" noAdjustHandles="1" noChangeArrowheads="1" noChangeShapeType="1" noTextEdit="1"/>
-          </p:cNvSpPr>
-          <p:nvPr>
-            <p:extLst>
-              <p:ext uri="{386F3935-93C4-4BCD-93E2-E3B085C9AB24}">
-                <p16:designElem xmlns:p16="http://schemas.microsoft.com/office/powerpoint/2015/main" val="1"/>
-              </p:ext>
-            </p:extLst>
-          </p:nvPr>
-        </p:nvSpPr>
-        <p:spPr>
-          <a:xfrm>
-            <a:off x="0" y="0"/>
-            <a:ext cx="12192000" cy="6858000"/>
-          </a:xfrm>
-          <a:prstGeom prst="rect">
-            <a:avLst/>
-          </a:prstGeom>
-          <a:solidFill>
-            <a:schemeClr val="bg2">
-              <a:lumMod val="90000"/>
-              <a:lumOff val="10000"/>
-            </a:schemeClr>
-          </a:solidFill>
-          <a:ln w="12700" cap="flat" cmpd="sng" algn="ctr">
-            <a:noFill/>
-            <a:prstDash val="solid"/>
-            <a:miter lim="800000"/>
-          </a:ln>
-          <a:effectLst/>
-        </p:spPr>
-        <p:style>
-          <a:lnRef idx="2">
-            <a:schemeClr val="accent1">
-              <a:shade val="50000"/>
-            </a:schemeClr>
-          </a:lnRef>
-          <a:fillRef idx="1">
-            <a:schemeClr val="accent1"/>
-          </a:fillRef>
-          <a:effectRef idx="0">
-            <a:schemeClr val="accent1"/>
-          </a:effectRef>
-          <a:fontRef idx="minor">
-            <a:schemeClr val="lt1"/>
-          </a:fontRef>
-        </p:style>
-        <p:txBody>
-          <a:bodyPr rtlCol="0" anchor="ctr"/>
-          <a:lstStyle/>
-          <a:p>
-            <a:pPr algn="ctr"/>
-            <a:endParaRPr lang="en-US"/>
-          </a:p>
-        </p:txBody>
-      </p:sp>
-      <p:sp>
-        <p:nvSpPr>
-          <p:cNvPr id="2" name="Title 1">
-            <a:extLst>
-              <a:ext uri="{FF2B5EF4-FFF2-40B4-BE49-F238E27FC236}">
-                <a16:creationId xmlns:a16="http://schemas.microsoft.com/office/drawing/2014/main" id="{FE261C0D-7D9B-F2FB-A364-A7213ABADCBD}"/>
-              </a:ext>
-            </a:extLst>
-          </p:cNvPr>
-          <p:cNvSpPr>
-            <a:spLocks noGrp="1"/>
-          </p:cNvSpPr>
-          <p:nvPr>
-            <p:ph type="title"/>
-          </p:nvPr>
-        </p:nvSpPr>
-        <p:spPr>
-          <a:xfrm>
-            <a:off x="6480000" y="1554630"/>
-            <a:ext cx="5015638" cy="1969770"/>
-          </a:xfrm>
-        </p:spPr>
-        <p:txBody>
-          <a:bodyPr vert="horz" wrap="square" lIns="0" tIns="0" rIns="0" bIns="0" rtlCol="0" anchor="b" anchorCtr="0">
-            <a:normAutofit/>
-          </a:bodyPr>
-          <a:lstStyle/>
-          <a:p>
-            <a:pPr algn="ctr"/>
-            <a:r>
-              <a:rPr lang="en-US" sz="5600" spc="-100" dirty="0"/>
-              <a:t>Test Driven Development</a:t>
-            </a:r>
-          </a:p>
-        </p:txBody>
-      </p:sp>
-      <p:grpSp>
-        <p:nvGrpSpPr>
-          <p:cNvPr id="60" name="Group 59">
-            <a:extLst>
-              <a:ext uri="{FF2B5EF4-FFF2-40B4-BE49-F238E27FC236}">
-                <a16:creationId xmlns:a16="http://schemas.microsoft.com/office/drawing/2014/main" id="{3C9AA14C-80A4-427C-A911-28CD20C56E5E}"/>
-              </a:ext>
-              <a:ext uri="{C183D7F6-B498-43B3-948B-1728B52AA6E4}">
-                <adec:decorative xmlns:adec="http://schemas.microsoft.com/office/drawing/2017/decorative" val="1"/>
-              </a:ext>
-            </a:extLst>
-          </p:cNvPr>
-          <p:cNvGrpSpPr>
-            <a:grpSpLocks noGrp="1" noUngrp="1" noRot="1" noChangeAspect="1" noMove="1" noResize="1"/>
-          </p:cNvGrpSpPr>
-          <p:nvPr>
-            <p:extLst>
-              <p:ext uri="{386F3935-93C4-4BCD-93E2-E3B085C9AB24}">
-                <p16:designElem xmlns:p16="http://schemas.microsoft.com/office/powerpoint/2015/main" val="1"/>
-              </p:ext>
-            </p:extLst>
-          </p:nvPr>
-        </p:nvGrpSpPr>
-        <p:grpSpPr>
-          <a:xfrm rot="10800000">
-            <a:off x="7909203" y="317452"/>
-            <a:ext cx="2117174" cy="588806"/>
-            <a:chOff x="4549904" y="5078157"/>
-            <a:chExt cx="3023338" cy="840818"/>
-          </a:xfrm>
-        </p:grpSpPr>
-        <p:sp>
-          <p:nvSpPr>
-            <p:cNvPr id="61" name="Freeform 80">
-              <a:extLst>
-                <a:ext uri="{FF2B5EF4-FFF2-40B4-BE49-F238E27FC236}">
-                  <a16:creationId xmlns:a16="http://schemas.microsoft.com/office/drawing/2014/main" id="{EF32CDAF-4619-4949-9516-1E042181EBF3}"/>
-                </a:ext>
-                <a:ext uri="{C183D7F6-B498-43B3-948B-1728B52AA6E4}">
-                  <adec:decorative xmlns:adec="http://schemas.microsoft.com/office/drawing/2017/decorative" val="1"/>
-                </a:ext>
-              </a:extLst>
-            </p:cNvPr>
-            <p:cNvSpPr>
-              <a:spLocks/>
-            </p:cNvSpPr>
-            <p:nvPr>
-              <p:extLst>
-                <p:ext uri="{386F3935-93C4-4BCD-93E2-E3B085C9AB24}">
-                  <p16:designElem xmlns:p16="http://schemas.microsoft.com/office/powerpoint/2015/main" val="1"/>
-                </p:ext>
-              </p:extLst>
-            </p:nvPr>
-          </p:nvSpPr>
-          <p:spPr bwMode="auto">
-            <a:xfrm rot="5400000">
-              <a:off x="5690691" y="5352589"/>
-              <a:ext cx="749228" cy="383544"/>
-            </a:xfrm>
-            <a:custGeom>
-              <a:avLst/>
-              <a:gdLst>
-                <a:gd name="T0" fmla="*/ 53 w 66"/>
-                <a:gd name="T1" fmla="*/ 33 h 34"/>
-                <a:gd name="T2" fmla="*/ 39 w 66"/>
-                <a:gd name="T3" fmla="*/ 33 h 34"/>
-                <a:gd name="T4" fmla="*/ 21 w 66"/>
-                <a:gd name="T5" fmla="*/ 33 h 34"/>
-                <a:gd name="T6" fmla="*/ 12 w 66"/>
-                <a:gd name="T7" fmla="*/ 32 h 34"/>
-                <a:gd name="T8" fmla="*/ 3 w 66"/>
-                <a:gd name="T9" fmla="*/ 28 h 34"/>
-                <a:gd name="T10" fmla="*/ 0 w 66"/>
-                <a:gd name="T11" fmla="*/ 21 h 34"/>
-                <a:gd name="T12" fmla="*/ 0 w 66"/>
-                <a:gd name="T13" fmla="*/ 16 h 34"/>
-                <a:gd name="T14" fmla="*/ 3 w 66"/>
-                <a:gd name="T15" fmla="*/ 7 h 34"/>
-                <a:gd name="T16" fmla="*/ 11 w 66"/>
-                <a:gd name="T17" fmla="*/ 3 h 34"/>
-                <a:gd name="T18" fmla="*/ 23 w 66"/>
-                <a:gd name="T19" fmla="*/ 2 h 34"/>
-                <a:gd name="T20" fmla="*/ 43 w 66"/>
-                <a:gd name="T21" fmla="*/ 0 h 34"/>
-                <a:gd name="T22" fmla="*/ 48 w 66"/>
-                <a:gd name="T23" fmla="*/ 0 h 34"/>
-                <a:gd name="T24" fmla="*/ 62 w 66"/>
-                <a:gd name="T25" fmla="*/ 4 h 34"/>
-                <a:gd name="T26" fmla="*/ 66 w 66"/>
-                <a:gd name="T27" fmla="*/ 13 h 34"/>
-                <a:gd name="T28" fmla="*/ 66 w 66"/>
-                <a:gd name="T29" fmla="*/ 20 h 34"/>
-                <a:gd name="T30" fmla="*/ 62 w 66"/>
-                <a:gd name="T31" fmla="*/ 29 h 34"/>
-                <a:gd name="T32" fmla="*/ 53 w 66"/>
-                <a:gd name="T33" fmla="*/ 33 h 34"/>
-              </a:gdLst>
-              <a:ahLst/>
-              <a:cxnLst>
-                <a:cxn ang="0">
-                  <a:pos x="T0" y="T1"/>
-                </a:cxn>
-                <a:cxn ang="0">
-                  <a:pos x="T2" y="T3"/>
-                </a:cxn>
-                <a:cxn ang="0">
-                  <a:pos x="T4" y="T5"/>
-                </a:cxn>
-                <a:cxn ang="0">
-                  <a:pos x="T6" y="T7"/>
-                </a:cxn>
-                <a:cxn ang="0">
-                  <a:pos x="T8" y="T9"/>
-                </a:cxn>
-                <a:cxn ang="0">
-                  <a:pos x="T10" y="T11"/>
-                </a:cxn>
-                <a:cxn ang="0">
-                  <a:pos x="T12" y="T13"/>
-                </a:cxn>
-                <a:cxn ang="0">
-                  <a:pos x="T14" y="T15"/>
-                </a:cxn>
-                <a:cxn ang="0">
-                  <a:pos x="T16" y="T17"/>
-                </a:cxn>
-                <a:cxn ang="0">
-                  <a:pos x="T18" y="T19"/>
-                </a:cxn>
-                <a:cxn ang="0">
-                  <a:pos x="T20" y="T21"/>
-                </a:cxn>
-                <a:cxn ang="0">
-                  <a:pos x="T22" y="T23"/>
-                </a:cxn>
-                <a:cxn ang="0">
-                  <a:pos x="T24" y="T25"/>
-                </a:cxn>
-                <a:cxn ang="0">
-                  <a:pos x="T26" y="T27"/>
-                </a:cxn>
-                <a:cxn ang="0">
-                  <a:pos x="T28" y="T29"/>
-                </a:cxn>
-                <a:cxn ang="0">
-                  <a:pos x="T30" y="T31"/>
-                </a:cxn>
-                <a:cxn ang="0">
-                  <a:pos x="T32" y="T33"/>
-                </a:cxn>
-              </a:cxnLst>
-              <a:rect l="0" t="0" r="r" b="b"/>
-              <a:pathLst>
-                <a:path w="66" h="34">
-                  <a:moveTo>
-                    <a:pt x="53" y="33"/>
-                  </a:moveTo>
-                  <a:cubicBezTo>
-                    <a:pt x="47" y="33"/>
-                    <a:pt x="53" y="34"/>
-                    <a:pt x="39" y="33"/>
-                  </a:cubicBezTo>
-                  <a:cubicBezTo>
-                    <a:pt x="24" y="33"/>
-                    <a:pt x="21" y="33"/>
-                    <a:pt x="21" y="33"/>
-                  </a:cubicBezTo>
-                  <a:cubicBezTo>
-                    <a:pt x="12" y="32"/>
-                    <a:pt x="12" y="32"/>
-                    <a:pt x="12" y="32"/>
-                  </a:cubicBezTo>
-                  <a:cubicBezTo>
-                    <a:pt x="7" y="31"/>
-                    <a:pt x="4" y="30"/>
-                    <a:pt x="3" y="28"/>
-                  </a:cubicBezTo>
-                  <a:cubicBezTo>
-                    <a:pt x="1" y="26"/>
-                    <a:pt x="0" y="24"/>
-                    <a:pt x="0" y="21"/>
-                  </a:cubicBezTo>
-                  <a:cubicBezTo>
-                    <a:pt x="0" y="21"/>
-                    <a:pt x="0" y="19"/>
-                    <a:pt x="0" y="16"/>
-                  </a:cubicBezTo>
-                  <a:cubicBezTo>
-                    <a:pt x="0" y="13"/>
-                    <a:pt x="1" y="10"/>
-                    <a:pt x="3" y="7"/>
-                  </a:cubicBezTo>
-                  <a:cubicBezTo>
-                    <a:pt x="4" y="5"/>
-                    <a:pt x="7" y="3"/>
-                    <a:pt x="11" y="3"/>
-                  </a:cubicBezTo>
-                  <a:cubicBezTo>
-                    <a:pt x="16" y="2"/>
-                    <a:pt x="20" y="2"/>
-                    <a:pt x="23" y="2"/>
-                  </a:cubicBezTo>
-                  <a:cubicBezTo>
-                    <a:pt x="32" y="1"/>
-                    <a:pt x="37" y="0"/>
-                    <a:pt x="43" y="0"/>
-                  </a:cubicBezTo>
-                  <a:cubicBezTo>
-                    <a:pt x="48" y="0"/>
-                    <a:pt x="48" y="0"/>
-                    <a:pt x="48" y="0"/>
-                  </a:cubicBezTo>
-                  <a:cubicBezTo>
-                    <a:pt x="54" y="1"/>
-                    <a:pt x="59" y="3"/>
-                    <a:pt x="62" y="4"/>
-                  </a:cubicBezTo>
-                  <a:cubicBezTo>
-                    <a:pt x="65" y="6"/>
-                    <a:pt x="66" y="9"/>
-                    <a:pt x="66" y="13"/>
-                  </a:cubicBezTo>
-                  <a:cubicBezTo>
-                    <a:pt x="66" y="15"/>
-                    <a:pt x="66" y="17"/>
-                    <a:pt x="66" y="20"/>
-                  </a:cubicBezTo>
-                  <a:cubicBezTo>
-                    <a:pt x="65" y="23"/>
-                    <a:pt x="64" y="26"/>
-                    <a:pt x="62" y="29"/>
-                  </a:cubicBezTo>
-                  <a:cubicBezTo>
-                    <a:pt x="60" y="31"/>
-                    <a:pt x="57" y="32"/>
-                    <a:pt x="53" y="33"/>
-                  </a:cubicBezTo>
-                  <a:close/>
-                </a:path>
-              </a:pathLst>
-            </a:custGeom>
-            <a:solidFill>
-              <a:schemeClr val="accent2"/>
-            </a:solidFill>
-            <a:ln>
-              <a:noFill/>
-            </a:ln>
-          </p:spPr>
-          <p:txBody>
-            <a:bodyPr vert="horz" wrap="square" lIns="91440" tIns="45720" rIns="91440" bIns="45720" numCol="1" anchor="t" anchorCtr="0" compatLnSpc="1">
-              <a:prstTxWarp prst="textNoShape">
-                <a:avLst/>
-              </a:prstTxWarp>
-            </a:bodyPr>
-            <a:lstStyle/>
-            <a:p>
-              <a:endParaRPr lang="en-US">
-                <a:solidFill>
-                  <a:schemeClr val="accent3"/>
-                </a:solidFill>
-              </a:endParaRPr>
-            </a:p>
-          </p:txBody>
-        </p:sp>
-        <p:sp>
-          <p:nvSpPr>
-            <p:cNvPr id="62" name="Freeform 84">
-              <a:extLst>
-                <a:ext uri="{FF2B5EF4-FFF2-40B4-BE49-F238E27FC236}">
-                  <a16:creationId xmlns:a16="http://schemas.microsoft.com/office/drawing/2014/main" id="{270C485D-6BA8-4BF7-B72C-2B14A43A6648}"/>
-                </a:ext>
-                <a:ext uri="{C183D7F6-B498-43B3-948B-1728B52AA6E4}">
-                  <adec:decorative xmlns:adec="http://schemas.microsoft.com/office/drawing/2017/decorative" val="1"/>
-                </a:ext>
-              </a:extLst>
-            </p:cNvPr>
-            <p:cNvSpPr>
-              <a:spLocks/>
-            </p:cNvSpPr>
-            <p:nvPr>
-              <p:extLst>
-                <p:ext uri="{386F3935-93C4-4BCD-93E2-E3B085C9AB24}">
-                  <p16:designElem xmlns:p16="http://schemas.microsoft.com/office/powerpoint/2015/main" val="1"/>
-                </p:ext>
-              </p:extLst>
-            </p:nvPr>
-          </p:nvSpPr>
-          <p:spPr bwMode="auto">
-            <a:xfrm rot="6274527">
-              <a:off x="6910134" y="5062687"/>
-              <a:ext cx="647637" cy="678578"/>
-            </a:xfrm>
-            <a:custGeom>
-              <a:avLst/>
-              <a:gdLst>
-                <a:gd name="T0" fmla="*/ 4 w 57"/>
-                <a:gd name="T1" fmla="*/ 34 h 60"/>
-                <a:gd name="T2" fmla="*/ 17 w 57"/>
-                <a:gd name="T3" fmla="*/ 18 h 60"/>
-                <a:gd name="T4" fmla="*/ 26 w 57"/>
-                <a:gd name="T5" fmla="*/ 8 h 60"/>
-                <a:gd name="T6" fmla="*/ 29 w 57"/>
-                <a:gd name="T7" fmla="*/ 5 h 60"/>
-                <a:gd name="T8" fmla="*/ 41 w 57"/>
-                <a:gd name="T9" fmla="*/ 0 h 60"/>
-                <a:gd name="T10" fmla="*/ 51 w 57"/>
-                <a:gd name="T11" fmla="*/ 6 h 60"/>
-                <a:gd name="T12" fmla="*/ 56 w 57"/>
-                <a:gd name="T13" fmla="*/ 16 h 60"/>
-                <a:gd name="T14" fmla="*/ 51 w 57"/>
-                <a:gd name="T15" fmla="*/ 28 h 60"/>
-                <a:gd name="T16" fmla="*/ 29 w 57"/>
-                <a:gd name="T17" fmla="*/ 53 h 60"/>
-                <a:gd name="T18" fmla="*/ 17 w 57"/>
-                <a:gd name="T19" fmla="*/ 59 h 60"/>
-                <a:gd name="T20" fmla="*/ 5 w 57"/>
-                <a:gd name="T21" fmla="*/ 54 h 60"/>
-                <a:gd name="T22" fmla="*/ 0 w 57"/>
-                <a:gd name="T23" fmla="*/ 45 h 60"/>
-                <a:gd name="T24" fmla="*/ 4 w 57"/>
-                <a:gd name="T25" fmla="*/ 34 h 60"/>
-              </a:gdLst>
-              <a:ahLst/>
-              <a:cxnLst>
-                <a:cxn ang="0">
-                  <a:pos x="T0" y="T1"/>
-                </a:cxn>
-                <a:cxn ang="0">
-                  <a:pos x="T2" y="T3"/>
-                </a:cxn>
-                <a:cxn ang="0">
-                  <a:pos x="T4" y="T5"/>
-                </a:cxn>
-                <a:cxn ang="0">
-                  <a:pos x="T6" y="T7"/>
-                </a:cxn>
-                <a:cxn ang="0">
-                  <a:pos x="T8" y="T9"/>
-                </a:cxn>
-                <a:cxn ang="0">
-                  <a:pos x="T10" y="T11"/>
-                </a:cxn>
-                <a:cxn ang="0">
-                  <a:pos x="T12" y="T13"/>
-                </a:cxn>
-                <a:cxn ang="0">
-                  <a:pos x="T14" y="T15"/>
-                </a:cxn>
-                <a:cxn ang="0">
-                  <a:pos x="T16" y="T17"/>
-                </a:cxn>
-                <a:cxn ang="0">
-                  <a:pos x="T18" y="T19"/>
-                </a:cxn>
-                <a:cxn ang="0">
-                  <a:pos x="T20" y="T21"/>
-                </a:cxn>
-                <a:cxn ang="0">
-                  <a:pos x="T22" y="T23"/>
-                </a:cxn>
-                <a:cxn ang="0">
-                  <a:pos x="T24" y="T25"/>
-                </a:cxn>
-              </a:cxnLst>
-              <a:rect l="0" t="0" r="r" b="b"/>
-              <a:pathLst>
-                <a:path w="57" h="60">
-                  <a:moveTo>
-                    <a:pt x="4" y="34"/>
-                  </a:moveTo>
-                  <a:cubicBezTo>
-                    <a:pt x="5" y="33"/>
-                    <a:pt x="17" y="18"/>
-                    <a:pt x="17" y="18"/>
-                  </a:cubicBezTo>
-                  <a:cubicBezTo>
-                    <a:pt x="21" y="14"/>
-                    <a:pt x="24" y="10"/>
-                    <a:pt x="26" y="8"/>
-                  </a:cubicBezTo>
-                  <a:cubicBezTo>
-                    <a:pt x="29" y="5"/>
-                    <a:pt x="29" y="5"/>
-                    <a:pt x="29" y="5"/>
-                  </a:cubicBezTo>
-                  <a:cubicBezTo>
-                    <a:pt x="34" y="2"/>
-                    <a:pt x="38" y="0"/>
-                    <a:pt x="41" y="0"/>
-                  </a:cubicBezTo>
-                  <a:cubicBezTo>
-                    <a:pt x="44" y="1"/>
-                    <a:pt x="47" y="2"/>
-                    <a:pt x="51" y="6"/>
-                  </a:cubicBezTo>
-                  <a:cubicBezTo>
-                    <a:pt x="55" y="10"/>
-                    <a:pt x="57" y="13"/>
-                    <a:pt x="56" y="16"/>
-                  </a:cubicBezTo>
-                  <a:cubicBezTo>
-                    <a:pt x="56" y="19"/>
-                    <a:pt x="54" y="23"/>
-                    <a:pt x="51" y="28"/>
-                  </a:cubicBezTo>
-                  <a:cubicBezTo>
-                    <a:pt x="51" y="28"/>
-                    <a:pt x="33" y="48"/>
-                    <a:pt x="29" y="53"/>
-                  </a:cubicBezTo>
-                  <a:cubicBezTo>
-                    <a:pt x="25" y="57"/>
-                    <a:pt x="21" y="59"/>
-                    <a:pt x="17" y="59"/>
-                  </a:cubicBezTo>
-                  <a:cubicBezTo>
-                    <a:pt x="13" y="60"/>
-                    <a:pt x="9" y="58"/>
-                    <a:pt x="5" y="54"/>
-                  </a:cubicBezTo>
-                  <a:cubicBezTo>
-                    <a:pt x="2" y="51"/>
-                    <a:pt x="0" y="48"/>
-                    <a:pt x="0" y="45"/>
-                  </a:cubicBezTo>
-                  <a:cubicBezTo>
-                    <a:pt x="0" y="42"/>
-                    <a:pt x="2" y="38"/>
-                    <a:pt x="4" y="34"/>
-                  </a:cubicBezTo>
-                  <a:close/>
-                </a:path>
-              </a:pathLst>
-            </a:custGeom>
-            <a:solidFill>
-              <a:schemeClr val="accent2"/>
-            </a:solidFill>
-            <a:ln>
-              <a:noFill/>
-            </a:ln>
-          </p:spPr>
-          <p:txBody>
-            <a:bodyPr vert="horz" wrap="square" lIns="91440" tIns="45720" rIns="91440" bIns="45720" numCol="1" anchor="t" anchorCtr="0" compatLnSpc="1">
-              <a:prstTxWarp prst="textNoShape">
-                <a:avLst/>
-              </a:prstTxWarp>
-            </a:bodyPr>
-            <a:lstStyle/>
-            <a:p>
-              <a:endParaRPr lang="en-US">
-                <a:solidFill>
-                  <a:schemeClr val="accent3"/>
-                </a:solidFill>
-              </a:endParaRPr>
-            </a:p>
-          </p:txBody>
-        </p:sp>
-        <p:sp>
-          <p:nvSpPr>
-            <p:cNvPr id="63" name="Freeform 87">
-              <a:extLst>
-                <a:ext uri="{FF2B5EF4-FFF2-40B4-BE49-F238E27FC236}">
-                  <a16:creationId xmlns:a16="http://schemas.microsoft.com/office/drawing/2014/main" id="{79239B91-4327-43B3-AED5-CB9EC1653B47}"/>
-                </a:ext>
-                <a:ext uri="{C183D7F6-B498-43B3-948B-1728B52AA6E4}">
-                  <adec:decorative xmlns:adec="http://schemas.microsoft.com/office/drawing/2017/decorative" val="1"/>
-                </a:ext>
-              </a:extLst>
-            </p:cNvPr>
-            <p:cNvSpPr>
-              <a:spLocks/>
-            </p:cNvSpPr>
-            <p:nvPr>
-              <p:extLst>
-                <p:ext uri="{386F3935-93C4-4BCD-93E2-E3B085C9AB24}">
-                  <p16:designElem xmlns:p16="http://schemas.microsoft.com/office/powerpoint/2015/main" val="1"/>
-                </p:ext>
-              </p:extLst>
-            </p:nvPr>
-          </p:nvSpPr>
-          <p:spPr bwMode="auto">
-            <a:xfrm rot="4430858">
-              <a:off x="4571743" y="5071596"/>
-              <a:ext cx="626472" cy="670149"/>
-            </a:xfrm>
-            <a:custGeom>
-              <a:avLst/>
-              <a:gdLst>
-                <a:gd name="T0" fmla="*/ 0 w 55"/>
-                <a:gd name="T1" fmla="*/ 17 h 59"/>
-                <a:gd name="T2" fmla="*/ 1 w 55"/>
-                <a:gd name="T3" fmla="*/ 11 h 59"/>
-                <a:gd name="T4" fmla="*/ 4 w 55"/>
-                <a:gd name="T5" fmla="*/ 6 h 59"/>
-                <a:gd name="T6" fmla="*/ 7 w 55"/>
-                <a:gd name="T7" fmla="*/ 4 h 59"/>
-                <a:gd name="T8" fmla="*/ 14 w 55"/>
-                <a:gd name="T9" fmla="*/ 0 h 59"/>
-                <a:gd name="T10" fmla="*/ 23 w 55"/>
-                <a:gd name="T11" fmla="*/ 3 h 59"/>
-                <a:gd name="T12" fmla="*/ 31 w 55"/>
-                <a:gd name="T13" fmla="*/ 11 h 59"/>
-                <a:gd name="T14" fmla="*/ 38 w 55"/>
-                <a:gd name="T15" fmla="*/ 20 h 59"/>
-                <a:gd name="T16" fmla="*/ 48 w 55"/>
-                <a:gd name="T17" fmla="*/ 31 h 59"/>
-                <a:gd name="T18" fmla="*/ 55 w 55"/>
-                <a:gd name="T19" fmla="*/ 43 h 59"/>
-                <a:gd name="T20" fmla="*/ 49 w 55"/>
-                <a:gd name="T21" fmla="*/ 55 h 59"/>
-                <a:gd name="T22" fmla="*/ 38 w 55"/>
-                <a:gd name="T23" fmla="*/ 59 h 59"/>
-                <a:gd name="T24" fmla="*/ 33 w 55"/>
-                <a:gd name="T25" fmla="*/ 58 h 59"/>
-                <a:gd name="T26" fmla="*/ 26 w 55"/>
-                <a:gd name="T27" fmla="*/ 53 h 59"/>
-                <a:gd name="T28" fmla="*/ 5 w 55"/>
-                <a:gd name="T29" fmla="*/ 27 h 59"/>
-                <a:gd name="T30" fmla="*/ 0 w 55"/>
-                <a:gd name="T31" fmla="*/ 17 h 59"/>
-              </a:gdLst>
-              <a:ahLst/>
-              <a:cxnLst>
-                <a:cxn ang="0">
-                  <a:pos x="T0" y="T1"/>
-                </a:cxn>
-                <a:cxn ang="0">
-                  <a:pos x="T2" y="T3"/>
-                </a:cxn>
-                <a:cxn ang="0">
-                  <a:pos x="T4" y="T5"/>
-                </a:cxn>
-                <a:cxn ang="0">
-                  <a:pos x="T6" y="T7"/>
-                </a:cxn>
-                <a:cxn ang="0">
-                  <a:pos x="T8" y="T9"/>
-                </a:cxn>
-                <a:cxn ang="0">
-                  <a:pos x="T10" y="T11"/>
-                </a:cxn>
-                <a:cxn ang="0">
-                  <a:pos x="T12" y="T13"/>
-                </a:cxn>
-                <a:cxn ang="0">
-                  <a:pos x="T14" y="T15"/>
-                </a:cxn>
-                <a:cxn ang="0">
-                  <a:pos x="T16" y="T17"/>
-                </a:cxn>
-                <a:cxn ang="0">
-                  <a:pos x="T18" y="T19"/>
-                </a:cxn>
-                <a:cxn ang="0">
-                  <a:pos x="T20" y="T21"/>
-                </a:cxn>
-                <a:cxn ang="0">
-                  <a:pos x="T22" y="T23"/>
-                </a:cxn>
-                <a:cxn ang="0">
-                  <a:pos x="T24" y="T25"/>
-                </a:cxn>
-                <a:cxn ang="0">
-                  <a:pos x="T26" y="T27"/>
-                </a:cxn>
-                <a:cxn ang="0">
-                  <a:pos x="T28" y="T29"/>
-                </a:cxn>
-                <a:cxn ang="0">
-                  <a:pos x="T30" y="T31"/>
-                </a:cxn>
-              </a:cxnLst>
-              <a:rect l="0" t="0" r="r" b="b"/>
-              <a:pathLst>
-                <a:path w="55" h="59">
-                  <a:moveTo>
-                    <a:pt x="0" y="17"/>
-                  </a:moveTo>
-                  <a:cubicBezTo>
-                    <a:pt x="0" y="14"/>
-                    <a:pt x="0" y="12"/>
-                    <a:pt x="1" y="11"/>
-                  </a:cubicBezTo>
-                  <a:cubicBezTo>
-                    <a:pt x="2" y="9"/>
-                    <a:pt x="3" y="8"/>
-                    <a:pt x="4" y="6"/>
-                  </a:cubicBezTo>
-                  <a:cubicBezTo>
-                    <a:pt x="6" y="5"/>
-                    <a:pt x="7" y="4"/>
-                    <a:pt x="7" y="4"/>
-                  </a:cubicBezTo>
-                  <a:cubicBezTo>
-                    <a:pt x="9" y="2"/>
-                    <a:pt x="12" y="1"/>
-                    <a:pt x="14" y="0"/>
-                  </a:cubicBezTo>
-                  <a:cubicBezTo>
-                    <a:pt x="17" y="0"/>
-                    <a:pt x="20" y="1"/>
-                    <a:pt x="23" y="3"/>
-                  </a:cubicBezTo>
-                  <a:cubicBezTo>
-                    <a:pt x="26" y="4"/>
-                    <a:pt x="29" y="7"/>
-                    <a:pt x="31" y="11"/>
-                  </a:cubicBezTo>
-                  <a:cubicBezTo>
-                    <a:pt x="38" y="20"/>
-                    <a:pt x="38" y="20"/>
-                    <a:pt x="38" y="20"/>
-                  </a:cubicBezTo>
-                  <a:cubicBezTo>
-                    <a:pt x="48" y="31"/>
-                    <a:pt x="48" y="31"/>
-                    <a:pt x="48" y="31"/>
-                  </a:cubicBezTo>
-                  <a:cubicBezTo>
-                    <a:pt x="52" y="36"/>
-                    <a:pt x="54" y="40"/>
-                    <a:pt x="55" y="43"/>
-                  </a:cubicBezTo>
-                  <a:cubicBezTo>
-                    <a:pt x="55" y="47"/>
-                    <a:pt x="54" y="52"/>
-                    <a:pt x="49" y="55"/>
-                  </a:cubicBezTo>
-                  <a:cubicBezTo>
-                    <a:pt x="45" y="58"/>
-                    <a:pt x="41" y="59"/>
-                    <a:pt x="38" y="59"/>
-                  </a:cubicBezTo>
-                  <a:cubicBezTo>
-                    <a:pt x="37" y="59"/>
-                    <a:pt x="35" y="59"/>
-                    <a:pt x="33" y="58"/>
-                  </a:cubicBezTo>
-                  <a:cubicBezTo>
-                    <a:pt x="31" y="57"/>
-                    <a:pt x="29" y="55"/>
-                    <a:pt x="26" y="53"/>
-                  </a:cubicBezTo>
-                  <a:cubicBezTo>
-                    <a:pt x="23" y="50"/>
-                    <a:pt x="5" y="27"/>
-                    <a:pt x="5" y="27"/>
-                  </a:cubicBezTo>
-                  <a:cubicBezTo>
-                    <a:pt x="2" y="23"/>
-                    <a:pt x="0" y="19"/>
-                    <a:pt x="0" y="17"/>
-                  </a:cubicBezTo>
-                  <a:close/>
-                </a:path>
-              </a:pathLst>
-            </a:custGeom>
-            <a:solidFill>
-              <a:schemeClr val="accent2"/>
-            </a:solidFill>
-            <a:ln>
-              <a:noFill/>
-            </a:ln>
-          </p:spPr>
-          <p:txBody>
-            <a:bodyPr vert="horz" wrap="square" lIns="91440" tIns="45720" rIns="91440" bIns="45720" numCol="1" anchor="t" anchorCtr="0" compatLnSpc="1">
-              <a:prstTxWarp prst="textNoShape">
-                <a:avLst/>
-              </a:prstTxWarp>
-            </a:bodyPr>
-            <a:lstStyle/>
-            <a:p>
-              <a:endParaRPr lang="en-US">
-                <a:solidFill>
-                  <a:schemeClr val="accent3"/>
-                </a:solidFill>
-              </a:endParaRPr>
-            </a:p>
-          </p:txBody>
-        </p:sp>
-      </p:grpSp>
-      <p:grpSp>
-        <p:nvGrpSpPr>
-          <p:cNvPr id="64" name="Group 63">
-            <a:extLst>
-              <a:ext uri="{FF2B5EF4-FFF2-40B4-BE49-F238E27FC236}">
-                <a16:creationId xmlns:a16="http://schemas.microsoft.com/office/drawing/2014/main" id="{F2FD01A0-E6FF-41CD-AEBD-279232B90D43}"/>
-              </a:ext>
-              <a:ext uri="{C183D7F6-B498-43B3-948B-1728B52AA6E4}">
-                <adec:decorative xmlns:adec="http://schemas.microsoft.com/office/drawing/2017/decorative" val="1"/>
-              </a:ext>
-            </a:extLst>
-          </p:cNvPr>
-          <p:cNvGrpSpPr>
-            <a:grpSpLocks noGrp="1" noUngrp="1" noRot="1" noChangeAspect="1" noMove="1" noResize="1"/>
-          </p:cNvGrpSpPr>
-          <p:nvPr>
-            <p:extLst>
-              <p:ext uri="{386F3935-93C4-4BCD-93E2-E3B085C9AB24}">
-                <p16:designElem xmlns:p16="http://schemas.microsoft.com/office/powerpoint/2015/main" val="1"/>
-              </p:ext>
-            </p:extLst>
-          </p:nvPr>
-        </p:nvGrpSpPr>
-        <p:grpSpPr>
-          <a:xfrm rot="10800000">
-            <a:off x="7990093" y="5372723"/>
-            <a:ext cx="2088038" cy="719230"/>
-            <a:chOff x="4532666" y="505937"/>
-            <a:chExt cx="2981730" cy="1027064"/>
-          </a:xfrm>
-        </p:grpSpPr>
-        <p:sp>
-          <p:nvSpPr>
-            <p:cNvPr id="65" name="Freeform 78">
-              <a:extLst>
-                <a:ext uri="{FF2B5EF4-FFF2-40B4-BE49-F238E27FC236}">
-                  <a16:creationId xmlns:a16="http://schemas.microsoft.com/office/drawing/2014/main" id="{811C6308-5554-4129-8881-A95AF512C52C}"/>
-                </a:ext>
-                <a:ext uri="{C183D7F6-B498-43B3-948B-1728B52AA6E4}">
-                  <adec:decorative xmlns:adec="http://schemas.microsoft.com/office/drawing/2017/decorative" val="1"/>
-                </a:ext>
-              </a:extLst>
-            </p:cNvPr>
-            <p:cNvSpPr>
-              <a:spLocks/>
-            </p:cNvSpPr>
-            <p:nvPr>
-              <p:extLst>
-                <p:ext uri="{386F3935-93C4-4BCD-93E2-E3B085C9AB24}">
-                  <p16:designElem xmlns:p16="http://schemas.microsoft.com/office/powerpoint/2015/main" val="1"/>
-                </p:ext>
-              </p:extLst>
-            </p:nvPr>
-          </p:nvSpPr>
-          <p:spPr bwMode="auto">
-            <a:xfrm rot="600114">
-              <a:off x="4532666" y="754398"/>
-              <a:ext cx="694205" cy="713383"/>
-            </a:xfrm>
-            <a:custGeom>
-              <a:avLst/>
-              <a:gdLst>
-                <a:gd name="T0" fmla="*/ 32 w 58"/>
-                <a:gd name="T1" fmla="*/ 56 h 60"/>
-                <a:gd name="T2" fmla="*/ 24 w 58"/>
-                <a:gd name="T3" fmla="*/ 48 h 60"/>
-                <a:gd name="T4" fmla="*/ 14 w 58"/>
-                <a:gd name="T5" fmla="*/ 36 h 60"/>
-                <a:gd name="T6" fmla="*/ 7 w 58"/>
-                <a:gd name="T7" fmla="*/ 29 h 60"/>
-                <a:gd name="T8" fmla="*/ 1 w 58"/>
-                <a:gd name="T9" fmla="*/ 17 h 60"/>
-                <a:gd name="T10" fmla="*/ 7 w 58"/>
-                <a:gd name="T11" fmla="*/ 4 h 60"/>
-                <a:gd name="T12" fmla="*/ 17 w 58"/>
-                <a:gd name="T13" fmla="*/ 1 h 60"/>
-                <a:gd name="T14" fmla="*/ 29 w 58"/>
-                <a:gd name="T15" fmla="*/ 6 h 60"/>
-                <a:gd name="T16" fmla="*/ 31 w 58"/>
-                <a:gd name="T17" fmla="*/ 8 h 60"/>
-                <a:gd name="T18" fmla="*/ 38 w 58"/>
-                <a:gd name="T19" fmla="*/ 15 h 60"/>
-                <a:gd name="T20" fmla="*/ 44 w 58"/>
-                <a:gd name="T21" fmla="*/ 22 h 60"/>
-                <a:gd name="T22" fmla="*/ 54 w 58"/>
-                <a:gd name="T23" fmla="*/ 33 h 60"/>
-                <a:gd name="T24" fmla="*/ 58 w 58"/>
-                <a:gd name="T25" fmla="*/ 44 h 60"/>
-                <a:gd name="T26" fmla="*/ 53 w 58"/>
-                <a:gd name="T27" fmla="*/ 54 h 60"/>
-                <a:gd name="T28" fmla="*/ 42 w 58"/>
-                <a:gd name="T29" fmla="*/ 60 h 60"/>
-                <a:gd name="T30" fmla="*/ 32 w 58"/>
-                <a:gd name="T31" fmla="*/ 56 h 60"/>
-              </a:gdLst>
-              <a:ahLst/>
-              <a:cxnLst>
-                <a:cxn ang="0">
-                  <a:pos x="T0" y="T1"/>
-                </a:cxn>
-                <a:cxn ang="0">
-                  <a:pos x="T2" y="T3"/>
-                </a:cxn>
-                <a:cxn ang="0">
-                  <a:pos x="T4" y="T5"/>
-                </a:cxn>
-                <a:cxn ang="0">
-                  <a:pos x="T6" y="T7"/>
-                </a:cxn>
-                <a:cxn ang="0">
-                  <a:pos x="T8" y="T9"/>
-                </a:cxn>
-                <a:cxn ang="0">
-                  <a:pos x="T10" y="T11"/>
-                </a:cxn>
-                <a:cxn ang="0">
-                  <a:pos x="T12" y="T13"/>
-                </a:cxn>
-                <a:cxn ang="0">
-                  <a:pos x="T14" y="T15"/>
-                </a:cxn>
-                <a:cxn ang="0">
-                  <a:pos x="T16" y="T17"/>
-                </a:cxn>
-                <a:cxn ang="0">
-                  <a:pos x="T18" y="T19"/>
-                </a:cxn>
-                <a:cxn ang="0">
-                  <a:pos x="T20" y="T21"/>
-                </a:cxn>
-                <a:cxn ang="0">
-                  <a:pos x="T22" y="T23"/>
-                </a:cxn>
-                <a:cxn ang="0">
-                  <a:pos x="T24" y="T25"/>
-                </a:cxn>
-                <a:cxn ang="0">
-                  <a:pos x="T26" y="T27"/>
-                </a:cxn>
-                <a:cxn ang="0">
-                  <a:pos x="T28" y="T29"/>
-                </a:cxn>
-                <a:cxn ang="0">
-                  <a:pos x="T30" y="T31"/>
-                </a:cxn>
-              </a:cxnLst>
-              <a:rect l="0" t="0" r="r" b="b"/>
-              <a:pathLst>
-                <a:path w="58" h="60">
-                  <a:moveTo>
-                    <a:pt x="32" y="56"/>
-                  </a:moveTo>
-                  <a:cubicBezTo>
-                    <a:pt x="30" y="54"/>
-                    <a:pt x="31" y="55"/>
-                    <a:pt x="24" y="48"/>
-                  </a:cubicBezTo>
-                  <a:cubicBezTo>
-                    <a:pt x="17" y="40"/>
-                    <a:pt x="14" y="36"/>
-                    <a:pt x="14" y="36"/>
-                  </a:cubicBezTo>
-                  <a:cubicBezTo>
-                    <a:pt x="8" y="30"/>
-                    <a:pt x="14" y="37"/>
-                    <a:pt x="7" y="29"/>
-                  </a:cubicBezTo>
-                  <a:cubicBezTo>
-                    <a:pt x="3" y="24"/>
-                    <a:pt x="1" y="20"/>
-                    <a:pt x="1" y="17"/>
-                  </a:cubicBezTo>
-                  <a:cubicBezTo>
-                    <a:pt x="0" y="13"/>
-                    <a:pt x="3" y="9"/>
-                    <a:pt x="7" y="4"/>
-                  </a:cubicBezTo>
-                  <a:cubicBezTo>
-                    <a:pt x="10" y="2"/>
-                    <a:pt x="13" y="0"/>
-                    <a:pt x="17" y="1"/>
-                  </a:cubicBezTo>
-                  <a:cubicBezTo>
-                    <a:pt x="21" y="1"/>
-                    <a:pt x="25" y="3"/>
-                    <a:pt x="29" y="6"/>
-                  </a:cubicBezTo>
-                  <a:cubicBezTo>
-                    <a:pt x="31" y="8"/>
-                    <a:pt x="31" y="8"/>
-                    <a:pt x="31" y="8"/>
-                  </a:cubicBezTo>
-                  <a:cubicBezTo>
-                    <a:pt x="33" y="11"/>
-                    <a:pt x="37" y="15"/>
-                    <a:pt x="38" y="15"/>
-                  </a:cubicBezTo>
-                  <a:cubicBezTo>
-                    <a:pt x="42" y="20"/>
-                    <a:pt x="40" y="18"/>
-                    <a:pt x="44" y="22"/>
-                  </a:cubicBezTo>
-                  <a:cubicBezTo>
-                    <a:pt x="51" y="29"/>
-                    <a:pt x="50" y="29"/>
-                    <a:pt x="54" y="33"/>
-                  </a:cubicBezTo>
-                  <a:cubicBezTo>
-                    <a:pt x="57" y="37"/>
-                    <a:pt x="58" y="40"/>
-                    <a:pt x="58" y="44"/>
-                  </a:cubicBezTo>
-                  <a:cubicBezTo>
-                    <a:pt x="58" y="47"/>
-                    <a:pt x="56" y="50"/>
-                    <a:pt x="53" y="54"/>
-                  </a:cubicBezTo>
-                  <a:cubicBezTo>
-                    <a:pt x="49" y="58"/>
-                    <a:pt x="45" y="60"/>
-                    <a:pt x="42" y="60"/>
-                  </a:cubicBezTo>
-                  <a:cubicBezTo>
-                    <a:pt x="39" y="60"/>
-                    <a:pt x="36" y="59"/>
-                    <a:pt x="32" y="56"/>
-                  </a:cubicBezTo>
-                  <a:close/>
-                </a:path>
-              </a:pathLst>
-            </a:custGeom>
-            <a:solidFill>
-              <a:schemeClr val="accent2"/>
-            </a:solidFill>
-            <a:ln>
-              <a:noFill/>
-            </a:ln>
-          </p:spPr>
-          <p:txBody>
-            <a:bodyPr vert="horz" wrap="square" lIns="91440" tIns="45720" rIns="91440" bIns="45720" numCol="1" anchor="t" anchorCtr="0" compatLnSpc="1">
-              <a:prstTxWarp prst="textNoShape">
-                <a:avLst/>
-              </a:prstTxWarp>
-            </a:bodyPr>
-            <a:lstStyle/>
-            <a:p>
-              <a:endParaRPr lang="en-US">
-                <a:solidFill>
-                  <a:schemeClr val="accent3"/>
-                </a:solidFill>
-              </a:endParaRPr>
-            </a:p>
-          </p:txBody>
-        </p:sp>
-        <p:sp>
-          <p:nvSpPr>
-            <p:cNvPr id="66" name="Freeform 79">
-              <a:extLst>
-                <a:ext uri="{FF2B5EF4-FFF2-40B4-BE49-F238E27FC236}">
-                  <a16:creationId xmlns:a16="http://schemas.microsoft.com/office/drawing/2014/main" id="{C28F3A03-B53B-433E-8DF7-6B13336D0A53}"/>
-                </a:ext>
-                <a:ext uri="{C183D7F6-B498-43B3-948B-1728B52AA6E4}">
-                  <adec:decorative xmlns:adec="http://schemas.microsoft.com/office/drawing/2017/decorative" val="1"/>
-                </a:ext>
-              </a:extLst>
-            </p:cNvPr>
-            <p:cNvSpPr>
-              <a:spLocks/>
-            </p:cNvSpPr>
-            <p:nvPr>
-              <p:extLst>
-                <p:ext uri="{386F3935-93C4-4BCD-93E2-E3B085C9AB24}">
-                  <p16:designElem xmlns:p16="http://schemas.microsoft.com/office/powerpoint/2015/main" val="1"/>
-                </p:ext>
-              </p:extLst>
-            </p:nvPr>
-          </p:nvSpPr>
-          <p:spPr bwMode="auto">
-            <a:xfrm rot="600114">
-              <a:off x="5791465" y="505937"/>
-              <a:ext cx="587404" cy="943792"/>
-            </a:xfrm>
-            <a:custGeom>
-              <a:avLst/>
-              <a:gdLst>
-                <a:gd name="T0" fmla="*/ 15 w 49"/>
-                <a:gd name="T1" fmla="*/ 65 h 79"/>
-                <a:gd name="T2" fmla="*/ 12 w 49"/>
-                <a:gd name="T3" fmla="*/ 54 h 79"/>
-                <a:gd name="T4" fmla="*/ 8 w 49"/>
-                <a:gd name="T5" fmla="*/ 33 h 79"/>
-                <a:gd name="T6" fmla="*/ 38 w 49"/>
-                <a:gd name="T7" fmla="*/ 24 h 79"/>
-                <a:gd name="T8" fmla="*/ 45 w 49"/>
-                <a:gd name="T9" fmla="*/ 70 h 79"/>
-                <a:gd name="T10" fmla="*/ 15 w 49"/>
-                <a:gd name="T11" fmla="*/ 65 h 79"/>
-              </a:gdLst>
-              <a:ahLst/>
-              <a:cxnLst>
-                <a:cxn ang="0">
-                  <a:pos x="T0" y="T1"/>
-                </a:cxn>
-                <a:cxn ang="0">
-                  <a:pos x="T2" y="T3"/>
-                </a:cxn>
-                <a:cxn ang="0">
-                  <a:pos x="T4" y="T5"/>
-                </a:cxn>
-                <a:cxn ang="0">
-                  <a:pos x="T6" y="T7"/>
-                </a:cxn>
-                <a:cxn ang="0">
-                  <a:pos x="T8" y="T9"/>
-                </a:cxn>
-                <a:cxn ang="0">
-                  <a:pos x="T10" y="T11"/>
-                </a:cxn>
-              </a:cxnLst>
-              <a:rect l="0" t="0" r="r" b="b"/>
-              <a:pathLst>
-                <a:path w="49" h="79">
-                  <a:moveTo>
-                    <a:pt x="15" y="65"/>
-                  </a:moveTo>
-                  <a:cubicBezTo>
-                    <a:pt x="14" y="59"/>
-                    <a:pt x="13" y="58"/>
-                    <a:pt x="12" y="54"/>
-                  </a:cubicBezTo>
-                  <a:cubicBezTo>
-                    <a:pt x="11" y="45"/>
-                    <a:pt x="10" y="40"/>
-                    <a:pt x="8" y="33"/>
-                  </a:cubicBezTo>
-                  <a:cubicBezTo>
-                    <a:pt x="0" y="9"/>
-                    <a:pt x="34" y="0"/>
-                    <a:pt x="38" y="24"/>
-                  </a:cubicBezTo>
-                  <a:cubicBezTo>
-                    <a:pt x="43" y="43"/>
-                    <a:pt x="49" y="60"/>
-                    <a:pt x="45" y="70"/>
-                  </a:cubicBezTo>
-                  <a:cubicBezTo>
-                    <a:pt x="38" y="77"/>
-                    <a:pt x="19" y="79"/>
-                    <a:pt x="15" y="65"/>
-                  </a:cubicBezTo>
-                  <a:close/>
-                </a:path>
-              </a:pathLst>
-            </a:custGeom>
-            <a:solidFill>
-              <a:schemeClr val="accent2"/>
-            </a:solidFill>
-            <a:ln>
-              <a:noFill/>
-            </a:ln>
-          </p:spPr>
-          <p:txBody>
-            <a:bodyPr vert="horz" wrap="square" lIns="91440" tIns="45720" rIns="91440" bIns="45720" numCol="1" anchor="t" anchorCtr="0" compatLnSpc="1">
-              <a:prstTxWarp prst="textNoShape">
-                <a:avLst/>
-              </a:prstTxWarp>
-            </a:bodyPr>
-            <a:lstStyle/>
-            <a:p>
-              <a:endParaRPr lang="en-US">
-                <a:solidFill>
-                  <a:schemeClr val="accent3"/>
-                </a:solidFill>
-              </a:endParaRPr>
-            </a:p>
-          </p:txBody>
-        </p:sp>
-        <p:sp>
-          <p:nvSpPr>
-            <p:cNvPr id="67" name="Freeform 85">
-              <a:extLst>
-                <a:ext uri="{FF2B5EF4-FFF2-40B4-BE49-F238E27FC236}">
-                  <a16:creationId xmlns:a16="http://schemas.microsoft.com/office/drawing/2014/main" id="{E990BBBC-E616-4D0E-9917-A6CA72AAEA42}"/>
-                </a:ext>
-                <a:ext uri="{C183D7F6-B498-43B3-948B-1728B52AA6E4}">
-                  <adec:decorative xmlns:adec="http://schemas.microsoft.com/office/drawing/2017/decorative" val="1"/>
-                </a:ext>
-              </a:extLst>
-            </p:cNvPr>
-            <p:cNvSpPr>
-              <a:spLocks/>
-            </p:cNvSpPr>
-            <p:nvPr>
-              <p:extLst>
-                <p:ext uri="{386F3935-93C4-4BCD-93E2-E3B085C9AB24}">
-                  <p16:designElem xmlns:p16="http://schemas.microsoft.com/office/powerpoint/2015/main" val="1"/>
-                </p:ext>
-              </p:extLst>
-            </p:nvPr>
-          </p:nvSpPr>
-          <p:spPr bwMode="auto">
-            <a:xfrm rot="600114">
-              <a:off x="7087193" y="757585"/>
-              <a:ext cx="427203" cy="775416"/>
-            </a:xfrm>
-            <a:custGeom>
-              <a:avLst/>
-              <a:gdLst>
-                <a:gd name="T0" fmla="*/ 36 w 36"/>
-                <a:gd name="T1" fmla="*/ 15 h 65"/>
-                <a:gd name="T2" fmla="*/ 34 w 36"/>
-                <a:gd name="T3" fmla="*/ 5 h 65"/>
-                <a:gd name="T4" fmla="*/ 28 w 36"/>
-                <a:gd name="T5" fmla="*/ 1 h 65"/>
-                <a:gd name="T6" fmla="*/ 23 w 36"/>
-                <a:gd name="T7" fmla="*/ 0 h 65"/>
-                <a:gd name="T8" fmla="*/ 13 w 36"/>
-                <a:gd name="T9" fmla="*/ 1 h 65"/>
-                <a:gd name="T10" fmla="*/ 7 w 36"/>
-                <a:gd name="T11" fmla="*/ 9 h 65"/>
-                <a:gd name="T12" fmla="*/ 4 w 36"/>
-                <a:gd name="T13" fmla="*/ 19 h 65"/>
-                <a:gd name="T14" fmla="*/ 0 w 36"/>
-                <a:gd name="T15" fmla="*/ 44 h 65"/>
-                <a:gd name="T16" fmla="*/ 1 w 36"/>
-                <a:gd name="T17" fmla="*/ 58 h 65"/>
-                <a:gd name="T18" fmla="*/ 8 w 36"/>
-                <a:gd name="T19" fmla="*/ 64 h 65"/>
-                <a:gd name="T20" fmla="*/ 16 w 36"/>
-                <a:gd name="T21" fmla="*/ 65 h 65"/>
-                <a:gd name="T22" fmla="*/ 25 w 36"/>
-                <a:gd name="T23" fmla="*/ 63 h 65"/>
-                <a:gd name="T24" fmla="*/ 31 w 36"/>
-                <a:gd name="T25" fmla="*/ 55 h 65"/>
-                <a:gd name="T26" fmla="*/ 34 w 36"/>
-                <a:gd name="T27" fmla="*/ 40 h 65"/>
-                <a:gd name="T28" fmla="*/ 36 w 36"/>
-                <a:gd name="T29" fmla="*/ 15 h 65"/>
-              </a:gdLst>
-              <a:ahLst/>
-              <a:cxnLst>
-                <a:cxn ang="0">
-                  <a:pos x="T0" y="T1"/>
-                </a:cxn>
-                <a:cxn ang="0">
-                  <a:pos x="T2" y="T3"/>
-                </a:cxn>
-                <a:cxn ang="0">
-                  <a:pos x="T4" y="T5"/>
-                </a:cxn>
-                <a:cxn ang="0">
-                  <a:pos x="T6" y="T7"/>
-                </a:cxn>
-                <a:cxn ang="0">
-                  <a:pos x="T8" y="T9"/>
-                </a:cxn>
-                <a:cxn ang="0">
-                  <a:pos x="T10" y="T11"/>
-                </a:cxn>
-                <a:cxn ang="0">
-                  <a:pos x="T12" y="T13"/>
-                </a:cxn>
-                <a:cxn ang="0">
-                  <a:pos x="T14" y="T15"/>
-                </a:cxn>
-                <a:cxn ang="0">
-                  <a:pos x="T16" y="T17"/>
-                </a:cxn>
-                <a:cxn ang="0">
-                  <a:pos x="T18" y="T19"/>
-                </a:cxn>
-                <a:cxn ang="0">
-                  <a:pos x="T20" y="T21"/>
-                </a:cxn>
-                <a:cxn ang="0">
-                  <a:pos x="T22" y="T23"/>
-                </a:cxn>
-                <a:cxn ang="0">
-                  <a:pos x="T24" y="T25"/>
-                </a:cxn>
-                <a:cxn ang="0">
-                  <a:pos x="T26" y="T27"/>
-                </a:cxn>
-                <a:cxn ang="0">
-                  <a:pos x="T28" y="T29"/>
-                </a:cxn>
-              </a:cxnLst>
-              <a:rect l="0" t="0" r="r" b="b"/>
-              <a:pathLst>
-                <a:path w="36" h="65">
-                  <a:moveTo>
-                    <a:pt x="36" y="15"/>
-                  </a:moveTo>
-                  <a:cubicBezTo>
-                    <a:pt x="36" y="10"/>
-                    <a:pt x="35" y="7"/>
-                    <a:pt x="34" y="5"/>
-                  </a:cubicBezTo>
-                  <a:cubicBezTo>
-                    <a:pt x="33" y="3"/>
-                    <a:pt x="31" y="2"/>
-                    <a:pt x="28" y="1"/>
-                  </a:cubicBezTo>
-                  <a:cubicBezTo>
-                    <a:pt x="27" y="1"/>
-                    <a:pt x="25" y="1"/>
-                    <a:pt x="23" y="0"/>
-                  </a:cubicBezTo>
-                  <a:cubicBezTo>
-                    <a:pt x="19" y="0"/>
-                    <a:pt x="16" y="0"/>
-                    <a:pt x="13" y="1"/>
-                  </a:cubicBezTo>
-                  <a:cubicBezTo>
-                    <a:pt x="11" y="2"/>
-                    <a:pt x="9" y="4"/>
-                    <a:pt x="7" y="9"/>
-                  </a:cubicBezTo>
-                  <a:cubicBezTo>
-                    <a:pt x="6" y="13"/>
-                    <a:pt x="5" y="17"/>
-                    <a:pt x="4" y="19"/>
-                  </a:cubicBezTo>
-                  <a:cubicBezTo>
-                    <a:pt x="2" y="29"/>
-                    <a:pt x="0" y="44"/>
-                    <a:pt x="0" y="44"/>
-                  </a:cubicBezTo>
-                  <a:cubicBezTo>
-                    <a:pt x="0" y="50"/>
-                    <a:pt x="0" y="55"/>
-                    <a:pt x="1" y="58"/>
-                  </a:cubicBezTo>
-                  <a:cubicBezTo>
-                    <a:pt x="2" y="61"/>
-                    <a:pt x="5" y="63"/>
-                    <a:pt x="8" y="64"/>
-                  </a:cubicBezTo>
-                  <a:cubicBezTo>
-                    <a:pt x="11" y="65"/>
-                    <a:pt x="13" y="65"/>
-                    <a:pt x="16" y="65"/>
-                  </a:cubicBezTo>
-                  <a:cubicBezTo>
-                    <a:pt x="19" y="65"/>
-                    <a:pt x="22" y="64"/>
-                    <a:pt x="25" y="63"/>
-                  </a:cubicBezTo>
-                  <a:cubicBezTo>
-                    <a:pt x="28" y="61"/>
-                    <a:pt x="30" y="59"/>
-                    <a:pt x="31" y="55"/>
-                  </a:cubicBezTo>
-                  <a:cubicBezTo>
-                    <a:pt x="32" y="50"/>
-                    <a:pt x="31" y="54"/>
-                    <a:pt x="34" y="40"/>
-                  </a:cubicBezTo>
-                  <a:lnTo>
-                    <a:pt x="36" y="15"/>
-                  </a:lnTo>
-                  <a:close/>
-                </a:path>
-              </a:pathLst>
-            </a:custGeom>
-            <a:solidFill>
-              <a:schemeClr val="accent2"/>
-            </a:solidFill>
-            <a:ln>
-              <a:noFill/>
-            </a:ln>
-          </p:spPr>
-          <p:txBody>
-            <a:bodyPr vert="horz" wrap="square" lIns="91440" tIns="45720" rIns="91440" bIns="45720" numCol="1" anchor="t" anchorCtr="0" compatLnSpc="1">
-              <a:prstTxWarp prst="textNoShape">
-                <a:avLst/>
-              </a:prstTxWarp>
-            </a:bodyPr>
-            <a:lstStyle/>
-            <a:p>
-              <a:endParaRPr lang="en-US">
-                <a:solidFill>
-                  <a:schemeClr val="accent3"/>
-                </a:solidFill>
-              </a:endParaRPr>
-            </a:p>
-          </p:txBody>
-        </p:sp>
-      </p:grpSp>
-      <p:graphicFrame>
-        <p:nvGraphicFramePr>
-          <p:cNvPr id="3" name="Content Placeholder 3">
-            <a:extLst>
-              <a:ext uri="{FF2B5EF4-FFF2-40B4-BE49-F238E27FC236}">
-                <a16:creationId xmlns:a16="http://schemas.microsoft.com/office/drawing/2014/main" id="{13FA250C-B924-49E7-BB33-EA64A90E3A33}"/>
-              </a:ext>
-            </a:extLst>
-          </p:cNvPr>
-          <p:cNvGraphicFramePr>
-            <a:graphicFrameLocks noGrp="1"/>
-          </p:cNvGraphicFramePr>
-          <p:nvPr>
-            <p:ph idx="1"/>
-            <p:extLst>
-              <p:ext uri="{D42A27DB-BD31-4B8C-83A1-F6EECF244321}">
-                <p14:modId xmlns:p14="http://schemas.microsoft.com/office/powerpoint/2010/main" val="2882676461"/>
-              </p:ext>
-            </p:extLst>
-          </p:nvPr>
-        </p:nvGraphicFramePr>
-        <p:xfrm>
-          <a:off x="0" y="676207"/>
-          <a:ext cx="6388903" cy="4805790"/>
-        </p:xfrm>
-        <a:graphic>
-          <a:graphicData uri="http://schemas.openxmlformats.org/drawingml/2006/diagram">
-            <dgm:relIds xmlns:dgm="http://schemas.openxmlformats.org/drawingml/2006/diagram" xmlns:r="http://schemas.openxmlformats.org/officeDocument/2006/relationships" r:dm="rId2" r:lo="rId3" r:qs="rId4" r:cs="rId5"/>
-          </a:graphicData>
-        </a:graphic>
-      </p:graphicFrame>
-    </p:spTree>
-    <p:extLst>
-      <p:ext uri="{BB962C8B-B14F-4D97-AF65-F5344CB8AC3E}">
-        <p14:creationId xmlns:p14="http://schemas.microsoft.com/office/powerpoint/2010/main" val="359995127"/>
-      </p:ext>
-    </p:extLst>
-  </p:cSld>
-  <p:clrMapOvr>
-    <a:masterClrMapping/>
-  </p:clrMapOvr>
-</p:sld>
-</file>
-
-<file path=ppt/slides/slide9.xml><?xml version="1.0" encoding="utf-8"?>
-<p:sld xmlns:a="http://schemas.openxmlformats.org/drawingml/2006/main" xmlns:r="http://schemas.openxmlformats.org/officeDocument/2006/relationships" xmlns:p="http://schemas.openxmlformats.org/presentationml/2006/main">
-  <p:cSld>
     <p:bg>
       <p:bgPr>
         <a:solidFill>
@@ -26798,6 +28201,1147 @@
 </p:sld>
 </file>
 
+<file path=ppt/slides/slide7.xml><?xml version="1.0" encoding="utf-8"?>
+<p:sld xmlns:a="http://schemas.openxmlformats.org/drawingml/2006/main" xmlns:r="http://schemas.openxmlformats.org/officeDocument/2006/relationships" xmlns:p="http://schemas.openxmlformats.org/presentationml/2006/main">
+  <p:cSld>
+    <p:bg>
+      <p:bgPr>
+        <a:solidFill>
+          <a:schemeClr val="bg2"/>
+        </a:solidFill>
+        <a:effectLst/>
+      </p:bgPr>
+    </p:bg>
+    <p:spTree>
+      <p:nvGrpSpPr>
+        <p:cNvPr id="1" name=""/>
+        <p:cNvGrpSpPr/>
+        <p:nvPr/>
+      </p:nvGrpSpPr>
+      <p:grpSpPr>
+        <a:xfrm>
+          <a:off x="0" y="0"/>
+          <a:ext cx="0" cy="0"/>
+          <a:chOff x="0" y="0"/>
+          <a:chExt cx="0" cy="0"/>
+        </a:xfrm>
+      </p:grpSpPr>
+      <p:sp useBgFill="1">
+        <p:nvSpPr>
+          <p:cNvPr id="27" name="Rectangle 26">
+            <a:extLst>
+              <a:ext uri="{FF2B5EF4-FFF2-40B4-BE49-F238E27FC236}">
+                <a16:creationId xmlns:a16="http://schemas.microsoft.com/office/drawing/2014/main" id="{49AB2859-9215-4481-9FFD-ACB3ED3BEEE7}"/>
+              </a:ext>
+              <a:ext uri="{C183D7F6-B498-43B3-948B-1728B52AA6E4}">
+                <adec:decorative xmlns:adec="http://schemas.microsoft.com/office/drawing/2017/decorative" val="1"/>
+              </a:ext>
+            </a:extLst>
+          </p:cNvPr>
+          <p:cNvSpPr>
+            <a:spLocks noGrp="1" noRot="1" noChangeAspect="1" noMove="1" noResize="1" noEditPoints="1" noAdjustHandles="1" noChangeArrowheads="1" noChangeShapeType="1" noTextEdit="1"/>
+          </p:cNvSpPr>
+          <p:nvPr>
+            <p:extLst>
+              <p:ext uri="{386F3935-93C4-4BCD-93E2-E3B085C9AB24}">
+                <p16:designElem xmlns:p16="http://schemas.microsoft.com/office/powerpoint/2015/main" val="1"/>
+              </p:ext>
+            </p:extLst>
+          </p:nvPr>
+        </p:nvSpPr>
+        <p:spPr>
+          <a:xfrm>
+            <a:off x="0" y="0"/>
+            <a:ext cx="12192000" cy="6858000"/>
+          </a:xfrm>
+          <a:prstGeom prst="rect">
+            <a:avLst/>
+          </a:prstGeom>
+          <a:ln w="12700" cap="flat" cmpd="sng" algn="ctr">
+            <a:noFill/>
+            <a:prstDash val="solid"/>
+            <a:miter lim="800000"/>
+          </a:ln>
+          <a:effectLst/>
+        </p:spPr>
+        <p:style>
+          <a:lnRef idx="2">
+            <a:schemeClr val="accent1">
+              <a:shade val="50000"/>
+            </a:schemeClr>
+          </a:lnRef>
+          <a:fillRef idx="1">
+            <a:schemeClr val="accent1"/>
+          </a:fillRef>
+          <a:effectRef idx="0">
+            <a:schemeClr val="accent1"/>
+          </a:effectRef>
+          <a:fontRef idx="minor">
+            <a:schemeClr val="lt1"/>
+          </a:fontRef>
+        </p:style>
+        <p:txBody>
+          <a:bodyPr rtlCol="0" anchor="ctr"/>
+          <a:lstStyle/>
+          <a:p>
+            <a:pPr algn="ctr"/>
+            <a:endParaRPr lang="en-US"/>
+          </a:p>
+        </p:txBody>
+      </p:sp>
+      <p:sp>
+        <p:nvSpPr>
+          <p:cNvPr id="29" name="Rectangle 28">
+            <a:extLst>
+              <a:ext uri="{FF2B5EF4-FFF2-40B4-BE49-F238E27FC236}">
+                <a16:creationId xmlns:a16="http://schemas.microsoft.com/office/drawing/2014/main" id="{F7605B2C-66D5-459F-863C-CA94B67B7CF3}"/>
+              </a:ext>
+              <a:ext uri="{C183D7F6-B498-43B3-948B-1728B52AA6E4}">
+                <adec:decorative xmlns:adec="http://schemas.microsoft.com/office/drawing/2017/decorative" val="1"/>
+              </a:ext>
+            </a:extLst>
+          </p:cNvPr>
+          <p:cNvSpPr>
+            <a:spLocks noGrp="1" noRot="1" noChangeAspect="1" noMove="1" noResize="1" noEditPoints="1" noAdjustHandles="1" noChangeArrowheads="1" noChangeShapeType="1" noTextEdit="1"/>
+          </p:cNvSpPr>
+          <p:nvPr>
+            <p:extLst>
+              <p:ext uri="{386F3935-93C4-4BCD-93E2-E3B085C9AB24}">
+                <p16:designElem xmlns:p16="http://schemas.microsoft.com/office/powerpoint/2015/main" val="1"/>
+              </p:ext>
+            </p:extLst>
+          </p:nvPr>
+        </p:nvSpPr>
+        <p:spPr>
+          <a:xfrm>
+            <a:off x="0" y="0"/>
+            <a:ext cx="12192000" cy="6858000"/>
+          </a:xfrm>
+          <a:prstGeom prst="rect">
+            <a:avLst/>
+          </a:prstGeom>
+          <a:solidFill>
+            <a:schemeClr val="bg2">
+              <a:lumMod val="90000"/>
+              <a:lumOff val="10000"/>
+            </a:schemeClr>
+          </a:solidFill>
+          <a:ln w="12700" cap="flat" cmpd="sng" algn="ctr">
+            <a:noFill/>
+            <a:prstDash val="solid"/>
+            <a:miter lim="800000"/>
+          </a:ln>
+          <a:effectLst/>
+        </p:spPr>
+        <p:style>
+          <a:lnRef idx="2">
+            <a:schemeClr val="accent1">
+              <a:shade val="50000"/>
+            </a:schemeClr>
+          </a:lnRef>
+          <a:fillRef idx="1">
+            <a:schemeClr val="accent1"/>
+          </a:fillRef>
+          <a:effectRef idx="0">
+            <a:schemeClr val="accent1"/>
+          </a:effectRef>
+          <a:fontRef idx="minor">
+            <a:schemeClr val="lt1"/>
+          </a:fontRef>
+        </p:style>
+        <p:txBody>
+          <a:bodyPr rtlCol="0" anchor="ctr"/>
+          <a:lstStyle/>
+          <a:p>
+            <a:pPr algn="ctr"/>
+            <a:endParaRPr lang="en-US"/>
+          </a:p>
+        </p:txBody>
+      </p:sp>
+      <p:sp useBgFill="1">
+        <p:nvSpPr>
+          <p:cNvPr id="31" name="Freeform: Shape 30">
+            <a:extLst>
+              <a:ext uri="{FF2B5EF4-FFF2-40B4-BE49-F238E27FC236}">
+                <a16:creationId xmlns:a16="http://schemas.microsoft.com/office/drawing/2014/main" id="{3A2A46C2-5C06-493E-9171-580935553179}"/>
+              </a:ext>
+              <a:ext uri="{C183D7F6-B498-43B3-948B-1728B52AA6E4}">
+                <adec:decorative xmlns:adec="http://schemas.microsoft.com/office/drawing/2017/decorative" val="1"/>
+              </a:ext>
+            </a:extLst>
+          </p:cNvPr>
+          <p:cNvSpPr>
+            <a:spLocks noGrp="1" noRot="1" noChangeAspect="1" noMove="1" noResize="1" noEditPoints="1" noAdjustHandles="1" noChangeArrowheads="1" noChangeShapeType="1" noTextEdit="1"/>
+          </p:cNvSpPr>
+          <p:nvPr>
+            <p:extLst>
+              <p:ext uri="{386F3935-93C4-4BCD-93E2-E3B085C9AB24}">
+                <p16:designElem xmlns:p16="http://schemas.microsoft.com/office/powerpoint/2015/main" val="1"/>
+              </p:ext>
+            </p:extLst>
+          </p:nvPr>
+        </p:nvSpPr>
+        <p:spPr>
+          <a:xfrm flipH="1">
+            <a:off x="4263594" y="0"/>
+            <a:ext cx="7928406" cy="6858000"/>
+          </a:xfrm>
+          <a:custGeom>
+            <a:avLst/>
+            <a:gdLst>
+              <a:gd name="connsiteX0" fmla="*/ 0 w 7928406"/>
+              <a:gd name="connsiteY0" fmla="*/ 0 h 6858000"/>
+              <a:gd name="connsiteX1" fmla="*/ 7127397 w 7928406"/>
+              <a:gd name="connsiteY1" fmla="*/ 0 h 6858000"/>
+              <a:gd name="connsiteX2" fmla="*/ 7302120 w 7928406"/>
+              <a:gd name="connsiteY2" fmla="*/ 279455 h 6858000"/>
+              <a:gd name="connsiteX3" fmla="*/ 7928406 w 7928406"/>
+              <a:gd name="connsiteY3" fmla="*/ 3061922 h 6858000"/>
+              <a:gd name="connsiteX4" fmla="*/ 7746627 w 7928406"/>
+              <a:gd name="connsiteY4" fmla="*/ 4515619 h 6858000"/>
+              <a:gd name="connsiteX5" fmla="*/ 7201289 w 7928406"/>
+              <a:gd name="connsiteY5" fmla="*/ 5969316 h 6858000"/>
+              <a:gd name="connsiteX6" fmla="*/ 6608022 w 7928406"/>
+              <a:gd name="connsiteY6" fmla="*/ 6777438 h 6858000"/>
+              <a:gd name="connsiteX7" fmla="*/ 6529065 w 7928406"/>
+              <a:gd name="connsiteY7" fmla="*/ 6858000 h 6858000"/>
+              <a:gd name="connsiteX8" fmla="*/ 0 w 7928406"/>
+              <a:gd name="connsiteY8" fmla="*/ 6858000 h 6858000"/>
+              <a:gd name="connsiteX9" fmla="*/ 0 w 7928406"/>
+              <a:gd name="connsiteY9" fmla="*/ 0 h 6858000"/>
+            </a:gdLst>
+            <a:ahLst/>
+            <a:cxnLst>
+              <a:cxn ang="0">
+                <a:pos x="connsiteX0" y="connsiteY0"/>
+              </a:cxn>
+              <a:cxn ang="0">
+                <a:pos x="connsiteX1" y="connsiteY1"/>
+              </a:cxn>
+              <a:cxn ang="0">
+                <a:pos x="connsiteX2" y="connsiteY2"/>
+              </a:cxn>
+              <a:cxn ang="0">
+                <a:pos x="connsiteX3" y="connsiteY3"/>
+              </a:cxn>
+              <a:cxn ang="0">
+                <a:pos x="connsiteX4" y="connsiteY4"/>
+              </a:cxn>
+              <a:cxn ang="0">
+                <a:pos x="connsiteX5" y="connsiteY5"/>
+              </a:cxn>
+              <a:cxn ang="0">
+                <a:pos x="connsiteX6" y="connsiteY6"/>
+              </a:cxn>
+              <a:cxn ang="0">
+                <a:pos x="connsiteX7" y="connsiteY7"/>
+              </a:cxn>
+              <a:cxn ang="0">
+                <a:pos x="connsiteX8" y="connsiteY8"/>
+              </a:cxn>
+              <a:cxn ang="0">
+                <a:pos x="connsiteX9" y="connsiteY9"/>
+              </a:cxn>
+            </a:cxnLst>
+            <a:rect l="l" t="t" r="r" b="b"/>
+            <a:pathLst>
+              <a:path w="7928406" h="6858000">
+                <a:moveTo>
+                  <a:pt x="0" y="0"/>
+                </a:moveTo>
+                <a:lnTo>
+                  <a:pt x="7127397" y="0"/>
+                </a:lnTo>
+                <a:lnTo>
+                  <a:pt x="7302120" y="279455"/>
+                </a:lnTo>
+                <a:cubicBezTo>
+                  <a:pt x="7719644" y="1021447"/>
+                  <a:pt x="7928406" y="1948936"/>
+                  <a:pt x="7928406" y="3061922"/>
+                </a:cubicBezTo>
+                <a:cubicBezTo>
+                  <a:pt x="7928406" y="3516203"/>
+                  <a:pt x="7867813" y="3970483"/>
+                  <a:pt x="7746627" y="4515619"/>
+                </a:cubicBezTo>
+                <a:cubicBezTo>
+                  <a:pt x="7595144" y="5030470"/>
+                  <a:pt x="7443661" y="5515036"/>
+                  <a:pt x="7201289" y="5969316"/>
+                </a:cubicBezTo>
+                <a:cubicBezTo>
+                  <a:pt x="7019510" y="6275955"/>
+                  <a:pt x="6820689" y="6544265"/>
+                  <a:pt x="6608022" y="6777438"/>
+                </a:cubicBezTo>
+                <a:lnTo>
+                  <a:pt x="6529065" y="6858000"/>
+                </a:lnTo>
+                <a:lnTo>
+                  <a:pt x="0" y="6858000"/>
+                </a:lnTo>
+                <a:lnTo>
+                  <a:pt x="0" y="0"/>
+                </a:lnTo>
+                <a:close/>
+              </a:path>
+            </a:pathLst>
+          </a:custGeom>
+          <a:ln>
+            <a:noFill/>
+          </a:ln>
+        </p:spPr>
+        <p:txBody>
+          <a:bodyPr vert="horz" wrap="square" lIns="91440" tIns="45720" rIns="91440" bIns="45720" numCol="1" anchor="t" anchorCtr="0" compatLnSpc="1">
+            <a:prstTxWarp prst="textNoShape">
+              <a:avLst/>
+            </a:prstTxWarp>
+          </a:bodyPr>
+          <a:lstStyle/>
+          <a:p>
+            <a:endParaRPr lang="en-US">
+              <a:solidFill>
+                <a:schemeClr val="tx1"/>
+              </a:solidFill>
+            </a:endParaRPr>
+          </a:p>
+        </p:txBody>
+      </p:sp>
+      <p:sp>
+        <p:nvSpPr>
+          <p:cNvPr id="2" name="Title 1">
+            <a:extLst>
+              <a:ext uri="{FF2B5EF4-FFF2-40B4-BE49-F238E27FC236}">
+                <a16:creationId xmlns:a16="http://schemas.microsoft.com/office/drawing/2014/main" id="{FFC9B46B-D3DE-6A49-F43C-45546E6BBCE3}"/>
+              </a:ext>
+            </a:extLst>
+          </p:cNvPr>
+          <p:cNvSpPr>
+            <a:spLocks noGrp="1"/>
+          </p:cNvSpPr>
+          <p:nvPr>
+            <p:ph type="title"/>
+          </p:nvPr>
+        </p:nvSpPr>
+        <p:spPr>
+          <a:xfrm>
+            <a:off x="266417" y="619200"/>
+            <a:ext cx="4122704" cy="1476000"/>
+          </a:xfrm>
+        </p:spPr>
+        <p:txBody>
+          <a:bodyPr wrap="square" anchor="ctr">
+            <a:normAutofit/>
+          </a:bodyPr>
+          <a:lstStyle/>
+          <a:p>
+            <a:r>
+              <a:rPr lang="en-CA" dirty="0"/>
+              <a:t>Example 1: Single Test Case</a:t>
+            </a:r>
+          </a:p>
+        </p:txBody>
+      </p:sp>
+      <p:pic>
+        <p:nvPicPr>
+          <p:cNvPr id="5" name="Picture 4">
+            <a:extLst>
+              <a:ext uri="{FF2B5EF4-FFF2-40B4-BE49-F238E27FC236}">
+                <a16:creationId xmlns:a16="http://schemas.microsoft.com/office/drawing/2014/main" id="{9A37A149-BA45-8B51-DEA0-A6F27B937F75}"/>
+              </a:ext>
+            </a:extLst>
+          </p:cNvPr>
+          <p:cNvPicPr>
+            <a:picLocks noChangeAspect="1"/>
+          </p:cNvPicPr>
+          <p:nvPr/>
+        </p:nvPicPr>
+        <p:blipFill rotWithShape="1">
+          <a:blip r:embed="rId2"/>
+          <a:srcRect b="48017"/>
+          <a:stretch/>
+        </p:blipFill>
+        <p:spPr>
+          <a:xfrm>
+            <a:off x="6096000" y="887791"/>
+            <a:ext cx="4236719" cy="1635261"/>
+          </a:xfrm>
+          <a:custGeom>
+            <a:avLst/>
+            <a:gdLst/>
+            <a:ahLst/>
+            <a:cxnLst/>
+            <a:rect l="l" t="t" r="r" b="b"/>
+            <a:pathLst>
+              <a:path w="5014800" h="2524669">
+                <a:moveTo>
+                  <a:pt x="0" y="0"/>
+                </a:moveTo>
+                <a:lnTo>
+                  <a:pt x="5014800" y="0"/>
+                </a:lnTo>
+                <a:lnTo>
+                  <a:pt x="5014800" y="2524669"/>
+                </a:lnTo>
+                <a:lnTo>
+                  <a:pt x="0" y="2524669"/>
+                </a:lnTo>
+                <a:close/>
+              </a:path>
+            </a:pathLst>
+          </a:custGeom>
+        </p:spPr>
+      </p:pic>
+      <p:pic>
+        <p:nvPicPr>
+          <p:cNvPr id="11" name="Picture 10">
+            <a:extLst>
+              <a:ext uri="{FF2B5EF4-FFF2-40B4-BE49-F238E27FC236}">
+                <a16:creationId xmlns:a16="http://schemas.microsoft.com/office/drawing/2014/main" id="{262A81A1-4EBF-443F-5A4F-B24DDC4A9159}"/>
+              </a:ext>
+            </a:extLst>
+          </p:cNvPr>
+          <p:cNvPicPr>
+            <a:picLocks noChangeAspect="1"/>
+          </p:cNvPicPr>
+          <p:nvPr/>
+        </p:nvPicPr>
+        <p:blipFill>
+          <a:blip r:embed="rId3"/>
+          <a:stretch>
+            <a:fillRect/>
+          </a:stretch>
+        </p:blipFill>
+        <p:spPr>
+          <a:xfrm>
+            <a:off x="4847862" y="2946680"/>
+            <a:ext cx="7004504" cy="2328996"/>
+          </a:xfrm>
+          <a:custGeom>
+            <a:avLst/>
+            <a:gdLst/>
+            <a:ahLst/>
+            <a:cxnLst/>
+            <a:rect l="l" t="t" r="r" b="b"/>
+            <a:pathLst>
+              <a:path w="5014800" h="2524669">
+                <a:moveTo>
+                  <a:pt x="0" y="0"/>
+                </a:moveTo>
+                <a:lnTo>
+                  <a:pt x="5014800" y="0"/>
+                </a:lnTo>
+                <a:lnTo>
+                  <a:pt x="5014800" y="2524669"/>
+                </a:lnTo>
+                <a:lnTo>
+                  <a:pt x="0" y="2524669"/>
+                </a:lnTo>
+                <a:close/>
+              </a:path>
+            </a:pathLst>
+          </a:custGeom>
+        </p:spPr>
+      </p:pic>
+      <p:sp>
+        <p:nvSpPr>
+          <p:cNvPr id="3" name="Content Placeholder 2">
+            <a:extLst>
+              <a:ext uri="{FF2B5EF4-FFF2-40B4-BE49-F238E27FC236}">
+                <a16:creationId xmlns:a16="http://schemas.microsoft.com/office/drawing/2014/main" id="{8AEFE218-99F2-14D1-325B-9784133C9D95}"/>
+              </a:ext>
+            </a:extLst>
+          </p:cNvPr>
+          <p:cNvSpPr>
+            <a:spLocks noGrp="1"/>
+          </p:cNvSpPr>
+          <p:nvPr>
+            <p:ph idx="1"/>
+          </p:nvPr>
+        </p:nvSpPr>
+        <p:spPr>
+          <a:xfrm>
+            <a:off x="375291" y="2483031"/>
+            <a:ext cx="4991962" cy="3216273"/>
+          </a:xfrm>
+        </p:spPr>
+        <p:txBody>
+          <a:bodyPr>
+            <a:normAutofit/>
+          </a:bodyPr>
+          <a:lstStyle/>
+          <a:p>
+            <a:r>
+              <a:rPr lang="en-CA" dirty="0"/>
+              <a:t>Assert expected result</a:t>
+            </a:r>
+          </a:p>
+          <a:p>
+            <a:r>
+              <a:rPr lang="en-CA" dirty="0"/>
+              <a:t>Can be run in any order</a:t>
+            </a:r>
+          </a:p>
+        </p:txBody>
+      </p:sp>
+    </p:spTree>
+    <p:extLst>
+      <p:ext uri="{BB962C8B-B14F-4D97-AF65-F5344CB8AC3E}">
+        <p14:creationId xmlns:p14="http://schemas.microsoft.com/office/powerpoint/2010/main" val="385140032"/>
+      </p:ext>
+    </p:extLst>
+  </p:cSld>
+  <p:clrMapOvr>
+    <a:masterClrMapping/>
+  </p:clrMapOvr>
+</p:sld>
+</file>
+
+<file path=ppt/slides/slide8.xml><?xml version="1.0" encoding="utf-8"?>
+<p:sld xmlns:a="http://schemas.openxmlformats.org/drawingml/2006/main" xmlns:r="http://schemas.openxmlformats.org/officeDocument/2006/relationships" xmlns:p="http://schemas.openxmlformats.org/presentationml/2006/main">
+  <p:cSld>
+    <p:bg>
+      <p:bgPr>
+        <a:solidFill>
+          <a:schemeClr val="bg2"/>
+        </a:solidFill>
+        <a:effectLst/>
+      </p:bgPr>
+    </p:bg>
+    <p:spTree>
+      <p:nvGrpSpPr>
+        <p:cNvPr id="1" name=""/>
+        <p:cNvGrpSpPr/>
+        <p:nvPr/>
+      </p:nvGrpSpPr>
+      <p:grpSpPr>
+        <a:xfrm>
+          <a:off x="0" y="0"/>
+          <a:ext cx="0" cy="0"/>
+          <a:chOff x="0" y="0"/>
+          <a:chExt cx="0" cy="0"/>
+        </a:xfrm>
+      </p:grpSpPr>
+      <p:sp useBgFill="1">
+        <p:nvSpPr>
+          <p:cNvPr id="12" name="Rectangle 11">
+            <a:extLst>
+              <a:ext uri="{FF2B5EF4-FFF2-40B4-BE49-F238E27FC236}">
+                <a16:creationId xmlns:a16="http://schemas.microsoft.com/office/drawing/2014/main" id="{AA32DEB2-F749-473E-8163-50609FD3F0F7}"/>
+              </a:ext>
+              <a:ext uri="{C183D7F6-B498-43B3-948B-1728B52AA6E4}">
+                <adec:decorative xmlns:adec="http://schemas.microsoft.com/office/drawing/2017/decorative" val="1"/>
+              </a:ext>
+            </a:extLst>
+          </p:cNvPr>
+          <p:cNvSpPr>
+            <a:spLocks noGrp="1" noRot="1" noChangeAspect="1" noMove="1" noResize="1" noEditPoints="1" noAdjustHandles="1" noChangeArrowheads="1" noChangeShapeType="1" noTextEdit="1"/>
+          </p:cNvSpPr>
+          <p:nvPr>
+            <p:extLst>
+              <p:ext uri="{386F3935-93C4-4BCD-93E2-E3B085C9AB24}">
+                <p16:designElem xmlns:p16="http://schemas.microsoft.com/office/powerpoint/2015/main" val="1"/>
+              </p:ext>
+            </p:extLst>
+          </p:nvPr>
+        </p:nvSpPr>
+        <p:spPr>
+          <a:xfrm>
+            <a:off x="0" y="0"/>
+            <a:ext cx="12192000" cy="6858000"/>
+          </a:xfrm>
+          <a:prstGeom prst="rect">
+            <a:avLst/>
+          </a:prstGeom>
+          <a:ln w="12700" cap="flat" cmpd="sng" algn="ctr">
+            <a:noFill/>
+            <a:prstDash val="solid"/>
+            <a:miter lim="800000"/>
+          </a:ln>
+          <a:effectLst/>
+        </p:spPr>
+        <p:style>
+          <a:lnRef idx="2">
+            <a:schemeClr val="accent1">
+              <a:shade val="50000"/>
+            </a:schemeClr>
+          </a:lnRef>
+          <a:fillRef idx="1">
+            <a:schemeClr val="accent1"/>
+          </a:fillRef>
+          <a:effectRef idx="0">
+            <a:schemeClr val="accent1"/>
+          </a:effectRef>
+          <a:fontRef idx="minor">
+            <a:schemeClr val="lt1"/>
+          </a:fontRef>
+        </p:style>
+        <p:txBody>
+          <a:bodyPr rtlCol="0" anchor="ctr"/>
+          <a:lstStyle/>
+          <a:p>
+            <a:pPr algn="ctr"/>
+            <a:endParaRPr lang="en-US"/>
+          </a:p>
+        </p:txBody>
+      </p:sp>
+      <p:sp>
+        <p:nvSpPr>
+          <p:cNvPr id="14" name="Rectangle 13">
+            <a:extLst>
+              <a:ext uri="{FF2B5EF4-FFF2-40B4-BE49-F238E27FC236}">
+                <a16:creationId xmlns:a16="http://schemas.microsoft.com/office/drawing/2014/main" id="{72217C68-2C96-4AA6-8C3B-876ACBAA0429}"/>
+              </a:ext>
+              <a:ext uri="{C183D7F6-B498-43B3-948B-1728B52AA6E4}">
+                <adec:decorative xmlns:adec="http://schemas.microsoft.com/office/drawing/2017/decorative" val="1"/>
+              </a:ext>
+            </a:extLst>
+          </p:cNvPr>
+          <p:cNvSpPr>
+            <a:spLocks noGrp="1" noRot="1" noChangeAspect="1" noMove="1" noResize="1" noEditPoints="1" noAdjustHandles="1" noChangeArrowheads="1" noChangeShapeType="1" noTextEdit="1"/>
+          </p:cNvSpPr>
+          <p:nvPr>
+            <p:extLst>
+              <p:ext uri="{386F3935-93C4-4BCD-93E2-E3B085C9AB24}">
+                <p16:designElem xmlns:p16="http://schemas.microsoft.com/office/powerpoint/2015/main" val="1"/>
+              </p:ext>
+            </p:extLst>
+          </p:nvPr>
+        </p:nvSpPr>
+        <p:spPr>
+          <a:xfrm>
+            <a:off x="0" y="0"/>
+            <a:ext cx="12192000" cy="6858000"/>
+          </a:xfrm>
+          <a:prstGeom prst="rect">
+            <a:avLst/>
+          </a:prstGeom>
+          <a:solidFill>
+            <a:schemeClr val="bg2">
+              <a:lumMod val="90000"/>
+              <a:lumOff val="10000"/>
+            </a:schemeClr>
+          </a:solidFill>
+          <a:ln w="12700" cap="flat" cmpd="sng" algn="ctr">
+            <a:noFill/>
+            <a:prstDash val="solid"/>
+            <a:miter lim="800000"/>
+          </a:ln>
+          <a:effectLst/>
+        </p:spPr>
+        <p:style>
+          <a:lnRef idx="2">
+            <a:schemeClr val="accent1">
+              <a:shade val="50000"/>
+            </a:schemeClr>
+          </a:lnRef>
+          <a:fillRef idx="1">
+            <a:schemeClr val="accent1"/>
+          </a:fillRef>
+          <a:effectRef idx="0">
+            <a:schemeClr val="accent1"/>
+          </a:effectRef>
+          <a:fontRef idx="minor">
+            <a:schemeClr val="lt1"/>
+          </a:fontRef>
+        </p:style>
+        <p:txBody>
+          <a:bodyPr rtlCol="0" anchor="ctr"/>
+          <a:lstStyle/>
+          <a:p>
+            <a:pPr algn="ctr"/>
+            <a:endParaRPr lang="en-US"/>
+          </a:p>
+        </p:txBody>
+      </p:sp>
+      <p:sp>
+        <p:nvSpPr>
+          <p:cNvPr id="2" name="Title 1">
+            <a:extLst>
+              <a:ext uri="{FF2B5EF4-FFF2-40B4-BE49-F238E27FC236}">
+                <a16:creationId xmlns:a16="http://schemas.microsoft.com/office/drawing/2014/main" id="{A447DDCA-E2D4-CA09-8CE2-32ACE9A10C6C}"/>
+              </a:ext>
+            </a:extLst>
+          </p:cNvPr>
+          <p:cNvSpPr>
+            <a:spLocks noGrp="1"/>
+          </p:cNvSpPr>
+          <p:nvPr>
+            <p:ph type="title"/>
+          </p:nvPr>
+        </p:nvSpPr>
+        <p:spPr>
+          <a:xfrm>
+            <a:off x="720000" y="619201"/>
+            <a:ext cx="3095626" cy="1477328"/>
+          </a:xfrm>
+        </p:spPr>
+        <p:txBody>
+          <a:bodyPr>
+            <a:normAutofit/>
+          </a:bodyPr>
+          <a:lstStyle/>
+          <a:p>
+            <a:r>
+              <a:rPr lang="en-CA" dirty="0"/>
+              <a:t>Example 2: Test Fixture</a:t>
+            </a:r>
+          </a:p>
+        </p:txBody>
+      </p:sp>
+      <p:sp>
+        <p:nvSpPr>
+          <p:cNvPr id="3" name="Content Placeholder 2">
+            <a:extLst>
+              <a:ext uri="{FF2B5EF4-FFF2-40B4-BE49-F238E27FC236}">
+                <a16:creationId xmlns:a16="http://schemas.microsoft.com/office/drawing/2014/main" id="{5C5E884F-D07B-2DFB-7A93-4960D9DC8BB0}"/>
+              </a:ext>
+            </a:extLst>
+          </p:cNvPr>
+          <p:cNvSpPr>
+            <a:spLocks noGrp="1"/>
+          </p:cNvSpPr>
+          <p:nvPr>
+            <p:ph idx="1"/>
+          </p:nvPr>
+        </p:nvSpPr>
+        <p:spPr>
+          <a:xfrm>
+            <a:off x="4548188" y="633600"/>
+            <a:ext cx="6900137" cy="1682880"/>
+          </a:xfrm>
+        </p:spPr>
+        <p:txBody>
+          <a:bodyPr>
+            <a:normAutofit/>
+          </a:bodyPr>
+          <a:lstStyle/>
+          <a:p>
+            <a:pPr>
+              <a:lnSpc>
+                <a:spcPct val="110000"/>
+              </a:lnSpc>
+            </a:pPr>
+            <a:r>
+              <a:rPr lang="en-CA" sz="1600" dirty="0"/>
+              <a:t>Setup for test</a:t>
+            </a:r>
+          </a:p>
+          <a:p>
+            <a:pPr>
+              <a:lnSpc>
+                <a:spcPct val="110000"/>
+              </a:lnSpc>
+            </a:pPr>
+            <a:r>
+              <a:rPr lang="en-CA" sz="1600" dirty="0"/>
+              <a:t>Tear down after a test</a:t>
+            </a:r>
+          </a:p>
+          <a:p>
+            <a:pPr>
+              <a:lnSpc>
+                <a:spcPct val="110000"/>
+              </a:lnSpc>
+            </a:pPr>
+            <a:r>
+              <a:rPr lang="en-CA" sz="1600" dirty="0"/>
+              <a:t>Runs regardless of if test fails</a:t>
+            </a:r>
+          </a:p>
+          <a:p>
+            <a:pPr>
+              <a:lnSpc>
+                <a:spcPct val="110000"/>
+              </a:lnSpc>
+            </a:pPr>
+            <a:r>
+              <a:rPr lang="en-CA" sz="1600" dirty="0"/>
+              <a:t>Can be reused</a:t>
+            </a:r>
+          </a:p>
+        </p:txBody>
+      </p:sp>
+      <p:sp useBgFill="1">
+        <p:nvSpPr>
+          <p:cNvPr id="16" name="Freeform: Shape 15">
+            <a:extLst>
+              <a:ext uri="{FF2B5EF4-FFF2-40B4-BE49-F238E27FC236}">
+                <a16:creationId xmlns:a16="http://schemas.microsoft.com/office/drawing/2014/main" id="{713C28E7-3F64-4B98-9E91-E3E78398A7C2}"/>
+              </a:ext>
+              <a:ext uri="{C183D7F6-B498-43B3-948B-1728B52AA6E4}">
+                <adec:decorative xmlns:adec="http://schemas.microsoft.com/office/drawing/2017/decorative" val="1"/>
+              </a:ext>
+            </a:extLst>
+          </p:cNvPr>
+          <p:cNvSpPr>
+            <a:spLocks noGrp="1" noRot="1" noChangeAspect="1" noMove="1" noResize="1" noEditPoints="1" noAdjustHandles="1" noChangeArrowheads="1" noChangeShapeType="1" noTextEdit="1"/>
+          </p:cNvSpPr>
+          <p:nvPr>
+            <p:extLst>
+              <p:ext uri="{386F3935-93C4-4BCD-93E2-E3B085C9AB24}">
+                <p16:designElem xmlns:p16="http://schemas.microsoft.com/office/powerpoint/2015/main" val="1"/>
+              </p:ext>
+            </p:extLst>
+          </p:nvPr>
+        </p:nvSpPr>
+        <p:spPr>
+          <a:xfrm>
+            <a:off x="0" y="2549712"/>
+            <a:ext cx="12192000" cy="4308287"/>
+          </a:xfrm>
+          <a:custGeom>
+            <a:avLst/>
+            <a:gdLst>
+              <a:gd name="connsiteX0" fmla="*/ 8433532 w 12192000"/>
+              <a:gd name="connsiteY0" fmla="*/ 0 h 4430824"/>
+              <a:gd name="connsiteX1" fmla="*/ 10752995 w 12192000"/>
+              <a:gd name="connsiteY1" fmla="*/ 67992 h 4430824"/>
+              <a:gd name="connsiteX2" fmla="*/ 11679766 w 12192000"/>
+              <a:gd name="connsiteY2" fmla="*/ 57486 h 4430824"/>
+              <a:gd name="connsiteX3" fmla="*/ 12192000 w 12192000"/>
+              <a:gd name="connsiteY3" fmla="*/ 51680 h 4430824"/>
+              <a:gd name="connsiteX4" fmla="*/ 12192000 w 12192000"/>
+              <a:gd name="connsiteY4" fmla="*/ 4430824 h 4430824"/>
+              <a:gd name="connsiteX5" fmla="*/ 0 w 12192000"/>
+              <a:gd name="connsiteY5" fmla="*/ 4430824 h 4430824"/>
+              <a:gd name="connsiteX6" fmla="*/ 0 w 12192000"/>
+              <a:gd name="connsiteY6" fmla="*/ 95596 h 4430824"/>
+              <a:gd name="connsiteX7" fmla="*/ 110687 w 12192000"/>
+              <a:gd name="connsiteY7" fmla="*/ 94341 h 4430824"/>
+              <a:gd name="connsiteX8" fmla="*/ 324281 w 12192000"/>
+              <a:gd name="connsiteY8" fmla="*/ 91920 h 4430824"/>
+              <a:gd name="connsiteX9" fmla="*/ 8433532 w 12192000"/>
+              <a:gd name="connsiteY9" fmla="*/ 0 h 4430824"/>
+            </a:gdLst>
+            <a:ahLst/>
+            <a:cxnLst>
+              <a:cxn ang="0">
+                <a:pos x="connsiteX0" y="connsiteY0"/>
+              </a:cxn>
+              <a:cxn ang="0">
+                <a:pos x="connsiteX1" y="connsiteY1"/>
+              </a:cxn>
+              <a:cxn ang="0">
+                <a:pos x="connsiteX2" y="connsiteY2"/>
+              </a:cxn>
+              <a:cxn ang="0">
+                <a:pos x="connsiteX3" y="connsiteY3"/>
+              </a:cxn>
+              <a:cxn ang="0">
+                <a:pos x="connsiteX4" y="connsiteY4"/>
+              </a:cxn>
+              <a:cxn ang="0">
+                <a:pos x="connsiteX5" y="connsiteY5"/>
+              </a:cxn>
+              <a:cxn ang="0">
+                <a:pos x="connsiteX6" y="connsiteY6"/>
+              </a:cxn>
+              <a:cxn ang="0">
+                <a:pos x="connsiteX7" y="connsiteY7"/>
+              </a:cxn>
+              <a:cxn ang="0">
+                <a:pos x="connsiteX8" y="connsiteY8"/>
+              </a:cxn>
+              <a:cxn ang="0">
+                <a:pos x="connsiteX9" y="connsiteY9"/>
+              </a:cxn>
+            </a:cxnLst>
+            <a:rect l="l" t="t" r="r" b="b"/>
+            <a:pathLst>
+              <a:path w="12192000" h="4430824">
+                <a:moveTo>
+                  <a:pt x="8433532" y="0"/>
+                </a:moveTo>
+                <a:cubicBezTo>
+                  <a:pt x="10752995" y="67992"/>
+                  <a:pt x="10752995" y="67992"/>
+                  <a:pt x="10752995" y="67992"/>
+                </a:cubicBezTo>
+                <a:cubicBezTo>
+                  <a:pt x="11679766" y="57486"/>
+                  <a:pt x="11679766" y="57486"/>
+                  <a:pt x="11679766" y="57486"/>
+                </a:cubicBezTo>
+                <a:lnTo>
+                  <a:pt x="12192000" y="51680"/>
+                </a:lnTo>
+                <a:lnTo>
+                  <a:pt x="12192000" y="4430824"/>
+                </a:lnTo>
+                <a:lnTo>
+                  <a:pt x="0" y="4430824"/>
+                </a:lnTo>
+                <a:lnTo>
+                  <a:pt x="0" y="95596"/>
+                </a:lnTo>
+                <a:lnTo>
+                  <a:pt x="110687" y="94341"/>
+                </a:lnTo>
+                <a:cubicBezTo>
+                  <a:pt x="193952" y="93397"/>
+                  <a:pt x="266357" y="92577"/>
+                  <a:pt x="324281" y="91920"/>
+                </a:cubicBezTo>
+                <a:cubicBezTo>
+                  <a:pt x="8433532" y="0"/>
+                  <a:pt x="8433532" y="0"/>
+                  <a:pt x="8433532" y="0"/>
+                </a:cubicBezTo>
+                <a:close/>
+              </a:path>
+            </a:pathLst>
+          </a:custGeom>
+          <a:ln w="12700" cap="flat" cmpd="sng" algn="ctr">
+            <a:noFill/>
+            <a:prstDash val="solid"/>
+            <a:miter lim="800000"/>
+          </a:ln>
+          <a:effectLst/>
+        </p:spPr>
+        <p:style>
+          <a:lnRef idx="2">
+            <a:schemeClr val="accent1">
+              <a:shade val="50000"/>
+            </a:schemeClr>
+          </a:lnRef>
+          <a:fillRef idx="1">
+            <a:schemeClr val="accent1"/>
+          </a:fillRef>
+          <a:effectRef idx="0">
+            <a:schemeClr val="accent1"/>
+          </a:effectRef>
+          <a:fontRef idx="minor">
+            <a:schemeClr val="lt1"/>
+          </a:fontRef>
+        </p:style>
+        <p:txBody>
+          <a:bodyPr wrap="square" rtlCol="0" anchor="ctr">
+            <a:noAutofit/>
+          </a:bodyPr>
+          <a:lstStyle/>
+          <a:p>
+            <a:pPr algn="ctr"/>
+            <a:endParaRPr lang="en-US">
+              <a:solidFill>
+                <a:schemeClr val="bg2"/>
+              </a:solidFill>
+            </a:endParaRPr>
+          </a:p>
+        </p:txBody>
+      </p:sp>
+      <p:pic>
+        <p:nvPicPr>
+          <p:cNvPr id="7" name="Picture 6">
+            <a:extLst>
+              <a:ext uri="{FF2B5EF4-FFF2-40B4-BE49-F238E27FC236}">
+                <a16:creationId xmlns:a16="http://schemas.microsoft.com/office/drawing/2014/main" id="{345179E3-7101-4013-97B3-C61FA089F666}"/>
+              </a:ext>
+            </a:extLst>
+          </p:cNvPr>
+          <p:cNvPicPr>
+            <a:picLocks noChangeAspect="1"/>
+          </p:cNvPicPr>
+          <p:nvPr/>
+        </p:nvPicPr>
+        <p:blipFill>
+          <a:blip r:embed="rId2"/>
+          <a:stretch>
+            <a:fillRect/>
+          </a:stretch>
+        </p:blipFill>
+        <p:spPr>
+          <a:xfrm>
+            <a:off x="2061754" y="2670518"/>
+            <a:ext cx="8068491" cy="4054417"/>
+          </a:xfrm>
+          <a:custGeom>
+            <a:avLst/>
+            <a:gdLst/>
+            <a:ahLst/>
+            <a:cxnLst/>
+            <a:rect l="l" t="t" r="r" b="b"/>
+            <a:pathLst>
+              <a:path w="10728325" h="3501162">
+                <a:moveTo>
+                  <a:pt x="0" y="0"/>
+                </a:moveTo>
+                <a:lnTo>
+                  <a:pt x="10728325" y="0"/>
+                </a:lnTo>
+                <a:lnTo>
+                  <a:pt x="10728325" y="3501162"/>
+                </a:lnTo>
+                <a:lnTo>
+                  <a:pt x="0" y="3501162"/>
+                </a:lnTo>
+                <a:close/>
+              </a:path>
+            </a:pathLst>
+          </a:custGeom>
+        </p:spPr>
+      </p:pic>
+    </p:spTree>
+    <p:extLst>
+      <p:ext uri="{BB962C8B-B14F-4D97-AF65-F5344CB8AC3E}">
+        <p14:creationId xmlns:p14="http://schemas.microsoft.com/office/powerpoint/2010/main" val="3417459917"/>
+      </p:ext>
+    </p:extLst>
+  </p:cSld>
+  <p:clrMapOvr>
+    <a:masterClrMapping/>
+  </p:clrMapOvr>
+</p:sld>
+</file>
+
+<file path=ppt/slides/slide9.xml><?xml version="1.0" encoding="utf-8"?>
+<p:sld xmlns:a="http://schemas.openxmlformats.org/drawingml/2006/main" xmlns:r="http://schemas.openxmlformats.org/officeDocument/2006/relationships" xmlns:p="http://schemas.openxmlformats.org/presentationml/2006/main">
+  <p:cSld>
+    <p:spTree>
+      <p:nvGrpSpPr>
+        <p:cNvPr id="1" name=""/>
+        <p:cNvGrpSpPr/>
+        <p:nvPr/>
+      </p:nvGrpSpPr>
+      <p:grpSpPr>
+        <a:xfrm>
+          <a:off x="0" y="0"/>
+          <a:ext cx="0" cy="0"/>
+          <a:chOff x="0" y="0"/>
+          <a:chExt cx="0" cy="0"/>
+        </a:xfrm>
+      </p:grpSpPr>
+      <p:sp>
+        <p:nvSpPr>
+          <p:cNvPr id="2" name="Title 1">
+            <a:extLst>
+              <a:ext uri="{FF2B5EF4-FFF2-40B4-BE49-F238E27FC236}">
+                <a16:creationId xmlns:a16="http://schemas.microsoft.com/office/drawing/2014/main" id="{A17C01F0-0212-C187-1F93-7A8E79683F2D}"/>
+              </a:ext>
+            </a:extLst>
+          </p:cNvPr>
+          <p:cNvSpPr>
+            <a:spLocks noGrp="1"/>
+          </p:cNvSpPr>
+          <p:nvPr>
+            <p:ph type="title"/>
+          </p:nvPr>
+        </p:nvSpPr>
+        <p:spPr/>
+        <p:txBody>
+          <a:bodyPr/>
+          <a:lstStyle/>
+          <a:p>
+            <a:r>
+              <a:rPr lang="en-CA" dirty="0"/>
+              <a:t>Example 3: Parameterized Test Fixtures</a:t>
+            </a:r>
+          </a:p>
+        </p:txBody>
+      </p:sp>
+      <p:sp>
+        <p:nvSpPr>
+          <p:cNvPr id="3" name="Content Placeholder 2">
+            <a:extLst>
+              <a:ext uri="{FF2B5EF4-FFF2-40B4-BE49-F238E27FC236}">
+                <a16:creationId xmlns:a16="http://schemas.microsoft.com/office/drawing/2014/main" id="{A9E4F5F7-456B-9D20-1D31-FD6AF2F707EB}"/>
+              </a:ext>
+            </a:extLst>
+          </p:cNvPr>
+          <p:cNvSpPr>
+            <a:spLocks noGrp="1"/>
+          </p:cNvSpPr>
+          <p:nvPr>
+            <p:ph idx="1"/>
+          </p:nvPr>
+        </p:nvSpPr>
+        <p:spPr>
+          <a:xfrm>
+            <a:off x="720000" y="2541600"/>
+            <a:ext cx="4418057" cy="3227375"/>
+          </a:xfrm>
+        </p:spPr>
+        <p:txBody>
+          <a:bodyPr>
+            <a:normAutofit/>
+          </a:bodyPr>
+          <a:lstStyle/>
+          <a:p>
+            <a:r>
+              <a:rPr lang="en-CA" dirty="0"/>
+              <a:t>Many cases, one test</a:t>
+            </a:r>
+          </a:p>
+          <a:p>
+            <a:r>
+              <a:rPr lang="en-CA" dirty="0"/>
+              <a:t>Decorator specifies variable names and values</a:t>
+            </a:r>
+          </a:p>
+          <a:p>
+            <a:pPr lvl="1"/>
+            <a:r>
+              <a:rPr lang="en-CA" dirty="0" err="1"/>
+              <a:t>variable_names</a:t>
+            </a:r>
+            <a:r>
+              <a:rPr lang="en-CA" dirty="0"/>
+              <a:t>: String list of variable names</a:t>
+            </a:r>
+          </a:p>
+          <a:p>
+            <a:pPr lvl="1"/>
+            <a:r>
+              <a:rPr lang="en-CA" dirty="0"/>
+              <a:t>Values: list of tuples containing values for the variables</a:t>
+            </a:r>
+          </a:p>
+        </p:txBody>
+      </p:sp>
+      <p:pic>
+        <p:nvPicPr>
+          <p:cNvPr id="5" name="Picture 4">
+            <a:extLst>
+              <a:ext uri="{FF2B5EF4-FFF2-40B4-BE49-F238E27FC236}">
+                <a16:creationId xmlns:a16="http://schemas.microsoft.com/office/drawing/2014/main" id="{13C4931B-CF93-DE0D-9710-87E4E0F3F482}"/>
+              </a:ext>
+            </a:extLst>
+          </p:cNvPr>
+          <p:cNvPicPr>
+            <a:picLocks noChangeAspect="1"/>
+          </p:cNvPicPr>
+          <p:nvPr/>
+        </p:nvPicPr>
+        <p:blipFill>
+          <a:blip r:embed="rId2"/>
+          <a:stretch>
+            <a:fillRect/>
+          </a:stretch>
+        </p:blipFill>
+        <p:spPr>
+          <a:xfrm>
+            <a:off x="5180847" y="2965268"/>
+            <a:ext cx="6500788" cy="2740646"/>
+          </a:xfrm>
+          <a:prstGeom prst="rect">
+            <a:avLst/>
+          </a:prstGeom>
+        </p:spPr>
+      </p:pic>
+    </p:spTree>
+    <p:extLst>
+      <p:ext uri="{BB962C8B-B14F-4D97-AF65-F5344CB8AC3E}">
+        <p14:creationId xmlns:p14="http://schemas.microsoft.com/office/powerpoint/2010/main" val="728622679"/>
+      </p:ext>
+    </p:extLst>
+  </p:cSld>
+  <p:clrMapOvr>
+    <a:masterClrMapping/>
+  </p:clrMapOvr>
+</p:sld>
+</file>
+
 <file path=ppt/theme/theme1.xml><?xml version="1.0" encoding="utf-8"?>
 <a:theme xmlns:a="http://schemas.openxmlformats.org/drawingml/2006/main" name="BlobVTI">
   <a:themeElements>
